--- a/English/2.Preparing data/7.Invoke function.pptx
+++ b/English/2.Preparing data/7.Invoke function.pptx
@@ -5,21 +5,22 @@
     <p:sldMasterId id="2147483648" r:id="rId1"/>
   </p:sldMasterIdLst>
   <p:notesMasterIdLst>
-    <p:notesMasterId r:id="rId8"/>
+    <p:notesMasterId r:id="rId9"/>
   </p:notesMasterIdLst>
   <p:sldIdLst>
     <p:sldId id="256" r:id="rId2"/>
     <p:sldId id="257" r:id="rId3"/>
-    <p:sldId id="267" r:id="rId4"/>
-    <p:sldId id="268" r:id="rId5"/>
-    <p:sldId id="269" r:id="rId6"/>
-    <p:sldId id="258" r:id="rId7"/>
+    <p:sldId id="269" r:id="rId4"/>
+    <p:sldId id="270" r:id="rId5"/>
+    <p:sldId id="271" r:id="rId6"/>
+    <p:sldId id="272" r:id="rId7"/>
+    <p:sldId id="258" r:id="rId8"/>
   </p:sldIdLst>
   <p:sldSz cx="12192000" cy="6858000"/>
   <p:notesSz cx="6858000" cy="9144000"/>
   <p:defaultTextStyle>
     <a:defPPr>
-      <a:defRPr lang="en-US"/>
+      <a:defRPr lang="en"/>
     </a:defPPr>
     <a:lvl1pPr marL="0" algn="l" defTabSz="914400" rtl="0" eaLnBrk="1" latinLnBrk="0" hangingPunct="1">
       <a:defRPr sz="1800" kern="1200">
@@ -202,7 +203,7 @@
           <a:p>
             <a:fld id="{056BA3B8-9F76-4D81-B71D-76CB85363062}" type="datetimeFigureOut">
               <a:rPr lang="en-US" smtClean="0"/>
-              <a:t>1/8/2025</a:t>
+              <a:t>3/4/2025</a:t>
             </a:fld>
             <a:endParaRPr lang="en-US"/>
           </a:p>
@@ -601,7 +602,7 @@
           <a:p>
             <a:fld id="{6F01DA4D-20EA-48D2-973C-0311EC3005D6}" type="datetimeFigureOut">
               <a:rPr lang="en-US" smtClean="0"/>
-              <a:t>1/8/2025</a:t>
+              <a:t>3/4/2025</a:t>
             </a:fld>
             <a:endParaRPr lang="en-US"/>
           </a:p>
@@ -771,7 +772,7 @@
           <a:p>
             <a:fld id="{6F01DA4D-20EA-48D2-973C-0311EC3005D6}" type="datetimeFigureOut">
               <a:rPr lang="en-US" smtClean="0"/>
-              <a:t>1/8/2025</a:t>
+              <a:t>3/4/2025</a:t>
             </a:fld>
             <a:endParaRPr lang="en-US"/>
           </a:p>
@@ -951,7 +952,7 @@
           <a:p>
             <a:fld id="{6F01DA4D-20EA-48D2-973C-0311EC3005D6}" type="datetimeFigureOut">
               <a:rPr lang="en-US" smtClean="0"/>
-              <a:t>1/8/2025</a:t>
+              <a:t>3/4/2025</a:t>
             </a:fld>
             <a:endParaRPr lang="en-US"/>
           </a:p>
@@ -1121,7 +1122,7 @@
           <a:p>
             <a:fld id="{6F01DA4D-20EA-48D2-973C-0311EC3005D6}" type="datetimeFigureOut">
               <a:rPr lang="en-US" smtClean="0"/>
-              <a:t>1/8/2025</a:t>
+              <a:t>3/4/2025</a:t>
             </a:fld>
             <a:endParaRPr lang="en-US"/>
           </a:p>
@@ -1367,7 +1368,7 @@
           <a:p>
             <a:fld id="{6F01DA4D-20EA-48D2-973C-0311EC3005D6}" type="datetimeFigureOut">
               <a:rPr lang="en-US" smtClean="0"/>
-              <a:t>1/8/2025</a:t>
+              <a:t>3/4/2025</a:t>
             </a:fld>
             <a:endParaRPr lang="en-US"/>
           </a:p>
@@ -1599,7 +1600,7 @@
           <a:p>
             <a:fld id="{6F01DA4D-20EA-48D2-973C-0311EC3005D6}" type="datetimeFigureOut">
               <a:rPr lang="en-US" smtClean="0"/>
-              <a:t>1/8/2025</a:t>
+              <a:t>3/4/2025</a:t>
             </a:fld>
             <a:endParaRPr lang="en-US"/>
           </a:p>
@@ -1966,7 +1967,7 @@
           <a:p>
             <a:fld id="{6F01DA4D-20EA-48D2-973C-0311EC3005D6}" type="datetimeFigureOut">
               <a:rPr lang="en-US" smtClean="0"/>
-              <a:t>1/8/2025</a:t>
+              <a:t>3/4/2025</a:t>
             </a:fld>
             <a:endParaRPr lang="en-US"/>
           </a:p>
@@ -2084,7 +2085,7 @@
           <a:p>
             <a:fld id="{6F01DA4D-20EA-48D2-973C-0311EC3005D6}" type="datetimeFigureOut">
               <a:rPr lang="en-US" smtClean="0"/>
-              <a:t>1/8/2025</a:t>
+              <a:t>3/4/2025</a:t>
             </a:fld>
             <a:endParaRPr lang="en-US"/>
           </a:p>
@@ -2179,7 +2180,7 @@
           <a:p>
             <a:fld id="{6F01DA4D-20EA-48D2-973C-0311EC3005D6}" type="datetimeFigureOut">
               <a:rPr lang="en-US" smtClean="0"/>
-              <a:t>1/8/2025</a:t>
+              <a:t>3/4/2025</a:t>
             </a:fld>
             <a:endParaRPr lang="en-US"/>
           </a:p>
@@ -2456,7 +2457,7 @@
           <a:p>
             <a:fld id="{6F01DA4D-20EA-48D2-973C-0311EC3005D6}" type="datetimeFigureOut">
               <a:rPr lang="en-US" smtClean="0"/>
-              <a:t>1/8/2025</a:t>
+              <a:t>3/4/2025</a:t>
             </a:fld>
             <a:endParaRPr lang="en-US"/>
           </a:p>
@@ -2709,7 +2710,7 @@
           <a:p>
             <a:fld id="{6F01DA4D-20EA-48D2-973C-0311EC3005D6}" type="datetimeFigureOut">
               <a:rPr lang="en-US" smtClean="0"/>
-              <a:t>1/8/2025</a:t>
+              <a:t>3/4/2025</a:t>
             </a:fld>
             <a:endParaRPr lang="en-US"/>
           </a:p>
@@ -2922,7 +2923,7 @@
           <a:p>
             <a:fld id="{6F01DA4D-20EA-48D2-973C-0311EC3005D6}" type="datetimeFigureOut">
               <a:rPr lang="en-US" smtClean="0"/>
-              <a:t>1/8/2025</a:t>
+              <a:t>3/4/2025</a:t>
             </a:fld>
             <a:endParaRPr lang="en-US"/>
           </a:p>
@@ -3343,8 +3344,8 @@
         </p:nvSpPr>
         <p:spPr>
           <a:xfrm>
-            <a:off x="2064861" y="2298661"/>
-            <a:ext cx="9199606" cy="1323439"/>
+            <a:off x="985456" y="1831148"/>
+            <a:ext cx="9199606" cy="2554545"/>
           </a:xfrm>
           <a:prstGeom prst="rect">
             <a:avLst/>
@@ -3357,8 +3358,9 @@
           </a:bodyPr>
           <a:lstStyle/>
           <a:p>
-            <a:r>
-              <a:rPr lang="en-US" sz="8000" b="1" dirty="0" smtClean="0">
+            <a:pPr xmlns:a="http://schemas.openxmlformats.org/drawingml/2006/main" algn="ctr"/>
+            <a:r xmlns:a="http://schemas.openxmlformats.org/drawingml/2006/main">
+              <a:rPr lang="en" sz="8000" b="1" dirty="0" smtClean="0">
                 <a:solidFill>
                   <a:srgbClr val="7030A0"/>
                 </a:solidFill>
@@ -3366,20 +3368,9 @@
                 <a:ea typeface="Verdana" panose="020B0604030504040204" pitchFamily="34" charset="0"/>
                 <a:cs typeface="Segoe UI" panose="020B0502040204020203" pitchFamily="34" charset="0"/>
               </a:rPr>
-              <a:t>Invok</a:t>
-            </a:r>
-            <a:r>
-              <a:rPr lang="en-US" sz="8000" b="1" dirty="0" smtClean="0">
-                <a:solidFill>
-                  <a:srgbClr val="7030A0"/>
-                </a:solidFill>
-                <a:latin typeface="Segoe UI" panose="020B0502040204020203" pitchFamily="34" charset="0"/>
-                <a:ea typeface="Verdana" panose="020B0604030504040204" pitchFamily="34" charset="0"/>
-                <a:cs typeface="Segoe UI" panose="020B0502040204020203" pitchFamily="34" charset="0"/>
-              </a:rPr>
-              <a:t>e functions</a:t>
-            </a:r>
-            <a:endParaRPr lang="en-US" sz="8000" b="1" dirty="0">
+              <a:t>Invoke functions</a:t>
+            </a:r>
+            <a:endParaRPr xmlns:a="http://schemas.openxmlformats.org/drawingml/2006/main" lang="en-US" sz="8000" b="1" dirty="0">
               <a:solidFill>
                 <a:srgbClr val="7030A0"/>
               </a:solidFill>
@@ -3392,14 +3383,14 @@
       </p:sp>
       <p:sp>
         <p:nvSpPr>
-          <p:cNvPr id="4" name="TextBox 3"/>
+          <p:cNvPr id="5" name="TextBox 4"/>
           <p:cNvSpPr txBox="1"/>
           <p:nvPr/>
         </p:nvSpPr>
         <p:spPr>
           <a:xfrm>
-            <a:off x="2000434" y="2231612"/>
-            <a:ext cx="8216801" cy="1323439"/>
+            <a:off x="931601" y="1770416"/>
+            <a:ext cx="9199606" cy="2554545"/>
           </a:xfrm>
           <a:prstGeom prst="rect">
             <a:avLst/>
@@ -3407,13 +3398,14 @@
           <a:noFill/>
         </p:spPr>
         <p:txBody>
-          <a:bodyPr wrap="none" rtlCol="0">
+          <a:bodyPr wrap="square" rtlCol="0">
             <a:spAutoFit/>
           </a:bodyPr>
           <a:lstStyle/>
           <a:p>
-            <a:r>
-              <a:rPr lang="fr-FR" sz="8000" b="1" dirty="0" err="1" smtClean="0">
+            <a:pPr xmlns:a="http://schemas.openxmlformats.org/drawingml/2006/main" algn="ctr"/>
+            <a:r xmlns:a="http://schemas.openxmlformats.org/drawingml/2006/main">
+              <a:rPr lang="en" sz="8000" b="1" dirty="0" smtClean="0">
                 <a:solidFill>
                   <a:schemeClr val="bg1"/>
                 </a:solidFill>
@@ -3421,31 +3413,9 @@
                 <a:ea typeface="Verdana" panose="020B0604030504040204" pitchFamily="34" charset="0"/>
                 <a:cs typeface="Segoe UI" panose="020B0502040204020203" pitchFamily="34" charset="0"/>
               </a:rPr>
-              <a:t>Invoke</a:t>
-            </a:r>
-            <a:r>
-              <a:rPr lang="fr-FR" sz="8000" b="1" dirty="0" smtClean="0">
-                <a:solidFill>
-                  <a:schemeClr val="bg1"/>
-                </a:solidFill>
-                <a:latin typeface="Segoe UI" panose="020B0502040204020203" pitchFamily="34" charset="0"/>
-                <a:ea typeface="Verdana" panose="020B0604030504040204" pitchFamily="34" charset="0"/>
-                <a:cs typeface="Segoe UI" panose="020B0502040204020203" pitchFamily="34" charset="0"/>
-              </a:rPr>
-              <a:t> </a:t>
-            </a:r>
-            <a:r>
-              <a:rPr lang="fr-FR" sz="8000" b="1" dirty="0" err="1" smtClean="0">
-                <a:solidFill>
-                  <a:schemeClr val="bg1"/>
-                </a:solidFill>
-                <a:latin typeface="Segoe UI" panose="020B0502040204020203" pitchFamily="34" charset="0"/>
-                <a:ea typeface="Verdana" panose="020B0604030504040204" pitchFamily="34" charset="0"/>
-                <a:cs typeface="Segoe UI" panose="020B0502040204020203" pitchFamily="34" charset="0"/>
-              </a:rPr>
-              <a:t>functions</a:t>
-            </a:r>
-            <a:endParaRPr lang="en-US" sz="8000" b="1" dirty="0">
+              <a:t>Invoke functions</a:t>
+            </a:r>
+            <a:endParaRPr xmlns:a="http://schemas.openxmlformats.org/drawingml/2006/main" lang="en-US" sz="8000" b="1" dirty="0">
               <a:solidFill>
                 <a:schemeClr val="bg1"/>
               </a:solidFill>
@@ -3508,14 +3478,21 @@
           </a:bodyPr>
           <a:lstStyle/>
           <a:p>
-            <a:r>
-              <a:rPr lang="en-US" sz="2800" dirty="0" smtClean="0">
-                <a:latin typeface="Segoe UI" panose="020B0502040204020203" pitchFamily="34" charset="0"/>
-                <a:cs typeface="Segoe UI" panose="020B0502040204020203" pitchFamily="34" charset="0"/>
-              </a:rPr>
-              <a:t>Invoke functions</a:t>
-            </a:r>
-            <a:endParaRPr lang="en-US" sz="2800" dirty="0">
+            <a:r xmlns:a="http://schemas.openxmlformats.org/drawingml/2006/main">
+              <a:rPr lang="en" sz="2800" dirty="0" smtClean="0">
+                <a:latin typeface="Segoe UI" panose="020B0502040204020203" pitchFamily="34" charset="0"/>
+                <a:cs typeface="Segoe UI" panose="020B0502040204020203" pitchFamily="34" charset="0"/>
+              </a:rPr>
+              <a:t>Invoke </a:t>
+            </a:r>
+            <a:r xmlns:a="http://schemas.openxmlformats.org/drawingml/2006/main">
+              <a:rPr lang="en" sz="2800" dirty="0" err="1" smtClean="0">
+                <a:latin typeface="Segoe UI" panose="020B0502040204020203" pitchFamily="34" charset="0"/>
+                <a:cs typeface="Segoe UI" panose="020B0502040204020203" pitchFamily="34" charset="0"/>
+              </a:rPr>
+              <a:t>functions</a:t>
+            </a:r>
+            <a:endParaRPr xmlns:a="http://schemas.openxmlformats.org/drawingml/2006/main" lang="en-US" sz="2800" dirty="0">
               <a:latin typeface="Segoe UI" panose="020B0502040204020203" pitchFamily="34" charset="0"/>
               <a:cs typeface="Segoe UI" panose="020B0502040204020203" pitchFamily="34" charset="0"/>
             </a:endParaRPr>
@@ -3524,70 +3501,456 @@
       </p:sp>
       <p:sp>
         <p:nvSpPr>
-          <p:cNvPr id="6" name="Rectangle 5"/>
-          <p:cNvSpPr/>
+          <p:cNvPr id="3" name="Rectangle 1"/>
+          <p:cNvSpPr>
+            <a:spLocks noChangeArrowheads="1"/>
+          </p:cNvSpPr>
           <p:nvPr/>
         </p:nvSpPr>
-        <p:spPr>
+        <p:spPr bwMode="auto">
           <a:xfrm>
-            <a:off x="342512" y="927396"/>
-            <a:ext cx="5123261" cy="369332"/>
+            <a:off x="268133" y="888697"/>
+            <a:ext cx="7473329" cy="369332"/>
           </a:xfrm>
           <a:prstGeom prst="rect">
             <a:avLst/>
           </a:prstGeom>
+          <a:noFill/>
+          <a:ln>
+            <a:noFill/>
+          </a:ln>
+          <a:effectLst/>
+          <a:extLst>
+            <a:ext uri="{909E8E84-426E-40DD-AFC4-6F175D3DCCD1}">
+              <a14:hiddenFill xmlns:a14="http://schemas.microsoft.com/office/drawing/2010/main">
+                <a:solidFill>
+                  <a:schemeClr val="accent1"/>
+                </a:solidFill>
+              </a14:hiddenFill>
+            </a:ext>
+            <a:ext uri="{91240B29-F687-4F45-9708-019B960494DF}">
+              <a14:hiddenLine xmlns:a14="http://schemas.microsoft.com/office/drawing/2010/main" w="9525">
+                <a:solidFill>
+                  <a:schemeClr val="tx1"/>
+                </a:solidFill>
+                <a:miter lim="800000"/>
+                <a:headEnd/>
+                <a:tailEnd/>
+              </a14:hiddenLine>
+            </a:ext>
+            <a:ext uri="{AF507438-7753-43E0-B8FC-AC1667EBCBE1}">
+              <a14:hiddenEffects xmlns:a14="http://schemas.microsoft.com/office/drawing/2010/main">
+                <a:effectLst>
+                  <a:outerShdw dist="35921" dir="2700000" algn="ctr" rotWithShape="0">
+                    <a:schemeClr val="bg2"/>
+                  </a:outerShdw>
+                </a:effectLst>
+              </a14:hiddenEffects>
+            </a:ext>
+          </a:extLst>
         </p:spPr>
         <p:txBody>
-          <a:bodyPr wrap="square">
+          <a:bodyPr vert="horz" wrap="square" lIns="91440" tIns="45720" rIns="91440" bIns="45720" numCol="1" anchor="ctr" anchorCtr="0" compatLnSpc="1">
+            <a:prstTxWarp prst="textNoShape">
+              <a:avLst/>
+            </a:prstTxWarp>
             <a:spAutoFit/>
           </a:bodyPr>
           <a:lstStyle/>
           <a:p>
-            <a:r>
-              <a:rPr lang="en-US" dirty="0">
-                <a:latin typeface="Segoe UI" panose="020B0502040204020203" pitchFamily="34" charset="0"/>
-                <a:cs typeface="Segoe UI" panose="020B0502040204020203" pitchFamily="34" charset="0"/>
-              </a:rPr>
-              <a:t>Use the following </a:t>
-            </a:r>
-            <a:r>
-              <a:rPr lang="en-US" dirty="0" smtClean="0">
-                <a:latin typeface="Segoe UI" panose="020B0502040204020203" pitchFamily="34" charset="0"/>
-                <a:cs typeface="Segoe UI" panose="020B0502040204020203" pitchFamily="34" charset="0"/>
-              </a:rPr>
-              <a:t>dataset enter it directly</a:t>
-            </a:r>
-            <a:endParaRPr lang="en-US" dirty="0">
-              <a:latin typeface="Segoe UI" panose="020B0502040204020203" pitchFamily="34" charset="0"/>
-              <a:cs typeface="Segoe UI" panose="020B0502040204020203" pitchFamily="34" charset="0"/>
-            </a:endParaRPr>
-          </a:p>
-        </p:txBody>
-      </p:sp>
-      <p:pic>
-        <p:nvPicPr>
-          <p:cNvPr id="11" name="Picture 10"/>
-          <p:cNvPicPr>
-            <a:picLocks noChangeAspect="1"/>
-          </p:cNvPicPr>
-          <p:nvPr/>
-        </p:nvPicPr>
-        <p:blipFill>
-          <a:blip r:embed="rId2"/>
-          <a:stretch>
-            <a:fillRect/>
-          </a:stretch>
-        </p:blipFill>
-        <p:spPr>
-          <a:xfrm>
-            <a:off x="475866" y="1551318"/>
-            <a:ext cx="10126488" cy="2105319"/>
-          </a:xfrm>
-          <a:prstGeom prst="rect">
-            <a:avLst/>
-          </a:prstGeom>
-        </p:spPr>
-      </p:pic>
+            <a:pPr xmlns:a="http://schemas.openxmlformats.org/drawingml/2006/main" marL="0" marR="0" lvl="0" indent="0" algn="l" defTabSz="914400" rtl="0" eaLnBrk="0" fontAlgn="base" latinLnBrk="0" hangingPunct="0">
+              <a:lnSpc>
+                <a:spcPct val="100000"/>
+              </a:lnSpc>
+              <a:spcBef>
+                <a:spcPct val="0"/>
+              </a:spcBef>
+              <a:spcAft>
+                <a:spcPct val="0"/>
+              </a:spcAft>
+              <a:buClrTx/>
+              <a:buSzTx/>
+              <a:buFontTx/>
+              <a:buNone/>
+              <a:tabLst/>
+            </a:pPr>
+            <a:r xmlns:a="http://schemas.openxmlformats.org/drawingml/2006/main">
+              <a:rPr kumimoji="0" lang="en" altLang="en-US" sz="1800" b="0" i="0" u="none" strike="noStrike" cap="none" normalizeH="0" baseline="0" smtClean="0">
+                <a:ln>
+                  <a:noFill/>
+                </a:ln>
+                <a:solidFill>
+                  <a:schemeClr val="tx1"/>
+                </a:solidFill>
+                <a:effectLst/>
+                <a:latin typeface="Arial" panose="020B0604020202020204" pitchFamily="34" charset="0"/>
+              </a:rPr>
+              <a:t>Use the following data set and enter it directly.</a:t>
+            </a:r>
+          </a:p>
+        </p:txBody>
+      </p:sp>
+      <p:graphicFrame>
+        <p:nvGraphicFramePr>
+          <p:cNvPr id="4" name="Table 3"/>
+          <p:cNvGraphicFramePr>
+            <a:graphicFrameLocks noGrp="1"/>
+          </p:cNvGraphicFramePr>
+          <p:nvPr>
+            <p:extLst>
+              <p:ext uri="{D42A27DB-BD31-4B8C-83A1-F6EECF244321}">
+                <p14:modId xmlns:p14="http://schemas.microsoft.com/office/powerpoint/2010/main" val="541256918"/>
+              </p:ext>
+            </p:extLst>
+          </p:nvPr>
+        </p:nvGraphicFramePr>
+        <p:xfrm>
+          <a:off x="629745" y="1643328"/>
+          <a:ext cx="6592321" cy="1732280"/>
+        </p:xfrm>
+        <a:graphic>
+          <a:graphicData uri="http://schemas.openxmlformats.org/drawingml/2006/table">
+            <a:tbl>
+              <a:tblPr>
+                <a:tableStyleId>{5C22544A-7EE6-4342-B048-85BDC9FD1C3A}</a:tableStyleId>
+              </a:tblPr>
+              <a:tblGrid>
+                <a:gridCol w="1714003">
+                  <a:extLst>
+                    <a:ext uri="{9D8B030D-6E8A-4147-A177-3AD203B41FA5}">
+                      <a16:colId xmlns:a16="http://schemas.microsoft.com/office/drawing/2014/main" val="370682353"/>
+                    </a:ext>
+                  </a:extLst>
+                </a:gridCol>
+                <a:gridCol w="2926991">
+                  <a:extLst>
+                    <a:ext uri="{9D8B030D-6E8A-4147-A177-3AD203B41FA5}">
+                      <a16:colId xmlns:a16="http://schemas.microsoft.com/office/drawing/2014/main" val="3539795942"/>
+                    </a:ext>
+                  </a:extLst>
+                </a:gridCol>
+                <a:gridCol w="1951327">
+                  <a:extLst>
+                    <a:ext uri="{9D8B030D-6E8A-4147-A177-3AD203B41FA5}">
+                      <a16:colId xmlns:a16="http://schemas.microsoft.com/office/drawing/2014/main" val="2007014310"/>
+                    </a:ext>
+                  </a:extLst>
+                </a:gridCol>
+              </a:tblGrid>
+              <a:tr h="184150">
+                <a:tc>
+                  <a:txBody>
+                    <a:bodyPr/>
+                    <a:lstStyle/>
+                    <a:p>
+                      <a:pPr xmlns:a="http://schemas.openxmlformats.org/drawingml/2006/main" algn="l" fontAlgn="b"/>
+                      <a:r xmlns:a="http://schemas.openxmlformats.org/drawingml/2006/main">
+                        <a:rPr lang="en" sz="2800" u="none" strike="noStrike" dirty="0" err="1">
+                          <a:effectLst/>
+                        </a:rPr>
+                        <a:t>SalesID</a:t>
+                      </a:r>
+                      <a:endParaRPr xmlns:a="http://schemas.openxmlformats.org/drawingml/2006/main" lang="en-US" sz="2800" b="0" i="0" u="none" strike="noStrike" dirty="0">
+                        <a:solidFill>
+                          <a:srgbClr val="000000"/>
+                        </a:solidFill>
+                        <a:effectLst/>
+                        <a:latin typeface="Calibri" panose="020F0502020204030204" pitchFamily="34" charset="0"/>
+                      </a:endParaRPr>
+                    </a:p>
+                  </a:txBody>
+                  <a:tcPr marL="6350" marR="6350" marT="6350" marB="0" anchor="b"/>
+                </a:tc>
+                <a:tc>
+                  <a:txBody>
+                    <a:bodyPr/>
+                    <a:lstStyle/>
+                    <a:p>
+                      <a:pPr xmlns:a="http://schemas.openxmlformats.org/drawingml/2006/main" algn="l" fontAlgn="b"/>
+                      <a:r xmlns:a="http://schemas.openxmlformats.org/drawingml/2006/main">
+                        <a:rPr lang="en" sz="2800" u="none" strike="noStrike">
+                          <a:effectLst/>
+                        </a:rPr>
+                        <a:t>Customer Name</a:t>
+                      </a:r>
+                      <a:endParaRPr xmlns:a="http://schemas.openxmlformats.org/drawingml/2006/main" lang="en-US" sz="2800" b="0" i="0" u="none" strike="noStrike">
+                        <a:solidFill>
+                          <a:srgbClr val="000000"/>
+                        </a:solidFill>
+                        <a:effectLst/>
+                        <a:latin typeface="Calibri" panose="020F0502020204030204" pitchFamily="34" charset="0"/>
+                      </a:endParaRPr>
+                    </a:p>
+                  </a:txBody>
+                  <a:tcPr marL="6350" marR="6350" marT="6350" marB="0" anchor="b"/>
+                </a:tc>
+                <a:tc>
+                  <a:txBody>
+                    <a:bodyPr/>
+                    <a:lstStyle/>
+                    <a:p>
+                      <a:pPr xmlns:a="http://schemas.openxmlformats.org/drawingml/2006/main" algn="l" fontAlgn="b"/>
+                      <a:r xmlns:a="http://schemas.openxmlformats.org/drawingml/2006/main">
+                        <a:rPr lang="en" sz="2800" u="none" strike="noStrike">
+                          <a:effectLst/>
+                        </a:rPr>
+                        <a:t>Total Sales</a:t>
+                      </a:r>
+                      <a:endParaRPr xmlns:a="http://schemas.openxmlformats.org/drawingml/2006/main" lang="en-US" sz="2800" b="0" i="0" u="none" strike="noStrike">
+                        <a:solidFill>
+                          <a:srgbClr val="000000"/>
+                        </a:solidFill>
+                        <a:effectLst/>
+                        <a:latin typeface="Calibri" panose="020F0502020204030204" pitchFamily="34" charset="0"/>
+                      </a:endParaRPr>
+                    </a:p>
+                  </a:txBody>
+                  <a:tcPr marL="6350" marR="6350" marT="6350" marB="0" anchor="b"/>
+                </a:tc>
+                <a:extLst>
+                  <a:ext uri="{0D108BD9-81ED-4DB2-BD59-A6C34878D82A}">
+                    <a16:rowId xmlns:a16="http://schemas.microsoft.com/office/drawing/2014/main" val="3520973096"/>
+                  </a:ext>
+                </a:extLst>
+              </a:tr>
+              <a:tr h="184150">
+                <a:tc>
+                  <a:txBody>
+                    <a:bodyPr/>
+                    <a:lstStyle/>
+                    <a:p>
+                      <a:pPr xmlns:a="http://schemas.openxmlformats.org/drawingml/2006/main" algn="r" fontAlgn="b"/>
+                      <a:r xmlns:a="http://schemas.openxmlformats.org/drawingml/2006/main">
+                        <a:rPr lang="en" sz="2800" u="none" strike="noStrike" dirty="0">
+                          <a:effectLst/>
+                        </a:rPr>
+                        <a:t>1</a:t>
+                      </a:r>
+                      <a:endParaRPr xmlns:a="http://schemas.openxmlformats.org/drawingml/2006/main" lang="en-US" sz="2800" b="0" i="0" u="none" strike="noStrike" dirty="0">
+                        <a:solidFill>
+                          <a:srgbClr val="000000"/>
+                        </a:solidFill>
+                        <a:effectLst/>
+                        <a:latin typeface="Calibri" panose="020F0502020204030204" pitchFamily="34" charset="0"/>
+                      </a:endParaRPr>
+                    </a:p>
+                  </a:txBody>
+                  <a:tcPr marL="6350" marR="6350" marT="6350" marB="0" anchor="b"/>
+                </a:tc>
+                <a:tc>
+                  <a:txBody>
+                    <a:bodyPr/>
+                    <a:lstStyle/>
+                    <a:p>
+                      <a:pPr xmlns:a="http://schemas.openxmlformats.org/drawingml/2006/main" algn="l" fontAlgn="b"/>
+                      <a:r xmlns:a="http://schemas.openxmlformats.org/drawingml/2006/main">
+                        <a:rPr lang="en" sz="2800" u="none" strike="noStrike" dirty="0" err="1">
+                          <a:effectLst/>
+                        </a:rPr>
+                        <a:t>John </a:t>
+                      </a:r>
+                      <a:r xmlns:a="http://schemas.openxmlformats.org/drawingml/2006/main">
+                        <a:rPr lang="en" sz="2800" u="none" strike="noStrike" dirty="0">
+                          <a:effectLst/>
+                        </a:rPr>
+                        <a:t>Doe</a:t>
+                      </a:r>
+                      <a:endParaRPr xmlns:a="http://schemas.openxmlformats.org/drawingml/2006/main" lang="en-US" sz="2800" b="0" i="0" u="none" strike="noStrike" dirty="0">
+                        <a:solidFill>
+                          <a:srgbClr val="000000"/>
+                        </a:solidFill>
+                        <a:effectLst/>
+                        <a:latin typeface="Calibri" panose="020F0502020204030204" pitchFamily="34" charset="0"/>
+                      </a:endParaRPr>
+                    </a:p>
+                  </a:txBody>
+                  <a:tcPr marL="6350" marR="6350" marT="6350" marB="0" anchor="b"/>
+                </a:tc>
+                <a:tc>
+                  <a:txBody>
+                    <a:bodyPr/>
+                    <a:lstStyle/>
+                    <a:p>
+                      <a:pPr xmlns:a="http://schemas.openxmlformats.org/drawingml/2006/main" algn="r" fontAlgn="b"/>
+                      <a:r xmlns:a="http://schemas.openxmlformats.org/drawingml/2006/main">
+                        <a:rPr lang="en" sz="2800" u="none" strike="noStrike">
+                          <a:effectLst/>
+                        </a:rPr>
+                        <a:t>1000</a:t>
+                      </a:r>
+                      <a:endParaRPr xmlns:a="http://schemas.openxmlformats.org/drawingml/2006/main" lang="en-US" sz="2800" b="0" i="0" u="none" strike="noStrike">
+                        <a:solidFill>
+                          <a:srgbClr val="000000"/>
+                        </a:solidFill>
+                        <a:effectLst/>
+                        <a:latin typeface="Calibri" panose="020F0502020204030204" pitchFamily="34" charset="0"/>
+                      </a:endParaRPr>
+                    </a:p>
+                  </a:txBody>
+                  <a:tcPr marL="6350" marR="6350" marT="6350" marB="0" anchor="b"/>
+                </a:tc>
+                <a:extLst>
+                  <a:ext uri="{0D108BD9-81ED-4DB2-BD59-A6C34878D82A}">
+                    <a16:rowId xmlns:a16="http://schemas.microsoft.com/office/drawing/2014/main" val="501732208"/>
+                  </a:ext>
+                </a:extLst>
+              </a:tr>
+              <a:tr h="184150">
+                <a:tc>
+                  <a:txBody>
+                    <a:bodyPr/>
+                    <a:lstStyle/>
+                    <a:p>
+                      <a:pPr xmlns:a="http://schemas.openxmlformats.org/drawingml/2006/main" algn="r" fontAlgn="b"/>
+                      <a:r xmlns:a="http://schemas.openxmlformats.org/drawingml/2006/main">
+                        <a:rPr lang="en" sz="2800" u="none" strike="noStrike">
+                          <a:effectLst/>
+                        </a:rPr>
+                        <a:t>2</a:t>
+                      </a:r>
+                      <a:endParaRPr xmlns:a="http://schemas.openxmlformats.org/drawingml/2006/main" lang="en-US" sz="2800" b="0" i="0" u="none" strike="noStrike">
+                        <a:solidFill>
+                          <a:srgbClr val="000000"/>
+                        </a:solidFill>
+                        <a:effectLst/>
+                        <a:latin typeface="Calibri" panose="020F0502020204030204" pitchFamily="34" charset="0"/>
+                      </a:endParaRPr>
+                    </a:p>
+                  </a:txBody>
+                  <a:tcPr marL="6350" marR="6350" marT="6350" marB="0" anchor="b"/>
+                </a:tc>
+                <a:tc>
+                  <a:txBody>
+                    <a:bodyPr/>
+                    <a:lstStyle/>
+                    <a:p>
+                      <a:pPr xmlns:a="http://schemas.openxmlformats.org/drawingml/2006/main" algn="l" fontAlgn="b"/>
+                      <a:r xmlns:a="http://schemas.openxmlformats.org/drawingml/2006/main">
+                        <a:rPr lang="en" sz="2800" u="none" strike="noStrike" dirty="0">
+                          <a:effectLst/>
+                        </a:rPr>
+                        <a:t>Jane Smith</a:t>
+                      </a:r>
+                      <a:endParaRPr xmlns:a="http://schemas.openxmlformats.org/drawingml/2006/main" lang="en-US" sz="2800" b="0" i="0" u="none" strike="noStrike" dirty="0">
+                        <a:solidFill>
+                          <a:srgbClr val="000000"/>
+                        </a:solidFill>
+                        <a:effectLst/>
+                        <a:latin typeface="Calibri" panose="020F0502020204030204" pitchFamily="34" charset="0"/>
+                      </a:endParaRPr>
+                    </a:p>
+                  </a:txBody>
+                  <a:tcPr marL="6350" marR="6350" marT="6350" marB="0" anchor="b"/>
+                </a:tc>
+                <a:tc>
+                  <a:txBody>
+                    <a:bodyPr/>
+                    <a:lstStyle/>
+                    <a:p>
+                      <a:pPr xmlns:a="http://schemas.openxmlformats.org/drawingml/2006/main" algn="r" fontAlgn="b"/>
+                      <a:r xmlns:a="http://schemas.openxmlformats.org/drawingml/2006/main">
+                        <a:rPr lang="en" sz="2800" u="none" strike="noStrike" dirty="0">
+                          <a:effectLst/>
+                        </a:rPr>
+                        <a:t>2000</a:t>
+                      </a:r>
+                      <a:endParaRPr xmlns:a="http://schemas.openxmlformats.org/drawingml/2006/main" lang="en-US" sz="2800" b="0" i="0" u="none" strike="noStrike" dirty="0">
+                        <a:solidFill>
+                          <a:srgbClr val="000000"/>
+                        </a:solidFill>
+                        <a:effectLst/>
+                        <a:latin typeface="Calibri" panose="020F0502020204030204" pitchFamily="34" charset="0"/>
+                      </a:endParaRPr>
+                    </a:p>
+                  </a:txBody>
+                  <a:tcPr marL="6350" marR="6350" marT="6350" marB="0" anchor="b"/>
+                </a:tc>
+                <a:extLst>
+                  <a:ext uri="{0D108BD9-81ED-4DB2-BD59-A6C34878D82A}">
+                    <a16:rowId xmlns:a16="http://schemas.microsoft.com/office/drawing/2014/main" val="3161103107"/>
+                  </a:ext>
+                </a:extLst>
+              </a:tr>
+              <a:tr h="184150">
+                <a:tc>
+                  <a:txBody>
+                    <a:bodyPr/>
+                    <a:lstStyle/>
+                    <a:p>
+                      <a:pPr xmlns:a="http://schemas.openxmlformats.org/drawingml/2006/main" algn="r" fontAlgn="b"/>
+                      <a:r xmlns:a="http://schemas.openxmlformats.org/drawingml/2006/main">
+                        <a:rPr lang="en" sz="2800" u="none" strike="noStrike">
+                          <a:effectLst/>
+                        </a:rPr>
+                        <a:t>3</a:t>
+                      </a:r>
+                      <a:endParaRPr xmlns:a="http://schemas.openxmlformats.org/drawingml/2006/main" lang="en-US" sz="2800" b="0" i="0" u="none" strike="noStrike">
+                        <a:solidFill>
+                          <a:srgbClr val="000000"/>
+                        </a:solidFill>
+                        <a:effectLst/>
+                        <a:latin typeface="Calibri" panose="020F0502020204030204" pitchFamily="34" charset="0"/>
+                      </a:endParaRPr>
+                    </a:p>
+                  </a:txBody>
+                  <a:tcPr marL="6350" marR="6350" marT="6350" marB="0" anchor="b"/>
+                </a:tc>
+                <a:tc>
+                  <a:txBody>
+                    <a:bodyPr/>
+                    <a:lstStyle/>
+                    <a:p>
+                      <a:pPr xmlns:a="http://schemas.openxmlformats.org/drawingml/2006/main" algn="l" fontAlgn="b"/>
+                      <a:r xmlns:a="http://schemas.openxmlformats.org/drawingml/2006/main">
+                        <a:rPr lang="en" sz="2800" u="none" strike="noStrike" dirty="0">
+                          <a:effectLst/>
+                        </a:rPr>
+                        <a:t>Bob Johnson</a:t>
+                      </a:r>
+                      <a:endParaRPr xmlns:a="http://schemas.openxmlformats.org/drawingml/2006/main" lang="en-US" sz="2800" b="0" i="0" u="none" strike="noStrike" dirty="0">
+                        <a:solidFill>
+                          <a:srgbClr val="000000"/>
+                        </a:solidFill>
+                        <a:effectLst/>
+                        <a:latin typeface="Calibri" panose="020F0502020204030204" pitchFamily="34" charset="0"/>
+                      </a:endParaRPr>
+                    </a:p>
+                  </a:txBody>
+                  <a:tcPr marL="6350" marR="6350" marT="6350" marB="0" anchor="b"/>
+                </a:tc>
+                <a:tc>
+                  <a:txBody>
+                    <a:bodyPr/>
+                    <a:lstStyle/>
+                    <a:p>
+                      <a:pPr xmlns:a="http://schemas.openxmlformats.org/drawingml/2006/main" algn="r" fontAlgn="b"/>
+                      <a:r xmlns:a="http://schemas.openxmlformats.org/drawingml/2006/main">
+                        <a:rPr lang="en" sz="2800" u="none" strike="noStrike" dirty="0">
+                          <a:effectLst/>
+                        </a:rPr>
+                        <a:t>1500</a:t>
+                      </a:r>
+                      <a:endParaRPr xmlns:a="http://schemas.openxmlformats.org/drawingml/2006/main" lang="en-US" sz="2800" b="0" i="0" u="none" strike="noStrike" dirty="0">
+                        <a:solidFill>
+                          <a:srgbClr val="000000"/>
+                        </a:solidFill>
+                        <a:effectLst/>
+                        <a:latin typeface="Calibri" panose="020F0502020204030204" pitchFamily="34" charset="0"/>
+                      </a:endParaRPr>
+                    </a:p>
+                  </a:txBody>
+                  <a:tcPr marL="6350" marR="6350" marT="6350" marB="0" anchor="b"/>
+                </a:tc>
+                <a:extLst>
+                  <a:ext uri="{0D108BD9-81ED-4DB2-BD59-A6C34878D82A}">
+                    <a16:rowId xmlns:a16="http://schemas.microsoft.com/office/drawing/2014/main" val="30103634"/>
+                  </a:ext>
+                </a:extLst>
+              </a:tr>
+            </a:tbl>
+          </a:graphicData>
+        </a:graphic>
+      </p:graphicFrame>
     </p:spTree>
     <p:extLst>
       <p:ext uri="{BB962C8B-B14F-4D97-AF65-F5344CB8AC3E}">
@@ -3640,14 +4003,21 @@
           </a:bodyPr>
           <a:lstStyle/>
           <a:p>
-            <a:r>
-              <a:rPr lang="en-US" sz="2800" dirty="0" smtClean="0">
-                <a:latin typeface="Segoe UI" panose="020B0502040204020203" pitchFamily="34" charset="0"/>
-                <a:cs typeface="Segoe UI" panose="020B0502040204020203" pitchFamily="34" charset="0"/>
-              </a:rPr>
-              <a:t>Invoke functions</a:t>
-            </a:r>
-            <a:endParaRPr lang="en-US" sz="2800" dirty="0">
+            <a:r xmlns:a="http://schemas.openxmlformats.org/drawingml/2006/main">
+              <a:rPr lang="en" sz="2800" dirty="0" smtClean="0">
+                <a:latin typeface="Segoe UI" panose="020B0502040204020203" pitchFamily="34" charset="0"/>
+                <a:cs typeface="Segoe UI" panose="020B0502040204020203" pitchFamily="34" charset="0"/>
+              </a:rPr>
+              <a:t>Invoke </a:t>
+            </a:r>
+            <a:r xmlns:a="http://schemas.openxmlformats.org/drawingml/2006/main">
+              <a:rPr lang="en" sz="2800" dirty="0" smtClean="0">
+                <a:latin typeface="Segoe UI" panose="020B0502040204020203" pitchFamily="34" charset="0"/>
+                <a:cs typeface="Segoe UI" panose="020B0502040204020203" pitchFamily="34" charset="0"/>
+              </a:rPr>
+              <a:t>functions</a:t>
+            </a:r>
+            <a:endParaRPr xmlns:a="http://schemas.openxmlformats.org/drawingml/2006/main" lang="fr-FR" sz="2800" dirty="0">
               <a:latin typeface="Segoe UI" panose="020B0502040204020203" pitchFamily="34" charset="0"/>
               <a:cs typeface="Segoe UI" panose="020B0502040204020203" pitchFamily="34" charset="0"/>
             </a:endParaRPr>
@@ -3656,7 +4026,7 @@
       </p:sp>
       <p:sp>
         <p:nvSpPr>
-          <p:cNvPr id="3" name="Rectangle 1"/>
+          <p:cNvPr id="6" name="Rectangle 1"/>
           <p:cNvSpPr>
             <a:spLocks noChangeArrowheads="1"/>
           </p:cNvSpPr>
@@ -3664,8 +4034,8 @@
         </p:nvSpPr>
         <p:spPr bwMode="auto">
           <a:xfrm>
-            <a:off x="336884" y="985742"/>
-            <a:ext cx="7976479" cy="2308324"/>
+            <a:off x="770466" y="903869"/>
+            <a:ext cx="8285153" cy="1477328"/>
           </a:xfrm>
           <a:prstGeom prst="rect">
             <a:avLst/>
@@ -3713,7 +4083,7 @@
           </a:bodyPr>
           <a:lstStyle/>
           <a:p>
-            <a:pPr marL="0" marR="0" lvl="0" indent="0" algn="l" defTabSz="914400" rtl="0" eaLnBrk="0" fontAlgn="base" latinLnBrk="0" hangingPunct="0">
+            <a:pPr marL="342900" marR="0" lvl="0" indent="-342900" algn="l" defTabSz="914400" rtl="0" eaLnBrk="0" fontAlgn="base" latinLnBrk="0" hangingPunct="0">
               <a:lnSpc>
                 <a:spcPct val="100000"/>
               </a:lnSpc>
@@ -3725,96 +4095,8 @@
               </a:spcAft>
               <a:buClrTx/>
               <a:buSzTx/>
-              <a:buFontTx/>
-              <a:buNone/>
-              <a:tabLst/>
-            </a:pPr>
-            <a:r>
-              <a:rPr kumimoji="0" lang="en-US" altLang="en-US" b="0" i="0" u="none" strike="noStrike" cap="none" normalizeH="0" baseline="0" dirty="0" smtClean="0">
-                <a:ln>
-                  <a:noFill/>
-                </a:ln>
-                <a:solidFill>
-                  <a:schemeClr val="tx1"/>
-                </a:solidFill>
-                <a:effectLst/>
-                <a:latin typeface="Segoe UI" panose="020B0502040204020203" pitchFamily="34" charset="0"/>
-                <a:cs typeface="Segoe UI" panose="020B0502040204020203" pitchFamily="34" charset="0"/>
-              </a:rPr>
-              <a:t>We’ll create a function to calculate a </a:t>
-            </a:r>
-            <a:r>
-              <a:rPr kumimoji="0" lang="en-US" altLang="en-US" b="1" i="0" u="none" strike="noStrike" cap="none" normalizeH="0" baseline="0" dirty="0" smtClean="0">
-                <a:ln>
-                  <a:noFill/>
-                </a:ln>
-                <a:solidFill>
-                  <a:schemeClr val="tx1"/>
-                </a:solidFill>
-                <a:effectLst/>
-                <a:latin typeface="Segoe UI" panose="020B0502040204020203" pitchFamily="34" charset="0"/>
-                <a:cs typeface="Segoe UI" panose="020B0502040204020203" pitchFamily="34" charset="0"/>
-              </a:rPr>
-              <a:t>15% tax</a:t>
-            </a:r>
-            <a:r>
-              <a:rPr kumimoji="0" lang="en-US" altLang="en-US" b="0" i="0" u="none" strike="noStrike" cap="none" normalizeH="0" baseline="0" dirty="0" smtClean="0">
-                <a:ln>
-                  <a:noFill/>
-                </a:ln>
-                <a:solidFill>
-                  <a:schemeClr val="tx1"/>
-                </a:solidFill>
-                <a:effectLst/>
-                <a:latin typeface="Segoe UI" panose="020B0502040204020203" pitchFamily="34" charset="0"/>
-                <a:cs typeface="Segoe UI" panose="020B0502040204020203" pitchFamily="34" charset="0"/>
-              </a:rPr>
-              <a:t> on the </a:t>
-            </a:r>
-            <a:r>
-              <a:rPr kumimoji="0" lang="en-US" altLang="en-US" b="0" i="0" u="none" strike="noStrike" cap="none" normalizeH="0" baseline="0" dirty="0" err="1" smtClean="0">
-                <a:ln>
-                  <a:noFill/>
-                </a:ln>
-                <a:solidFill>
-                  <a:schemeClr val="tx1"/>
-                </a:solidFill>
-                <a:effectLst/>
-                <a:latin typeface="Segoe UI" panose="020B0502040204020203" pitchFamily="34" charset="0"/>
-                <a:cs typeface="Segoe UI" panose="020B0502040204020203" pitchFamily="34" charset="0"/>
-              </a:rPr>
-              <a:t>TotalSales</a:t>
-            </a:r>
-            <a:r>
-              <a:rPr kumimoji="0" lang="en-US" altLang="en-US" b="0" i="0" u="none" strike="noStrike" cap="none" normalizeH="0" baseline="0" dirty="0" smtClean="0">
-                <a:ln>
-                  <a:noFill/>
-                </a:ln>
-                <a:solidFill>
-                  <a:schemeClr val="tx1"/>
-                </a:solidFill>
-                <a:effectLst/>
-                <a:latin typeface="Segoe UI" panose="020B0502040204020203" pitchFamily="34" charset="0"/>
-                <a:cs typeface="Segoe UI" panose="020B0502040204020203" pitchFamily="34" charset="0"/>
-              </a:rPr>
-              <a:t>.</a:t>
-            </a:r>
-          </a:p>
-          <a:p>
-            <a:pPr marL="0" marR="0" lvl="0" indent="0" algn="l" defTabSz="914400" rtl="0" eaLnBrk="0" fontAlgn="base" latinLnBrk="0" hangingPunct="0">
-              <a:lnSpc>
-                <a:spcPct val="100000"/>
-              </a:lnSpc>
-              <a:spcBef>
-                <a:spcPct val="0"/>
-              </a:spcBef>
-              <a:spcAft>
-                <a:spcPct val="0"/>
-              </a:spcAft>
-              <a:buClrTx/>
-              <a:buSzTx/>
-              <a:buFontTx/>
-              <a:buNone/>
+              <a:buFont typeface="+mj-lt"/>
+              <a:buAutoNum type="arabicPeriod"/>
               <a:tabLst/>
             </a:pPr>
             <a:endParaRPr kumimoji="0" lang="en-US" altLang="en-US" b="0" i="0" u="none" strike="noStrike" cap="none" normalizeH="0" baseline="0" dirty="0" smtClean="0">
@@ -3830,7 +4112,7 @@
             </a:endParaRPr>
           </a:p>
           <a:p>
-            <a:pPr marR="0" lvl="0" algn="l" defTabSz="914400" rtl="0" eaLnBrk="0" fontAlgn="base" latinLnBrk="0" hangingPunct="0">
+            <a:pPr xmlns:a="http://schemas.openxmlformats.org/drawingml/2006/main" marL="342900" marR="0" lvl="0" indent="-342900" algn="l" defTabSz="914400" rtl="0" eaLnBrk="0" fontAlgn="base" latinLnBrk="0" hangingPunct="0">
               <a:lnSpc>
                 <a:spcPct val="100000"/>
               </a:lnSpc>
@@ -3842,38 +4124,180 @@
               </a:spcAft>
               <a:buClrTx/>
               <a:buSzTx/>
+              <a:buFont typeface="+mj-lt"/>
+              <a:buAutoNum type="arabicPeriod"/>
               <a:tabLst/>
             </a:pPr>
-            <a:r>
-              <a:rPr kumimoji="0" lang="en-US" altLang="en-US" b="0" i="0" u="none" strike="noStrike" cap="none" normalizeH="0" baseline="0" dirty="0" smtClean="0">
-                <a:ln>
-                  <a:noFill/>
-                </a:ln>
-                <a:solidFill>
-                  <a:schemeClr val="tx1"/>
-                </a:solidFill>
-                <a:effectLst/>
-                <a:latin typeface="Segoe UI" panose="020B0502040204020203" pitchFamily="34" charset="0"/>
-                <a:cs typeface="Segoe UI" panose="020B0502040204020203" pitchFamily="34" charset="0"/>
-              </a:rPr>
-              <a:t>Open </a:t>
-            </a:r>
-            <a:r>
-              <a:rPr kumimoji="0" lang="en-US" altLang="en-US" b="1" i="0" u="none" strike="noStrike" cap="none" normalizeH="0" baseline="0" dirty="0" smtClean="0">
-                <a:ln>
-                  <a:noFill/>
-                </a:ln>
-                <a:solidFill>
-                  <a:schemeClr val="tx1"/>
-                </a:solidFill>
-                <a:effectLst/>
-                <a:latin typeface="Segoe UI" panose="020B0502040204020203" pitchFamily="34" charset="0"/>
-                <a:cs typeface="Segoe UI" panose="020B0502040204020203" pitchFamily="34" charset="0"/>
-              </a:rPr>
-              <a:t>Power BI Desktop</a:t>
-            </a:r>
-            <a:r>
-              <a:rPr kumimoji="0" lang="en-US" altLang="en-US" b="0" i="0" u="none" strike="noStrike" cap="none" normalizeH="0" baseline="0" dirty="0" smtClean="0">
+            <a:r xmlns:a="http://schemas.openxmlformats.org/drawingml/2006/main">
+              <a:rPr kumimoji="0" lang="en" altLang="en-US" b="0" i="0" u="none" strike="noStrike" cap="none" normalizeH="0" baseline="0" dirty="0" err="1" smtClean="0">
+                <a:ln>
+                  <a:noFill/>
+                </a:ln>
+                <a:solidFill>
+                  <a:schemeClr val="tx1"/>
+                </a:solidFill>
+                <a:effectLst/>
+                <a:latin typeface="Segoe UI" panose="020B0502040204020203" pitchFamily="34" charset="0"/>
+                <a:cs typeface="Segoe UI" panose="020B0502040204020203" pitchFamily="34" charset="0"/>
+              </a:rPr>
+              <a:t>In </a:t>
+            </a:r>
+            <a:r xmlns:a="http://schemas.openxmlformats.org/drawingml/2006/main">
+              <a:rPr kumimoji="0" lang="en" altLang="en-US" b="0" i="0" u="none" strike="noStrike" cap="none" normalizeH="0" baseline="0" dirty="0" smtClean="0">
+                <a:ln>
+                  <a:noFill/>
+                </a:ln>
+                <a:solidFill>
+                  <a:schemeClr val="tx1"/>
+                </a:solidFill>
+                <a:effectLst/>
+                <a:latin typeface="Segoe UI" panose="020B0502040204020203" pitchFamily="34" charset="0"/>
+                <a:cs typeface="Segoe UI" panose="020B0502040204020203" pitchFamily="34" charset="0"/>
+              </a:rPr>
+              <a:t>Power Query, </a:t>
+            </a:r>
+            <a:r xmlns:a="http://schemas.openxmlformats.org/drawingml/2006/main">
+              <a:rPr kumimoji="0" lang="en" altLang="en-US" b="0" i="0" u="none" strike="noStrike" cap="none" normalizeH="0" baseline="0" dirty="0" err="1" smtClean="0">
+                <a:ln>
+                  <a:noFill/>
+                </a:ln>
+                <a:solidFill>
+                  <a:schemeClr val="tx1"/>
+                </a:solidFill>
+                <a:effectLst/>
+                <a:latin typeface="Segoe UI" panose="020B0502040204020203" pitchFamily="34" charset="0"/>
+                <a:cs typeface="Segoe UI" panose="020B0502040204020203" pitchFamily="34" charset="0"/>
+              </a:rPr>
+              <a:t>go to</a:t>
+            </a:r>
+            <a:r xmlns:a="http://schemas.openxmlformats.org/drawingml/2006/main">
+              <a:rPr kumimoji="0" lang="en" altLang="en-US" b="0" i="0" u="none" strike="noStrike" cap="none" normalizeH="0" baseline="0" dirty="0" smtClean="0">
+                <a:ln>
+                  <a:noFill/>
+                </a:ln>
+                <a:solidFill>
+                  <a:schemeClr val="tx1"/>
+                </a:solidFill>
+                <a:effectLst/>
+                <a:latin typeface="Segoe UI" panose="020B0502040204020203" pitchFamily="34" charset="0"/>
+                <a:cs typeface="Segoe UI" panose="020B0502040204020203" pitchFamily="34" charset="0"/>
+              </a:rPr>
+              <a:t> </a:t>
+            </a:r>
+            <a:r xmlns:a="http://schemas.openxmlformats.org/drawingml/2006/main">
+              <a:rPr kumimoji="0" lang="en" altLang="en-US" b="0" i="0" u="none" strike="noStrike" cap="none" normalizeH="0" baseline="0" dirty="0" err="1" smtClean="0">
+                <a:ln>
+                  <a:noFill/>
+                </a:ln>
+                <a:solidFill>
+                  <a:schemeClr val="tx1"/>
+                </a:solidFill>
+                <a:effectLst/>
+                <a:latin typeface="Segoe UI" panose="020B0502040204020203" pitchFamily="34" charset="0"/>
+                <a:cs typeface="Segoe UI" panose="020B0502040204020203" pitchFamily="34" charset="0"/>
+              </a:rPr>
+              <a:t>In</a:t>
+            </a:r>
+            <a:r xmlns:a="http://schemas.openxmlformats.org/drawingml/2006/main">
+              <a:rPr kumimoji="0" lang="en" altLang="en-US" b="0" i="0" u="none" strike="noStrike" cap="none" normalizeH="0" baseline="0" dirty="0" smtClean="0">
+                <a:ln>
+                  <a:noFill/>
+                </a:ln>
+                <a:solidFill>
+                  <a:schemeClr val="tx1"/>
+                </a:solidFill>
+                <a:effectLst/>
+                <a:latin typeface="Segoe UI" panose="020B0502040204020203" pitchFamily="34" charset="0"/>
+                <a:cs typeface="Segoe UI" panose="020B0502040204020203" pitchFamily="34" charset="0"/>
+              </a:rPr>
+              <a:t> </a:t>
+            </a:r>
+            <a:r xmlns:a="http://schemas.openxmlformats.org/drawingml/2006/main">
+              <a:rPr kumimoji="0" lang="en" altLang="en-US" b="1" i="0" u="none" strike="noStrike" cap="none" normalizeH="0" baseline="0" dirty="0" err="1" smtClean="0">
+                <a:ln>
+                  <a:noFill/>
+                </a:ln>
+                <a:solidFill>
+                  <a:schemeClr val="tx1"/>
+                </a:solidFill>
+                <a:effectLst/>
+                <a:latin typeface="Segoe UI" panose="020B0502040204020203" pitchFamily="34" charset="0"/>
+                <a:cs typeface="Segoe UI" panose="020B0502040204020203" pitchFamily="34" charset="0"/>
+              </a:rPr>
+              <a:t>Home </a:t>
+            </a:r>
+            <a:r xmlns:a="http://schemas.openxmlformats.org/drawingml/2006/main">
+              <a:rPr kumimoji="0" lang="en" altLang="en-US" b="0" i="0" u="none" strike="noStrike" cap="none" normalizeH="0" baseline="0" dirty="0" smtClean="0">
+                <a:ln>
+                  <a:noFill/>
+                </a:ln>
+                <a:solidFill>
+                  <a:schemeClr val="tx1"/>
+                </a:solidFill>
+                <a:effectLst/>
+                <a:latin typeface="Segoe UI" panose="020B0502040204020203" pitchFamily="34" charset="0"/>
+                <a:cs typeface="Segoe UI" panose="020B0502040204020203" pitchFamily="34" charset="0"/>
+              </a:rPr>
+              <a:t>→ </a:t>
+            </a:r>
+            <a:r xmlns:a="http://schemas.openxmlformats.org/drawingml/2006/main">
+              <a:rPr kumimoji="0" lang="en" altLang="en-US" b="1" i="0" u="none" strike="noStrike" cap="none" normalizeH="0" baseline="0" dirty="0" smtClean="0">
+                <a:ln>
+                  <a:noFill/>
+                </a:ln>
+                <a:solidFill>
+                  <a:schemeClr val="tx1"/>
+                </a:solidFill>
+                <a:effectLst/>
+                <a:latin typeface="Segoe UI" panose="020B0502040204020203" pitchFamily="34" charset="0"/>
+                <a:cs typeface="Segoe UI" panose="020B0502040204020203" pitchFamily="34" charset="0"/>
+              </a:rPr>
+              <a:t>New Source </a:t>
+            </a:r>
+            <a:r xmlns:a="http://schemas.openxmlformats.org/drawingml/2006/main">
+              <a:rPr kumimoji="0" lang="en" altLang="en-US" b="0" i="0" u="none" strike="noStrike" cap="none" normalizeH="0" baseline="0" dirty="0" smtClean="0">
+                <a:ln>
+                  <a:noFill/>
+                </a:ln>
+                <a:solidFill>
+                  <a:schemeClr val="tx1"/>
+                </a:solidFill>
+                <a:effectLst/>
+                <a:latin typeface="Segoe UI" panose="020B0502040204020203" pitchFamily="34" charset="0"/>
+                <a:cs typeface="Segoe UI" panose="020B0502040204020203" pitchFamily="34" charset="0"/>
+              </a:rPr>
+              <a:t>→ </a:t>
+            </a:r>
+            <a:r xmlns:a="http://schemas.openxmlformats.org/drawingml/2006/main">
+              <a:rPr kumimoji="0" lang="en" altLang="en-US" b="1" i="0" u="none" strike="noStrike" cap="none" normalizeH="0" baseline="0" dirty="0" smtClean="0">
+                <a:ln>
+                  <a:noFill/>
+                </a:ln>
+                <a:solidFill>
+                  <a:schemeClr val="tx1"/>
+                </a:solidFill>
+                <a:effectLst/>
+                <a:latin typeface="Segoe UI" panose="020B0502040204020203" pitchFamily="34" charset="0"/>
+                <a:cs typeface="Segoe UI" panose="020B0502040204020203" pitchFamily="34" charset="0"/>
+              </a:rPr>
+              <a:t>Empty </a:t>
+            </a:r>
+            <a:r xmlns:a="http://schemas.openxmlformats.org/drawingml/2006/main">
+              <a:rPr kumimoji="0" lang="en" altLang="en-US" b="1" i="0" u="none" strike="noStrike" cap="none" normalizeH="0" baseline="0" dirty="0" err="1" smtClean="0">
+                <a:ln>
+                  <a:noFill/>
+                </a:ln>
+                <a:solidFill>
+                  <a:schemeClr val="tx1"/>
+                </a:solidFill>
+                <a:effectLst/>
+                <a:latin typeface="Segoe UI" panose="020B0502040204020203" pitchFamily="34" charset="0"/>
+                <a:cs typeface="Segoe UI" panose="020B0502040204020203" pitchFamily="34" charset="0"/>
+              </a:rPr>
+              <a:t>Query </a:t>
+            </a:r>
+            <a:r xmlns:a="http://schemas.openxmlformats.org/drawingml/2006/main">
+              <a:rPr kumimoji="0" lang="en" altLang="en-US" b="0" i="0" u="none" strike="noStrike" cap="none" normalizeH="0" baseline="0" dirty="0" smtClean="0">
                 <a:ln>
                   <a:noFill/>
                 </a:ln>
@@ -3888,7 +4312,7 @@
             </a:r>
           </a:p>
           <a:p>
-            <a:pPr marR="0" lvl="0" algn="l" defTabSz="914400" rtl="0" eaLnBrk="0" fontAlgn="base" latinLnBrk="0" hangingPunct="0">
+            <a:pPr xmlns:a="http://schemas.openxmlformats.org/drawingml/2006/main" marL="342900" marR="0" lvl="0" indent="-342900" algn="l" defTabSz="914400" rtl="0" eaLnBrk="0" fontAlgn="base" latinLnBrk="0" hangingPunct="0">
               <a:lnSpc>
                 <a:spcPct val="100000"/>
               </a:lnSpc>
@@ -3900,53 +4324,209 @@
               </a:spcAft>
               <a:buClrTx/>
               <a:buSzTx/>
+              <a:buFont typeface="+mj-lt"/>
+              <a:buAutoNum type="arabicPeriod"/>
               <a:tabLst/>
             </a:pPr>
-            <a:r>
-              <a:rPr kumimoji="0" lang="en-US" altLang="en-US" b="0" i="0" u="none" strike="noStrike" cap="none" normalizeH="0" baseline="0" dirty="0" smtClean="0">
-                <a:ln>
-                  <a:noFill/>
-                </a:ln>
-                <a:solidFill>
-                  <a:schemeClr val="tx1"/>
-                </a:solidFill>
-                <a:effectLst/>
-                <a:latin typeface="Segoe UI" panose="020B0502040204020203" pitchFamily="34" charset="0"/>
-                <a:cs typeface="Segoe UI" panose="020B0502040204020203" pitchFamily="34" charset="0"/>
-              </a:rPr>
-              <a:t>Go to </a:t>
-            </a:r>
-            <a:r>
-              <a:rPr kumimoji="0" lang="en-US" altLang="en-US" b="1" i="0" u="none" strike="noStrike" cap="none" normalizeH="0" baseline="0" dirty="0" smtClean="0">
-                <a:ln>
-                  <a:noFill/>
-                </a:ln>
-                <a:solidFill>
-                  <a:schemeClr val="tx1"/>
-                </a:solidFill>
-                <a:effectLst/>
-                <a:latin typeface="Segoe UI" panose="020B0502040204020203" pitchFamily="34" charset="0"/>
-                <a:cs typeface="Segoe UI" panose="020B0502040204020203" pitchFamily="34" charset="0"/>
-              </a:rPr>
-              <a:t>Transform Data</a:t>
-            </a:r>
-            <a:r>
-              <a:rPr kumimoji="0" lang="en-US" altLang="en-US" b="0" i="0" u="none" strike="noStrike" cap="none" normalizeH="0" baseline="0" dirty="0" smtClean="0">
-                <a:ln>
-                  <a:noFill/>
-                </a:ln>
-                <a:solidFill>
-                  <a:schemeClr val="tx1"/>
-                </a:solidFill>
-                <a:effectLst/>
-                <a:latin typeface="Segoe UI" panose="020B0502040204020203" pitchFamily="34" charset="0"/>
-                <a:cs typeface="Segoe UI" panose="020B0502040204020203" pitchFamily="34" charset="0"/>
-              </a:rPr>
-              <a:t> to open Power Query Editor.</a:t>
-            </a:r>
-          </a:p>
-          <a:p>
-            <a:pPr marR="0" lvl="0" algn="l" defTabSz="914400" rtl="0" eaLnBrk="0" fontAlgn="base" latinLnBrk="0" hangingPunct="0">
+            <a:r xmlns:a="http://schemas.openxmlformats.org/drawingml/2006/main">
+              <a:rPr kumimoji="0" lang="en" altLang="en-US" b="0" i="0" u="none" strike="noStrike" cap="none" normalizeH="0" baseline="0" dirty="0" err="1" smtClean="0">
+                <a:ln>
+                  <a:noFill/>
+                </a:ln>
+                <a:solidFill>
+                  <a:schemeClr val="tx1"/>
+                </a:solidFill>
+                <a:effectLst/>
+                <a:latin typeface="Segoe UI" panose="020B0502040204020203" pitchFamily="34" charset="0"/>
+                <a:cs typeface="Segoe UI" panose="020B0502040204020203" pitchFamily="34" charset="0"/>
+              </a:rPr>
+              <a:t>Rename </a:t>
+            </a:r>
+            <a:r xmlns:a="http://schemas.openxmlformats.org/drawingml/2006/main">
+              <a:rPr kumimoji="0" lang="en" altLang="en-US" b="0" i="0" u="none" strike="noStrike" cap="none" normalizeH="0" baseline="0" dirty="0" smtClean="0">
+                <a:ln>
+                  <a:noFill/>
+                </a:ln>
+                <a:solidFill>
+                  <a:schemeClr val="tx1"/>
+                </a:solidFill>
+                <a:effectLst/>
+                <a:latin typeface="Segoe UI" panose="020B0502040204020203" pitchFamily="34" charset="0"/>
+                <a:cs typeface="Segoe UI" panose="020B0502040204020203" pitchFamily="34" charset="0"/>
+              </a:rPr>
+              <a:t>the </a:t>
+            </a:r>
+            <a:r xmlns:a="http://schemas.openxmlformats.org/drawingml/2006/main">
+              <a:rPr kumimoji="0" lang="en" altLang="en-US" b="0" i="0" u="none" strike="noStrike" cap="none" normalizeH="0" baseline="0" dirty="0" err="1" smtClean="0">
+                <a:ln>
+                  <a:noFill/>
+                </a:ln>
+                <a:solidFill>
+                  <a:schemeClr val="tx1"/>
+                </a:solidFill>
+                <a:effectLst/>
+                <a:latin typeface="Segoe UI" panose="020B0502040204020203" pitchFamily="34" charset="0"/>
+                <a:cs typeface="Segoe UI" panose="020B0502040204020203" pitchFamily="34" charset="0"/>
+              </a:rPr>
+              <a:t>query</a:t>
+            </a:r>
+            <a:r xmlns:a="http://schemas.openxmlformats.org/drawingml/2006/main">
+              <a:rPr kumimoji="0" lang="en" altLang="en-US" b="0" i="0" u="none" strike="noStrike" cap="none" normalizeH="0" baseline="0" dirty="0" smtClean="0">
+                <a:ln>
+                  <a:noFill/>
+                </a:ln>
+                <a:solidFill>
+                  <a:schemeClr val="tx1"/>
+                </a:solidFill>
+                <a:effectLst/>
+                <a:latin typeface="Segoe UI" panose="020B0502040204020203" pitchFamily="34" charset="0"/>
+                <a:cs typeface="Segoe UI" panose="020B0502040204020203" pitchFamily="34" charset="0"/>
+              </a:rPr>
+              <a:t> </a:t>
+            </a:r>
+            <a:r xmlns:a="http://schemas.openxmlformats.org/drawingml/2006/main">
+              <a:rPr kumimoji="0" lang="en" altLang="en-US" b="0" i="0" u="none" strike="noStrike" cap="none" normalizeH="0" baseline="0" dirty="0" err="1" smtClean="0">
+                <a:ln>
+                  <a:noFill/>
+                </a:ln>
+                <a:solidFill>
+                  <a:schemeClr val="tx1"/>
+                </a:solidFill>
+                <a:effectLst/>
+                <a:latin typeface="Segoe UI" panose="020B0502040204020203" pitchFamily="34" charset="0"/>
+                <a:cs typeface="Segoe UI" panose="020B0502040204020203" pitchFamily="34" charset="0"/>
+              </a:rPr>
+              <a:t>in</a:t>
+            </a:r>
+            <a:r xmlns:a="http://schemas.openxmlformats.org/drawingml/2006/main">
+              <a:rPr kumimoji="0" lang="en" altLang="en-US" b="0" i="0" u="none" strike="noStrike" cap="none" normalizeH="0" baseline="0" dirty="0" smtClean="0">
+                <a:ln>
+                  <a:noFill/>
+                </a:ln>
+                <a:solidFill>
+                  <a:schemeClr val="tx1"/>
+                </a:solidFill>
+                <a:effectLst/>
+                <a:latin typeface="Segoe UI" panose="020B0502040204020203" pitchFamily="34" charset="0"/>
+                <a:cs typeface="Segoe UI" panose="020B0502040204020203" pitchFamily="34" charset="0"/>
+              </a:rPr>
+              <a:t> </a:t>
+            </a:r>
+            <a:r xmlns:a="http://schemas.openxmlformats.org/drawingml/2006/main">
+              <a:rPr kumimoji="0" lang="en" altLang="en-US" b="1" i="0" u="none" strike="noStrike" cap="none" normalizeH="0" baseline="0" dirty="0" err="1" smtClean="0">
+                <a:ln>
+                  <a:noFill/>
+                </a:ln>
+                <a:solidFill>
+                  <a:schemeClr val="tx1"/>
+                </a:solidFill>
+                <a:effectLst/>
+                <a:latin typeface="Segoe UI" panose="020B0502040204020203" pitchFamily="34" charset="0"/>
+                <a:cs typeface="Segoe UI" panose="020B0502040204020203" pitchFamily="34" charset="0"/>
+              </a:rPr>
+              <a:t>CalculateTax </a:t>
+            </a:r>
+            <a:r xmlns:a="http://schemas.openxmlformats.org/drawingml/2006/main">
+              <a:rPr kumimoji="0" lang="en" altLang="en-US" b="0" i="0" u="none" strike="noStrike" cap="none" normalizeH="0" baseline="0" dirty="0" smtClean="0">
+                <a:ln>
+                  <a:noFill/>
+                </a:ln>
+                <a:solidFill>
+                  <a:schemeClr val="tx1"/>
+                </a:solidFill>
+                <a:effectLst/>
+                <a:latin typeface="Segoe UI" panose="020B0502040204020203" pitchFamily="34" charset="0"/>
+                <a:cs typeface="Segoe UI" panose="020B0502040204020203" pitchFamily="34" charset="0"/>
+              </a:rPr>
+              <a:t>( </a:t>
+            </a:r>
+            <a:r xmlns:a="http://schemas.openxmlformats.org/drawingml/2006/main">
+              <a:rPr kumimoji="0" lang="en" altLang="en-US" b="0" i="0" u="none" strike="noStrike" cap="none" normalizeH="0" baseline="0" dirty="0" err="1" smtClean="0">
+                <a:ln>
+                  <a:noFill/>
+                </a:ln>
+                <a:solidFill>
+                  <a:schemeClr val="tx1"/>
+                </a:solidFill>
+                <a:effectLst/>
+                <a:latin typeface="Segoe UI" panose="020B0502040204020203" pitchFamily="34" charset="0"/>
+                <a:cs typeface="Segoe UI" panose="020B0502040204020203" pitchFamily="34" charset="0"/>
+              </a:rPr>
+              <a:t>in </a:t>
+            </a:r>
+            <a:r xmlns:a="http://schemas.openxmlformats.org/drawingml/2006/main">
+              <a:rPr kumimoji="0" lang="en" altLang="en-US" b="0" i="0" u="none" strike="noStrike" cap="none" normalizeH="0" baseline="0" dirty="0" smtClean="0">
+                <a:ln>
+                  <a:noFill/>
+                </a:ln>
+                <a:solidFill>
+                  <a:schemeClr val="tx1"/>
+                </a:solidFill>
+                <a:effectLst/>
+                <a:latin typeface="Segoe UI" panose="020B0502040204020203" pitchFamily="34" charset="0"/>
+                <a:cs typeface="Segoe UI" panose="020B0502040204020203" pitchFamily="34" charset="0"/>
+              </a:rPr>
+              <a:t>the </a:t>
+            </a:r>
+            <a:r xmlns:a="http://schemas.openxmlformats.org/drawingml/2006/main">
+              <a:rPr kumimoji="0" lang="en" altLang="en-US" b="0" i="0" u="none" strike="noStrike" cap="none" normalizeH="0" baseline="0" dirty="0" smtClean="0">
+                <a:ln>
+                  <a:noFill/>
+                </a:ln>
+                <a:solidFill>
+                  <a:schemeClr val="tx1"/>
+                </a:solidFill>
+                <a:effectLst/>
+                <a:latin typeface="Segoe UI" panose="020B0502040204020203" pitchFamily="34" charset="0"/>
+                <a:cs typeface="Segoe UI" panose="020B0502040204020203" pitchFamily="34" charset="0"/>
+              </a:rPr>
+              <a:t>right </a:t>
+            </a:r>
+            <a:r xmlns:a="http://schemas.openxmlformats.org/drawingml/2006/main">
+              <a:rPr kumimoji="0" lang="en" altLang="en-US" b="0" i="0" u="none" strike="noStrike" cap="none" normalizeH="0" baseline="0" dirty="0" err="1" smtClean="0">
+                <a:ln>
+                  <a:noFill/>
+                </a:ln>
+                <a:solidFill>
+                  <a:schemeClr val="tx1"/>
+                </a:solidFill>
+                <a:effectLst/>
+                <a:latin typeface="Segoe UI" panose="020B0502040204020203" pitchFamily="34" charset="0"/>
+                <a:cs typeface="Segoe UI" panose="020B0502040204020203" pitchFamily="34" charset="0"/>
+              </a:rPr>
+              <a:t>panel </a:t>
+            </a:r>
+            <a:r xmlns:a="http://schemas.openxmlformats.org/drawingml/2006/main">
+              <a:rPr kumimoji="0" lang="en" altLang="en-US" b="0" i="0" u="none" strike="noStrike" cap="none" normalizeH="0" baseline="0" dirty="0" smtClean="0">
+                <a:ln>
+                  <a:noFill/>
+                </a:ln>
+                <a:solidFill>
+                  <a:schemeClr val="tx1"/>
+                </a:solidFill>
+                <a:effectLst/>
+                <a:latin typeface="Segoe UI" panose="020B0502040204020203" pitchFamily="34" charset="0"/>
+                <a:cs typeface="Segoe UI" panose="020B0502040204020203" pitchFamily="34" charset="0"/>
+              </a:rPr>
+              <a:t>) </a:t>
+            </a:r>
+            <a:r xmlns:a="http://schemas.openxmlformats.org/drawingml/2006/main">
+              <a:rPr kumimoji="0" lang="en" altLang="en-US" b="0" i="0" u="none" strike="noStrike" cap="none" normalizeH="0" baseline="0" dirty="0" err="1" smtClean="0">
+                <a:ln>
+                  <a:noFill/>
+                </a:ln>
+                <a:solidFill>
+                  <a:schemeClr val="tx1"/>
+                </a:solidFill>
+                <a:effectLst/>
+                <a:latin typeface="Segoe UI" panose="020B0502040204020203" pitchFamily="34" charset="0"/>
+                <a:cs typeface="Segoe UI" panose="020B0502040204020203" pitchFamily="34" charset="0"/>
+              </a:rPr>
+              <a:t>.</a:t>
+            </a:r>
+          </a:p>
+          <a:p>
+            <a:pPr xmlns:a="http://schemas.openxmlformats.org/drawingml/2006/main" marL="342900" marR="0" lvl="0" indent="-342900" algn="l" defTabSz="914400" rtl="0" eaLnBrk="0" fontAlgn="base" latinLnBrk="0" hangingPunct="0">
               <a:lnSpc>
                 <a:spcPct val="100000"/>
               </a:lnSpc>
@@ -3958,53 +4538,181 @@
               </a:spcAft>
               <a:buClrTx/>
               <a:buSzTx/>
+              <a:buFont typeface="+mj-lt"/>
+              <a:buAutoNum type="arabicPeriod"/>
               <a:tabLst/>
             </a:pPr>
-            <a:r>
-              <a:rPr kumimoji="0" lang="en-US" altLang="en-US" b="0" i="0" u="none" strike="noStrike" cap="none" normalizeH="0" baseline="0" dirty="0" smtClean="0">
-                <a:ln>
-                  <a:noFill/>
-                </a:ln>
-                <a:solidFill>
-                  <a:schemeClr val="tx1"/>
-                </a:solidFill>
-                <a:effectLst/>
-                <a:latin typeface="Segoe UI" panose="020B0502040204020203" pitchFamily="34" charset="0"/>
-                <a:cs typeface="Segoe UI" panose="020B0502040204020203" pitchFamily="34" charset="0"/>
-              </a:rPr>
-              <a:t>Click </a:t>
-            </a:r>
-            <a:r>
-              <a:rPr kumimoji="0" lang="en-US" altLang="en-US" b="1" i="0" u="none" strike="noStrike" cap="none" normalizeH="0" baseline="0" dirty="0" smtClean="0">
-                <a:ln>
-                  <a:noFill/>
-                </a:ln>
-                <a:solidFill>
-                  <a:schemeClr val="tx1"/>
-                </a:solidFill>
-                <a:effectLst/>
-                <a:latin typeface="Segoe UI" panose="020B0502040204020203" pitchFamily="34" charset="0"/>
-                <a:cs typeface="Segoe UI" panose="020B0502040204020203" pitchFamily="34" charset="0"/>
-              </a:rPr>
-              <a:t>New Source &gt; Blank Query</a:t>
-            </a:r>
-            <a:r>
-              <a:rPr kumimoji="0" lang="en-US" altLang="en-US" b="0" i="0" u="none" strike="noStrike" cap="none" normalizeH="0" baseline="0" dirty="0" smtClean="0">
-                <a:ln>
-                  <a:noFill/>
-                </a:ln>
-                <a:solidFill>
-                  <a:schemeClr val="tx1"/>
-                </a:solidFill>
-                <a:effectLst/>
-                <a:latin typeface="Segoe UI" panose="020B0502040204020203" pitchFamily="34" charset="0"/>
-                <a:cs typeface="Segoe UI" panose="020B0502040204020203" pitchFamily="34" charset="0"/>
-              </a:rPr>
-              <a:t>.</a:t>
-            </a:r>
-          </a:p>
-          <a:p>
-            <a:pPr marR="0" lvl="0" algn="l" defTabSz="914400" rtl="0" eaLnBrk="0" fontAlgn="base" latinLnBrk="0" hangingPunct="0">
+            <a:r xmlns:a="http://schemas.openxmlformats.org/drawingml/2006/main">
+              <a:rPr kumimoji="0" lang="en" altLang="en-US" b="0" i="0" u="none" strike="noStrike" cap="none" normalizeH="0" baseline="0" dirty="0" err="1" smtClean="0">
+                <a:ln>
+                  <a:noFill/>
+                </a:ln>
+                <a:solidFill>
+                  <a:schemeClr val="tx1"/>
+                </a:solidFill>
+                <a:effectLst/>
+                <a:latin typeface="Segoe UI" panose="020B0502040204020203" pitchFamily="34" charset="0"/>
+                <a:cs typeface="Segoe UI" panose="020B0502040204020203" pitchFamily="34" charset="0"/>
+              </a:rPr>
+              <a:t>Open</a:t>
+            </a:r>
+            <a:r xmlns:a="http://schemas.openxmlformats.org/drawingml/2006/main">
+              <a:rPr kumimoji="0" lang="en" altLang="en-US" b="0" i="0" u="none" strike="noStrike" cap="none" normalizeH="0" baseline="0" dirty="0" smtClean="0">
+                <a:ln>
+                  <a:noFill/>
+                </a:ln>
+                <a:solidFill>
+                  <a:schemeClr val="tx1"/>
+                </a:solidFill>
+                <a:effectLst/>
+                <a:latin typeface="Segoe UI" panose="020B0502040204020203" pitchFamily="34" charset="0"/>
+                <a:cs typeface="Segoe UI" panose="020B0502040204020203" pitchFamily="34" charset="0"/>
+              </a:rPr>
+              <a:t> </a:t>
+            </a:r>
+            <a:r xmlns:a="http://schemas.openxmlformats.org/drawingml/2006/main">
+              <a:rPr kumimoji="0" lang="en" altLang="en-US" b="1" i="0" u="none" strike="noStrike" cap="none" normalizeH="0" baseline="0" dirty="0" err="1" smtClean="0">
+                <a:ln>
+                  <a:noFill/>
+                </a:ln>
+                <a:solidFill>
+                  <a:schemeClr val="tx1"/>
+                </a:solidFill>
+                <a:effectLst/>
+                <a:latin typeface="Segoe UI" panose="020B0502040204020203" pitchFamily="34" charset="0"/>
+                <a:cs typeface="Segoe UI" panose="020B0502040204020203" pitchFamily="34" charset="0"/>
+              </a:rPr>
+              <a:t>the Editor</a:t>
+            </a:r>
+            <a:r xmlns:a="http://schemas.openxmlformats.org/drawingml/2006/main">
+              <a:rPr kumimoji="0" lang="en" altLang="en-US" b="1" i="0" u="none" strike="noStrike" cap="none" normalizeH="0" baseline="0" dirty="0" smtClean="0">
+                <a:ln>
+                  <a:noFill/>
+                </a:ln>
+                <a:solidFill>
+                  <a:schemeClr val="tx1"/>
+                </a:solidFill>
+                <a:effectLst/>
+                <a:latin typeface="Segoe UI" panose="020B0502040204020203" pitchFamily="34" charset="0"/>
+                <a:cs typeface="Segoe UI" panose="020B0502040204020203" pitchFamily="34" charset="0"/>
+              </a:rPr>
+              <a:t> </a:t>
+            </a:r>
+            <a:r xmlns:a="http://schemas.openxmlformats.org/drawingml/2006/main">
+              <a:rPr kumimoji="0" lang="en" altLang="en-US" b="1" i="0" u="none" strike="noStrike" cap="none" normalizeH="0" baseline="0" dirty="0" err="1" smtClean="0">
+                <a:ln>
+                  <a:noFill/>
+                </a:ln>
+                <a:solidFill>
+                  <a:schemeClr val="tx1"/>
+                </a:solidFill>
+                <a:effectLst/>
+                <a:latin typeface="Segoe UI" panose="020B0502040204020203" pitchFamily="34" charset="0"/>
+                <a:cs typeface="Segoe UI" panose="020B0502040204020203" pitchFamily="34" charset="0"/>
+              </a:rPr>
+              <a:t>advanced </a:t>
+            </a:r>
+            <a:r xmlns:a="http://schemas.openxmlformats.org/drawingml/2006/main">
+              <a:rPr kumimoji="0" lang="en" altLang="en-US" b="0" i="0" u="none" strike="noStrike" cap="none" normalizeH="0" baseline="0" dirty="0" smtClean="0">
+                <a:ln>
+                  <a:noFill/>
+                </a:ln>
+                <a:solidFill>
+                  <a:schemeClr val="tx1"/>
+                </a:solidFill>
+                <a:effectLst/>
+                <a:latin typeface="Segoe UI" panose="020B0502040204020203" pitchFamily="34" charset="0"/>
+                <a:cs typeface="Segoe UI" panose="020B0502040204020203" pitchFamily="34" charset="0"/>
+              </a:rPr>
+              <a:t>( </a:t>
+            </a:r>
+            <a:r xmlns:a="http://schemas.openxmlformats.org/drawingml/2006/main">
+              <a:rPr kumimoji="0" lang="en" altLang="en-US" b="1" i="0" u="none" strike="noStrike" cap="none" normalizeH="0" baseline="0" dirty="0" err="1" smtClean="0">
+                <a:ln>
+                  <a:noFill/>
+                </a:ln>
+                <a:solidFill>
+                  <a:schemeClr val="tx1"/>
+                </a:solidFill>
+                <a:effectLst/>
+                <a:latin typeface="Segoe UI" panose="020B0502040204020203" pitchFamily="34" charset="0"/>
+                <a:cs typeface="Segoe UI" panose="020B0502040204020203" pitchFamily="34" charset="0"/>
+              </a:rPr>
+              <a:t>Home </a:t>
+            </a:r>
+            <a:r xmlns:a="http://schemas.openxmlformats.org/drawingml/2006/main">
+              <a:rPr kumimoji="0" lang="en" altLang="en-US" b="0" i="0" u="none" strike="noStrike" cap="none" normalizeH="0" baseline="0" dirty="0" smtClean="0">
+                <a:ln>
+                  <a:noFill/>
+                </a:ln>
+                <a:solidFill>
+                  <a:schemeClr val="tx1"/>
+                </a:solidFill>
+                <a:effectLst/>
+                <a:latin typeface="Segoe UI" panose="020B0502040204020203" pitchFamily="34" charset="0"/>
+                <a:cs typeface="Segoe UI" panose="020B0502040204020203" pitchFamily="34" charset="0"/>
+              </a:rPr>
+              <a:t>→ </a:t>
+            </a:r>
+            <a:r xmlns:a="http://schemas.openxmlformats.org/drawingml/2006/main">
+              <a:rPr kumimoji="0" lang="en" altLang="en-US" b="1" i="0" u="none" strike="noStrike" cap="none" normalizeH="0" baseline="0" dirty="0" err="1" smtClean="0">
+                <a:ln>
+                  <a:noFill/>
+                </a:ln>
+                <a:solidFill>
+                  <a:schemeClr val="tx1"/>
+                </a:solidFill>
+                <a:effectLst/>
+                <a:latin typeface="Segoe UI" panose="020B0502040204020203" pitchFamily="34" charset="0"/>
+                <a:cs typeface="Segoe UI" panose="020B0502040204020203" pitchFamily="34" charset="0"/>
+              </a:rPr>
+              <a:t>Editor</a:t>
+            </a:r>
+            <a:r xmlns:a="http://schemas.openxmlformats.org/drawingml/2006/main">
+              <a:rPr kumimoji="0" lang="en" altLang="en-US" b="1" i="0" u="none" strike="noStrike" cap="none" normalizeH="0" baseline="0" dirty="0" smtClean="0">
+                <a:ln>
+                  <a:noFill/>
+                </a:ln>
+                <a:solidFill>
+                  <a:schemeClr val="tx1"/>
+                </a:solidFill>
+                <a:effectLst/>
+                <a:latin typeface="Segoe UI" panose="020B0502040204020203" pitchFamily="34" charset="0"/>
+                <a:cs typeface="Segoe UI" panose="020B0502040204020203" pitchFamily="34" charset="0"/>
+              </a:rPr>
+              <a:t> </a:t>
+            </a:r>
+            <a:r xmlns:a="http://schemas.openxmlformats.org/drawingml/2006/main">
+              <a:rPr kumimoji="0" lang="en" altLang="en-US" b="1" i="0" u="none" strike="noStrike" cap="none" normalizeH="0" baseline="0" dirty="0" err="1" smtClean="0">
+                <a:ln>
+                  <a:noFill/>
+                </a:ln>
+                <a:solidFill>
+                  <a:schemeClr val="tx1"/>
+                </a:solidFill>
+                <a:effectLst/>
+                <a:latin typeface="Segoe UI" panose="020B0502040204020203" pitchFamily="34" charset="0"/>
+                <a:cs typeface="Segoe UI" panose="020B0502040204020203" pitchFamily="34" charset="0"/>
+              </a:rPr>
+              <a:t>advance </a:t>
+            </a:r>
+            <a:r xmlns:a="http://schemas.openxmlformats.org/drawingml/2006/main">
+              <a:rPr kumimoji="0" lang="en" altLang="en-US" b="0" i="0" u="none" strike="noStrike" cap="none" normalizeH="0" baseline="0" dirty="0" smtClean="0">
+                <a:ln>
+                  <a:noFill/>
+                </a:ln>
+                <a:solidFill>
+                  <a:schemeClr val="tx1"/>
+                </a:solidFill>
+                <a:effectLst/>
+                <a:latin typeface="Segoe UI" panose="020B0502040204020203" pitchFamily="34" charset="0"/>
+                <a:cs typeface="Segoe UI" panose="020B0502040204020203" pitchFamily="34" charset="0"/>
+              </a:rPr>
+              <a:t>).</a:t>
+            </a:r>
+          </a:p>
+          <a:p>
+            <a:pPr xmlns:a="http://schemas.openxmlformats.org/drawingml/2006/main" marL="342900" marR="0" lvl="0" indent="-342900" algn="l" defTabSz="914400" rtl="0" eaLnBrk="0" fontAlgn="base" latinLnBrk="0" hangingPunct="0">
               <a:lnSpc>
                 <a:spcPct val="100000"/>
               </a:lnSpc>
@@ -4016,320 +4724,171 @@
               </a:spcAft>
               <a:buClrTx/>
               <a:buSzTx/>
+              <a:buFont typeface="+mj-lt"/>
+              <a:buAutoNum type="arabicPeriod"/>
               <a:tabLst/>
             </a:pPr>
-            <a:r>
-              <a:rPr kumimoji="0" lang="en-US" altLang="en-US" b="0" i="0" u="none" strike="noStrike" cap="none" normalizeH="0" baseline="0" dirty="0" smtClean="0">
-                <a:ln>
-                  <a:noFill/>
-                </a:ln>
-                <a:solidFill>
-                  <a:schemeClr val="tx1"/>
-                </a:solidFill>
-                <a:effectLst/>
-                <a:latin typeface="Segoe UI" panose="020B0502040204020203" pitchFamily="34" charset="0"/>
-                <a:cs typeface="Segoe UI" panose="020B0502040204020203" pitchFamily="34" charset="0"/>
-              </a:rPr>
-              <a:t>Right-click on the new query in the left pane and select </a:t>
-            </a:r>
-            <a:r>
-              <a:rPr kumimoji="0" lang="en-US" altLang="en-US" b="1" i="0" u="none" strike="noStrike" cap="none" normalizeH="0" baseline="0" dirty="0" smtClean="0">
-                <a:ln>
-                  <a:noFill/>
-                </a:ln>
-                <a:solidFill>
-                  <a:schemeClr val="tx1"/>
-                </a:solidFill>
-                <a:effectLst/>
-                <a:latin typeface="Segoe UI" panose="020B0502040204020203" pitchFamily="34" charset="0"/>
-                <a:cs typeface="Segoe UI" panose="020B0502040204020203" pitchFamily="34" charset="0"/>
-              </a:rPr>
-              <a:t>Advanced Editor</a:t>
-            </a:r>
-            <a:r>
-              <a:rPr kumimoji="0" lang="en-US" altLang="en-US" b="0" i="0" u="none" strike="noStrike" cap="none" normalizeH="0" baseline="0" dirty="0" smtClean="0">
-                <a:ln>
-                  <a:noFill/>
-                </a:ln>
-                <a:solidFill>
-                  <a:schemeClr val="tx1"/>
-                </a:solidFill>
-                <a:effectLst/>
-                <a:latin typeface="Segoe UI" panose="020B0502040204020203" pitchFamily="34" charset="0"/>
-                <a:cs typeface="Segoe UI" panose="020B0502040204020203" pitchFamily="34" charset="0"/>
-              </a:rPr>
-              <a:t>.</a:t>
-            </a:r>
-          </a:p>
-          <a:p>
-            <a:pPr marR="0" lvl="0" algn="l" defTabSz="914400" rtl="0" eaLnBrk="0" fontAlgn="base" latinLnBrk="0" hangingPunct="0">
-              <a:lnSpc>
-                <a:spcPct val="100000"/>
-              </a:lnSpc>
-              <a:spcBef>
-                <a:spcPct val="0"/>
-              </a:spcBef>
-              <a:spcAft>
-                <a:spcPct val="0"/>
-              </a:spcAft>
-              <a:buClrTx/>
-              <a:buSzTx/>
-              <a:tabLst/>
-            </a:pPr>
-            <a:r>
-              <a:rPr kumimoji="0" lang="en-US" altLang="en-US" b="0" i="0" u="none" strike="noStrike" cap="none" normalizeH="0" baseline="0" dirty="0" smtClean="0">
-                <a:ln>
-                  <a:noFill/>
-                </a:ln>
-                <a:solidFill>
-                  <a:schemeClr val="tx1"/>
-                </a:solidFill>
-                <a:effectLst/>
-                <a:latin typeface="Segoe UI" panose="020B0502040204020203" pitchFamily="34" charset="0"/>
-                <a:cs typeface="Segoe UI" panose="020B0502040204020203" pitchFamily="34" charset="0"/>
-              </a:rPr>
-              <a:t>Replace the contents with the following code:</a:t>
-            </a:r>
-          </a:p>
-          <a:p>
-            <a:pPr marL="0" marR="0" lvl="0" indent="0" algn="l" defTabSz="914400" rtl="0" eaLnBrk="0" fontAlgn="base" latinLnBrk="0" hangingPunct="0">
-              <a:lnSpc>
-                <a:spcPct val="100000"/>
-              </a:lnSpc>
-              <a:spcBef>
-                <a:spcPct val="0"/>
-              </a:spcBef>
-              <a:spcAft>
-                <a:spcPct val="0"/>
-              </a:spcAft>
-              <a:buClrTx/>
-              <a:buSzTx/>
-              <a:buFontTx/>
-              <a:buNone/>
-              <a:tabLst/>
-            </a:pPr>
-            <a:endParaRPr kumimoji="0" lang="en-US" altLang="en-US" b="0" i="0" u="none" strike="noStrike" cap="none" normalizeH="0" baseline="0" dirty="0" smtClean="0">
-              <a:ln>
-                <a:noFill/>
-              </a:ln>
-              <a:solidFill>
-                <a:schemeClr val="tx1"/>
-              </a:solidFill>
-              <a:effectLst/>
-              <a:latin typeface="Segoe UI" panose="020B0502040204020203" pitchFamily="34" charset="0"/>
-              <a:cs typeface="Segoe UI" panose="020B0502040204020203" pitchFamily="34" charset="0"/>
-            </a:endParaRPr>
-          </a:p>
-        </p:txBody>
-      </p:sp>
-      <p:sp>
-        <p:nvSpPr>
-          <p:cNvPr id="4" name="Rectangle 3"/>
+            <a:r xmlns:a="http://schemas.openxmlformats.org/drawingml/2006/main">
+              <a:rPr kumimoji="0" lang="en" altLang="en-US" b="0" i="0" u="none" strike="noStrike" cap="none" normalizeH="0" baseline="0" dirty="0" err="1" smtClean="0">
+                <a:ln>
+                  <a:noFill/>
+                </a:ln>
+                <a:solidFill>
+                  <a:schemeClr val="tx1"/>
+                </a:solidFill>
+                <a:effectLst/>
+                <a:latin typeface="Segoe UI" panose="020B0502040204020203" pitchFamily="34" charset="0"/>
+                <a:cs typeface="Segoe UI" panose="020B0502040204020203" pitchFamily="34" charset="0"/>
+              </a:rPr>
+              <a:t>Replace </a:t>
+            </a:r>
+            <a:r xmlns:a="http://schemas.openxmlformats.org/drawingml/2006/main">
+              <a:rPr kumimoji="0" lang="en" altLang="en-US" b="0" i="0" u="none" strike="noStrike" cap="none" normalizeH="0" baseline="0" dirty="0" smtClean="0">
+                <a:ln>
+                  <a:noFill/>
+                </a:ln>
+                <a:solidFill>
+                  <a:schemeClr val="tx1"/>
+                </a:solidFill>
+                <a:effectLst/>
+                <a:latin typeface="Segoe UI" panose="020B0502040204020203" pitchFamily="34" charset="0"/>
+                <a:cs typeface="Segoe UI" panose="020B0502040204020203" pitchFamily="34" charset="0"/>
+              </a:rPr>
+              <a:t>the code with:</a:t>
+            </a:r>
+          </a:p>
+        </p:txBody>
+      </p:sp>
+      <p:sp>
+        <p:nvSpPr>
+          <p:cNvPr id="7" name="Rectangle 6"/>
           <p:cNvSpPr/>
           <p:nvPr/>
         </p:nvSpPr>
         <p:spPr>
           <a:xfrm>
-            <a:off x="336884" y="3204980"/>
-            <a:ext cx="6096000" cy="1754326"/>
+            <a:off x="770466" y="2577237"/>
+            <a:ext cx="3530601" cy="1754326"/>
           </a:xfrm>
           <a:prstGeom prst="rect">
             <a:avLst/>
           </a:prstGeom>
         </p:spPr>
         <p:txBody>
-          <a:bodyPr>
+          <a:bodyPr wrap="square">
             <a:spAutoFit/>
           </a:bodyPr>
           <a:lstStyle/>
           <a:p>
-            <a:r>
-              <a:rPr lang="en-US" dirty="0"/>
-              <a:t>(Total as number) as number =&gt;</a:t>
-            </a:r>
-          </a:p>
-          <a:p>
-            <a:r>
-              <a:rPr lang="en-US" dirty="0"/>
+            <a:r xmlns:a="http://schemas.openxmlformats.org/drawingml/2006/main">
+              <a:rPr lang="en" dirty="0">
+                <a:latin typeface="Segoe UI" panose="020B0502040204020203" pitchFamily="34" charset="0"/>
+                <a:cs typeface="Segoe UI" panose="020B0502040204020203" pitchFamily="34" charset="0"/>
+              </a:rPr>
+              <a:t>Total as number) as number =&gt;</a:t>
+            </a:r>
+          </a:p>
+          <a:p>
+            <a:r xmlns:a="http://schemas.openxmlformats.org/drawingml/2006/main">
+              <a:rPr lang="en" dirty="0">
+                <a:latin typeface="Segoe UI" panose="020B0502040204020203" pitchFamily="34" charset="0"/>
+                <a:cs typeface="Segoe UI" panose="020B0502040204020203" pitchFamily="34" charset="0"/>
+              </a:rPr>
               <a:t>let</a:t>
             </a:r>
           </a:p>
           <a:p>
-            <a:r>
-              <a:rPr lang="en-US" dirty="0"/>
+            <a:r xmlns:a="http://schemas.openxmlformats.org/drawingml/2006/main">
+              <a:rPr lang="en" dirty="0">
+                <a:latin typeface="Segoe UI" panose="020B0502040204020203" pitchFamily="34" charset="0"/>
+                <a:cs typeface="Segoe UI" panose="020B0502040204020203" pitchFamily="34" charset="0"/>
+              </a:rPr>
               <a:t>    </a:t>
             </a:r>
-            <a:r>
-              <a:rPr lang="en-US" dirty="0" err="1"/>
+            <a:r xmlns:a="http://schemas.openxmlformats.org/drawingml/2006/main">
+              <a:rPr lang="en" dirty="0" err="1">
+                <a:latin typeface="Segoe UI" panose="020B0502040204020203" pitchFamily="34" charset="0"/>
+                <a:cs typeface="Segoe UI" panose="020B0502040204020203" pitchFamily="34" charset="0"/>
+              </a:rPr>
+              <a:t>TaxRate </a:t>
+            </a:r>
+            <a:r xmlns:a="http://schemas.openxmlformats.org/drawingml/2006/main">
+              <a:rPr lang="en" dirty="0">
+                <a:latin typeface="Segoe UI" panose="020B0502040204020203" pitchFamily="34" charset="0"/>
+                <a:cs typeface="Segoe UI" panose="020B0502040204020203" pitchFamily="34" charset="0"/>
+              </a:rPr>
+              <a:t>= 0.15,</a:t>
+            </a:r>
+          </a:p>
+          <a:p>
+            <a:r xmlns:a="http://schemas.openxmlformats.org/drawingml/2006/main">
+              <a:rPr lang="en" dirty="0">
+                <a:latin typeface="Segoe UI" panose="020B0502040204020203" pitchFamily="34" charset="0"/>
+                <a:cs typeface="Segoe UI" panose="020B0502040204020203" pitchFamily="34" charset="0"/>
+              </a:rPr>
+              <a:t>    </a:t>
+            </a:r>
+            <a:r xmlns:a="http://schemas.openxmlformats.org/drawingml/2006/main">
+              <a:rPr lang="en" dirty="0" err="1">
+                <a:latin typeface="Segoe UI" panose="020B0502040204020203" pitchFamily="34" charset="0"/>
+                <a:cs typeface="Segoe UI" panose="020B0502040204020203" pitchFamily="34" charset="0"/>
+              </a:rPr>
+              <a:t>TaxAmount </a:t>
+            </a:r>
+            <a:r xmlns:a="http://schemas.openxmlformats.org/drawingml/2006/main">
+              <a:rPr lang="en" dirty="0">
+                <a:latin typeface="Segoe UI" panose="020B0502040204020203" pitchFamily="34" charset="0"/>
+                <a:cs typeface="Segoe UI" panose="020B0502040204020203" pitchFamily="34" charset="0"/>
+              </a:rPr>
+              <a:t>= Total * </a:t>
+            </a:r>
+            <a:r xmlns:a="http://schemas.openxmlformats.org/drawingml/2006/main">
+              <a:rPr lang="en" dirty="0" err="1">
+                <a:latin typeface="Segoe UI" panose="020B0502040204020203" pitchFamily="34" charset="0"/>
+                <a:cs typeface="Segoe UI" panose="020B0502040204020203" pitchFamily="34" charset="0"/>
+              </a:rPr>
               <a:t>TaxRate</a:t>
             </a:r>
-            <a:r>
-              <a:rPr lang="en-US" dirty="0"/>
-              <a:t> = 0.15,</a:t>
-            </a:r>
-          </a:p>
-          <a:p>
-            <a:r>
-              <a:rPr lang="en-US" dirty="0"/>
+            <a:endParaRPr xmlns:a="http://schemas.openxmlformats.org/drawingml/2006/main" lang="en-US" dirty="0">
+              <a:latin typeface="Segoe UI" panose="020B0502040204020203" pitchFamily="34" charset="0"/>
+              <a:cs typeface="Segoe UI" panose="020B0502040204020203" pitchFamily="34" charset="0"/>
+            </a:endParaRPr>
+          </a:p>
+          <a:p>
+            <a:r xmlns:a="http://schemas.openxmlformats.org/drawingml/2006/main">
+              <a:rPr lang="en" dirty="0">
+                <a:latin typeface="Segoe UI" panose="020B0502040204020203" pitchFamily="34" charset="0"/>
+                <a:cs typeface="Segoe UI" panose="020B0502040204020203" pitchFamily="34" charset="0"/>
+              </a:rPr>
+              <a:t>in</a:t>
+            </a:r>
+          </a:p>
+          <a:p>
+            <a:r xmlns:a="http://schemas.openxmlformats.org/drawingml/2006/main">
+              <a:rPr lang="en" dirty="0">
+                <a:latin typeface="Segoe UI" panose="020B0502040204020203" pitchFamily="34" charset="0"/>
+                <a:cs typeface="Segoe UI" panose="020B0502040204020203" pitchFamily="34" charset="0"/>
+              </a:rPr>
               <a:t>    </a:t>
             </a:r>
-            <a:r>
-              <a:rPr lang="en-US" dirty="0" err="1"/>
+            <a:r xmlns:a="http://schemas.openxmlformats.org/drawingml/2006/main">
+              <a:rPr lang="en" dirty="0" err="1">
+                <a:latin typeface="Segoe UI" panose="020B0502040204020203" pitchFamily="34" charset="0"/>
+                <a:cs typeface="Segoe UI" panose="020B0502040204020203" pitchFamily="34" charset="0"/>
+              </a:rPr>
               <a:t>TaxAmount</a:t>
             </a:r>
-            <a:r>
-              <a:rPr lang="en-US" dirty="0"/>
-              <a:t> = Total * </a:t>
-            </a:r>
-            <a:r>
-              <a:rPr lang="en-US" dirty="0" err="1"/>
-              <a:t>TaxRate</a:t>
-            </a:r>
-            <a:endParaRPr lang="en-US" dirty="0"/>
-          </a:p>
-          <a:p>
-            <a:r>
-              <a:rPr lang="en-US" dirty="0"/>
-              <a:t>in</a:t>
-            </a:r>
-          </a:p>
-          <a:p>
-            <a:r>
-              <a:rPr lang="en-US" dirty="0"/>
-              <a:t>    </a:t>
-            </a:r>
-            <a:r>
-              <a:rPr lang="en-US" dirty="0" err="1"/>
-              <a:t>TaxAmount</a:t>
-            </a:r>
-            <a:endParaRPr lang="en-US" dirty="0"/>
-          </a:p>
-        </p:txBody>
-      </p:sp>
-      <p:sp>
-        <p:nvSpPr>
-          <p:cNvPr id="5" name="Rectangle 2"/>
-          <p:cNvSpPr>
-            <a:spLocks noChangeArrowheads="1"/>
-          </p:cNvSpPr>
-          <p:nvPr/>
-        </p:nvSpPr>
-        <p:spPr bwMode="auto">
-          <a:xfrm>
-            <a:off x="336884" y="5274233"/>
-            <a:ext cx="5341590" cy="369332"/>
-          </a:xfrm>
-          <a:prstGeom prst="rect">
-            <a:avLst/>
-          </a:prstGeom>
-          <a:noFill/>
-          <a:ln>
-            <a:noFill/>
-          </a:ln>
-          <a:effectLst/>
-          <a:extLst>
-            <a:ext uri="{909E8E84-426E-40DD-AFC4-6F175D3DCCD1}">
-              <a14:hiddenFill xmlns:a14="http://schemas.microsoft.com/office/drawing/2010/main">
-                <a:solidFill>
-                  <a:schemeClr val="accent1"/>
-                </a:solidFill>
-              </a14:hiddenFill>
-            </a:ext>
-            <a:ext uri="{91240B29-F687-4F45-9708-019B960494DF}">
-              <a14:hiddenLine xmlns:a14="http://schemas.microsoft.com/office/drawing/2010/main" w="9525">
-                <a:solidFill>
-                  <a:schemeClr val="tx1"/>
-                </a:solidFill>
-                <a:miter lim="800000"/>
-                <a:headEnd/>
-                <a:tailEnd/>
-              </a14:hiddenLine>
-            </a:ext>
-            <a:ext uri="{AF507438-7753-43E0-B8FC-AC1667EBCBE1}">
-              <a14:hiddenEffects xmlns:a14="http://schemas.microsoft.com/office/drawing/2010/main">
-                <a:effectLst>
-                  <a:outerShdw dist="35921" dir="2700000" algn="ctr" rotWithShape="0">
-                    <a:schemeClr val="bg2"/>
-                  </a:outerShdw>
-                </a:effectLst>
-              </a14:hiddenEffects>
-            </a:ext>
-          </a:extLst>
-        </p:spPr>
-        <p:txBody>
-          <a:bodyPr vert="horz" wrap="none" lIns="91440" tIns="45720" rIns="91440" bIns="45720" numCol="1" anchor="ctr" anchorCtr="0" compatLnSpc="1">
-            <a:prstTxWarp prst="textNoShape">
-              <a:avLst/>
-            </a:prstTxWarp>
-            <a:spAutoFit/>
-          </a:bodyPr>
-          <a:lstStyle/>
-          <a:p>
-            <a:pPr marL="0" marR="0" lvl="0" indent="0" algn="l" defTabSz="914400" rtl="0" eaLnBrk="0" fontAlgn="base" latinLnBrk="0" hangingPunct="0">
-              <a:lnSpc>
-                <a:spcPct val="100000"/>
-              </a:lnSpc>
-              <a:spcBef>
-                <a:spcPct val="0"/>
-              </a:spcBef>
-              <a:spcAft>
-                <a:spcPct val="0"/>
-              </a:spcAft>
-              <a:buClrTx/>
-              <a:buSzTx/>
-              <a:buFontTx/>
-              <a:buNone/>
-              <a:tabLst/>
-            </a:pPr>
-            <a:r>
-              <a:rPr kumimoji="0" lang="en-US" altLang="en-US" b="0" i="0" u="none" strike="noStrike" cap="none" normalizeH="0" baseline="0" smtClean="0">
-                <a:ln>
-                  <a:noFill/>
-                </a:ln>
-                <a:solidFill>
-                  <a:schemeClr val="tx1"/>
-                </a:solidFill>
-                <a:effectLst/>
-                <a:latin typeface="Segoe UI" panose="020B0502040204020203" pitchFamily="34" charset="0"/>
-                <a:cs typeface="Segoe UI" panose="020B0502040204020203" pitchFamily="34" charset="0"/>
-              </a:rPr>
-              <a:t>Click </a:t>
-            </a:r>
-            <a:r>
-              <a:rPr kumimoji="0" lang="en-US" altLang="en-US" b="1" i="0" u="none" strike="noStrike" cap="none" normalizeH="0" baseline="0" smtClean="0">
-                <a:ln>
-                  <a:noFill/>
-                </a:ln>
-                <a:solidFill>
-                  <a:schemeClr val="tx1"/>
-                </a:solidFill>
-                <a:effectLst/>
-                <a:latin typeface="Segoe UI" panose="020B0502040204020203" pitchFamily="34" charset="0"/>
-                <a:cs typeface="Segoe UI" panose="020B0502040204020203" pitchFamily="34" charset="0"/>
-              </a:rPr>
-              <a:t>Done</a:t>
-            </a:r>
-            <a:r>
-              <a:rPr kumimoji="0" lang="en-US" altLang="en-US" b="0" i="0" u="none" strike="noStrike" cap="none" normalizeH="0" baseline="0" smtClean="0">
-                <a:ln>
-                  <a:noFill/>
-                </a:ln>
-                <a:solidFill>
-                  <a:schemeClr val="tx1"/>
-                </a:solidFill>
-                <a:effectLst/>
-                <a:latin typeface="Segoe UI" panose="020B0502040204020203" pitchFamily="34" charset="0"/>
-                <a:cs typeface="Segoe UI" panose="020B0502040204020203" pitchFamily="34" charset="0"/>
-              </a:rPr>
-              <a:t> and rename the query to CalculateTax </a:t>
-            </a:r>
+            <a:endParaRPr xmlns:a="http://schemas.openxmlformats.org/drawingml/2006/main" lang="en-US" dirty="0">
+              <a:latin typeface="Segoe UI" panose="020B0502040204020203" pitchFamily="34" charset="0"/>
+              <a:cs typeface="Segoe UI" panose="020B0502040204020203" pitchFamily="34" charset="0"/>
+            </a:endParaRPr>
           </a:p>
         </p:txBody>
       </p:sp>
     </p:spTree>
     <p:extLst>
       <p:ext uri="{BB962C8B-B14F-4D97-AF65-F5344CB8AC3E}">
-        <p14:creationId xmlns:p14="http://schemas.microsoft.com/office/powerpoint/2010/main" val="4020657278"/>
+        <p14:creationId xmlns:p14="http://schemas.microsoft.com/office/powerpoint/2010/main" val="4274658502"/>
       </p:ext>
     </p:extLst>
   </p:cSld>
@@ -4378,476 +4937,102 @@
           </a:bodyPr>
           <a:lstStyle/>
           <a:p>
-            <a:r>
-              <a:rPr lang="en-US" sz="2800" dirty="0" smtClean="0">
-                <a:latin typeface="Segoe UI" panose="020B0502040204020203" pitchFamily="34" charset="0"/>
-                <a:cs typeface="Segoe UI" panose="020B0502040204020203" pitchFamily="34" charset="0"/>
-              </a:rPr>
-              <a:t>Invoke functions</a:t>
-            </a:r>
-            <a:endParaRPr lang="en-US" sz="2800" dirty="0">
+            <a:r xmlns:a="http://schemas.openxmlformats.org/drawingml/2006/main">
+              <a:rPr lang="en" sz="2800" dirty="0" smtClean="0">
+                <a:latin typeface="Segoe UI" panose="020B0502040204020203" pitchFamily="34" charset="0"/>
+                <a:cs typeface="Segoe UI" panose="020B0502040204020203" pitchFamily="34" charset="0"/>
+              </a:rPr>
+              <a:t>Invoke </a:t>
+            </a:r>
+            <a:r xmlns:a="http://schemas.openxmlformats.org/drawingml/2006/main">
+              <a:rPr lang="en" sz="2800" dirty="0" smtClean="0">
+                <a:latin typeface="Segoe UI" panose="020B0502040204020203" pitchFamily="34" charset="0"/>
+                <a:cs typeface="Segoe UI" panose="020B0502040204020203" pitchFamily="34" charset="0"/>
+              </a:rPr>
+              <a:t>functions</a:t>
+            </a:r>
+            <a:endParaRPr xmlns:a="http://schemas.openxmlformats.org/drawingml/2006/main" lang="fr-FR" sz="2800" dirty="0">
               <a:latin typeface="Segoe UI" panose="020B0502040204020203" pitchFamily="34" charset="0"/>
               <a:cs typeface="Segoe UI" panose="020B0502040204020203" pitchFamily="34" charset="0"/>
             </a:endParaRPr>
           </a:p>
         </p:txBody>
       </p:sp>
-      <p:sp>
-        <p:nvSpPr>
-          <p:cNvPr id="6" name="Rectangle 1"/>
-          <p:cNvSpPr>
-            <a:spLocks noChangeArrowheads="1"/>
-          </p:cNvSpPr>
+      <p:pic>
+        <p:nvPicPr>
+          <p:cNvPr id="3" name="Picture 2"/>
+          <p:cNvPicPr>
+            <a:picLocks noChangeAspect="1"/>
+          </p:cNvPicPr>
           <p:nvPr/>
-        </p:nvSpPr>
-        <p:spPr bwMode="auto">
+        </p:nvPicPr>
+        <p:blipFill>
+          <a:blip r:embed="rId2"/>
+          <a:stretch>
+            <a:fillRect/>
+          </a:stretch>
+        </p:blipFill>
+        <p:spPr>
           <a:xfrm>
-            <a:off x="378135" y="805102"/>
-            <a:ext cx="4556055" cy="1200329"/>
+            <a:off x="407303" y="967084"/>
+            <a:ext cx="9802593" cy="3315163"/>
           </a:xfrm>
           <a:prstGeom prst="rect">
             <a:avLst/>
           </a:prstGeom>
-          <a:noFill/>
           <a:ln>
             <a:noFill/>
           </a:ln>
-          <a:effectLst/>
-          <a:extLst>
-            <a:ext uri="{909E8E84-426E-40DD-AFC4-6F175D3DCCD1}">
-              <a14:hiddenFill xmlns:a14="http://schemas.microsoft.com/office/drawing/2010/main">
-                <a:solidFill>
-                  <a:schemeClr val="accent1"/>
-                </a:solidFill>
-              </a14:hiddenFill>
-            </a:ext>
-            <a:ext uri="{91240B29-F687-4F45-9708-019B960494DF}">
-              <a14:hiddenLine xmlns:a14="http://schemas.microsoft.com/office/drawing/2010/main" w="9525">
-                <a:solidFill>
-                  <a:schemeClr val="tx1"/>
-                </a:solidFill>
-                <a:miter lim="800000"/>
-                <a:headEnd/>
-                <a:tailEnd/>
-              </a14:hiddenLine>
-            </a:ext>
-            <a:ext uri="{AF507438-7753-43E0-B8FC-AC1667EBCBE1}">
-              <a14:hiddenEffects xmlns:a14="http://schemas.microsoft.com/office/drawing/2010/main">
-                <a:effectLst>
-                  <a:outerShdw dist="35921" dir="2700000" algn="ctr" rotWithShape="0">
-                    <a:schemeClr val="bg2"/>
-                  </a:outerShdw>
-                </a:effectLst>
-              </a14:hiddenEffects>
-            </a:ext>
-          </a:extLst>
+          <a:effectLst>
+            <a:outerShdw blurRad="292100" dist="139700" dir="2700000" algn="tl" rotWithShape="0">
+              <a:srgbClr val="333333">
+                <a:alpha val="65000"/>
+              </a:srgbClr>
+            </a:outerShdw>
+          </a:effectLst>
         </p:spPr>
-        <p:txBody>
-          <a:bodyPr vert="horz" wrap="none" lIns="91440" tIns="45720" rIns="91440" bIns="45720" numCol="1" anchor="ctr" anchorCtr="0" compatLnSpc="1">
-            <a:prstTxWarp prst="textNoShape">
-              <a:avLst/>
-            </a:prstTxWarp>
-            <a:spAutoFit/>
-          </a:bodyPr>
-          <a:lstStyle/>
-          <a:p>
-            <a:pPr marR="0" lvl="0" algn="l" defTabSz="914400" rtl="0" eaLnBrk="0" fontAlgn="base" latinLnBrk="0" hangingPunct="0">
-              <a:lnSpc>
-                <a:spcPct val="100000"/>
-              </a:lnSpc>
-              <a:spcBef>
-                <a:spcPct val="0"/>
-              </a:spcBef>
-              <a:spcAft>
-                <a:spcPct val="0"/>
-              </a:spcAft>
-              <a:buClrTx/>
-              <a:buSzTx/>
-              <a:tabLst/>
-            </a:pPr>
-            <a:endParaRPr kumimoji="0" lang="en-US" altLang="en-US" b="0" i="0" u="none" strike="noStrike" cap="none" normalizeH="0" baseline="0" smtClean="0">
-              <a:ln>
-                <a:noFill/>
-              </a:ln>
-              <a:solidFill>
-                <a:schemeClr val="tx1"/>
-              </a:solidFill>
-              <a:effectLst/>
-              <a:latin typeface="Segoe UI" panose="020B0502040204020203" pitchFamily="34" charset="0"/>
-              <a:cs typeface="Segoe UI" panose="020B0502040204020203" pitchFamily="34" charset="0"/>
-            </a:endParaRPr>
-          </a:p>
-          <a:p>
-            <a:pPr marL="0" marR="0" lvl="0" indent="0" algn="l" defTabSz="914400" rtl="0" eaLnBrk="0" fontAlgn="base" latinLnBrk="0" hangingPunct="0">
-              <a:lnSpc>
-                <a:spcPct val="100000"/>
-              </a:lnSpc>
-              <a:spcBef>
-                <a:spcPct val="0"/>
-              </a:spcBef>
-              <a:spcAft>
-                <a:spcPct val="0"/>
-              </a:spcAft>
-              <a:buClrTx/>
-              <a:buSzTx/>
-              <a:tabLst/>
-            </a:pPr>
-            <a:r>
-              <a:rPr kumimoji="0" lang="en-US" altLang="en-US" b="0" i="0" u="none" strike="noStrike" cap="none" normalizeH="0" baseline="0" smtClean="0">
-                <a:ln>
-                  <a:noFill/>
-                </a:ln>
-                <a:solidFill>
-                  <a:schemeClr val="tx1"/>
-                </a:solidFill>
-                <a:effectLst/>
-                <a:latin typeface="Segoe UI" panose="020B0502040204020203" pitchFamily="34" charset="0"/>
-                <a:cs typeface="Segoe UI" panose="020B0502040204020203" pitchFamily="34" charset="0"/>
-              </a:rPr>
-              <a:t>Go to </a:t>
-            </a:r>
-            <a:r>
-              <a:rPr kumimoji="0" lang="en-US" altLang="en-US" b="1" i="0" u="none" strike="noStrike" cap="none" normalizeH="0" baseline="0" smtClean="0">
-                <a:ln>
-                  <a:noFill/>
-                </a:ln>
-                <a:solidFill>
-                  <a:schemeClr val="tx1"/>
-                </a:solidFill>
-                <a:effectLst/>
-                <a:latin typeface="Segoe UI" panose="020B0502040204020203" pitchFamily="34" charset="0"/>
-                <a:cs typeface="Segoe UI" panose="020B0502040204020203" pitchFamily="34" charset="0"/>
-              </a:rPr>
-              <a:t>Home &gt; Enter Data</a:t>
-            </a:r>
-            <a:r>
-              <a:rPr kumimoji="0" lang="en-US" altLang="en-US" b="0" i="0" u="none" strike="noStrike" cap="none" normalizeH="0" baseline="0" smtClean="0">
-                <a:ln>
-                  <a:noFill/>
-                </a:ln>
-                <a:solidFill>
-                  <a:schemeClr val="tx1"/>
-                </a:solidFill>
-                <a:effectLst/>
-                <a:latin typeface="Segoe UI" panose="020B0502040204020203" pitchFamily="34" charset="0"/>
-                <a:cs typeface="Segoe UI" panose="020B0502040204020203" pitchFamily="34" charset="0"/>
-              </a:rPr>
-              <a:t>.</a:t>
-            </a:r>
-          </a:p>
-          <a:p>
-            <a:pPr marL="0" marR="0" lvl="0" indent="0" algn="l" defTabSz="914400" rtl="0" eaLnBrk="0" fontAlgn="base" latinLnBrk="0" hangingPunct="0">
-              <a:lnSpc>
-                <a:spcPct val="100000"/>
-              </a:lnSpc>
-              <a:spcBef>
-                <a:spcPct val="0"/>
-              </a:spcBef>
-              <a:spcAft>
-                <a:spcPct val="0"/>
-              </a:spcAft>
-              <a:buClrTx/>
-              <a:buSzTx/>
-              <a:tabLst/>
-            </a:pPr>
-            <a:r>
-              <a:rPr kumimoji="0" lang="en-US" altLang="en-US" b="0" i="0" u="none" strike="noStrike" cap="none" normalizeH="0" baseline="0" smtClean="0">
-                <a:ln>
-                  <a:noFill/>
-                </a:ln>
-                <a:solidFill>
-                  <a:schemeClr val="tx1"/>
-                </a:solidFill>
-                <a:effectLst/>
-                <a:latin typeface="Segoe UI" panose="020B0502040204020203" pitchFamily="34" charset="0"/>
-                <a:cs typeface="Segoe UI" panose="020B0502040204020203" pitchFamily="34" charset="0"/>
-              </a:rPr>
-              <a:t>Input the test data table from </a:t>
-            </a:r>
-            <a:r>
-              <a:rPr kumimoji="0" lang="en-US" altLang="en-US" b="1" i="0" u="none" strike="noStrike" cap="none" normalizeH="0" baseline="0" smtClean="0">
-                <a:ln>
-                  <a:noFill/>
-                </a:ln>
-                <a:solidFill>
-                  <a:schemeClr val="tx1"/>
-                </a:solidFill>
-                <a:effectLst/>
-                <a:latin typeface="Segoe UI" panose="020B0502040204020203" pitchFamily="34" charset="0"/>
-                <a:cs typeface="Segoe UI" panose="020B0502040204020203" pitchFamily="34" charset="0"/>
-              </a:rPr>
-              <a:t>Step 1</a:t>
-            </a:r>
-            <a:r>
-              <a:rPr kumimoji="0" lang="en-US" altLang="en-US" b="0" i="0" u="none" strike="noStrike" cap="none" normalizeH="0" baseline="0" smtClean="0">
-                <a:ln>
-                  <a:noFill/>
-                </a:ln>
-                <a:solidFill>
-                  <a:schemeClr val="tx1"/>
-                </a:solidFill>
-                <a:effectLst/>
-                <a:latin typeface="Segoe UI" panose="020B0502040204020203" pitchFamily="34" charset="0"/>
-                <a:cs typeface="Segoe UI" panose="020B0502040204020203" pitchFamily="34" charset="0"/>
-              </a:rPr>
-              <a:t>.</a:t>
-            </a:r>
-          </a:p>
-          <a:p>
-            <a:pPr marL="0" marR="0" lvl="0" indent="0" algn="l" defTabSz="914400" rtl="0" eaLnBrk="0" fontAlgn="base" latinLnBrk="0" hangingPunct="0">
-              <a:lnSpc>
-                <a:spcPct val="100000"/>
-              </a:lnSpc>
-              <a:spcBef>
-                <a:spcPct val="0"/>
-              </a:spcBef>
-              <a:spcAft>
-                <a:spcPct val="0"/>
-              </a:spcAft>
-              <a:buClrTx/>
-              <a:buSzTx/>
-              <a:tabLst/>
-            </a:pPr>
-            <a:r>
-              <a:rPr kumimoji="0" lang="en-US" altLang="en-US" b="0" i="0" u="none" strike="noStrike" cap="none" normalizeH="0" baseline="0" smtClean="0">
-                <a:ln>
-                  <a:noFill/>
-                </a:ln>
-                <a:solidFill>
-                  <a:schemeClr val="tx1"/>
-                </a:solidFill>
-                <a:effectLst/>
-                <a:latin typeface="Segoe UI" panose="020B0502040204020203" pitchFamily="34" charset="0"/>
-                <a:cs typeface="Segoe UI" panose="020B0502040204020203" pitchFamily="34" charset="0"/>
-              </a:rPr>
-              <a:t>Name the table SalesData and click </a:t>
-            </a:r>
-            <a:r>
-              <a:rPr kumimoji="0" lang="en-US" altLang="en-US" b="1" i="0" u="none" strike="noStrike" cap="none" normalizeH="0" baseline="0" smtClean="0">
-                <a:ln>
-                  <a:noFill/>
-                </a:ln>
-                <a:solidFill>
-                  <a:schemeClr val="tx1"/>
-                </a:solidFill>
-                <a:effectLst/>
-                <a:latin typeface="Segoe UI" panose="020B0502040204020203" pitchFamily="34" charset="0"/>
-                <a:cs typeface="Segoe UI" panose="020B0502040204020203" pitchFamily="34" charset="0"/>
-              </a:rPr>
-              <a:t>Load</a:t>
-            </a:r>
-            <a:r>
-              <a:rPr kumimoji="0" lang="en-US" altLang="en-US" b="0" i="0" u="none" strike="noStrike" cap="none" normalizeH="0" baseline="0" smtClean="0">
-                <a:ln>
-                  <a:noFill/>
-                </a:ln>
-                <a:solidFill>
-                  <a:schemeClr val="tx1"/>
-                </a:solidFill>
-                <a:effectLst/>
-                <a:latin typeface="Segoe UI" panose="020B0502040204020203" pitchFamily="34" charset="0"/>
-                <a:cs typeface="Segoe UI" panose="020B0502040204020203" pitchFamily="34" charset="0"/>
-              </a:rPr>
-              <a:t>. </a:t>
-            </a:r>
-          </a:p>
-        </p:txBody>
-      </p:sp>
-      <p:sp>
-        <p:nvSpPr>
-          <p:cNvPr id="7" name="Rectangle 2"/>
-          <p:cNvSpPr>
-            <a:spLocks noChangeArrowheads="1"/>
-          </p:cNvSpPr>
+      </p:pic>
+      <p:sp>
+        <p:nvSpPr>
+          <p:cNvPr id="4" name="Rectangle 3"/>
+          <p:cNvSpPr/>
           <p:nvPr/>
         </p:nvSpPr>
-        <p:spPr bwMode="auto">
+        <p:spPr>
           <a:xfrm>
-            <a:off x="378134" y="2364940"/>
-            <a:ext cx="8360229" cy="2585323"/>
+            <a:off x="537632" y="4804601"/>
+            <a:ext cx="9541934" cy="646331"/>
           </a:xfrm>
           <a:prstGeom prst="rect">
             <a:avLst/>
           </a:prstGeom>
-          <a:noFill/>
-          <a:ln>
-            <a:noFill/>
-          </a:ln>
-          <a:effectLst/>
-          <a:extLst>
-            <a:ext uri="{909E8E84-426E-40DD-AFC4-6F175D3DCCD1}">
-              <a14:hiddenFill xmlns:a14="http://schemas.microsoft.com/office/drawing/2010/main">
-                <a:solidFill>
-                  <a:schemeClr val="accent1"/>
-                </a:solidFill>
-              </a14:hiddenFill>
-            </a:ext>
-            <a:ext uri="{91240B29-F687-4F45-9708-019B960494DF}">
-              <a14:hiddenLine xmlns:a14="http://schemas.microsoft.com/office/drawing/2010/main" w="9525">
-                <a:solidFill>
-                  <a:schemeClr val="tx1"/>
-                </a:solidFill>
-                <a:miter lim="800000"/>
-                <a:headEnd/>
-                <a:tailEnd/>
-              </a14:hiddenLine>
-            </a:ext>
-            <a:ext uri="{AF507438-7753-43E0-B8FC-AC1667EBCBE1}">
-              <a14:hiddenEffects xmlns:a14="http://schemas.microsoft.com/office/drawing/2010/main">
-                <a:effectLst>
-                  <a:outerShdw dist="35921" dir="2700000" algn="ctr" rotWithShape="0">
-                    <a:schemeClr val="bg2"/>
-                  </a:outerShdw>
-                </a:effectLst>
-              </a14:hiddenEffects>
-            </a:ext>
-          </a:extLst>
         </p:spPr>
         <p:txBody>
-          <a:bodyPr vert="horz" wrap="square" lIns="91440" tIns="45720" rIns="91440" bIns="45720" numCol="1" anchor="ctr" anchorCtr="0" compatLnSpc="1">
-            <a:prstTxWarp prst="textNoShape">
-              <a:avLst/>
-            </a:prstTxWarp>
+          <a:bodyPr wrap="square">
             <a:spAutoFit/>
           </a:bodyPr>
           <a:lstStyle/>
           <a:p>
-            <a:pPr marL="0" marR="0" lvl="0" indent="0" algn="l" defTabSz="914400" rtl="0" eaLnBrk="0" fontAlgn="base" latinLnBrk="0" hangingPunct="0">
-              <a:lnSpc>
-                <a:spcPct val="100000"/>
-              </a:lnSpc>
-              <a:spcBef>
-                <a:spcPct val="0"/>
-              </a:spcBef>
-              <a:spcAft>
-                <a:spcPct val="0"/>
-              </a:spcAft>
-              <a:buClrTx/>
-              <a:buSzTx/>
-              <a:tabLst/>
+            <a:pPr xmlns:a="http://schemas.openxmlformats.org/drawingml/2006/main">
+              <a:buFont typeface="+mj-lt"/>
+              <a:buAutoNum type="arabicPeriod" startAt="5"/>
             </a:pPr>
-            <a:r>
-              <a:rPr kumimoji="0" lang="en-US" altLang="en-US" b="0" i="0" u="none" strike="noStrike" cap="none" normalizeH="0" baseline="0" dirty="0" smtClean="0">
-                <a:ln>
-                  <a:noFill/>
-                </a:ln>
-                <a:solidFill>
-                  <a:schemeClr val="tx1"/>
-                </a:solidFill>
-                <a:effectLst/>
-                <a:latin typeface="Segoe UI" panose="020B0502040204020203" pitchFamily="34" charset="0"/>
-                <a:cs typeface="Segoe UI" panose="020B0502040204020203" pitchFamily="34" charset="0"/>
-              </a:rPr>
-              <a:t>In Power Query, select the </a:t>
-            </a:r>
-            <a:r>
-              <a:rPr kumimoji="0" lang="en-US" altLang="en-US" b="1" i="0" u="none" strike="noStrike" cap="none" normalizeH="0" baseline="0" dirty="0" err="1" smtClean="0">
-                <a:ln>
-                  <a:noFill/>
-                </a:ln>
-                <a:solidFill>
-                  <a:schemeClr val="tx1"/>
-                </a:solidFill>
-                <a:effectLst/>
-                <a:latin typeface="Segoe UI" panose="020B0502040204020203" pitchFamily="34" charset="0"/>
-                <a:cs typeface="Segoe UI" panose="020B0502040204020203" pitchFamily="34" charset="0"/>
-              </a:rPr>
-              <a:t>SalesData</a:t>
-            </a:r>
-            <a:r>
-              <a:rPr kumimoji="0" lang="en-US" altLang="en-US" b="0" i="0" u="none" strike="noStrike" cap="none" normalizeH="0" baseline="0" dirty="0" smtClean="0">
-                <a:ln>
-                  <a:noFill/>
-                </a:ln>
-                <a:solidFill>
-                  <a:schemeClr val="tx1"/>
-                </a:solidFill>
-                <a:effectLst/>
-                <a:latin typeface="Segoe UI" panose="020B0502040204020203" pitchFamily="34" charset="0"/>
-                <a:cs typeface="Segoe UI" panose="020B0502040204020203" pitchFamily="34" charset="0"/>
-              </a:rPr>
-              <a:t> query.</a:t>
-            </a:r>
-          </a:p>
-          <a:p>
-            <a:pPr marL="0" marR="0" lvl="0" indent="0" algn="l" defTabSz="914400" rtl="0" eaLnBrk="0" fontAlgn="base" latinLnBrk="0" hangingPunct="0">
-              <a:lnSpc>
-                <a:spcPct val="100000"/>
-              </a:lnSpc>
-              <a:spcBef>
-                <a:spcPct val="0"/>
-              </a:spcBef>
-              <a:spcAft>
-                <a:spcPct val="0"/>
-              </a:spcAft>
-              <a:buClrTx/>
-              <a:buSzTx/>
-              <a:tabLst/>
-            </a:pPr>
-            <a:endParaRPr kumimoji="0" lang="en-US" altLang="en-US" b="0" i="0" u="none" strike="noStrike" cap="none" normalizeH="0" baseline="0" dirty="0" smtClean="0">
-              <a:ln>
-                <a:noFill/>
-              </a:ln>
-              <a:solidFill>
-                <a:schemeClr val="tx1"/>
-              </a:solidFill>
-              <a:effectLst/>
-              <a:latin typeface="Segoe UI" panose="020B0502040204020203" pitchFamily="34" charset="0"/>
-              <a:cs typeface="Segoe UI" panose="020B0502040204020203" pitchFamily="34" charset="0"/>
-            </a:endParaRPr>
-          </a:p>
-          <a:p>
-            <a:pPr marL="0" marR="0" lvl="0" indent="0" algn="l" defTabSz="914400" rtl="0" eaLnBrk="0" fontAlgn="base" latinLnBrk="0" hangingPunct="0">
-              <a:lnSpc>
-                <a:spcPct val="100000"/>
-              </a:lnSpc>
-              <a:spcBef>
-                <a:spcPct val="0"/>
-              </a:spcBef>
-              <a:spcAft>
-                <a:spcPct val="0"/>
-              </a:spcAft>
-              <a:buClrTx/>
-              <a:buSzTx/>
-              <a:tabLst/>
-            </a:pPr>
-            <a:r>
-              <a:rPr kumimoji="0" lang="en-US" altLang="en-US" b="0" i="0" u="none" strike="noStrike" cap="none" normalizeH="0" baseline="0" dirty="0" smtClean="0">
-                <a:ln>
-                  <a:noFill/>
-                </a:ln>
-                <a:solidFill>
-                  <a:schemeClr val="tx1"/>
-                </a:solidFill>
-                <a:effectLst/>
-                <a:latin typeface="Segoe UI" panose="020B0502040204020203" pitchFamily="34" charset="0"/>
-                <a:cs typeface="Segoe UI" panose="020B0502040204020203" pitchFamily="34" charset="0"/>
-              </a:rPr>
-              <a:t>Go to </a:t>
-            </a:r>
-            <a:r>
-              <a:rPr kumimoji="0" lang="en-US" altLang="en-US" b="1" i="0" u="none" strike="noStrike" cap="none" normalizeH="0" baseline="0" dirty="0" smtClean="0">
-                <a:ln>
-                  <a:noFill/>
-                </a:ln>
-                <a:solidFill>
-                  <a:schemeClr val="tx1"/>
-                </a:solidFill>
-                <a:effectLst/>
-                <a:latin typeface="Segoe UI" panose="020B0502040204020203" pitchFamily="34" charset="0"/>
-                <a:cs typeface="Segoe UI" panose="020B0502040204020203" pitchFamily="34" charset="0"/>
-              </a:rPr>
-              <a:t>Add Column &gt; Invoke Custom Function</a:t>
-            </a:r>
-            <a:r>
-              <a:rPr kumimoji="0" lang="en-US" altLang="en-US" b="0" i="0" u="none" strike="noStrike" cap="none" normalizeH="0" baseline="0" dirty="0" smtClean="0">
-                <a:ln>
-                  <a:noFill/>
-                </a:ln>
-                <a:solidFill>
-                  <a:schemeClr val="tx1"/>
-                </a:solidFill>
-                <a:effectLst/>
+            <a:r xmlns:a="http://schemas.openxmlformats.org/drawingml/2006/main">
+              <a:rPr lang="en" dirty="0">
+                <a:latin typeface="Segoe UI" panose="020B0502040204020203" pitchFamily="34" charset="0"/>
+                <a:cs typeface="Segoe UI" panose="020B0502040204020203" pitchFamily="34" charset="0"/>
+              </a:rPr>
+              <a:t>Click </a:t>
+            </a:r>
+            <a:r xmlns:a="http://schemas.openxmlformats.org/drawingml/2006/main">
+              <a:rPr lang="en" b="1" dirty="0">
+                <a:latin typeface="Segoe UI" panose="020B0502040204020203" pitchFamily="34" charset="0"/>
+                <a:cs typeface="Segoe UI" panose="020B0502040204020203" pitchFamily="34" charset="0"/>
+              </a:rPr>
+              <a:t>OK </a:t>
+            </a:r>
+            <a:r xmlns:a="http://schemas.openxmlformats.org/drawingml/2006/main">
+              <a:rPr lang="en" dirty="0">
                 <a:latin typeface="Segoe UI" panose="020B0502040204020203" pitchFamily="34" charset="0"/>
                 <a:cs typeface="Segoe UI" panose="020B0502040204020203" pitchFamily="34" charset="0"/>
               </a:rPr>
@@ -4855,330 +5040,36 @@
             </a:r>
           </a:p>
           <a:p>
-            <a:pPr marL="0" marR="0" lvl="0" indent="0" algn="l" defTabSz="914400" rtl="0" eaLnBrk="0" fontAlgn="base" latinLnBrk="0" hangingPunct="0">
-              <a:lnSpc>
-                <a:spcPct val="100000"/>
-              </a:lnSpc>
-              <a:spcBef>
-                <a:spcPct val="0"/>
-              </a:spcBef>
-              <a:spcAft>
-                <a:spcPct val="0"/>
-              </a:spcAft>
-              <a:buClrTx/>
-              <a:buSzTx/>
-              <a:tabLst/>
-            </a:pPr>
-            <a:endParaRPr kumimoji="0" lang="en-US" altLang="en-US" b="0" i="0" u="none" strike="noStrike" cap="none" normalizeH="0" baseline="0" dirty="0" smtClean="0">
-              <a:ln>
-                <a:noFill/>
-              </a:ln>
-              <a:solidFill>
-                <a:schemeClr val="tx1"/>
-              </a:solidFill>
-              <a:effectLst/>
-              <a:latin typeface="Segoe UI" panose="020B0502040204020203" pitchFamily="34" charset="0"/>
-              <a:cs typeface="Segoe UI" panose="020B0502040204020203" pitchFamily="34" charset="0"/>
-            </a:endParaRPr>
-          </a:p>
-          <a:p>
-            <a:pPr marL="0" marR="0" lvl="0" indent="0" algn="l" defTabSz="914400" rtl="0" eaLnBrk="0" fontAlgn="base" latinLnBrk="0" hangingPunct="0">
-              <a:lnSpc>
-                <a:spcPct val="100000"/>
-              </a:lnSpc>
-              <a:spcBef>
-                <a:spcPct val="0"/>
-              </a:spcBef>
-              <a:spcAft>
-                <a:spcPct val="0"/>
-              </a:spcAft>
-              <a:buClrTx/>
-              <a:buSzTx/>
-              <a:tabLst/>
-            </a:pPr>
-            <a:r>
-              <a:rPr kumimoji="0" lang="en-US" altLang="en-US" b="0" i="0" u="none" strike="noStrike" cap="none" normalizeH="0" baseline="0" dirty="0" smtClean="0">
-                <a:ln>
-                  <a:noFill/>
-                </a:ln>
-                <a:solidFill>
-                  <a:schemeClr val="tx1"/>
-                </a:solidFill>
-                <a:effectLst/>
-                <a:latin typeface="Segoe UI" panose="020B0502040204020203" pitchFamily="34" charset="0"/>
-                <a:cs typeface="Segoe UI" panose="020B0502040204020203" pitchFamily="34" charset="0"/>
-              </a:rPr>
-              <a:t>Configure the function:</a:t>
-            </a:r>
-          </a:p>
-          <a:p>
-            <a:pPr marL="0" marR="0" lvl="0" indent="0" algn="l" defTabSz="914400" rtl="0" eaLnBrk="0" fontAlgn="base" latinLnBrk="0" hangingPunct="0">
-              <a:lnSpc>
-                <a:spcPct val="100000"/>
-              </a:lnSpc>
-              <a:spcBef>
-                <a:spcPct val="0"/>
-              </a:spcBef>
-              <a:spcAft>
-                <a:spcPct val="0"/>
-              </a:spcAft>
-              <a:buClrTx/>
-              <a:buSzTx/>
-              <a:tabLst/>
-            </a:pPr>
-            <a:r>
-              <a:rPr kumimoji="0" lang="en-US" altLang="en-US" b="1" i="0" u="none" strike="noStrike" cap="none" normalizeH="0" baseline="0" dirty="0" smtClean="0">
-                <a:ln>
-                  <a:noFill/>
-                </a:ln>
-                <a:solidFill>
-                  <a:schemeClr val="tx1"/>
-                </a:solidFill>
-                <a:effectLst/>
-                <a:latin typeface="Segoe UI" panose="020B0502040204020203" pitchFamily="34" charset="0"/>
-                <a:cs typeface="Segoe UI" panose="020B0502040204020203" pitchFamily="34" charset="0"/>
-              </a:rPr>
-              <a:t>New column name</a:t>
-            </a:r>
-            <a:r>
-              <a:rPr kumimoji="0" lang="en-US" altLang="en-US" b="0" i="0" u="none" strike="noStrike" cap="none" normalizeH="0" baseline="0" dirty="0" smtClean="0">
-                <a:ln>
-                  <a:noFill/>
-                </a:ln>
-                <a:solidFill>
-                  <a:schemeClr val="tx1"/>
-                </a:solidFill>
-                <a:effectLst/>
-                <a:latin typeface="Segoe UI" panose="020B0502040204020203" pitchFamily="34" charset="0"/>
-                <a:cs typeface="Segoe UI" panose="020B0502040204020203" pitchFamily="34" charset="0"/>
-              </a:rPr>
-              <a:t>: </a:t>
-            </a:r>
-            <a:r>
-              <a:rPr kumimoji="0" lang="en-US" altLang="en-US" b="0" i="0" u="none" strike="noStrike" cap="none" normalizeH="0" baseline="0" dirty="0" err="1" smtClean="0">
-                <a:ln>
-                  <a:noFill/>
-                </a:ln>
-                <a:solidFill>
-                  <a:schemeClr val="tx1"/>
-                </a:solidFill>
-                <a:effectLst/>
-                <a:latin typeface="Segoe UI" panose="020B0502040204020203" pitchFamily="34" charset="0"/>
-                <a:cs typeface="Segoe UI" panose="020B0502040204020203" pitchFamily="34" charset="0"/>
-              </a:rPr>
-              <a:t>TaxAmount</a:t>
-            </a:r>
-            <a:r>
-              <a:rPr kumimoji="0" lang="en-US" altLang="en-US" b="0" i="0" u="none" strike="noStrike" cap="none" normalizeH="0" baseline="0" dirty="0" smtClean="0">
-                <a:ln>
-                  <a:noFill/>
-                </a:ln>
-                <a:solidFill>
-                  <a:schemeClr val="tx1"/>
-                </a:solidFill>
-                <a:effectLst/>
-                <a:latin typeface="Segoe UI" panose="020B0502040204020203" pitchFamily="34" charset="0"/>
-                <a:cs typeface="Segoe UI" panose="020B0502040204020203" pitchFamily="34" charset="0"/>
-              </a:rPr>
-              <a:t>.</a:t>
-            </a:r>
-          </a:p>
-          <a:p>
-            <a:pPr marL="0" marR="0" lvl="0" indent="0" algn="l" defTabSz="914400" rtl="0" eaLnBrk="0" fontAlgn="base" latinLnBrk="0" hangingPunct="0">
-              <a:lnSpc>
-                <a:spcPct val="100000"/>
-              </a:lnSpc>
-              <a:spcBef>
-                <a:spcPct val="0"/>
-              </a:spcBef>
-              <a:spcAft>
-                <a:spcPct val="0"/>
-              </a:spcAft>
-              <a:buClrTx/>
-              <a:buSzTx/>
-              <a:tabLst/>
-            </a:pPr>
-            <a:r>
-              <a:rPr kumimoji="0" lang="en-US" altLang="en-US" b="1" i="0" u="none" strike="noStrike" cap="none" normalizeH="0" baseline="0" dirty="0" smtClean="0">
-                <a:ln>
-                  <a:noFill/>
-                </a:ln>
-                <a:solidFill>
-                  <a:schemeClr val="tx1"/>
-                </a:solidFill>
-                <a:effectLst/>
-                <a:latin typeface="Segoe UI" panose="020B0502040204020203" pitchFamily="34" charset="0"/>
-                <a:cs typeface="Segoe UI" panose="020B0502040204020203" pitchFamily="34" charset="0"/>
-              </a:rPr>
-              <a:t>Function query</a:t>
-            </a:r>
-            <a:r>
-              <a:rPr kumimoji="0" lang="en-US" altLang="en-US" b="0" i="0" u="none" strike="noStrike" cap="none" normalizeH="0" baseline="0" dirty="0" smtClean="0">
-                <a:ln>
-                  <a:noFill/>
-                </a:ln>
-                <a:solidFill>
-                  <a:schemeClr val="tx1"/>
-                </a:solidFill>
-                <a:effectLst/>
-                <a:latin typeface="Segoe UI" panose="020B0502040204020203" pitchFamily="34" charset="0"/>
-                <a:cs typeface="Segoe UI" panose="020B0502040204020203" pitchFamily="34" charset="0"/>
-              </a:rPr>
-              <a:t>: </a:t>
-            </a:r>
-            <a:r>
-              <a:rPr kumimoji="0" lang="en-US" altLang="en-US" b="0" i="0" u="none" strike="noStrike" cap="none" normalizeH="0" baseline="0" dirty="0" err="1" smtClean="0">
-                <a:ln>
-                  <a:noFill/>
-                </a:ln>
-                <a:solidFill>
-                  <a:schemeClr val="tx1"/>
-                </a:solidFill>
-                <a:effectLst/>
-                <a:latin typeface="Segoe UI" panose="020B0502040204020203" pitchFamily="34" charset="0"/>
-                <a:cs typeface="Segoe UI" panose="020B0502040204020203" pitchFamily="34" charset="0"/>
-              </a:rPr>
-              <a:t>CalculateTax</a:t>
-            </a:r>
-            <a:r>
-              <a:rPr kumimoji="0" lang="en-US" altLang="en-US" b="0" i="0" u="none" strike="noStrike" cap="none" normalizeH="0" baseline="0" dirty="0" smtClean="0">
-                <a:ln>
-                  <a:noFill/>
-                </a:ln>
-                <a:solidFill>
-                  <a:schemeClr val="tx1"/>
-                </a:solidFill>
-                <a:effectLst/>
-                <a:latin typeface="Segoe UI" panose="020B0502040204020203" pitchFamily="34" charset="0"/>
-                <a:cs typeface="Segoe UI" panose="020B0502040204020203" pitchFamily="34" charset="0"/>
-              </a:rPr>
-              <a:t>.</a:t>
-            </a:r>
-          </a:p>
-          <a:p>
-            <a:pPr marL="0" marR="0" lvl="0" indent="0" algn="l" defTabSz="914400" rtl="0" eaLnBrk="0" fontAlgn="base" latinLnBrk="0" hangingPunct="0">
-              <a:lnSpc>
-                <a:spcPct val="100000"/>
-              </a:lnSpc>
-              <a:spcBef>
-                <a:spcPct val="0"/>
-              </a:spcBef>
-              <a:spcAft>
-                <a:spcPct val="0"/>
-              </a:spcAft>
-              <a:buClrTx/>
-              <a:buSzTx/>
-              <a:tabLst/>
-            </a:pPr>
-            <a:r>
-              <a:rPr kumimoji="0" lang="en-US" altLang="en-US" b="1" i="0" u="none" strike="noStrike" cap="none" normalizeH="0" baseline="0" dirty="0" smtClean="0">
-                <a:ln>
-                  <a:noFill/>
-                </a:ln>
-                <a:solidFill>
-                  <a:schemeClr val="tx1"/>
-                </a:solidFill>
-                <a:effectLst/>
-                <a:latin typeface="Segoe UI" panose="020B0502040204020203" pitchFamily="34" charset="0"/>
-                <a:cs typeface="Segoe UI" panose="020B0502040204020203" pitchFamily="34" charset="0"/>
-              </a:rPr>
-              <a:t>Column input</a:t>
-            </a:r>
-            <a:r>
-              <a:rPr kumimoji="0" lang="en-US" altLang="en-US" b="0" i="0" u="none" strike="noStrike" cap="none" normalizeH="0" baseline="0" dirty="0" smtClean="0">
-                <a:ln>
-                  <a:noFill/>
-                </a:ln>
-                <a:solidFill>
-                  <a:schemeClr val="tx1"/>
-                </a:solidFill>
-                <a:effectLst/>
-                <a:latin typeface="Segoe UI" panose="020B0502040204020203" pitchFamily="34" charset="0"/>
-                <a:cs typeface="Segoe UI" panose="020B0502040204020203" pitchFamily="34" charset="0"/>
-              </a:rPr>
-              <a:t>: Map </a:t>
-            </a:r>
-            <a:r>
-              <a:rPr kumimoji="0" lang="en-US" altLang="en-US" b="1" i="0" u="none" strike="noStrike" cap="none" normalizeH="0" baseline="0" dirty="0" err="1" smtClean="0">
-                <a:ln>
-                  <a:noFill/>
-                </a:ln>
-                <a:solidFill>
-                  <a:schemeClr val="tx1"/>
-                </a:solidFill>
-                <a:effectLst/>
-                <a:latin typeface="Segoe UI" panose="020B0502040204020203" pitchFamily="34" charset="0"/>
-                <a:cs typeface="Segoe UI" panose="020B0502040204020203" pitchFamily="34" charset="0"/>
-              </a:rPr>
-              <a:t>TotalSales</a:t>
-            </a:r>
-            <a:r>
-              <a:rPr kumimoji="0" lang="en-US" altLang="en-US" b="0" i="0" u="none" strike="noStrike" cap="none" normalizeH="0" baseline="0" dirty="0" smtClean="0">
-                <a:ln>
-                  <a:noFill/>
-                </a:ln>
-                <a:solidFill>
-                  <a:schemeClr val="tx1"/>
-                </a:solidFill>
-                <a:effectLst/>
-                <a:latin typeface="Segoe UI" panose="020B0502040204020203" pitchFamily="34" charset="0"/>
-                <a:cs typeface="Segoe UI" panose="020B0502040204020203" pitchFamily="34" charset="0"/>
-              </a:rPr>
-              <a:t> to the Total parameter.</a:t>
-            </a:r>
-          </a:p>
-          <a:p>
-            <a:pPr marL="0" marR="0" lvl="0" indent="0" algn="l" defTabSz="914400" rtl="0" eaLnBrk="0" fontAlgn="base" latinLnBrk="0" hangingPunct="0">
-              <a:lnSpc>
-                <a:spcPct val="100000"/>
-              </a:lnSpc>
-              <a:spcBef>
-                <a:spcPct val="0"/>
-              </a:spcBef>
-              <a:spcAft>
-                <a:spcPct val="0"/>
-              </a:spcAft>
-              <a:buClrTx/>
-              <a:buSzTx/>
-              <a:tabLst/>
-            </a:pPr>
-            <a:r>
-              <a:rPr kumimoji="0" lang="en-US" altLang="en-US" b="0" i="0" u="none" strike="noStrike" cap="none" normalizeH="0" baseline="0" dirty="0" smtClean="0">
-                <a:ln>
-                  <a:noFill/>
-                </a:ln>
-                <a:solidFill>
-                  <a:schemeClr val="tx1"/>
-                </a:solidFill>
-                <a:effectLst/>
-                <a:latin typeface="Segoe UI" panose="020B0502040204020203" pitchFamily="34" charset="0"/>
-                <a:cs typeface="Segoe UI" panose="020B0502040204020203" pitchFamily="34" charset="0"/>
-              </a:rPr>
-              <a:t>Click </a:t>
-            </a:r>
-            <a:r>
-              <a:rPr kumimoji="0" lang="en-US" altLang="en-US" b="1" i="0" u="none" strike="noStrike" cap="none" normalizeH="0" baseline="0" dirty="0" smtClean="0">
-                <a:ln>
-                  <a:noFill/>
-                </a:ln>
-                <a:solidFill>
-                  <a:schemeClr val="tx1"/>
-                </a:solidFill>
-                <a:effectLst/>
-                <a:latin typeface="Segoe UI" panose="020B0502040204020203" pitchFamily="34" charset="0"/>
-                <a:cs typeface="Segoe UI" panose="020B0502040204020203" pitchFamily="34" charset="0"/>
-              </a:rPr>
-              <a:t>OK</a:t>
-            </a:r>
-            <a:r>
-              <a:rPr kumimoji="0" lang="en-US" altLang="en-US" b="0" i="0" u="none" strike="noStrike" cap="none" normalizeH="0" baseline="0" dirty="0" smtClean="0">
-                <a:ln>
-                  <a:noFill/>
-                </a:ln>
-                <a:solidFill>
-                  <a:schemeClr val="tx1"/>
-                </a:solidFill>
-                <a:effectLst/>
+            <a:r xmlns:a="http://schemas.openxmlformats.org/drawingml/2006/main">
+              <a:rPr lang="en" dirty="0">
+                <a:latin typeface="Segoe UI" panose="020B0502040204020203" pitchFamily="34" charset="0"/>
+                <a:cs typeface="Segoe UI" panose="020B0502040204020203" pitchFamily="34" charset="0"/>
+              </a:rPr>
+              <a:t>This function takes a </a:t>
+            </a:r>
+            <a:r xmlns:a="http://schemas.openxmlformats.org/drawingml/2006/main">
+              <a:rPr lang="en" b="1" dirty="0">
+                <a:latin typeface="Segoe UI" panose="020B0502040204020203" pitchFamily="34" charset="0"/>
+                <a:cs typeface="Segoe UI" panose="020B0502040204020203" pitchFamily="34" charset="0"/>
+              </a:rPr>
+              <a:t>Total Sales value and applies a </a:t>
+            </a:r>
+            <a:r xmlns:a="http://schemas.openxmlformats.org/drawingml/2006/main">
+              <a:rPr lang="en" b="1" dirty="0">
+                <a:latin typeface="Segoe UI" panose="020B0502040204020203" pitchFamily="34" charset="0"/>
+                <a:cs typeface="Segoe UI" panose="020B0502040204020203" pitchFamily="34" charset="0"/>
+              </a:rPr>
+              <a:t>15% </a:t>
+            </a:r>
+            <a:r xmlns:a="http://schemas.openxmlformats.org/drawingml/2006/main">
+              <a:rPr lang="en" dirty="0">
+                <a:latin typeface="Segoe UI" panose="020B0502040204020203" pitchFamily="34" charset="0"/>
+                <a:cs typeface="Segoe UI" panose="020B0502040204020203" pitchFamily="34" charset="0"/>
+              </a:rPr>
+              <a:t>tax </a:t>
+            </a:r>
+            <a:r xmlns:a="http://schemas.openxmlformats.org/drawingml/2006/main">
+              <a:rPr lang="en" dirty="0">
                 <a:latin typeface="Segoe UI" panose="020B0502040204020203" pitchFamily="34" charset="0"/>
                 <a:cs typeface="Segoe UI" panose="020B0502040204020203" pitchFamily="34" charset="0"/>
               </a:rPr>
@@ -5190,7 +5081,7 @@
     </p:spTree>
     <p:extLst>
       <p:ext uri="{BB962C8B-B14F-4D97-AF65-F5344CB8AC3E}">
-        <p14:creationId xmlns:p14="http://schemas.microsoft.com/office/powerpoint/2010/main" val="2791885743"/>
+        <p14:creationId xmlns:p14="http://schemas.microsoft.com/office/powerpoint/2010/main" val="382889805"/>
       </p:ext>
     </p:extLst>
   </p:cSld>
@@ -5239,14 +5130,21 @@
           </a:bodyPr>
           <a:lstStyle/>
           <a:p>
-            <a:r>
-              <a:rPr lang="en-US" sz="2800" dirty="0" smtClean="0">
-                <a:latin typeface="Segoe UI" panose="020B0502040204020203" pitchFamily="34" charset="0"/>
-                <a:cs typeface="Segoe UI" panose="020B0502040204020203" pitchFamily="34" charset="0"/>
-              </a:rPr>
-              <a:t>Invoke functions</a:t>
-            </a:r>
-            <a:endParaRPr lang="en-US" sz="2800" dirty="0">
+            <a:r xmlns:a="http://schemas.openxmlformats.org/drawingml/2006/main">
+              <a:rPr lang="en" sz="2800" dirty="0" smtClean="0">
+                <a:latin typeface="Segoe UI" panose="020B0502040204020203" pitchFamily="34" charset="0"/>
+                <a:cs typeface="Segoe UI" panose="020B0502040204020203" pitchFamily="34" charset="0"/>
+              </a:rPr>
+              <a:t>Invoke </a:t>
+            </a:r>
+            <a:r xmlns:a="http://schemas.openxmlformats.org/drawingml/2006/main">
+              <a:rPr lang="en" sz="2800" dirty="0" smtClean="0">
+                <a:latin typeface="Segoe UI" panose="020B0502040204020203" pitchFamily="34" charset="0"/>
+                <a:cs typeface="Segoe UI" panose="020B0502040204020203" pitchFamily="34" charset="0"/>
+              </a:rPr>
+              <a:t>functions</a:t>
+            </a:r>
+            <a:endParaRPr xmlns:a="http://schemas.openxmlformats.org/drawingml/2006/main" lang="fr-FR" sz="2800" dirty="0">
               <a:latin typeface="Segoe UI" panose="020B0502040204020203" pitchFamily="34" charset="0"/>
               <a:cs typeface="Segoe UI" panose="020B0502040204020203" pitchFamily="34" charset="0"/>
             </a:endParaRPr>
@@ -5255,7 +5153,7 @@
       </p:sp>
       <p:sp>
         <p:nvSpPr>
-          <p:cNvPr id="3" name="Rectangle 1"/>
+          <p:cNvPr id="4" name="Rectangle 1"/>
           <p:cNvSpPr>
             <a:spLocks noChangeArrowheads="1"/>
           </p:cNvSpPr>
@@ -5263,8 +5161,8 @@
         </p:nvSpPr>
         <p:spPr bwMode="auto">
           <a:xfrm>
-            <a:off x="419384" y="901613"/>
-            <a:ext cx="8878969" cy="369332"/>
+            <a:off x="423332" y="872404"/>
+            <a:ext cx="8902630" cy="2031325"/>
           </a:xfrm>
           <a:prstGeom prst="rect">
             <a:avLst/>
@@ -5312,7 +5210,7 @@
           </a:bodyPr>
           <a:lstStyle/>
           <a:p>
-            <a:pPr marL="0" marR="0" lvl="0" indent="0" algn="l" defTabSz="914400" rtl="0" eaLnBrk="0" fontAlgn="base" latinLnBrk="0" hangingPunct="0">
+            <a:pPr marL="342900" marR="0" lvl="0" indent="-342900" algn="l" defTabSz="914400" rtl="0" eaLnBrk="0" fontAlgn="base" latinLnBrk="0" hangingPunct="0">
               <a:lnSpc>
                 <a:spcPct val="100000"/>
               </a:lnSpc>
@@ -5324,89 +5222,1281 @@
               </a:spcAft>
               <a:buClrTx/>
               <a:buSzTx/>
-              <a:buFontTx/>
-              <a:buNone/>
+              <a:buFont typeface="+mj-lt"/>
+              <a:buAutoNum type="arabicPeriod"/>
               <a:tabLst/>
             </a:pPr>
-            <a:r>
-              <a:rPr kumimoji="0" lang="en-US" altLang="en-US" b="0" i="0" u="none" strike="noStrike" cap="none" normalizeH="0" baseline="0" dirty="0" smtClean="0">
-                <a:ln>
-                  <a:noFill/>
-                </a:ln>
-                <a:solidFill>
-                  <a:schemeClr val="tx1"/>
-                </a:solidFill>
-                <a:effectLst/>
-                <a:latin typeface="Segoe UI" panose="020B0502040204020203" pitchFamily="34" charset="0"/>
-                <a:cs typeface="Segoe UI" panose="020B0502040204020203" pitchFamily="34" charset="0"/>
-              </a:rPr>
-              <a:t>A new column named </a:t>
-            </a:r>
-            <a:r>
-              <a:rPr kumimoji="0" lang="en-US" altLang="en-US" b="1" i="0" u="none" strike="noStrike" cap="none" normalizeH="0" baseline="0" dirty="0" err="1" smtClean="0">
-                <a:ln>
-                  <a:noFill/>
-                </a:ln>
-                <a:solidFill>
-                  <a:schemeClr val="tx1"/>
-                </a:solidFill>
-                <a:effectLst/>
-                <a:latin typeface="Segoe UI" panose="020B0502040204020203" pitchFamily="34" charset="0"/>
-                <a:cs typeface="Segoe UI" panose="020B0502040204020203" pitchFamily="34" charset="0"/>
-              </a:rPr>
-              <a:t>TaxAmount</a:t>
-            </a:r>
-            <a:r>
-              <a:rPr kumimoji="0" lang="en-US" altLang="en-US" b="0" i="0" u="none" strike="noStrike" cap="none" normalizeH="0" baseline="0" dirty="0" smtClean="0">
-                <a:ln>
-                  <a:noFill/>
-                </a:ln>
-                <a:solidFill>
-                  <a:schemeClr val="tx1"/>
-                </a:solidFill>
-                <a:effectLst/>
-                <a:latin typeface="Segoe UI" panose="020B0502040204020203" pitchFamily="34" charset="0"/>
-                <a:cs typeface="Segoe UI" panose="020B0502040204020203" pitchFamily="34" charset="0"/>
-              </a:rPr>
-              <a:t> is added, showing the calculated tax for each row: </a:t>
-            </a:r>
-          </a:p>
-        </p:txBody>
-      </p:sp>
-      <p:pic>
-        <p:nvPicPr>
-          <p:cNvPr id="4" name="Picture 3"/>
-          <p:cNvPicPr>
-            <a:picLocks noChangeAspect="1"/>
-          </p:cNvPicPr>
+            <a:endParaRPr kumimoji="0" lang="en-US" altLang="en-US" b="0" i="0" u="none" strike="noStrike" cap="none" normalizeH="0" baseline="0" dirty="0" smtClean="0">
+              <a:ln>
+                <a:noFill/>
+              </a:ln>
+              <a:solidFill>
+                <a:schemeClr val="tx1"/>
+              </a:solidFill>
+              <a:effectLst/>
+              <a:latin typeface="Segoe UI" panose="020B0502040204020203" pitchFamily="34" charset="0"/>
+              <a:cs typeface="Segoe UI" panose="020B0502040204020203" pitchFamily="34" charset="0"/>
+            </a:endParaRPr>
+          </a:p>
+          <a:p>
+            <a:pPr xmlns:a="http://schemas.openxmlformats.org/drawingml/2006/main" marL="342900" marR="0" lvl="0" indent="-342900" algn="l" defTabSz="914400" rtl="0" eaLnBrk="0" fontAlgn="base" latinLnBrk="0" hangingPunct="0">
+              <a:lnSpc>
+                <a:spcPct val="100000"/>
+              </a:lnSpc>
+              <a:spcBef>
+                <a:spcPct val="0"/>
+              </a:spcBef>
+              <a:spcAft>
+                <a:spcPct val="0"/>
+              </a:spcAft>
+              <a:buClrTx/>
+              <a:buSzTx/>
+              <a:buFont typeface="+mj-lt"/>
+              <a:buAutoNum type="arabicPeriod"/>
+              <a:tabLst/>
+            </a:pPr>
+            <a:r xmlns:a="http://schemas.openxmlformats.org/drawingml/2006/main">
+              <a:rPr lang="en" altLang="en-US" dirty="0" err="1" smtClean="0">
+                <a:latin typeface="Segoe UI" panose="020B0502040204020203" pitchFamily="34" charset="0"/>
+                <a:cs typeface="Segoe UI" panose="020B0502040204020203" pitchFamily="34" charset="0"/>
+              </a:rPr>
+              <a:t>Select </a:t>
+            </a:r>
+            <a:r xmlns:a="http://schemas.openxmlformats.org/drawingml/2006/main">
+              <a:rPr kumimoji="0" lang="en" altLang="en-US" b="0" i="0" u="none" strike="noStrike" cap="none" normalizeH="0" baseline="0" dirty="0" err="1" smtClean="0">
+                <a:ln>
+                  <a:noFill/>
+                </a:ln>
+                <a:solidFill>
+                  <a:schemeClr val="tx1"/>
+                </a:solidFill>
+                <a:effectLst/>
+                <a:latin typeface="Segoe UI" panose="020B0502040204020203" pitchFamily="34" charset="0"/>
+                <a:cs typeface="Segoe UI" panose="020B0502040204020203" pitchFamily="34" charset="0"/>
+              </a:rPr>
+              <a:t>the </a:t>
+            </a:r>
+            <a:r xmlns:a="http://schemas.openxmlformats.org/drawingml/2006/main">
+              <a:rPr kumimoji="0" lang="en" altLang="en-US" b="0" i="0" u="none" strike="noStrike" cap="none" normalizeH="0" baseline="0" dirty="0" smtClean="0">
+                <a:ln>
+                  <a:noFill/>
+                </a:ln>
+                <a:solidFill>
+                  <a:schemeClr val="tx1"/>
+                </a:solidFill>
+                <a:effectLst/>
+                <a:latin typeface="Segoe UI" panose="020B0502040204020203" pitchFamily="34" charset="0"/>
+                <a:cs typeface="Segoe UI" panose="020B0502040204020203" pitchFamily="34" charset="0"/>
+              </a:rPr>
+              <a:t>table </a:t>
+            </a:r>
+            <a:r xmlns:a="http://schemas.openxmlformats.org/drawingml/2006/main">
+              <a:rPr kumimoji="0" lang="en" altLang="en-US" b="0" i="0" u="none" strike="noStrike" cap="none" normalizeH="0" baseline="0" dirty="0" err="1" smtClean="0">
+                <a:ln>
+                  <a:noFill/>
+                </a:ln>
+                <a:solidFill>
+                  <a:schemeClr val="tx1"/>
+                </a:solidFill>
+                <a:effectLst/>
+                <a:latin typeface="Segoe UI" panose="020B0502040204020203" pitchFamily="34" charset="0"/>
+                <a:cs typeface="Segoe UI" panose="020B0502040204020203" pitchFamily="34" charset="0"/>
+              </a:rPr>
+              <a:t>containing</a:t>
+            </a:r>
+            <a:r xmlns:a="http://schemas.openxmlformats.org/drawingml/2006/main">
+              <a:rPr kumimoji="0" lang="en" altLang="en-US" b="0" i="0" u="none" strike="noStrike" cap="none" normalizeH="0" baseline="0" dirty="0" smtClean="0">
+                <a:ln>
+                  <a:noFill/>
+                </a:ln>
+                <a:solidFill>
+                  <a:schemeClr val="tx1"/>
+                </a:solidFill>
+                <a:effectLst/>
+                <a:latin typeface="Segoe UI" panose="020B0502040204020203" pitchFamily="34" charset="0"/>
+                <a:cs typeface="Segoe UI" panose="020B0502040204020203" pitchFamily="34" charset="0"/>
+              </a:rPr>
+              <a:t> </a:t>
+            </a:r>
+            <a:r xmlns:a="http://schemas.openxmlformats.org/drawingml/2006/main">
+              <a:rPr kumimoji="0" lang="en" altLang="en-US" b="1" i="0" u="none" strike="noStrike" cap="none" normalizeH="0" baseline="0" dirty="0" err="1" smtClean="0">
+                <a:ln>
+                  <a:noFill/>
+                </a:ln>
+                <a:solidFill>
+                  <a:schemeClr val="tx1"/>
+                </a:solidFill>
+                <a:effectLst/>
+                <a:latin typeface="Segoe UI" panose="020B0502040204020203" pitchFamily="34" charset="0"/>
+                <a:cs typeface="Segoe UI" panose="020B0502040204020203" pitchFamily="34" charset="0"/>
+              </a:rPr>
+              <a:t>SalesID </a:t>
+            </a:r>
+            <a:r xmlns:a="http://schemas.openxmlformats.org/drawingml/2006/main">
+              <a:rPr kumimoji="0" lang="en" altLang="en-US" b="1" i="0" u="none" strike="noStrike" cap="none" normalizeH="0" baseline="0" dirty="0" smtClean="0">
+                <a:ln>
+                  <a:noFill/>
+                </a:ln>
+                <a:solidFill>
+                  <a:schemeClr val="tx1"/>
+                </a:solidFill>
+                <a:effectLst/>
+                <a:latin typeface="Segoe UI" panose="020B0502040204020203" pitchFamily="34" charset="0"/>
+                <a:cs typeface="Segoe UI" panose="020B0502040204020203" pitchFamily="34" charset="0"/>
+              </a:rPr>
+              <a:t>, Customer Name, Total Sales </a:t>
+            </a:r>
+            <a:r xmlns:a="http://schemas.openxmlformats.org/drawingml/2006/main">
+              <a:rPr kumimoji="0" lang="en" altLang="en-US" b="0" i="0" u="none" strike="noStrike" cap="none" normalizeH="0" baseline="0" dirty="0" smtClean="0">
+                <a:ln>
+                  <a:noFill/>
+                </a:ln>
+                <a:solidFill>
+                  <a:schemeClr val="tx1"/>
+                </a:solidFill>
+                <a:effectLst/>
+                <a:latin typeface="Segoe UI" panose="020B0502040204020203" pitchFamily="34" charset="0"/>
+                <a:cs typeface="Segoe UI" panose="020B0502040204020203" pitchFamily="34" charset="0"/>
+              </a:rPr>
+              <a:t>.</a:t>
+            </a:r>
+          </a:p>
+          <a:p>
+            <a:pPr xmlns:a="http://schemas.openxmlformats.org/drawingml/2006/main" marL="342900" marR="0" lvl="0" indent="-342900" algn="l" defTabSz="914400" rtl="0" eaLnBrk="0" fontAlgn="base" latinLnBrk="0" hangingPunct="0">
+              <a:lnSpc>
+                <a:spcPct val="100000"/>
+              </a:lnSpc>
+              <a:spcBef>
+                <a:spcPct val="0"/>
+              </a:spcBef>
+              <a:spcAft>
+                <a:spcPct val="0"/>
+              </a:spcAft>
+              <a:buClrTx/>
+              <a:buSzTx/>
+              <a:buFont typeface="+mj-lt"/>
+              <a:buAutoNum type="arabicPeriod"/>
+              <a:tabLst/>
+            </a:pPr>
+            <a:r xmlns:a="http://schemas.openxmlformats.org/drawingml/2006/main">
+              <a:rPr kumimoji="0" lang="en" altLang="en-US" b="0" i="0" u="none" strike="noStrike" cap="none" normalizeH="0" baseline="0" dirty="0" smtClean="0">
+                <a:ln>
+                  <a:noFill/>
+                </a:ln>
+                <a:solidFill>
+                  <a:schemeClr val="tx1"/>
+                </a:solidFill>
+                <a:effectLst/>
+                <a:latin typeface="Segoe UI" panose="020B0502040204020203" pitchFamily="34" charset="0"/>
+                <a:cs typeface="Segoe UI" panose="020B0502040204020203" pitchFamily="34" charset="0"/>
+              </a:rPr>
+              <a:t>Click </a:t>
+            </a:r>
+            <a:r xmlns:a="http://schemas.openxmlformats.org/drawingml/2006/main">
+              <a:rPr kumimoji="0" lang="en" altLang="en-US" b="1" i="0" u="none" strike="noStrike" cap="none" normalizeH="0" baseline="0" dirty="0" err="1" smtClean="0">
+                <a:ln>
+                  <a:noFill/>
+                </a:ln>
+                <a:solidFill>
+                  <a:schemeClr val="tx1"/>
+                </a:solidFill>
+                <a:effectLst/>
+                <a:latin typeface="Segoe UI" panose="020B0502040204020203" pitchFamily="34" charset="0"/>
+                <a:cs typeface="Segoe UI" panose="020B0502040204020203" pitchFamily="34" charset="0"/>
+              </a:rPr>
+              <a:t>Add</a:t>
+            </a:r>
+            <a:r xmlns:a="http://schemas.openxmlformats.org/drawingml/2006/main">
+              <a:rPr kumimoji="0" lang="en" altLang="en-US" b="1" i="0" u="none" strike="noStrike" cap="none" normalizeH="0" baseline="0" dirty="0" smtClean="0">
+                <a:ln>
+                  <a:noFill/>
+                </a:ln>
+                <a:solidFill>
+                  <a:schemeClr val="tx1"/>
+                </a:solidFill>
+                <a:effectLst/>
+                <a:latin typeface="Segoe UI" panose="020B0502040204020203" pitchFamily="34" charset="0"/>
+                <a:cs typeface="Segoe UI" panose="020B0502040204020203" pitchFamily="34" charset="0"/>
+              </a:rPr>
+              <a:t> </a:t>
+            </a:r>
+            <a:r xmlns:a="http://schemas.openxmlformats.org/drawingml/2006/main">
+              <a:rPr kumimoji="0" lang="en" altLang="en-US" b="1" i="0" u="none" strike="noStrike" cap="none" normalizeH="0" baseline="0" dirty="0" err="1" smtClean="0">
+                <a:ln>
+                  <a:noFill/>
+                </a:ln>
+                <a:solidFill>
+                  <a:schemeClr val="tx1"/>
+                </a:solidFill>
+                <a:effectLst/>
+                <a:latin typeface="Segoe UI" panose="020B0502040204020203" pitchFamily="34" charset="0"/>
+                <a:cs typeface="Segoe UI" panose="020B0502040204020203" pitchFamily="34" charset="0"/>
+              </a:rPr>
+              <a:t>a</a:t>
+            </a:r>
+            <a:r xmlns:a="http://schemas.openxmlformats.org/drawingml/2006/main">
+              <a:rPr kumimoji="0" lang="en" altLang="en-US" b="1" i="0" u="none" strike="noStrike" cap="none" normalizeH="0" baseline="0" dirty="0" smtClean="0">
+                <a:ln>
+                  <a:noFill/>
+                </a:ln>
+                <a:solidFill>
+                  <a:schemeClr val="tx1"/>
+                </a:solidFill>
+                <a:effectLst/>
+                <a:latin typeface="Segoe UI" panose="020B0502040204020203" pitchFamily="34" charset="0"/>
+                <a:cs typeface="Segoe UI" panose="020B0502040204020203" pitchFamily="34" charset="0"/>
+              </a:rPr>
+              <a:t> </a:t>
+            </a:r>
+            <a:r xmlns:a="http://schemas.openxmlformats.org/drawingml/2006/main">
+              <a:rPr kumimoji="0" lang="en" altLang="en-US" b="1" i="0" u="none" strike="noStrike" cap="none" normalizeH="0" baseline="0" dirty="0" err="1" smtClean="0">
+                <a:ln>
+                  <a:noFill/>
+                </a:ln>
+                <a:solidFill>
+                  <a:schemeClr val="tx1"/>
+                </a:solidFill>
+                <a:effectLst/>
+                <a:latin typeface="Segoe UI" panose="020B0502040204020203" pitchFamily="34" charset="0"/>
+                <a:cs typeface="Segoe UI" panose="020B0502040204020203" pitchFamily="34" charset="0"/>
+              </a:rPr>
+              <a:t>column </a:t>
+            </a:r>
+            <a:r xmlns:a="http://schemas.openxmlformats.org/drawingml/2006/main">
+              <a:rPr kumimoji="0" lang="en" altLang="en-US" b="0" i="0" u="none" strike="noStrike" cap="none" normalizeH="0" baseline="0" dirty="0" smtClean="0">
+                <a:ln>
+                  <a:noFill/>
+                </a:ln>
+                <a:solidFill>
+                  <a:schemeClr val="tx1"/>
+                </a:solidFill>
+                <a:effectLst/>
+                <a:latin typeface="Segoe UI" panose="020B0502040204020203" pitchFamily="34" charset="0"/>
+                <a:cs typeface="Segoe UI" panose="020B0502040204020203" pitchFamily="34" charset="0"/>
+              </a:rPr>
+              <a:t>→ </a:t>
+            </a:r>
+            <a:r xmlns:a="http://schemas.openxmlformats.org/drawingml/2006/main">
+              <a:rPr kumimoji="0" lang="en" altLang="en-US" b="1" i="0" u="none" strike="noStrike" cap="none" normalizeH="0" baseline="0" dirty="0" err="1" smtClean="0">
+                <a:ln>
+                  <a:noFill/>
+                </a:ln>
+                <a:solidFill>
+                  <a:schemeClr val="tx1"/>
+                </a:solidFill>
+                <a:effectLst/>
+                <a:latin typeface="Segoe UI" panose="020B0502040204020203" pitchFamily="34" charset="0"/>
+                <a:cs typeface="Segoe UI" panose="020B0502040204020203" pitchFamily="34" charset="0"/>
+              </a:rPr>
+              <a:t>Column</a:t>
+            </a:r>
+            <a:r xmlns:a="http://schemas.openxmlformats.org/drawingml/2006/main">
+              <a:rPr kumimoji="0" lang="en" altLang="en-US" b="1" i="0" u="none" strike="noStrike" cap="none" normalizeH="0" baseline="0" dirty="0" smtClean="0">
+                <a:ln>
+                  <a:noFill/>
+                </a:ln>
+                <a:solidFill>
+                  <a:schemeClr val="tx1"/>
+                </a:solidFill>
+                <a:effectLst/>
+                <a:latin typeface="Segoe UI" panose="020B0502040204020203" pitchFamily="34" charset="0"/>
+                <a:cs typeface="Segoe UI" panose="020B0502040204020203" pitchFamily="34" charset="0"/>
+              </a:rPr>
+              <a:t> </a:t>
+            </a:r>
+            <a:r xmlns:a="http://schemas.openxmlformats.org/drawingml/2006/main">
+              <a:rPr kumimoji="0" lang="en" altLang="en-US" b="1" i="0" u="none" strike="noStrike" cap="none" normalizeH="0" baseline="0" dirty="0" err="1" smtClean="0">
+                <a:ln>
+                  <a:noFill/>
+                </a:ln>
+                <a:solidFill>
+                  <a:schemeClr val="tx1"/>
+                </a:solidFill>
+                <a:effectLst/>
+                <a:latin typeface="Segoe UI" panose="020B0502040204020203" pitchFamily="34" charset="0"/>
+                <a:cs typeface="Segoe UI" panose="020B0502040204020203" pitchFamily="34" charset="0"/>
+              </a:rPr>
+              <a:t>personalized </a:t>
+            </a:r>
+            <a:r xmlns:a="http://schemas.openxmlformats.org/drawingml/2006/main">
+              <a:rPr kumimoji="0" lang="en" altLang="en-US" b="0" i="0" u="none" strike="noStrike" cap="none" normalizeH="0" baseline="0" dirty="0" smtClean="0">
+                <a:ln>
+                  <a:noFill/>
+                </a:ln>
+                <a:solidFill>
+                  <a:schemeClr val="tx1"/>
+                </a:solidFill>
+                <a:effectLst/>
+                <a:latin typeface="Segoe UI" panose="020B0502040204020203" pitchFamily="34" charset="0"/>
+                <a:cs typeface="Segoe UI" panose="020B0502040204020203" pitchFamily="34" charset="0"/>
+              </a:rPr>
+              <a:t>.</a:t>
+            </a:r>
+          </a:p>
+          <a:p>
+            <a:pPr xmlns:a="http://schemas.openxmlformats.org/drawingml/2006/main" marL="342900" marR="0" lvl="0" indent="-342900" algn="l" defTabSz="914400" rtl="0" eaLnBrk="0" fontAlgn="base" latinLnBrk="0" hangingPunct="0">
+              <a:lnSpc>
+                <a:spcPct val="100000"/>
+              </a:lnSpc>
+              <a:spcBef>
+                <a:spcPct val="0"/>
+              </a:spcBef>
+              <a:spcAft>
+                <a:spcPct val="0"/>
+              </a:spcAft>
+              <a:buClrTx/>
+              <a:buSzTx/>
+              <a:buFont typeface="+mj-lt"/>
+              <a:buAutoNum type="arabicPeriod"/>
+              <a:tabLst/>
+            </a:pPr>
+            <a:r xmlns:a="http://schemas.openxmlformats.org/drawingml/2006/main">
+              <a:rPr kumimoji="0" lang="en" altLang="en-US" b="0" i="0" u="none" strike="noStrike" cap="none" normalizeH="0" baseline="0" dirty="0" err="1" smtClean="0">
+                <a:ln>
+                  <a:noFill/>
+                </a:ln>
+                <a:solidFill>
+                  <a:schemeClr val="tx1"/>
+                </a:solidFill>
+                <a:effectLst/>
+                <a:latin typeface="Segoe UI" panose="020B0502040204020203" pitchFamily="34" charset="0"/>
+                <a:cs typeface="Segoe UI" panose="020B0502040204020203" pitchFamily="34" charset="0"/>
+              </a:rPr>
+              <a:t>In </a:t>
+            </a:r>
+            <a:r xmlns:a="http://schemas.openxmlformats.org/drawingml/2006/main">
+              <a:rPr kumimoji="0" lang="en" altLang="en-US" b="0" i="0" u="none" strike="noStrike" cap="none" normalizeH="0" baseline="0" dirty="0" smtClean="0">
+                <a:ln>
+                  <a:noFill/>
+                </a:ln>
+                <a:solidFill>
+                  <a:schemeClr val="tx1"/>
+                </a:solidFill>
+                <a:effectLst/>
+                <a:latin typeface="Segoe UI" panose="020B0502040204020203" pitchFamily="34" charset="0"/>
+                <a:cs typeface="Segoe UI" panose="020B0502040204020203" pitchFamily="34" charset="0"/>
+              </a:rPr>
+              <a:t>the </a:t>
+            </a:r>
+            <a:r xmlns:a="http://schemas.openxmlformats.org/drawingml/2006/main">
+              <a:rPr kumimoji="0" lang="en" altLang="en-US" b="1" i="0" u="none" strike="noStrike" cap="none" normalizeH="0" baseline="0" dirty="0" err="1" smtClean="0">
+                <a:ln>
+                  <a:noFill/>
+                </a:ln>
+                <a:solidFill>
+                  <a:schemeClr val="tx1"/>
+                </a:solidFill>
+                <a:effectLst/>
+                <a:latin typeface="Segoe UI" panose="020B0502040204020203" pitchFamily="34" charset="0"/>
+                <a:cs typeface="Segoe UI" panose="020B0502040204020203" pitchFamily="34" charset="0"/>
+              </a:rPr>
+              <a:t>Add </a:t>
+            </a:r>
+            <a:r xmlns:a="http://schemas.openxmlformats.org/drawingml/2006/main">
+              <a:rPr kumimoji="0" lang="en" altLang="en-US" b="0" i="0" u="none" strike="noStrike" cap="none" normalizeH="0" baseline="0" dirty="0" smtClean="0">
+                <a:ln>
+                  <a:noFill/>
+                </a:ln>
+                <a:solidFill>
+                  <a:schemeClr val="tx1"/>
+                </a:solidFill>
+                <a:effectLst/>
+                <a:latin typeface="Segoe UI" panose="020B0502040204020203" pitchFamily="34" charset="0"/>
+                <a:cs typeface="Segoe UI" panose="020B0502040204020203" pitchFamily="34" charset="0"/>
+              </a:rPr>
+              <a:t>dialog </a:t>
+            </a:r>
+            <a:r xmlns:a="http://schemas.openxmlformats.org/drawingml/2006/main">
+              <a:rPr kumimoji="0" lang="en" altLang="en-US" b="0" i="0" u="none" strike="noStrike" cap="none" normalizeH="0" baseline="0" dirty="0" err="1" smtClean="0">
+                <a:ln>
+                  <a:noFill/>
+                </a:ln>
+                <a:solidFill>
+                  <a:schemeClr val="tx1"/>
+                </a:solidFill>
+                <a:effectLst/>
+                <a:latin typeface="Segoe UI" panose="020B0502040204020203" pitchFamily="34" charset="0"/>
+                <a:cs typeface="Segoe UI" panose="020B0502040204020203" pitchFamily="34" charset="0"/>
+              </a:rPr>
+              <a:t>box</a:t>
+            </a:r>
+            <a:r xmlns:a="http://schemas.openxmlformats.org/drawingml/2006/main">
+              <a:rPr kumimoji="0" lang="en" altLang="en-US" b="1" i="0" u="none" strike="noStrike" cap="none" normalizeH="0" baseline="0" dirty="0" smtClean="0">
+                <a:ln>
+                  <a:noFill/>
+                </a:ln>
+                <a:solidFill>
+                  <a:schemeClr val="tx1"/>
+                </a:solidFill>
+                <a:effectLst/>
+                <a:latin typeface="Segoe UI" panose="020B0502040204020203" pitchFamily="34" charset="0"/>
+                <a:cs typeface="Segoe UI" panose="020B0502040204020203" pitchFamily="34" charset="0"/>
+              </a:rPr>
+              <a:t> </a:t>
+            </a:r>
+            <a:r xmlns:a="http://schemas.openxmlformats.org/drawingml/2006/main">
+              <a:rPr kumimoji="0" lang="en" altLang="en-US" b="1" i="0" u="none" strike="noStrike" cap="none" normalizeH="0" baseline="0" dirty="0" err="1" smtClean="0">
+                <a:ln>
+                  <a:noFill/>
+                </a:ln>
+                <a:solidFill>
+                  <a:schemeClr val="tx1"/>
+                </a:solidFill>
+                <a:effectLst/>
+                <a:latin typeface="Segoe UI" panose="020B0502040204020203" pitchFamily="34" charset="0"/>
+                <a:cs typeface="Segoe UI" panose="020B0502040204020203" pitchFamily="34" charset="0"/>
+              </a:rPr>
+              <a:t>a</a:t>
+            </a:r>
+            <a:r xmlns:a="http://schemas.openxmlformats.org/drawingml/2006/main">
+              <a:rPr kumimoji="0" lang="en" altLang="en-US" b="1" i="0" u="none" strike="noStrike" cap="none" normalizeH="0" baseline="0" dirty="0" smtClean="0">
+                <a:ln>
+                  <a:noFill/>
+                </a:ln>
+                <a:solidFill>
+                  <a:schemeClr val="tx1"/>
+                </a:solidFill>
+                <a:effectLst/>
+                <a:latin typeface="Segoe UI" panose="020B0502040204020203" pitchFamily="34" charset="0"/>
+                <a:cs typeface="Segoe UI" panose="020B0502040204020203" pitchFamily="34" charset="0"/>
+              </a:rPr>
+              <a:t> </a:t>
+            </a:r>
+            <a:r xmlns:a="http://schemas.openxmlformats.org/drawingml/2006/main">
+              <a:rPr kumimoji="0" lang="en" altLang="en-US" b="1" i="0" u="none" strike="noStrike" cap="none" normalizeH="0" baseline="0" dirty="0" err="1" smtClean="0">
+                <a:ln>
+                  <a:noFill/>
+                </a:ln>
+                <a:solidFill>
+                  <a:schemeClr val="tx1"/>
+                </a:solidFill>
+                <a:effectLst/>
+                <a:latin typeface="Segoe UI" panose="020B0502040204020203" pitchFamily="34" charset="0"/>
+                <a:cs typeface="Segoe UI" panose="020B0502040204020203" pitchFamily="34" charset="0"/>
+              </a:rPr>
+              <a:t>column</a:t>
+            </a:r>
+            <a:r xmlns:a="http://schemas.openxmlformats.org/drawingml/2006/main">
+              <a:rPr kumimoji="0" lang="en" altLang="en-US" b="1" i="0" u="none" strike="noStrike" cap="none" normalizeH="0" baseline="0" dirty="0" smtClean="0">
+                <a:ln>
+                  <a:noFill/>
+                </a:ln>
+                <a:solidFill>
+                  <a:schemeClr val="tx1"/>
+                </a:solidFill>
+                <a:effectLst/>
+                <a:latin typeface="Segoe UI" panose="020B0502040204020203" pitchFamily="34" charset="0"/>
+                <a:cs typeface="Segoe UI" panose="020B0502040204020203" pitchFamily="34" charset="0"/>
+              </a:rPr>
+              <a:t> </a:t>
+            </a:r>
+            <a:r xmlns:a="http://schemas.openxmlformats.org/drawingml/2006/main">
+              <a:rPr kumimoji="0" lang="en" altLang="en-US" b="1" i="0" u="none" strike="noStrike" cap="none" normalizeH="0" baseline="0" dirty="0" err="1" smtClean="0">
+                <a:ln>
+                  <a:noFill/>
+                </a:ln>
+                <a:solidFill>
+                  <a:schemeClr val="tx1"/>
+                </a:solidFill>
+                <a:effectLst/>
+                <a:latin typeface="Segoe UI" panose="020B0502040204020203" pitchFamily="34" charset="0"/>
+                <a:cs typeface="Segoe UI" panose="020B0502040204020203" pitchFamily="34" charset="0"/>
+              </a:rPr>
+              <a:t>personalized </a:t>
+            </a:r>
+            <a:r xmlns:a="http://schemas.openxmlformats.org/drawingml/2006/main">
+              <a:rPr kumimoji="0" lang="en" altLang="en-US" b="0" i="0" u="none" strike="noStrike" cap="none" normalizeH="0" baseline="0" dirty="0" smtClean="0">
+                <a:ln>
+                  <a:noFill/>
+                </a:ln>
+                <a:solidFill>
+                  <a:schemeClr val="tx1"/>
+                </a:solidFill>
+                <a:effectLst/>
+                <a:latin typeface="Segoe UI" panose="020B0502040204020203" pitchFamily="34" charset="0"/>
+                <a:cs typeface="Segoe UI" panose="020B0502040204020203" pitchFamily="34" charset="0"/>
+              </a:rPr>
+              <a:t>:</a:t>
+            </a:r>
+          </a:p>
+          <a:p>
+            <a:pPr xmlns:a="http://schemas.openxmlformats.org/drawingml/2006/main" marL="342900" marR="0" lvl="0" indent="-342900" algn="l" defTabSz="914400" rtl="0" eaLnBrk="0" fontAlgn="base" latinLnBrk="0" hangingPunct="0">
+              <a:lnSpc>
+                <a:spcPct val="100000"/>
+              </a:lnSpc>
+              <a:spcBef>
+                <a:spcPct val="0"/>
+              </a:spcBef>
+              <a:spcAft>
+                <a:spcPct val="0"/>
+              </a:spcAft>
+              <a:buClrTx/>
+              <a:buSzTx/>
+              <a:buFont typeface="+mj-lt"/>
+              <a:buAutoNum type="arabicPeriod"/>
+              <a:tabLst/>
+            </a:pPr>
+            <a:r xmlns:a="http://schemas.openxmlformats.org/drawingml/2006/main">
+              <a:rPr kumimoji="0" lang="en" altLang="en-US" b="0" i="0" u="none" strike="noStrike" cap="none" normalizeH="0" baseline="0" dirty="0" smtClean="0">
+                <a:ln>
+                  <a:noFill/>
+                </a:ln>
+                <a:solidFill>
+                  <a:schemeClr val="tx1"/>
+                </a:solidFill>
+                <a:effectLst/>
+                <a:latin typeface="Segoe UI" panose="020B0502040204020203" pitchFamily="34" charset="0"/>
+                <a:cs typeface="Segoe UI" panose="020B0502040204020203" pitchFamily="34" charset="0"/>
+              </a:rPr>
+              <a:t>Give </a:t>
+            </a:r>
+            <a:r xmlns:a="http://schemas.openxmlformats.org/drawingml/2006/main">
+              <a:rPr kumimoji="0" lang="en" altLang="en-US" b="0" i="0" u="none" strike="noStrike" cap="none" normalizeH="0" baseline="0" dirty="0" err="1" smtClean="0">
+                <a:ln>
+                  <a:noFill/>
+                </a:ln>
+                <a:solidFill>
+                  <a:schemeClr val="tx1"/>
+                </a:solidFill>
+                <a:effectLst/>
+                <a:latin typeface="Segoe UI" panose="020B0502040204020203" pitchFamily="34" charset="0"/>
+                <a:cs typeface="Segoe UI" panose="020B0502040204020203" pitchFamily="34" charset="0"/>
+              </a:rPr>
+              <a:t>it </a:t>
+            </a:r>
+            <a:r xmlns:a="http://schemas.openxmlformats.org/drawingml/2006/main">
+              <a:rPr kumimoji="0" lang="en" altLang="en-US" b="0" i="0" u="none" strike="noStrike" cap="none" normalizeH="0" baseline="0" dirty="0" smtClean="0">
+                <a:ln>
+                  <a:noFill/>
+                </a:ln>
+                <a:solidFill>
+                  <a:schemeClr val="tx1"/>
+                </a:solidFill>
+                <a:effectLst/>
+                <a:latin typeface="Segoe UI" panose="020B0502040204020203" pitchFamily="34" charset="0"/>
+                <a:cs typeface="Segoe UI" panose="020B0502040204020203" pitchFamily="34" charset="0"/>
+              </a:rPr>
+              <a:t>a name, for </a:t>
+            </a:r>
+            <a:r xmlns:a="http://schemas.openxmlformats.org/drawingml/2006/main">
+              <a:rPr kumimoji="0" lang="en" altLang="en-US" b="0" i="0" u="none" strike="noStrike" cap="none" normalizeH="0" baseline="0" dirty="0" err="1" smtClean="0">
+                <a:ln>
+                  <a:noFill/>
+                </a:ln>
+                <a:solidFill>
+                  <a:schemeClr val="tx1"/>
+                </a:solidFill>
+                <a:effectLst/>
+                <a:latin typeface="Segoe UI" panose="020B0502040204020203" pitchFamily="34" charset="0"/>
+                <a:cs typeface="Segoe UI" panose="020B0502040204020203" pitchFamily="34" charset="0"/>
+              </a:rPr>
+              <a:t>example</a:t>
+            </a:r>
+            <a:r xmlns:a="http://schemas.openxmlformats.org/drawingml/2006/main">
+              <a:rPr kumimoji="0" lang="en" altLang="en-US" b="0" i="0" u="none" strike="noStrike" cap="none" normalizeH="0" baseline="0" dirty="0" smtClean="0">
+                <a:ln>
+                  <a:noFill/>
+                </a:ln>
+                <a:solidFill>
+                  <a:schemeClr val="tx1"/>
+                </a:solidFill>
+                <a:effectLst/>
+                <a:latin typeface="Segoe UI" panose="020B0502040204020203" pitchFamily="34" charset="0"/>
+                <a:cs typeface="Segoe UI" panose="020B0502040204020203" pitchFamily="34" charset="0"/>
+              </a:rPr>
+              <a:t> </a:t>
+            </a:r>
+            <a:r xmlns:a="http://schemas.openxmlformats.org/drawingml/2006/main">
+              <a:rPr kumimoji="0" lang="en" altLang="en-US" b="1" i="0" u="none" strike="noStrike" cap="none" normalizeH="0" baseline="0" dirty="0" smtClean="0">
+                <a:ln>
+                  <a:noFill/>
+                </a:ln>
+                <a:solidFill>
+                  <a:schemeClr val="tx1"/>
+                </a:solidFill>
+                <a:effectLst/>
+                <a:latin typeface="Segoe UI" panose="020B0502040204020203" pitchFamily="34" charset="0"/>
+                <a:cs typeface="Segoe UI" panose="020B0502040204020203" pitchFamily="34" charset="0"/>
+              </a:rPr>
+              <a:t>Sales Tax </a:t>
+            </a:r>
+            <a:r xmlns:a="http://schemas.openxmlformats.org/drawingml/2006/main">
+              <a:rPr kumimoji="0" lang="en" altLang="en-US" b="0" i="0" u="none" strike="noStrike" cap="none" normalizeH="0" baseline="0" dirty="0" smtClean="0">
+                <a:ln>
+                  <a:noFill/>
+                </a:ln>
+                <a:solidFill>
+                  <a:schemeClr val="tx1"/>
+                </a:solidFill>
+                <a:effectLst/>
+                <a:latin typeface="Segoe UI" panose="020B0502040204020203" pitchFamily="34" charset="0"/>
+                <a:cs typeface="Segoe UI" panose="020B0502040204020203" pitchFamily="34" charset="0"/>
+              </a:rPr>
+              <a:t>.</a:t>
+            </a:r>
+          </a:p>
+          <a:p>
+            <a:pPr xmlns:a="http://schemas.openxmlformats.org/drawingml/2006/main" marL="342900" marR="0" lvl="0" indent="-342900" algn="l" defTabSz="914400" rtl="0" eaLnBrk="0" fontAlgn="base" latinLnBrk="0" hangingPunct="0">
+              <a:lnSpc>
+                <a:spcPct val="100000"/>
+              </a:lnSpc>
+              <a:spcBef>
+                <a:spcPct val="0"/>
+              </a:spcBef>
+              <a:spcAft>
+                <a:spcPct val="0"/>
+              </a:spcAft>
+              <a:buClrTx/>
+              <a:buSzTx/>
+              <a:buFont typeface="+mj-lt"/>
+              <a:buAutoNum type="arabicPeriod"/>
+              <a:tabLst/>
+            </a:pPr>
+            <a:r xmlns:a="http://schemas.openxmlformats.org/drawingml/2006/main">
+              <a:rPr kumimoji="0" lang="en" altLang="en-US" b="0" i="0" u="none" strike="noStrike" cap="none" normalizeH="0" baseline="0" dirty="0" err="1" smtClean="0">
+                <a:ln>
+                  <a:noFill/>
+                </a:ln>
+                <a:solidFill>
+                  <a:schemeClr val="tx1"/>
+                </a:solidFill>
+                <a:effectLst/>
+                <a:latin typeface="Segoe UI" panose="020B0502040204020203" pitchFamily="34" charset="0"/>
+                <a:cs typeface="Segoe UI" panose="020B0502040204020203" pitchFamily="34" charset="0"/>
+              </a:rPr>
+              <a:t>Use </a:t>
+            </a:r>
+            <a:r xmlns:a="http://schemas.openxmlformats.org/drawingml/2006/main">
+              <a:rPr kumimoji="0" lang="en" altLang="en-US" b="0" i="0" u="none" strike="noStrike" cap="none" normalizeH="0" baseline="0" dirty="0" smtClean="0">
+                <a:ln>
+                  <a:noFill/>
+                </a:ln>
+                <a:solidFill>
+                  <a:schemeClr val="tx1"/>
+                </a:solidFill>
+                <a:effectLst/>
+                <a:latin typeface="Segoe UI" panose="020B0502040204020203" pitchFamily="34" charset="0"/>
+                <a:cs typeface="Segoe UI" panose="020B0502040204020203" pitchFamily="34" charset="0"/>
+              </a:rPr>
+              <a:t>the </a:t>
+            </a:r>
+            <a:r xmlns:a="http://schemas.openxmlformats.org/drawingml/2006/main">
+              <a:rPr kumimoji="0" lang="en" altLang="en-US" b="0" i="0" u="none" strike="noStrike" cap="none" normalizeH="0" baseline="0" dirty="0" err="1" smtClean="0">
+                <a:ln>
+                  <a:noFill/>
+                </a:ln>
+                <a:solidFill>
+                  <a:schemeClr val="tx1"/>
+                </a:solidFill>
+                <a:effectLst/>
+                <a:latin typeface="Segoe UI" panose="020B0502040204020203" pitchFamily="34" charset="0"/>
+                <a:cs typeface="Segoe UI" panose="020B0502040204020203" pitchFamily="34" charset="0"/>
+              </a:rPr>
+              <a:t>function</a:t>
+            </a:r>
+            <a:r xmlns:a="http://schemas.openxmlformats.org/drawingml/2006/main">
+              <a:rPr kumimoji="0" lang="en" altLang="en-US" b="0" i="0" u="none" strike="noStrike" cap="none" normalizeH="0" baseline="0" dirty="0" smtClean="0">
+                <a:ln>
+                  <a:noFill/>
+                </a:ln>
+                <a:solidFill>
+                  <a:schemeClr val="tx1"/>
+                </a:solidFill>
+                <a:effectLst/>
+                <a:latin typeface="Segoe UI" panose="020B0502040204020203" pitchFamily="34" charset="0"/>
+                <a:cs typeface="Segoe UI" panose="020B0502040204020203" pitchFamily="34" charset="0"/>
+              </a:rPr>
+              <a:t> </a:t>
+            </a:r>
+            <a:r xmlns:a="http://schemas.openxmlformats.org/drawingml/2006/main">
+              <a:rPr kumimoji="0" lang="en" altLang="en-US" b="1" i="0" u="none" strike="noStrike" cap="none" normalizeH="0" baseline="0" dirty="0" err="1" smtClean="0">
+                <a:ln>
+                  <a:noFill/>
+                </a:ln>
+                <a:solidFill>
+                  <a:schemeClr val="tx1"/>
+                </a:solidFill>
+                <a:effectLst/>
+                <a:latin typeface="Segoe UI" panose="020B0502040204020203" pitchFamily="34" charset="0"/>
+                <a:cs typeface="Segoe UI" panose="020B0502040204020203" pitchFamily="34" charset="0"/>
+              </a:rPr>
+              <a:t>CalculateTax </a:t>
+            </a:r>
+            <a:r xmlns:a="http://schemas.openxmlformats.org/drawingml/2006/main">
+              <a:rPr kumimoji="0" lang="en" altLang="en-US" b="0" i="0" u="none" strike="noStrike" cap="none" normalizeH="0" baseline="0" dirty="0" smtClean="0">
+                <a:ln>
+                  <a:noFill/>
+                </a:ln>
+                <a:solidFill>
+                  <a:schemeClr val="tx1"/>
+                </a:solidFill>
+                <a:effectLst/>
+                <a:latin typeface="Segoe UI" panose="020B0502040204020203" pitchFamily="34" charset="0"/>
+                <a:cs typeface="Segoe UI" panose="020B0502040204020203" pitchFamily="34" charset="0"/>
+              </a:rPr>
+              <a:t>and </a:t>
+            </a:r>
+            <a:r xmlns:a="http://schemas.openxmlformats.org/drawingml/2006/main">
+              <a:rPr kumimoji="0" lang="en" altLang="en-US" b="0" i="0" u="none" strike="noStrike" cap="none" normalizeH="0" baseline="0" dirty="0" err="1" smtClean="0">
+                <a:ln>
+                  <a:noFill/>
+                </a:ln>
+                <a:solidFill>
+                  <a:schemeClr val="tx1"/>
+                </a:solidFill>
+                <a:effectLst/>
+                <a:latin typeface="Segoe UI" panose="020B0502040204020203" pitchFamily="34" charset="0"/>
+                <a:cs typeface="Segoe UI" panose="020B0502040204020203" pitchFamily="34" charset="0"/>
+              </a:rPr>
+              <a:t>pass </a:t>
+            </a:r>
+            <a:r xmlns:a="http://schemas.openxmlformats.org/drawingml/2006/main">
+              <a:rPr kumimoji="0" lang="en" altLang="en-US" b="0" i="0" u="none" strike="noStrike" cap="none" normalizeH="0" baseline="0" dirty="0" smtClean="0">
+                <a:ln>
+                  <a:noFill/>
+                </a:ln>
+                <a:solidFill>
+                  <a:schemeClr val="tx1"/>
+                </a:solidFill>
+                <a:effectLst/>
+                <a:latin typeface="Segoe UI" panose="020B0502040204020203" pitchFamily="34" charset="0"/>
+                <a:cs typeface="Segoe UI" panose="020B0502040204020203" pitchFamily="34" charset="0"/>
+              </a:rPr>
+              <a:t>the </a:t>
+            </a:r>
+            <a:r xmlns:a="http://schemas.openxmlformats.org/drawingml/2006/main">
+              <a:rPr kumimoji="0" lang="en" altLang="en-US" b="0" i="0" u="none" strike="noStrike" cap="none" normalizeH="0" baseline="0" dirty="0" err="1" smtClean="0">
+                <a:ln>
+                  <a:noFill/>
+                </a:ln>
+                <a:solidFill>
+                  <a:schemeClr val="tx1"/>
+                </a:solidFill>
+                <a:effectLst/>
+                <a:latin typeface="Segoe UI" panose="020B0502040204020203" pitchFamily="34" charset="0"/>
+                <a:cs typeface="Segoe UI" panose="020B0502040204020203" pitchFamily="34" charset="0"/>
+              </a:rPr>
+              <a:t>column</a:t>
+            </a:r>
+            <a:r xmlns:a="http://schemas.openxmlformats.org/drawingml/2006/main">
+              <a:rPr kumimoji="0" lang="en" altLang="en-US" b="0" i="0" u="none" strike="noStrike" cap="none" normalizeH="0" baseline="0" dirty="0" smtClean="0">
+                <a:ln>
+                  <a:noFill/>
+                </a:ln>
+                <a:solidFill>
+                  <a:schemeClr val="tx1"/>
+                </a:solidFill>
+                <a:effectLst/>
+                <a:latin typeface="Segoe UI" panose="020B0502040204020203" pitchFamily="34" charset="0"/>
+                <a:cs typeface="Segoe UI" panose="020B0502040204020203" pitchFamily="34" charset="0"/>
+              </a:rPr>
+              <a:t> </a:t>
+            </a:r>
+            <a:r xmlns:a="http://schemas.openxmlformats.org/drawingml/2006/main">
+              <a:rPr kumimoji="0" lang="en" altLang="en-US" b="1" i="0" u="none" strike="noStrike" cap="none" normalizeH="0" baseline="0" dirty="0" smtClean="0">
+                <a:ln>
+                  <a:noFill/>
+                </a:ln>
+                <a:solidFill>
+                  <a:schemeClr val="tx1"/>
+                </a:solidFill>
+                <a:effectLst/>
+                <a:latin typeface="Segoe UI" panose="020B0502040204020203" pitchFamily="34" charset="0"/>
+                <a:cs typeface="Segoe UI" panose="020B0502040204020203" pitchFamily="34" charset="0"/>
+              </a:rPr>
+              <a:t>Total Sales</a:t>
+            </a:r>
+            <a:r xmlns:a="http://schemas.openxmlformats.org/drawingml/2006/main">
+              <a:rPr kumimoji="0" lang="en" altLang="en-US" b="0" i="0" u="none" strike="noStrike" cap="none" normalizeH="0" baseline="0" dirty="0" smtClean="0">
+                <a:ln>
+                  <a:noFill/>
+                </a:ln>
+                <a:solidFill>
+                  <a:schemeClr val="tx1"/>
+                </a:solidFill>
+                <a:effectLst/>
+                <a:latin typeface="Segoe UI" panose="020B0502040204020203" pitchFamily="34" charset="0"/>
+                <a:cs typeface="Segoe UI" panose="020B0502040204020203" pitchFamily="34" charset="0"/>
+              </a:rPr>
+              <a:t> </a:t>
+            </a:r>
+            <a:r xmlns:a="http://schemas.openxmlformats.org/drawingml/2006/main">
+              <a:rPr kumimoji="0" lang="en" altLang="en-US" b="0" i="0" u="none" strike="noStrike" cap="none" normalizeH="0" baseline="0" dirty="0" err="1" smtClean="0">
+                <a:ln>
+                  <a:noFill/>
+                </a:ln>
+                <a:solidFill>
+                  <a:schemeClr val="tx1"/>
+                </a:solidFill>
+                <a:effectLst/>
+                <a:latin typeface="Segoe UI" panose="020B0502040204020203" pitchFamily="34" charset="0"/>
+                <a:cs typeface="Segoe UI" panose="020B0502040204020203" pitchFamily="34" charset="0"/>
+              </a:rPr>
+              <a:t>as </a:t>
+            </a:r>
+            <a:r xmlns:a="http://schemas.openxmlformats.org/drawingml/2006/main">
+              <a:rPr kumimoji="0" lang="en" altLang="en-US" b="0" i="0" u="none" strike="noStrike" cap="none" normalizeH="0" baseline="0" dirty="0" smtClean="0">
+                <a:ln>
+                  <a:noFill/>
+                </a:ln>
+                <a:solidFill>
+                  <a:schemeClr val="tx1"/>
+                </a:solidFill>
+                <a:effectLst/>
+                <a:latin typeface="Segoe UI" panose="020B0502040204020203" pitchFamily="34" charset="0"/>
+                <a:cs typeface="Segoe UI" panose="020B0502040204020203" pitchFamily="34" charset="0"/>
+              </a:rPr>
+              <a:t>an argument:</a:t>
+            </a:r>
+          </a:p>
+          <a:p>
+            <a:pPr marL="342900" marR="0" lvl="0" indent="-342900" algn="l" defTabSz="914400" rtl="0" eaLnBrk="0" fontAlgn="base" latinLnBrk="0" hangingPunct="0">
+              <a:lnSpc>
+                <a:spcPct val="100000"/>
+              </a:lnSpc>
+              <a:spcBef>
+                <a:spcPct val="0"/>
+              </a:spcBef>
+              <a:spcAft>
+                <a:spcPct val="0"/>
+              </a:spcAft>
+              <a:buClrTx/>
+              <a:buSzTx/>
+              <a:buFont typeface="+mj-lt"/>
+              <a:buAutoNum type="arabicPeriod"/>
+              <a:tabLst/>
+            </a:pPr>
+            <a:endParaRPr kumimoji="0" lang="en-US" altLang="en-US" b="0" i="0" u="none" strike="noStrike" cap="none" normalizeH="0" baseline="0" dirty="0" smtClean="0">
+              <a:ln>
+                <a:noFill/>
+              </a:ln>
+              <a:solidFill>
+                <a:schemeClr val="tx1"/>
+              </a:solidFill>
+              <a:effectLst/>
+              <a:latin typeface="Segoe UI" panose="020B0502040204020203" pitchFamily="34" charset="0"/>
+              <a:cs typeface="Segoe UI" panose="020B0502040204020203" pitchFamily="34" charset="0"/>
+            </a:endParaRPr>
+          </a:p>
+        </p:txBody>
+      </p:sp>
+      <p:sp>
+        <p:nvSpPr>
+          <p:cNvPr id="5" name="Rectangle 4"/>
+          <p:cNvSpPr/>
           <p:nvPr/>
-        </p:nvPicPr>
-        <p:blipFill>
-          <a:blip r:embed="rId2"/>
-          <a:stretch>
-            <a:fillRect/>
-          </a:stretch>
-        </p:blipFill>
+        </p:nvSpPr>
         <p:spPr>
           <a:xfrm>
-            <a:off x="547174" y="1444055"/>
-            <a:ext cx="8897592" cy="1838582"/>
+            <a:off x="830488" y="2971031"/>
+            <a:ext cx="3067891" cy="400110"/>
           </a:xfrm>
           <a:prstGeom prst="rect">
             <a:avLst/>
           </a:prstGeom>
         </p:spPr>
-      </p:pic>
-      <p:sp>
-        <p:nvSpPr>
-          <p:cNvPr id="5" name="Rectangle 4"/>
+        <p:txBody>
+          <a:bodyPr wrap="none">
+            <a:spAutoFit/>
+          </a:bodyPr>
+          <a:lstStyle/>
+          <a:p>
+            <a:r xmlns:a="http://schemas.openxmlformats.org/drawingml/2006/main">
+              <a:rPr lang="en" sz="2000" dirty="0"/>
+              <a:t>= </a:t>
+            </a:r>
+            <a:r xmlns:a="http://schemas.openxmlformats.org/drawingml/2006/main">
+              <a:rPr lang="en" sz="2000" dirty="0" err="1"/>
+              <a:t>CalculateTax </a:t>
+            </a:r>
+            <a:r xmlns:a="http://schemas.openxmlformats.org/drawingml/2006/main">
+              <a:rPr lang="en" sz="2000" dirty="0"/>
+              <a:t>([Total Sales])</a:t>
+            </a:r>
+          </a:p>
+        </p:txBody>
+      </p:sp>
+      <p:sp>
+        <p:nvSpPr>
+          <p:cNvPr id="6" name="Rectangle 2"/>
+          <p:cNvSpPr>
+            <a:spLocks noChangeArrowheads="1"/>
+          </p:cNvSpPr>
+          <p:nvPr/>
+        </p:nvSpPr>
+        <p:spPr bwMode="auto">
+          <a:xfrm>
+            <a:off x="423332" y="3509640"/>
+            <a:ext cx="6186309" cy="646331"/>
+          </a:xfrm>
+          <a:prstGeom prst="rect">
+            <a:avLst/>
+          </a:prstGeom>
+          <a:noFill/>
+          <a:ln>
+            <a:noFill/>
+          </a:ln>
+          <a:effectLst/>
+          <a:extLst>
+            <a:ext uri="{909E8E84-426E-40DD-AFC4-6F175D3DCCD1}">
+              <a14:hiddenFill xmlns:a14="http://schemas.microsoft.com/office/drawing/2010/main">
+                <a:solidFill>
+                  <a:schemeClr val="accent1"/>
+                </a:solidFill>
+              </a14:hiddenFill>
+            </a:ext>
+            <a:ext uri="{91240B29-F687-4F45-9708-019B960494DF}">
+              <a14:hiddenLine xmlns:a14="http://schemas.microsoft.com/office/drawing/2010/main" w="9525">
+                <a:solidFill>
+                  <a:schemeClr val="tx1"/>
+                </a:solidFill>
+                <a:miter lim="800000"/>
+                <a:headEnd/>
+                <a:tailEnd/>
+              </a14:hiddenLine>
+            </a:ext>
+            <a:ext uri="{AF507438-7753-43E0-B8FC-AC1667EBCBE1}">
+              <a14:hiddenEffects xmlns:a14="http://schemas.microsoft.com/office/drawing/2010/main">
+                <a:effectLst>
+                  <a:outerShdw dist="35921" dir="2700000" algn="ctr" rotWithShape="0">
+                    <a:schemeClr val="bg2"/>
+                  </a:outerShdw>
+                </a:effectLst>
+              </a14:hiddenEffects>
+            </a:ext>
+          </a:extLst>
+        </p:spPr>
+        <p:txBody>
+          <a:bodyPr vert="horz" wrap="none" lIns="91440" tIns="45720" rIns="91440" bIns="45720" numCol="1" anchor="ctr" anchorCtr="0" compatLnSpc="1">
+            <a:prstTxWarp prst="textNoShape">
+              <a:avLst/>
+            </a:prstTxWarp>
+            <a:spAutoFit/>
+          </a:bodyPr>
+          <a:lstStyle/>
+          <a:p>
+            <a:pPr xmlns:a="http://schemas.openxmlformats.org/drawingml/2006/main" marR="0" lvl="0" algn="l" defTabSz="914400" rtl="0" eaLnBrk="0" fontAlgn="base" latinLnBrk="0" hangingPunct="0">
+              <a:lnSpc>
+                <a:spcPct val="100000"/>
+              </a:lnSpc>
+              <a:spcBef>
+                <a:spcPct val="0"/>
+              </a:spcBef>
+              <a:spcAft>
+                <a:spcPct val="0"/>
+              </a:spcAft>
+              <a:buClrTx/>
+              <a:buSzTx/>
+              <a:tabLst/>
+            </a:pPr>
+            <a:r xmlns:a="http://schemas.openxmlformats.org/drawingml/2006/main">
+              <a:rPr kumimoji="0" lang="en" altLang="en-US" sz="1800" b="0" i="0" u="none" strike="noStrike" cap="none" normalizeH="0" baseline="0" dirty="0" smtClean="0">
+                <a:ln>
+                  <a:noFill/>
+                </a:ln>
+                <a:solidFill>
+                  <a:schemeClr val="tx1"/>
+                </a:solidFill>
+                <a:effectLst/>
+                <a:latin typeface="Arial" panose="020B0604020202020204" pitchFamily="34" charset="0"/>
+              </a:rPr>
+              <a:t>6.</a:t>
+            </a:r>
+            <a:r xmlns:a="http://schemas.openxmlformats.org/drawingml/2006/main">
+              <a:rPr kumimoji="0" lang="en" altLang="en-US" sz="1800" b="0" i="0" u="none" strike="noStrike" cap="none" normalizeH="0" dirty="0" smtClean="0">
+                <a:ln>
+                  <a:noFill/>
+                </a:ln>
+                <a:solidFill>
+                  <a:schemeClr val="tx1"/>
+                </a:solidFill>
+                <a:effectLst/>
+                <a:latin typeface="Arial" panose="020B0604020202020204" pitchFamily="34" charset="0"/>
+              </a:rPr>
+              <a:t> </a:t>
+            </a:r>
+            <a:r xmlns:a="http://schemas.openxmlformats.org/drawingml/2006/main">
+              <a:rPr kumimoji="0" lang="en" altLang="en-US" sz="1800" b="0" i="0" u="none" strike="noStrike" cap="none" normalizeH="0" baseline="0" dirty="0" err="1" smtClean="0">
+                <a:ln>
+                  <a:noFill/>
+                </a:ln>
+                <a:solidFill>
+                  <a:schemeClr val="tx1"/>
+                </a:solidFill>
+                <a:effectLst/>
+                <a:latin typeface="Arial" panose="020B0604020202020204" pitchFamily="34" charset="0"/>
+              </a:rPr>
+              <a:t>Add</a:t>
+            </a:r>
+            <a:r xmlns:a="http://schemas.openxmlformats.org/drawingml/2006/main">
+              <a:rPr kumimoji="0" lang="en" altLang="en-US" sz="1800" b="0" i="0" u="none" strike="noStrike" cap="none" normalizeH="0" baseline="0" dirty="0" smtClean="0">
+                <a:ln>
+                  <a:noFill/>
+                </a:ln>
+                <a:solidFill>
+                  <a:schemeClr val="tx1"/>
+                </a:solidFill>
+                <a:effectLst/>
+                <a:latin typeface="Arial" panose="020B0604020202020204" pitchFamily="34" charset="0"/>
+              </a:rPr>
+              <a:t> </a:t>
+            </a:r>
+            <a:r xmlns:a="http://schemas.openxmlformats.org/drawingml/2006/main">
+              <a:rPr kumimoji="0" lang="en" altLang="en-US" sz="1800" b="0" i="0" u="none" strike="noStrike" cap="none" normalizeH="0" baseline="0" dirty="0" err="1" smtClean="0">
+                <a:ln>
+                  <a:noFill/>
+                </a:ln>
+                <a:solidFill>
+                  <a:schemeClr val="tx1"/>
+                </a:solidFill>
+                <a:effectLst/>
+                <a:latin typeface="Arial" panose="020B0604020202020204" pitchFamily="34" charset="0"/>
+              </a:rPr>
+              <a:t>a</a:t>
+            </a:r>
+            <a:r xmlns:a="http://schemas.openxmlformats.org/drawingml/2006/main">
+              <a:rPr kumimoji="0" lang="en" altLang="en-US" sz="1800" b="0" i="0" u="none" strike="noStrike" cap="none" normalizeH="0" baseline="0" dirty="0" smtClean="0">
+                <a:ln>
+                  <a:noFill/>
+                </a:ln>
+                <a:solidFill>
+                  <a:schemeClr val="tx1"/>
+                </a:solidFill>
+                <a:effectLst/>
+                <a:latin typeface="Arial" panose="020B0604020202020204" pitchFamily="34" charset="0"/>
+              </a:rPr>
+              <a:t> </a:t>
+            </a:r>
+            <a:r xmlns:a="http://schemas.openxmlformats.org/drawingml/2006/main">
+              <a:rPr kumimoji="0" lang="en" altLang="en-US" sz="1800" b="1" i="0" u="none" strike="noStrike" cap="none" normalizeH="0" baseline="0" dirty="0" smtClean="0">
+                <a:ln>
+                  <a:noFill/>
+                </a:ln>
+                <a:solidFill>
+                  <a:schemeClr val="tx1"/>
+                </a:solidFill>
+                <a:effectLst/>
+                <a:latin typeface="Arial" panose="020B0604020202020204" pitchFamily="34" charset="0"/>
+              </a:rPr>
+              <a:t>new </a:t>
+            </a:r>
+            <a:r xmlns:a="http://schemas.openxmlformats.org/drawingml/2006/main">
+              <a:rPr kumimoji="0" lang="en" altLang="en-US" sz="1800" b="1" i="0" u="none" strike="noStrike" cap="none" normalizeH="0" baseline="0" dirty="0" err="1" smtClean="0">
+                <a:ln>
+                  <a:noFill/>
+                </a:ln>
+                <a:solidFill>
+                  <a:schemeClr val="tx1"/>
+                </a:solidFill>
+                <a:effectLst/>
+                <a:latin typeface="Arial" panose="020B0604020202020204" pitchFamily="34" charset="0"/>
+              </a:rPr>
+              <a:t>column</a:t>
+            </a:r>
+            <a:r xmlns:a="http://schemas.openxmlformats.org/drawingml/2006/main">
+              <a:rPr kumimoji="0" lang="en" altLang="en-US" sz="1800" b="1" i="0" u="none" strike="noStrike" cap="none" normalizeH="0" baseline="0" dirty="0" smtClean="0">
+                <a:ln>
+                  <a:noFill/>
+                </a:ln>
+                <a:solidFill>
+                  <a:schemeClr val="tx1"/>
+                </a:solidFill>
+                <a:effectLst/>
+                <a:latin typeface="Arial" panose="020B0604020202020204" pitchFamily="34" charset="0"/>
+              </a:rPr>
+              <a:t> </a:t>
+            </a:r>
+            <a:r xmlns:a="http://schemas.openxmlformats.org/drawingml/2006/main">
+              <a:rPr kumimoji="0" lang="en" altLang="en-US" sz="1800" b="1" i="0" u="none" strike="noStrike" cap="none" normalizeH="0" baseline="0" dirty="0" err="1" smtClean="0">
+                <a:ln>
+                  <a:noFill/>
+                </a:ln>
+                <a:solidFill>
+                  <a:schemeClr val="tx1"/>
+                </a:solidFill>
+                <a:effectLst/>
+                <a:latin typeface="Arial" panose="020B0604020202020204" pitchFamily="34" charset="0"/>
+              </a:rPr>
+              <a:t>personalized </a:t>
+            </a:r>
+            <a:r xmlns:a="http://schemas.openxmlformats.org/drawingml/2006/main">
+              <a:rPr kumimoji="0" lang="en" altLang="en-US" sz="1800" b="0" i="0" u="none" strike="noStrike" cap="none" normalizeH="0" baseline="0" dirty="0" smtClean="0">
+                <a:ln>
+                  <a:noFill/>
+                </a:ln>
+                <a:solidFill>
+                  <a:schemeClr val="tx1"/>
+                </a:solidFill>
+                <a:effectLst/>
+                <a:latin typeface="Arial" panose="020B0604020202020204" pitchFamily="34" charset="0"/>
+              </a:rPr>
+              <a:t>.</a:t>
+            </a:r>
+          </a:p>
+          <a:p>
+            <a:pPr xmlns:a="http://schemas.openxmlformats.org/drawingml/2006/main" marR="0" lvl="0" algn="l" defTabSz="914400" rtl="0" eaLnBrk="0" fontAlgn="base" latinLnBrk="0" hangingPunct="0">
+              <a:lnSpc>
+                <a:spcPct val="100000"/>
+              </a:lnSpc>
+              <a:spcBef>
+                <a:spcPct val="0"/>
+              </a:spcBef>
+              <a:spcAft>
+                <a:spcPct val="0"/>
+              </a:spcAft>
+              <a:buClrTx/>
+              <a:buSzTx/>
+              <a:tabLst/>
+            </a:pPr>
+            <a:r xmlns:a="http://schemas.openxmlformats.org/drawingml/2006/main">
+              <a:rPr lang="en" altLang="en-US" dirty="0" smtClean="0">
+                <a:latin typeface="Arial" panose="020B0604020202020204" pitchFamily="34" charset="0"/>
+              </a:rPr>
+              <a:t>7. </a:t>
+            </a:r>
+            <a:r xmlns:a="http://schemas.openxmlformats.org/drawingml/2006/main">
+              <a:rPr kumimoji="0" lang="en" altLang="en-US" sz="1800" b="0" i="0" u="none" strike="noStrike" cap="none" normalizeH="0" baseline="0" dirty="0" err="1" smtClean="0">
+                <a:ln>
+                  <a:noFill/>
+                </a:ln>
+                <a:solidFill>
+                  <a:schemeClr val="tx1"/>
+                </a:solidFill>
+                <a:effectLst/>
+                <a:latin typeface="Arial" panose="020B0604020202020204" pitchFamily="34" charset="0"/>
+              </a:rPr>
+              <a:t>Use</a:t>
+            </a:r>
+            <a:r xmlns:a="http://schemas.openxmlformats.org/drawingml/2006/main">
+              <a:rPr kumimoji="0" lang="en" altLang="en-US" sz="1800" b="0" i="0" u="none" strike="noStrike" cap="none" normalizeH="0" baseline="0" dirty="0" smtClean="0">
+                <a:ln>
+                  <a:noFill/>
+                </a:ln>
+                <a:solidFill>
+                  <a:schemeClr val="tx1"/>
+                </a:solidFill>
+                <a:effectLst/>
+                <a:latin typeface="Arial" panose="020B0604020202020204" pitchFamily="34" charset="0"/>
+              </a:rPr>
+              <a:t> </a:t>
+            </a:r>
+            <a:r xmlns:a="http://schemas.openxmlformats.org/drawingml/2006/main">
+              <a:rPr kumimoji="0" lang="en" altLang="en-US" sz="1800" b="0" i="0" u="none" strike="noStrike" cap="none" normalizeH="0" baseline="0" dirty="0" err="1" smtClean="0">
+                <a:ln>
+                  <a:noFill/>
+                </a:ln>
+                <a:solidFill>
+                  <a:schemeClr val="tx1"/>
+                </a:solidFill>
+                <a:effectLst/>
+                <a:latin typeface="Arial" panose="020B0604020202020204" pitchFamily="34" charset="0"/>
+              </a:rPr>
+              <a:t>this</a:t>
+            </a:r>
+            <a:r xmlns:a="http://schemas.openxmlformats.org/drawingml/2006/main">
+              <a:rPr kumimoji="0" lang="en" altLang="en-US" sz="1800" b="0" i="0" u="none" strike="noStrike" cap="none" normalizeH="0" baseline="0" dirty="0" smtClean="0">
+                <a:ln>
+                  <a:noFill/>
+                </a:ln>
+                <a:solidFill>
+                  <a:schemeClr val="tx1"/>
+                </a:solidFill>
+                <a:effectLst/>
+                <a:latin typeface="Arial" panose="020B0604020202020204" pitchFamily="34" charset="0"/>
+              </a:rPr>
+              <a:t> </a:t>
+            </a:r>
+            <a:r xmlns:a="http://schemas.openxmlformats.org/drawingml/2006/main">
+              <a:rPr kumimoji="0" lang="en" altLang="en-US" sz="1800" b="0" i="0" u="none" strike="noStrike" cap="none" normalizeH="0" baseline="0" dirty="0" err="1" smtClean="0">
+                <a:ln>
+                  <a:noFill/>
+                </a:ln>
+                <a:solidFill>
+                  <a:schemeClr val="tx1"/>
+                </a:solidFill>
+                <a:effectLst/>
+                <a:latin typeface="Arial" panose="020B0604020202020204" pitchFamily="34" charset="0"/>
+              </a:rPr>
+              <a:t>formula </a:t>
+            </a:r>
+            <a:r xmlns:a="http://schemas.openxmlformats.org/drawingml/2006/main">
+              <a:rPr kumimoji="0" lang="en" altLang="en-US" sz="1800" b="0" i="0" u="none" strike="noStrike" cap="none" normalizeH="0" baseline="0" dirty="0" smtClean="0">
+                <a:ln>
+                  <a:noFill/>
+                </a:ln>
+                <a:solidFill>
+                  <a:schemeClr val="tx1"/>
+                </a:solidFill>
+                <a:effectLst/>
+                <a:latin typeface="Arial" panose="020B0604020202020204" pitchFamily="34" charset="0"/>
+              </a:rPr>
+              <a:t>to </a:t>
+            </a:r>
+            <a:r xmlns:a="http://schemas.openxmlformats.org/drawingml/2006/main">
+              <a:rPr kumimoji="0" lang="en" altLang="en-US" sz="1800" b="0" i="0" u="none" strike="noStrike" cap="none" normalizeH="0" baseline="0" dirty="0" err="1" smtClean="0">
+                <a:ln>
+                  <a:noFill/>
+                </a:ln>
+                <a:solidFill>
+                  <a:schemeClr val="tx1"/>
+                </a:solidFill>
+                <a:effectLst/>
+                <a:latin typeface="Arial" panose="020B0604020202020204" pitchFamily="34" charset="0"/>
+              </a:rPr>
+              <a:t>add </a:t>
+            </a:r>
+            <a:r xmlns:a="http://schemas.openxmlformats.org/drawingml/2006/main">
+              <a:rPr kumimoji="0" lang="en" altLang="en-US" sz="1800" b="0" i="0" u="none" strike="noStrike" cap="none" normalizeH="0" baseline="0" dirty="0" smtClean="0">
+                <a:ln>
+                  <a:noFill/>
+                </a:ln>
+                <a:solidFill>
+                  <a:schemeClr val="tx1"/>
+                </a:solidFill>
+                <a:effectLst/>
+                <a:latin typeface="Arial" panose="020B0604020202020204" pitchFamily="34" charset="0"/>
+              </a:rPr>
+              <a:t>tax </a:t>
+            </a:r>
+            <a:r xmlns:a="http://schemas.openxmlformats.org/drawingml/2006/main">
+              <a:rPr kumimoji="0" lang="en" altLang="en-US" sz="1800" b="0" i="0" u="none" strike="noStrike" cap="none" normalizeH="0" baseline="0" dirty="0" err="1" smtClean="0">
+                <a:ln>
+                  <a:noFill/>
+                </a:ln>
+                <a:solidFill>
+                  <a:schemeClr val="tx1"/>
+                </a:solidFill>
+                <a:effectLst/>
+                <a:latin typeface="Arial" panose="020B0604020202020204" pitchFamily="34" charset="0"/>
+              </a:rPr>
+              <a:t>to </a:t>
+            </a:r>
+            <a:r xmlns:a="http://schemas.openxmlformats.org/drawingml/2006/main">
+              <a:rPr kumimoji="0" lang="en" altLang="en-US" sz="1800" b="0" i="0" u="none" strike="noStrike" cap="none" normalizeH="0" baseline="0" dirty="0" smtClean="0">
+                <a:ln>
+                  <a:noFill/>
+                </a:ln>
+                <a:solidFill>
+                  <a:schemeClr val="tx1"/>
+                </a:solidFill>
+                <a:effectLst/>
+                <a:latin typeface="Arial" panose="020B0604020202020204" pitchFamily="34" charset="0"/>
+              </a:rPr>
+              <a:t>the initial total:</a:t>
+            </a:r>
+          </a:p>
+        </p:txBody>
+      </p:sp>
+      <p:sp>
+        <p:nvSpPr>
+          <p:cNvPr id="7" name="Rectangle 6"/>
           <p:cNvSpPr/>
           <p:nvPr/>
         </p:nvSpPr>
         <p:spPr>
           <a:xfrm>
-            <a:off x="547174" y="3643095"/>
-            <a:ext cx="4577856" cy="369332"/>
+            <a:off x="830488" y="4379637"/>
+            <a:ext cx="2944781" cy="400110"/>
           </a:xfrm>
           <a:prstGeom prst="rect">
             <a:avLst/>
@@ -5418,26 +6508,61 @@
           </a:bodyPr>
           <a:lstStyle/>
           <a:p>
-            <a:r>
-              <a:rPr lang="en-US" dirty="0">
+            <a:r xmlns:a="http://schemas.openxmlformats.org/drawingml/2006/main">
+              <a:rPr lang="en" sz="2000" dirty="0"/>
+              <a:t>= [Total Sales] + [Sales Tax]</a:t>
+            </a:r>
+          </a:p>
+        </p:txBody>
+      </p:sp>
+      <p:sp>
+        <p:nvSpPr>
+          <p:cNvPr id="8" name="Rectangle 7"/>
+          <p:cNvSpPr/>
+          <p:nvPr/>
+        </p:nvSpPr>
+        <p:spPr>
+          <a:xfrm>
+            <a:off x="423332" y="5003413"/>
+            <a:ext cx="1949573" cy="369332"/>
+          </a:xfrm>
+          <a:prstGeom prst="rect">
+            <a:avLst/>
+          </a:prstGeom>
+        </p:spPr>
+        <p:txBody>
+          <a:bodyPr wrap="none">
+            <a:spAutoFit/>
+          </a:bodyPr>
+          <a:lstStyle/>
+          <a:p>
+            <a:r xmlns:a="http://schemas.openxmlformats.org/drawingml/2006/main">
+              <a:rPr lang="en" dirty="0" smtClean="0">
+                <a:latin typeface="Segoe UI" panose="020B0502040204020203" pitchFamily="34" charset="0"/>
+                <a:cs typeface="Segoe UI" panose="020B0502040204020203" pitchFamily="34" charset="0"/>
+              </a:rPr>
+              <a:t>8. </a:t>
+            </a:r>
+            <a:r xmlns:a="http://schemas.openxmlformats.org/drawingml/2006/main">
+              <a:rPr lang="en" dirty="0">
                 <a:latin typeface="Segoe UI" panose="020B0502040204020203" pitchFamily="34" charset="0"/>
                 <a:cs typeface="Segoe UI" panose="020B0502040204020203" pitchFamily="34" charset="0"/>
               </a:rPr>
               <a:t>Click </a:t>
             </a:r>
-            <a:r>
-              <a:rPr lang="en-US" b="1" dirty="0">
-                <a:latin typeface="Segoe UI" panose="020B0502040204020203" pitchFamily="34" charset="0"/>
-                <a:cs typeface="Segoe UI" panose="020B0502040204020203" pitchFamily="34" charset="0"/>
-              </a:rPr>
-              <a:t>Close &amp; Apply</a:t>
-            </a:r>
-            <a:r>
-              <a:rPr lang="en-US" dirty="0">
-                <a:latin typeface="Segoe UI" panose="020B0502040204020203" pitchFamily="34" charset="0"/>
-                <a:cs typeface="Segoe UI" panose="020B0502040204020203" pitchFamily="34" charset="0"/>
-              </a:rPr>
-              <a:t> in Power Query Editor.</a:t>
+            <a:r xmlns:a="http://schemas.openxmlformats.org/drawingml/2006/main">
+              <a:rPr lang="en" b="1" dirty="0">
+                <a:latin typeface="Segoe UI" panose="020B0502040204020203" pitchFamily="34" charset="0"/>
+                <a:cs typeface="Segoe UI" panose="020B0502040204020203" pitchFamily="34" charset="0"/>
+              </a:rPr>
+              <a:t>OK </a:t>
+            </a:r>
+            <a:r xmlns:a="http://schemas.openxmlformats.org/drawingml/2006/main">
+              <a:rPr lang="en" dirty="0">
+                <a:latin typeface="Segoe UI" panose="020B0502040204020203" pitchFamily="34" charset="0"/>
+                <a:cs typeface="Segoe UI" panose="020B0502040204020203" pitchFamily="34" charset="0"/>
+              </a:rPr>
+              <a:t>.</a:t>
             </a:r>
           </a:p>
         </p:txBody>
@@ -5445,7 +6570,7 @@
     </p:spTree>
     <p:extLst>
       <p:ext uri="{BB962C8B-B14F-4D97-AF65-F5344CB8AC3E}">
-        <p14:creationId xmlns:p14="http://schemas.microsoft.com/office/powerpoint/2010/main" val="4274658502"/>
+        <p14:creationId xmlns:p14="http://schemas.microsoft.com/office/powerpoint/2010/main" val="713476372"/>
       </p:ext>
     </p:extLst>
   </p:cSld>
@@ -5456,6 +6581,667 @@
 </file>
 
 <file path=ppt/slides/slide6.xml><?xml version="1.0" encoding="utf-8"?>
+<p:sld xmlns:a="http://schemas.openxmlformats.org/drawingml/2006/main" xmlns:r="http://schemas.openxmlformats.org/officeDocument/2006/relationships" xmlns:p="http://schemas.openxmlformats.org/presentationml/2006/main">
+  <p:cSld>
+    <p:spTree>
+      <p:nvGrpSpPr>
+        <p:cNvPr id="1" name=""/>
+        <p:cNvGrpSpPr/>
+        <p:nvPr/>
+      </p:nvGrpSpPr>
+      <p:grpSpPr>
+        <a:xfrm>
+          <a:off x="0" y="0"/>
+          <a:ext cx="0" cy="0"/>
+          <a:chOff x="0" y="0"/>
+          <a:chExt cx="0" cy="0"/>
+        </a:xfrm>
+      </p:grpSpPr>
+      <p:sp>
+        <p:nvSpPr>
+          <p:cNvPr id="2" name="TextBox 1"/>
+          <p:cNvSpPr txBox="1"/>
+          <p:nvPr/>
+        </p:nvSpPr>
+        <p:spPr>
+          <a:xfrm flipH="1">
+            <a:off x="220004" y="281882"/>
+            <a:ext cx="3994485" cy="523220"/>
+          </a:xfrm>
+          <a:prstGeom prst="rect">
+            <a:avLst/>
+          </a:prstGeom>
+          <a:noFill/>
+        </p:spPr>
+        <p:txBody>
+          <a:bodyPr wrap="square" rtlCol="0">
+            <a:spAutoFit/>
+          </a:bodyPr>
+          <a:lstStyle/>
+          <a:p>
+            <a:r xmlns:a="http://schemas.openxmlformats.org/drawingml/2006/main">
+              <a:rPr lang="en" sz="2800" dirty="0" smtClean="0">
+                <a:latin typeface="Segoe UI" panose="020B0502040204020203" pitchFamily="34" charset="0"/>
+                <a:cs typeface="Segoe UI" panose="020B0502040204020203" pitchFamily="34" charset="0"/>
+              </a:rPr>
+              <a:t>Invoke </a:t>
+            </a:r>
+            <a:r xmlns:a="http://schemas.openxmlformats.org/drawingml/2006/main">
+              <a:rPr lang="en" sz="2800" dirty="0" smtClean="0">
+                <a:latin typeface="Segoe UI" panose="020B0502040204020203" pitchFamily="34" charset="0"/>
+                <a:cs typeface="Segoe UI" panose="020B0502040204020203" pitchFamily="34" charset="0"/>
+              </a:rPr>
+              <a:t>functions</a:t>
+            </a:r>
+            <a:endParaRPr xmlns:a="http://schemas.openxmlformats.org/drawingml/2006/main" lang="fr-FR" sz="2800" dirty="0">
+              <a:latin typeface="Segoe UI" panose="020B0502040204020203" pitchFamily="34" charset="0"/>
+              <a:cs typeface="Segoe UI" panose="020B0502040204020203" pitchFamily="34" charset="0"/>
+            </a:endParaRPr>
+          </a:p>
+        </p:txBody>
+      </p:sp>
+      <p:graphicFrame>
+        <p:nvGraphicFramePr>
+          <p:cNvPr id="7" name="Table 6"/>
+          <p:cNvGraphicFramePr>
+            <a:graphicFrameLocks noGrp="1"/>
+          </p:cNvGraphicFramePr>
+          <p:nvPr>
+            <p:extLst>
+              <p:ext uri="{D42A27DB-BD31-4B8C-83A1-F6EECF244321}">
+                <p14:modId xmlns:p14="http://schemas.microsoft.com/office/powerpoint/2010/main" val="2715262069"/>
+              </p:ext>
+            </p:extLst>
+          </p:nvPr>
+        </p:nvGraphicFramePr>
+        <p:xfrm>
+          <a:off x="446617" y="1598877"/>
+          <a:ext cx="9391650" cy="1488440"/>
+        </p:xfrm>
+        <a:graphic>
+          <a:graphicData uri="http://schemas.openxmlformats.org/drawingml/2006/table">
+            <a:tbl>
+              <a:tblPr>
+                <a:tableStyleId>{5C22544A-7EE6-4342-B048-85BDC9FD1C3A}</a:tableStyleId>
+              </a:tblPr>
+              <a:tblGrid>
+                <a:gridCol w="1593883">
+                  <a:extLst>
+                    <a:ext uri="{9D8B030D-6E8A-4147-A177-3AD203B41FA5}">
+                      <a16:colId xmlns:a16="http://schemas.microsoft.com/office/drawing/2014/main" val="3643193735"/>
+                    </a:ext>
+                  </a:extLst>
+                </a:gridCol>
+                <a:gridCol w="2721862">
+                  <a:extLst>
+                    <a:ext uri="{9D8B030D-6E8A-4147-A177-3AD203B41FA5}">
+                      <a16:colId xmlns:a16="http://schemas.microsoft.com/office/drawing/2014/main" val="3588608991"/>
+                    </a:ext>
+                  </a:extLst>
+                </a:gridCol>
+                <a:gridCol w="1814575">
+                  <a:extLst>
+                    <a:ext uri="{9D8B030D-6E8A-4147-A177-3AD203B41FA5}">
+                      <a16:colId xmlns:a16="http://schemas.microsoft.com/office/drawing/2014/main" val="1399741455"/>
+                    </a:ext>
+                  </a:extLst>
+                </a:gridCol>
+                <a:gridCol w="1177021">
+                  <a:extLst>
+                    <a:ext uri="{9D8B030D-6E8A-4147-A177-3AD203B41FA5}">
+                      <a16:colId xmlns:a16="http://schemas.microsoft.com/office/drawing/2014/main" val="3815301254"/>
+                    </a:ext>
+                  </a:extLst>
+                </a:gridCol>
+                <a:gridCol w="2084309">
+                  <a:extLst>
+                    <a:ext uri="{9D8B030D-6E8A-4147-A177-3AD203B41FA5}">
+                      <a16:colId xmlns:a16="http://schemas.microsoft.com/office/drawing/2014/main" val="2867593651"/>
+                    </a:ext>
+                  </a:extLst>
+                </a:gridCol>
+              </a:tblGrid>
+              <a:tr h="273050">
+                <a:tc>
+                  <a:txBody>
+                    <a:bodyPr/>
+                    <a:lstStyle/>
+                    <a:p>
+                      <a:pPr xmlns:a="http://schemas.openxmlformats.org/drawingml/2006/main" algn="ctr" fontAlgn="ctr"/>
+                      <a:r xmlns:a="http://schemas.openxmlformats.org/drawingml/2006/main">
+                        <a:rPr lang="en" sz="2400" u="none" strike="noStrike">
+                          <a:effectLst/>
+                        </a:rPr>
+                        <a:t>SalesID</a:t>
+                      </a:r>
+                      <a:endParaRPr xmlns:a="http://schemas.openxmlformats.org/drawingml/2006/main" lang="en-US" sz="2400" b="1" i="0" u="none" strike="noStrike">
+                        <a:solidFill>
+                          <a:srgbClr val="000000"/>
+                        </a:solidFill>
+                        <a:effectLst/>
+                        <a:latin typeface="Calibri" panose="020F0502020204030204" pitchFamily="34" charset="0"/>
+                      </a:endParaRPr>
+                    </a:p>
+                  </a:txBody>
+                  <a:tcPr marL="6350" marR="6350" marT="6350" marB="0" anchor="ctr"/>
+                </a:tc>
+                <a:tc>
+                  <a:txBody>
+                    <a:bodyPr/>
+                    <a:lstStyle/>
+                    <a:p>
+                      <a:pPr xmlns:a="http://schemas.openxmlformats.org/drawingml/2006/main" algn="ctr" fontAlgn="ctr"/>
+                      <a:r xmlns:a="http://schemas.openxmlformats.org/drawingml/2006/main">
+                        <a:rPr lang="en" sz="2400" u="none" strike="noStrike">
+                          <a:effectLst/>
+                        </a:rPr>
+                        <a:t>Customer Name</a:t>
+                      </a:r>
+                      <a:endParaRPr xmlns:a="http://schemas.openxmlformats.org/drawingml/2006/main" lang="en-US" sz="2400" b="1" i="0" u="none" strike="noStrike">
+                        <a:solidFill>
+                          <a:srgbClr val="000000"/>
+                        </a:solidFill>
+                        <a:effectLst/>
+                        <a:latin typeface="Calibri" panose="020F0502020204030204" pitchFamily="34" charset="0"/>
+                      </a:endParaRPr>
+                    </a:p>
+                  </a:txBody>
+                  <a:tcPr marL="6350" marR="6350" marT="6350" marB="0" anchor="ctr"/>
+                </a:tc>
+                <a:tc>
+                  <a:txBody>
+                    <a:bodyPr/>
+                    <a:lstStyle/>
+                    <a:p>
+                      <a:pPr xmlns:a="http://schemas.openxmlformats.org/drawingml/2006/main" algn="ctr" fontAlgn="ctr"/>
+                      <a:r xmlns:a="http://schemas.openxmlformats.org/drawingml/2006/main">
+                        <a:rPr lang="en" sz="2400" u="none" strike="noStrike">
+                          <a:effectLst/>
+                        </a:rPr>
+                        <a:t>Total Sales</a:t>
+                      </a:r>
+                      <a:endParaRPr xmlns:a="http://schemas.openxmlformats.org/drawingml/2006/main" lang="en-US" sz="2400" b="1" i="0" u="none" strike="noStrike">
+                        <a:solidFill>
+                          <a:srgbClr val="000000"/>
+                        </a:solidFill>
+                        <a:effectLst/>
+                        <a:latin typeface="Calibri" panose="020F0502020204030204" pitchFamily="34" charset="0"/>
+                      </a:endParaRPr>
+                    </a:p>
+                  </a:txBody>
+                  <a:tcPr marL="6350" marR="6350" marT="6350" marB="0" anchor="ctr"/>
+                </a:tc>
+                <a:tc>
+                  <a:txBody>
+                    <a:bodyPr/>
+                    <a:lstStyle/>
+                    <a:p>
+                      <a:pPr xmlns:a="http://schemas.openxmlformats.org/drawingml/2006/main" algn="ctr" fontAlgn="ctr"/>
+                      <a:r xmlns:a="http://schemas.openxmlformats.org/drawingml/2006/main">
+                        <a:rPr lang="en" sz="2400" u="none" strike="noStrike">
+                          <a:effectLst/>
+                        </a:rPr>
+                        <a:t>Sales Tax</a:t>
+                      </a:r>
+                      <a:endParaRPr xmlns:a="http://schemas.openxmlformats.org/drawingml/2006/main" lang="en-US" sz="2400" b="1" i="0" u="none" strike="noStrike">
+                        <a:solidFill>
+                          <a:srgbClr val="000000"/>
+                        </a:solidFill>
+                        <a:effectLst/>
+                        <a:latin typeface="Calibri" panose="020F0502020204030204" pitchFamily="34" charset="0"/>
+                      </a:endParaRPr>
+                    </a:p>
+                  </a:txBody>
+                  <a:tcPr marL="6350" marR="6350" marT="6350" marB="0" anchor="ctr"/>
+                </a:tc>
+                <a:tc>
+                  <a:txBody>
+                    <a:bodyPr/>
+                    <a:lstStyle/>
+                    <a:p>
+                      <a:pPr xmlns:a="http://schemas.openxmlformats.org/drawingml/2006/main" algn="ctr" fontAlgn="ctr"/>
+                      <a:r xmlns:a="http://schemas.openxmlformats.org/drawingml/2006/main">
+                        <a:rPr lang="en" sz="2400" u="none" strike="noStrike">
+                          <a:effectLst/>
+                        </a:rPr>
+                        <a:t>Total with Tax</a:t>
+                      </a:r>
+                      <a:endParaRPr xmlns:a="http://schemas.openxmlformats.org/drawingml/2006/main" lang="en-US" sz="2400" b="1" i="0" u="none" strike="noStrike">
+                        <a:solidFill>
+                          <a:srgbClr val="000000"/>
+                        </a:solidFill>
+                        <a:effectLst/>
+                        <a:latin typeface="Calibri" panose="020F0502020204030204" pitchFamily="34" charset="0"/>
+                      </a:endParaRPr>
+                    </a:p>
+                  </a:txBody>
+                  <a:tcPr marL="6350" marR="6350" marT="6350" marB="0" anchor="ctr"/>
+                </a:tc>
+                <a:extLst>
+                  <a:ext uri="{0D108BD9-81ED-4DB2-BD59-A6C34878D82A}">
+                    <a16:rowId xmlns:a16="http://schemas.microsoft.com/office/drawing/2014/main" val="2944450"/>
+                  </a:ext>
+                </a:extLst>
+              </a:tr>
+              <a:tr h="184150">
+                <a:tc>
+                  <a:txBody>
+                    <a:bodyPr/>
+                    <a:lstStyle/>
+                    <a:p>
+                      <a:pPr xmlns:a="http://schemas.openxmlformats.org/drawingml/2006/main" algn="ctr" fontAlgn="ctr"/>
+                      <a:r xmlns:a="http://schemas.openxmlformats.org/drawingml/2006/main">
+                        <a:rPr lang="en" sz="2400" u="none" strike="noStrike">
+                          <a:effectLst/>
+                        </a:rPr>
+                        <a:t>1</a:t>
+                      </a:r>
+                      <a:endParaRPr xmlns:a="http://schemas.openxmlformats.org/drawingml/2006/main" lang="en-US" sz="2400" b="0" i="0" u="none" strike="noStrike">
+                        <a:solidFill>
+                          <a:srgbClr val="000000"/>
+                        </a:solidFill>
+                        <a:effectLst/>
+                        <a:latin typeface="Calibri" panose="020F0502020204030204" pitchFamily="34" charset="0"/>
+                      </a:endParaRPr>
+                    </a:p>
+                  </a:txBody>
+                  <a:tcPr marL="6350" marR="6350" marT="6350" marB="0" anchor="ctr"/>
+                </a:tc>
+                <a:tc>
+                  <a:txBody>
+                    <a:bodyPr/>
+                    <a:lstStyle/>
+                    <a:p>
+                      <a:pPr xmlns:a="http://schemas.openxmlformats.org/drawingml/2006/main" algn="ctr" fontAlgn="ctr"/>
+                      <a:r xmlns:a="http://schemas.openxmlformats.org/drawingml/2006/main">
+                        <a:rPr lang="en" sz="2400" u="none" strike="noStrike">
+                          <a:effectLst/>
+                        </a:rPr>
+                        <a:t>John Doe</a:t>
+                      </a:r>
+                      <a:endParaRPr xmlns:a="http://schemas.openxmlformats.org/drawingml/2006/main" lang="en-US" sz="2400" b="0" i="0" u="none" strike="noStrike">
+                        <a:solidFill>
+                          <a:srgbClr val="000000"/>
+                        </a:solidFill>
+                        <a:effectLst/>
+                        <a:latin typeface="Calibri" panose="020F0502020204030204" pitchFamily="34" charset="0"/>
+                      </a:endParaRPr>
+                    </a:p>
+                  </a:txBody>
+                  <a:tcPr marL="6350" marR="6350" marT="6350" marB="0" anchor="ctr"/>
+                </a:tc>
+                <a:tc>
+                  <a:txBody>
+                    <a:bodyPr/>
+                    <a:lstStyle/>
+                    <a:p>
+                      <a:pPr xmlns:a="http://schemas.openxmlformats.org/drawingml/2006/main" algn="ctr" fontAlgn="ctr"/>
+                      <a:r xmlns:a="http://schemas.openxmlformats.org/drawingml/2006/main">
+                        <a:rPr lang="en" sz="2400" u="none" strike="noStrike">
+                          <a:effectLst/>
+                        </a:rPr>
+                        <a:t>1000</a:t>
+                      </a:r>
+                      <a:endParaRPr xmlns:a="http://schemas.openxmlformats.org/drawingml/2006/main" lang="en-US" sz="2400" b="0" i="0" u="none" strike="noStrike">
+                        <a:solidFill>
+                          <a:srgbClr val="000000"/>
+                        </a:solidFill>
+                        <a:effectLst/>
+                        <a:latin typeface="Calibri" panose="020F0502020204030204" pitchFamily="34" charset="0"/>
+                      </a:endParaRPr>
+                    </a:p>
+                  </a:txBody>
+                  <a:tcPr marL="6350" marR="6350" marT="6350" marB="0" anchor="ctr"/>
+                </a:tc>
+                <a:tc>
+                  <a:txBody>
+                    <a:bodyPr/>
+                    <a:lstStyle/>
+                    <a:p>
+                      <a:pPr xmlns:a="http://schemas.openxmlformats.org/drawingml/2006/main" algn="ctr" fontAlgn="ctr"/>
+                      <a:r xmlns:a="http://schemas.openxmlformats.org/drawingml/2006/main">
+                        <a:rPr lang="en" sz="2400" u="none" strike="noStrike">
+                          <a:effectLst/>
+                        </a:rPr>
+                        <a:t>150</a:t>
+                      </a:r>
+                      <a:endParaRPr xmlns:a="http://schemas.openxmlformats.org/drawingml/2006/main" lang="en-US" sz="2400" b="0" i="0" u="none" strike="noStrike">
+                        <a:solidFill>
+                          <a:srgbClr val="000000"/>
+                        </a:solidFill>
+                        <a:effectLst/>
+                        <a:latin typeface="Calibri" panose="020F0502020204030204" pitchFamily="34" charset="0"/>
+                      </a:endParaRPr>
+                    </a:p>
+                  </a:txBody>
+                  <a:tcPr marL="6350" marR="6350" marT="6350" marB="0" anchor="ctr"/>
+                </a:tc>
+                <a:tc>
+                  <a:txBody>
+                    <a:bodyPr/>
+                    <a:lstStyle/>
+                    <a:p>
+                      <a:pPr xmlns:a="http://schemas.openxmlformats.org/drawingml/2006/main" algn="ctr" fontAlgn="ctr"/>
+                      <a:r xmlns:a="http://schemas.openxmlformats.org/drawingml/2006/main">
+                        <a:rPr lang="en" sz="2400" u="none" strike="noStrike">
+                          <a:effectLst/>
+                        </a:rPr>
+                        <a:t>1150</a:t>
+                      </a:r>
+                      <a:endParaRPr xmlns:a="http://schemas.openxmlformats.org/drawingml/2006/main" lang="en-US" sz="2400" b="0" i="0" u="none" strike="noStrike">
+                        <a:solidFill>
+                          <a:srgbClr val="000000"/>
+                        </a:solidFill>
+                        <a:effectLst/>
+                        <a:latin typeface="Calibri" panose="020F0502020204030204" pitchFamily="34" charset="0"/>
+                      </a:endParaRPr>
+                    </a:p>
+                  </a:txBody>
+                  <a:tcPr marL="6350" marR="6350" marT="6350" marB="0" anchor="ctr"/>
+                </a:tc>
+                <a:extLst>
+                  <a:ext uri="{0D108BD9-81ED-4DB2-BD59-A6C34878D82A}">
+                    <a16:rowId xmlns:a16="http://schemas.microsoft.com/office/drawing/2014/main" val="210567699"/>
+                  </a:ext>
+                </a:extLst>
+              </a:tr>
+              <a:tr h="184150">
+                <a:tc>
+                  <a:txBody>
+                    <a:bodyPr/>
+                    <a:lstStyle/>
+                    <a:p>
+                      <a:pPr xmlns:a="http://schemas.openxmlformats.org/drawingml/2006/main" algn="ctr" fontAlgn="ctr"/>
+                      <a:r xmlns:a="http://schemas.openxmlformats.org/drawingml/2006/main">
+                        <a:rPr lang="en" sz="2400" u="none" strike="noStrike">
+                          <a:effectLst/>
+                        </a:rPr>
+                        <a:t>2</a:t>
+                      </a:r>
+                      <a:endParaRPr xmlns:a="http://schemas.openxmlformats.org/drawingml/2006/main" lang="en-US" sz="2400" b="0" i="0" u="none" strike="noStrike">
+                        <a:solidFill>
+                          <a:srgbClr val="000000"/>
+                        </a:solidFill>
+                        <a:effectLst/>
+                        <a:latin typeface="Calibri" panose="020F0502020204030204" pitchFamily="34" charset="0"/>
+                      </a:endParaRPr>
+                    </a:p>
+                  </a:txBody>
+                  <a:tcPr marL="6350" marR="6350" marT="6350" marB="0" anchor="ctr"/>
+                </a:tc>
+                <a:tc>
+                  <a:txBody>
+                    <a:bodyPr/>
+                    <a:lstStyle/>
+                    <a:p>
+                      <a:pPr xmlns:a="http://schemas.openxmlformats.org/drawingml/2006/main" algn="ctr" fontAlgn="ctr"/>
+                      <a:r xmlns:a="http://schemas.openxmlformats.org/drawingml/2006/main">
+                        <a:rPr lang="en" sz="2400" u="none" strike="noStrike">
+                          <a:effectLst/>
+                        </a:rPr>
+                        <a:t>Jane Smith</a:t>
+                      </a:r>
+                      <a:endParaRPr xmlns:a="http://schemas.openxmlformats.org/drawingml/2006/main" lang="en-US" sz="2400" b="0" i="0" u="none" strike="noStrike">
+                        <a:solidFill>
+                          <a:srgbClr val="000000"/>
+                        </a:solidFill>
+                        <a:effectLst/>
+                        <a:latin typeface="Calibri" panose="020F0502020204030204" pitchFamily="34" charset="0"/>
+                      </a:endParaRPr>
+                    </a:p>
+                  </a:txBody>
+                  <a:tcPr marL="6350" marR="6350" marT="6350" marB="0" anchor="ctr"/>
+                </a:tc>
+                <a:tc>
+                  <a:txBody>
+                    <a:bodyPr/>
+                    <a:lstStyle/>
+                    <a:p>
+                      <a:pPr xmlns:a="http://schemas.openxmlformats.org/drawingml/2006/main" algn="ctr" fontAlgn="ctr"/>
+                      <a:r xmlns:a="http://schemas.openxmlformats.org/drawingml/2006/main">
+                        <a:rPr lang="en" sz="2400" u="none" strike="noStrike">
+                          <a:effectLst/>
+                        </a:rPr>
+                        <a:t>2000</a:t>
+                      </a:r>
+                      <a:endParaRPr xmlns:a="http://schemas.openxmlformats.org/drawingml/2006/main" lang="en-US" sz="2400" b="0" i="0" u="none" strike="noStrike">
+                        <a:solidFill>
+                          <a:srgbClr val="000000"/>
+                        </a:solidFill>
+                        <a:effectLst/>
+                        <a:latin typeface="Calibri" panose="020F0502020204030204" pitchFamily="34" charset="0"/>
+                      </a:endParaRPr>
+                    </a:p>
+                  </a:txBody>
+                  <a:tcPr marL="6350" marR="6350" marT="6350" marB="0" anchor="ctr"/>
+                </a:tc>
+                <a:tc>
+                  <a:txBody>
+                    <a:bodyPr/>
+                    <a:lstStyle/>
+                    <a:p>
+                      <a:pPr xmlns:a="http://schemas.openxmlformats.org/drawingml/2006/main" algn="ctr" fontAlgn="ctr"/>
+                      <a:r xmlns:a="http://schemas.openxmlformats.org/drawingml/2006/main">
+                        <a:rPr lang="en" sz="2400" u="none" strike="noStrike">
+                          <a:effectLst/>
+                        </a:rPr>
+                        <a:t>300</a:t>
+                      </a:r>
+                      <a:endParaRPr xmlns:a="http://schemas.openxmlformats.org/drawingml/2006/main" lang="en-US" sz="2400" b="0" i="0" u="none" strike="noStrike">
+                        <a:solidFill>
+                          <a:srgbClr val="000000"/>
+                        </a:solidFill>
+                        <a:effectLst/>
+                        <a:latin typeface="Calibri" panose="020F0502020204030204" pitchFamily="34" charset="0"/>
+                      </a:endParaRPr>
+                    </a:p>
+                  </a:txBody>
+                  <a:tcPr marL="6350" marR="6350" marT="6350" marB="0" anchor="ctr"/>
+                </a:tc>
+                <a:tc>
+                  <a:txBody>
+                    <a:bodyPr/>
+                    <a:lstStyle/>
+                    <a:p>
+                      <a:pPr xmlns:a="http://schemas.openxmlformats.org/drawingml/2006/main" algn="ctr" fontAlgn="ctr"/>
+                      <a:r xmlns:a="http://schemas.openxmlformats.org/drawingml/2006/main">
+                        <a:rPr lang="en" sz="2400" u="none" strike="noStrike">
+                          <a:effectLst/>
+                        </a:rPr>
+                        <a:t>2300</a:t>
+                      </a:r>
+                      <a:endParaRPr xmlns:a="http://schemas.openxmlformats.org/drawingml/2006/main" lang="en-US" sz="2400" b="0" i="0" u="none" strike="noStrike">
+                        <a:solidFill>
+                          <a:srgbClr val="000000"/>
+                        </a:solidFill>
+                        <a:effectLst/>
+                        <a:latin typeface="Calibri" panose="020F0502020204030204" pitchFamily="34" charset="0"/>
+                      </a:endParaRPr>
+                    </a:p>
+                  </a:txBody>
+                  <a:tcPr marL="6350" marR="6350" marT="6350" marB="0" anchor="ctr"/>
+                </a:tc>
+                <a:extLst>
+                  <a:ext uri="{0D108BD9-81ED-4DB2-BD59-A6C34878D82A}">
+                    <a16:rowId xmlns:a16="http://schemas.microsoft.com/office/drawing/2014/main" val="1914338558"/>
+                  </a:ext>
+                </a:extLst>
+              </a:tr>
+              <a:tr h="184150">
+                <a:tc>
+                  <a:txBody>
+                    <a:bodyPr/>
+                    <a:lstStyle/>
+                    <a:p>
+                      <a:pPr xmlns:a="http://schemas.openxmlformats.org/drawingml/2006/main" algn="ctr" fontAlgn="ctr"/>
+                      <a:r xmlns:a="http://schemas.openxmlformats.org/drawingml/2006/main">
+                        <a:rPr lang="en" sz="2400" u="none" strike="noStrike">
+                          <a:effectLst/>
+                        </a:rPr>
+                        <a:t>3</a:t>
+                      </a:r>
+                      <a:endParaRPr xmlns:a="http://schemas.openxmlformats.org/drawingml/2006/main" lang="en-US" sz="2400" b="0" i="0" u="none" strike="noStrike">
+                        <a:solidFill>
+                          <a:srgbClr val="000000"/>
+                        </a:solidFill>
+                        <a:effectLst/>
+                        <a:latin typeface="Calibri" panose="020F0502020204030204" pitchFamily="34" charset="0"/>
+                      </a:endParaRPr>
+                    </a:p>
+                  </a:txBody>
+                  <a:tcPr marL="6350" marR="6350" marT="6350" marB="0" anchor="ctr"/>
+                </a:tc>
+                <a:tc>
+                  <a:txBody>
+                    <a:bodyPr/>
+                    <a:lstStyle/>
+                    <a:p>
+                      <a:pPr xmlns:a="http://schemas.openxmlformats.org/drawingml/2006/main" algn="ctr" fontAlgn="ctr"/>
+                      <a:r xmlns:a="http://schemas.openxmlformats.org/drawingml/2006/main">
+                        <a:rPr lang="en" sz="2400" u="none" strike="noStrike">
+                          <a:effectLst/>
+                        </a:rPr>
+                        <a:t>Bob Johnson</a:t>
+                      </a:r>
+                      <a:endParaRPr xmlns:a="http://schemas.openxmlformats.org/drawingml/2006/main" lang="en-US" sz="2400" b="0" i="0" u="none" strike="noStrike">
+                        <a:solidFill>
+                          <a:srgbClr val="000000"/>
+                        </a:solidFill>
+                        <a:effectLst/>
+                        <a:latin typeface="Calibri" panose="020F0502020204030204" pitchFamily="34" charset="0"/>
+                      </a:endParaRPr>
+                    </a:p>
+                  </a:txBody>
+                  <a:tcPr marL="6350" marR="6350" marT="6350" marB="0" anchor="ctr"/>
+                </a:tc>
+                <a:tc>
+                  <a:txBody>
+                    <a:bodyPr/>
+                    <a:lstStyle/>
+                    <a:p>
+                      <a:pPr xmlns:a="http://schemas.openxmlformats.org/drawingml/2006/main" algn="ctr" fontAlgn="ctr"/>
+                      <a:r xmlns:a="http://schemas.openxmlformats.org/drawingml/2006/main">
+                        <a:rPr lang="en" sz="2400" u="none" strike="noStrike">
+                          <a:effectLst/>
+                        </a:rPr>
+                        <a:t>1500</a:t>
+                      </a:r>
+                      <a:endParaRPr xmlns:a="http://schemas.openxmlformats.org/drawingml/2006/main" lang="en-US" sz="2400" b="0" i="0" u="none" strike="noStrike">
+                        <a:solidFill>
+                          <a:srgbClr val="000000"/>
+                        </a:solidFill>
+                        <a:effectLst/>
+                        <a:latin typeface="Calibri" panose="020F0502020204030204" pitchFamily="34" charset="0"/>
+                      </a:endParaRPr>
+                    </a:p>
+                  </a:txBody>
+                  <a:tcPr marL="6350" marR="6350" marT="6350" marB="0" anchor="ctr"/>
+                </a:tc>
+                <a:tc>
+                  <a:txBody>
+                    <a:bodyPr/>
+                    <a:lstStyle/>
+                    <a:p>
+                      <a:pPr xmlns:a="http://schemas.openxmlformats.org/drawingml/2006/main" algn="ctr" fontAlgn="ctr"/>
+                      <a:r xmlns:a="http://schemas.openxmlformats.org/drawingml/2006/main">
+                        <a:rPr lang="en" sz="2400" u="none" strike="noStrike">
+                          <a:effectLst/>
+                        </a:rPr>
+                        <a:t>225</a:t>
+                      </a:r>
+                      <a:endParaRPr xmlns:a="http://schemas.openxmlformats.org/drawingml/2006/main" lang="en-US" sz="2400" b="0" i="0" u="none" strike="noStrike">
+                        <a:solidFill>
+                          <a:srgbClr val="000000"/>
+                        </a:solidFill>
+                        <a:effectLst/>
+                        <a:latin typeface="Calibri" panose="020F0502020204030204" pitchFamily="34" charset="0"/>
+                      </a:endParaRPr>
+                    </a:p>
+                  </a:txBody>
+                  <a:tcPr marL="6350" marR="6350" marT="6350" marB="0" anchor="ctr"/>
+                </a:tc>
+                <a:tc>
+                  <a:txBody>
+                    <a:bodyPr/>
+                    <a:lstStyle/>
+                    <a:p>
+                      <a:pPr xmlns:a="http://schemas.openxmlformats.org/drawingml/2006/main" algn="ctr" fontAlgn="ctr"/>
+                      <a:r xmlns:a="http://schemas.openxmlformats.org/drawingml/2006/main">
+                        <a:rPr lang="en" sz="2400" u="none" strike="noStrike" dirty="0">
+                          <a:effectLst/>
+                        </a:rPr>
+                        <a:t>1725</a:t>
+                      </a:r>
+                      <a:endParaRPr xmlns:a="http://schemas.openxmlformats.org/drawingml/2006/main" lang="en-US" sz="2400" b="0" i="0" u="none" strike="noStrike" dirty="0">
+                        <a:solidFill>
+                          <a:srgbClr val="000000"/>
+                        </a:solidFill>
+                        <a:effectLst/>
+                        <a:latin typeface="Calibri" panose="020F0502020204030204" pitchFamily="34" charset="0"/>
+                      </a:endParaRPr>
+                    </a:p>
+                  </a:txBody>
+                  <a:tcPr marL="6350" marR="6350" marT="6350" marB="0" anchor="ctr"/>
+                </a:tc>
+                <a:extLst>
+                  <a:ext uri="{0D108BD9-81ED-4DB2-BD59-A6C34878D82A}">
+                    <a16:rowId xmlns:a16="http://schemas.microsoft.com/office/drawing/2014/main" val="1899315391"/>
+                  </a:ext>
+                </a:extLst>
+              </a:tr>
+            </a:tbl>
+          </a:graphicData>
+        </a:graphic>
+      </p:graphicFrame>
+      <p:sp>
+        <p:nvSpPr>
+          <p:cNvPr id="8" name="Rectangle 7"/>
+          <p:cNvSpPr/>
+          <p:nvPr/>
+        </p:nvSpPr>
+        <p:spPr>
+          <a:xfrm>
+            <a:off x="446617" y="1017323"/>
+            <a:ext cx="2082621" cy="369332"/>
+          </a:xfrm>
+          <a:prstGeom prst="rect">
+            <a:avLst/>
+          </a:prstGeom>
+        </p:spPr>
+        <p:txBody>
+          <a:bodyPr wrap="none">
+            <a:spAutoFit/>
+          </a:bodyPr>
+          <a:lstStyle/>
+          <a:p>
+            <a:r xmlns:a="http://schemas.openxmlformats.org/drawingml/2006/main">
+              <a:rPr lang="en" dirty="0" smtClean="0">
+                <a:latin typeface="Segoe UI" panose="020B0502040204020203" pitchFamily="34" charset="0"/>
+                <a:cs typeface="Segoe UI" panose="020B0502040204020203" pitchFamily="34" charset="0"/>
+              </a:rPr>
+              <a:t>The expected result</a:t>
+            </a:r>
+            <a:endParaRPr xmlns:a="http://schemas.openxmlformats.org/drawingml/2006/main" lang="fr-FR" dirty="0">
+              <a:latin typeface="Segoe UI" panose="020B0502040204020203" pitchFamily="34" charset="0"/>
+              <a:cs typeface="Segoe UI" panose="020B0502040204020203" pitchFamily="34" charset="0"/>
+            </a:endParaRPr>
+          </a:p>
+        </p:txBody>
+      </p:sp>
+    </p:spTree>
+    <p:extLst>
+      <p:ext uri="{BB962C8B-B14F-4D97-AF65-F5344CB8AC3E}">
+        <p14:creationId xmlns:p14="http://schemas.microsoft.com/office/powerpoint/2010/main" val="2749833625"/>
+      </p:ext>
+    </p:extLst>
+  </p:cSld>
+  <p:clrMapOvr>
+    <a:masterClrMapping/>
+  </p:clrMapOvr>
+</p:sld>
+</file>
+
+<file path=ppt/slides/slide7.xml><?xml version="1.0" encoding="utf-8"?>
 <p:sld xmlns:a="http://schemas.openxmlformats.org/drawingml/2006/main" xmlns:r="http://schemas.openxmlformats.org/officeDocument/2006/relationships" xmlns:p="http://schemas.openxmlformats.org/presentationml/2006/main">
   <p:cSld>
     <p:bg>
@@ -5521,14 +7307,14 @@
       </p:sp>
       <p:sp>
         <p:nvSpPr>
-          <p:cNvPr id="5" name="TextBox 4"/>
+          <p:cNvPr id="7" name="TextBox 6"/>
           <p:cNvSpPr txBox="1"/>
           <p:nvPr/>
         </p:nvSpPr>
         <p:spPr>
           <a:xfrm>
-            <a:off x="2916199" y="2162433"/>
-            <a:ext cx="6230360" cy="1569660"/>
+            <a:off x="4084981" y="2485566"/>
+            <a:ext cx="3456395" cy="1569660"/>
           </a:xfrm>
           <a:prstGeom prst="rect">
             <a:avLst/>
@@ -5541,8 +7327,8 @@
           </a:bodyPr>
           <a:lstStyle/>
           <a:p>
-            <a:r>
-              <a:rPr lang="en-US" sz="9600" b="1" dirty="0" smtClean="0">
+            <a:r xmlns:a="http://schemas.openxmlformats.org/drawingml/2006/main">
+              <a:rPr lang="en" sz="9600" b="1" dirty="0" smtClean="0">
                 <a:solidFill>
                   <a:srgbClr val="7030A0"/>
                 </a:solidFill>
@@ -5550,9 +7336,9 @@
                 <a:ea typeface="Verdana" panose="020B0604030504040204" pitchFamily="34" charset="0"/>
                 <a:cs typeface="Segoe UI" panose="020B0502040204020203" pitchFamily="34" charset="0"/>
               </a:rPr>
-              <a:t>Thank you</a:t>
-            </a:r>
-            <a:endParaRPr lang="en-US" sz="9600" b="1" dirty="0">
+              <a:t>THANKS</a:t>
+            </a:r>
+            <a:endParaRPr xmlns:a="http://schemas.openxmlformats.org/drawingml/2006/main" lang="en-US" sz="9600" b="1" dirty="0">
               <a:solidFill>
                 <a:srgbClr val="7030A0"/>
               </a:solidFill>
@@ -5565,14 +7351,14 @@
       </p:sp>
       <p:sp>
         <p:nvSpPr>
-          <p:cNvPr id="6" name="TextBox 5"/>
+          <p:cNvPr id="8" name="TextBox 7"/>
           <p:cNvSpPr txBox="1"/>
           <p:nvPr/>
         </p:nvSpPr>
         <p:spPr>
           <a:xfrm>
-            <a:off x="2990336" y="2217861"/>
-            <a:ext cx="6230360" cy="1569660"/>
+            <a:off x="4014739" y="2410365"/>
+            <a:ext cx="3456395" cy="1569660"/>
           </a:xfrm>
           <a:prstGeom prst="rect">
             <a:avLst/>
@@ -5585,8 +7371,8 @@
           </a:bodyPr>
           <a:lstStyle/>
           <a:p>
-            <a:r>
-              <a:rPr lang="en-US" sz="9600" b="1" dirty="0" smtClean="0">
+            <a:r xmlns:a="http://schemas.openxmlformats.org/drawingml/2006/main">
+              <a:rPr lang="en" sz="9600" b="1" dirty="0" smtClean="0">
                 <a:solidFill>
                   <a:schemeClr val="bg1"/>
                 </a:solidFill>
@@ -5594,9 +7380,9 @@
                 <a:ea typeface="Verdana" panose="020B0604030504040204" pitchFamily="34" charset="0"/>
                 <a:cs typeface="Segoe UI" panose="020B0502040204020203" pitchFamily="34" charset="0"/>
               </a:rPr>
-              <a:t>Thank you</a:t>
-            </a:r>
-            <a:endParaRPr lang="en-US" sz="9600" b="1" dirty="0">
+              <a:t>THANKS</a:t>
+            </a:r>
+            <a:endParaRPr xmlns:a="http://schemas.openxmlformats.org/drawingml/2006/main" lang="en-US" sz="9600" b="1" dirty="0">
               <a:solidFill>
                 <a:schemeClr val="bg1"/>
               </a:solidFill>

--- a/English/2.Preparing data/7.Invoke function.pptx
+++ b/English/2.Preparing data/7.Invoke function.pptx
@@ -203,7 +203,7 @@
           <a:p>
             <a:fld id="{056BA3B8-9F76-4D81-B71D-76CB85363062}" type="datetimeFigureOut">
               <a:rPr lang="en-US" smtClean="0"/>
-              <a:t>3/4/2025</a:t>
+              <a:t>4/3/2025</a:t>
             </a:fld>
             <a:endParaRPr lang="en-US"/>
           </a:p>
@@ -602,7 +602,7 @@
           <a:p>
             <a:fld id="{6F01DA4D-20EA-48D2-973C-0311EC3005D6}" type="datetimeFigureOut">
               <a:rPr lang="en-US" smtClean="0"/>
-              <a:t>3/4/2025</a:t>
+              <a:t>4/3/2025</a:t>
             </a:fld>
             <a:endParaRPr lang="en-US"/>
           </a:p>
@@ -772,7 +772,7 @@
           <a:p>
             <a:fld id="{6F01DA4D-20EA-48D2-973C-0311EC3005D6}" type="datetimeFigureOut">
               <a:rPr lang="en-US" smtClean="0"/>
-              <a:t>3/4/2025</a:t>
+              <a:t>4/3/2025</a:t>
             </a:fld>
             <a:endParaRPr lang="en-US"/>
           </a:p>
@@ -952,7 +952,7 @@
           <a:p>
             <a:fld id="{6F01DA4D-20EA-48D2-973C-0311EC3005D6}" type="datetimeFigureOut">
               <a:rPr lang="en-US" smtClean="0"/>
-              <a:t>3/4/2025</a:t>
+              <a:t>4/3/2025</a:t>
             </a:fld>
             <a:endParaRPr lang="en-US"/>
           </a:p>
@@ -1122,7 +1122,7 @@
           <a:p>
             <a:fld id="{6F01DA4D-20EA-48D2-973C-0311EC3005D6}" type="datetimeFigureOut">
               <a:rPr lang="en-US" smtClean="0"/>
-              <a:t>3/4/2025</a:t>
+              <a:t>4/3/2025</a:t>
             </a:fld>
             <a:endParaRPr lang="en-US"/>
           </a:p>
@@ -1368,7 +1368,7 @@
           <a:p>
             <a:fld id="{6F01DA4D-20EA-48D2-973C-0311EC3005D6}" type="datetimeFigureOut">
               <a:rPr lang="en-US" smtClean="0"/>
-              <a:t>3/4/2025</a:t>
+              <a:t>4/3/2025</a:t>
             </a:fld>
             <a:endParaRPr lang="en-US"/>
           </a:p>
@@ -1600,7 +1600,7 @@
           <a:p>
             <a:fld id="{6F01DA4D-20EA-48D2-973C-0311EC3005D6}" type="datetimeFigureOut">
               <a:rPr lang="en-US" smtClean="0"/>
-              <a:t>3/4/2025</a:t>
+              <a:t>4/3/2025</a:t>
             </a:fld>
             <a:endParaRPr lang="en-US"/>
           </a:p>
@@ -1967,7 +1967,7 @@
           <a:p>
             <a:fld id="{6F01DA4D-20EA-48D2-973C-0311EC3005D6}" type="datetimeFigureOut">
               <a:rPr lang="en-US" smtClean="0"/>
-              <a:t>3/4/2025</a:t>
+              <a:t>4/3/2025</a:t>
             </a:fld>
             <a:endParaRPr lang="en-US"/>
           </a:p>
@@ -2085,7 +2085,7 @@
           <a:p>
             <a:fld id="{6F01DA4D-20EA-48D2-973C-0311EC3005D6}" type="datetimeFigureOut">
               <a:rPr lang="en-US" smtClean="0"/>
-              <a:t>3/4/2025</a:t>
+              <a:t>4/3/2025</a:t>
             </a:fld>
             <a:endParaRPr lang="en-US"/>
           </a:p>
@@ -2180,7 +2180,7 @@
           <a:p>
             <a:fld id="{6F01DA4D-20EA-48D2-973C-0311EC3005D6}" type="datetimeFigureOut">
               <a:rPr lang="en-US" smtClean="0"/>
-              <a:t>3/4/2025</a:t>
+              <a:t>4/3/2025</a:t>
             </a:fld>
             <a:endParaRPr lang="en-US"/>
           </a:p>
@@ -2457,7 +2457,7 @@
           <a:p>
             <a:fld id="{6F01DA4D-20EA-48D2-973C-0311EC3005D6}" type="datetimeFigureOut">
               <a:rPr lang="en-US" smtClean="0"/>
-              <a:t>3/4/2025</a:t>
+              <a:t>4/3/2025</a:t>
             </a:fld>
             <a:endParaRPr lang="en-US"/>
           </a:p>
@@ -2710,7 +2710,7 @@
           <a:p>
             <a:fld id="{6F01DA4D-20EA-48D2-973C-0311EC3005D6}" type="datetimeFigureOut">
               <a:rPr lang="en-US" smtClean="0"/>
-              <a:t>3/4/2025</a:t>
+              <a:t>4/3/2025</a:t>
             </a:fld>
             <a:endParaRPr lang="en-US"/>
           </a:p>
@@ -2923,7 +2923,7 @@
           <a:p>
             <a:fld id="{6F01DA4D-20EA-48D2-973C-0311EC3005D6}" type="datetimeFigureOut">
               <a:rPr lang="en-US" smtClean="0"/>
-              <a:t>3/4/2025</a:t>
+              <a:t>4/3/2025</a:t>
             </a:fld>
             <a:endParaRPr lang="en-US"/>
           </a:p>
@@ -3344,7 +3344,7 @@
         </p:nvSpPr>
         <p:spPr>
           <a:xfrm>
-            <a:off x="985456" y="1831148"/>
+            <a:off x="1329215" y="2518666"/>
             <a:ext cx="9199606" cy="2554545"/>
           </a:xfrm>
           <a:prstGeom prst="rect">
@@ -3358,8 +3358,8 @@
           </a:bodyPr>
           <a:lstStyle/>
           <a:p>
-            <a:pPr xmlns:a="http://schemas.openxmlformats.org/drawingml/2006/main" algn="ctr"/>
-            <a:r xmlns:a="http://schemas.openxmlformats.org/drawingml/2006/main">
+            <a:pPr algn="ctr"/>
+            <a:r>
               <a:rPr lang="en" sz="8000" b="1" dirty="0" smtClean="0">
                 <a:solidFill>
                   <a:srgbClr val="7030A0"/>
@@ -3370,7 +3370,7 @@
               </a:rPr>
               <a:t>Invoke functions</a:t>
             </a:r>
-            <a:endParaRPr xmlns:a="http://schemas.openxmlformats.org/drawingml/2006/main" lang="en-US" sz="8000" b="1" dirty="0">
+            <a:endParaRPr lang="en-US" sz="8000" b="1" dirty="0">
               <a:solidFill>
                 <a:srgbClr val="7030A0"/>
               </a:solidFill>
@@ -3389,7 +3389,7 @@
         </p:nvSpPr>
         <p:spPr>
           <a:xfrm>
-            <a:off x="931601" y="1770416"/>
+            <a:off x="1275360" y="2457934"/>
             <a:ext cx="9199606" cy="2554545"/>
           </a:xfrm>
           <a:prstGeom prst="rect">
@@ -3403,8 +3403,8 @@
           </a:bodyPr>
           <a:lstStyle/>
           <a:p>
-            <a:pPr xmlns:a="http://schemas.openxmlformats.org/drawingml/2006/main" algn="ctr"/>
-            <a:r xmlns:a="http://schemas.openxmlformats.org/drawingml/2006/main">
+            <a:pPr algn="ctr"/>
+            <a:r>
               <a:rPr lang="en" sz="8000" b="1" dirty="0" smtClean="0">
                 <a:solidFill>
                   <a:schemeClr val="bg1"/>
@@ -3415,7 +3415,7 @@
               </a:rPr>
               <a:t>Invoke functions</a:t>
             </a:r>
-            <a:endParaRPr xmlns:a="http://schemas.openxmlformats.org/drawingml/2006/main" lang="en-US" sz="8000" b="1" dirty="0">
+            <a:endParaRPr lang="en-US" sz="8000" b="1" dirty="0">
               <a:solidFill>
                 <a:schemeClr val="bg1"/>
               </a:solidFill>
@@ -3478,21 +3478,21 @@
           </a:bodyPr>
           <a:lstStyle/>
           <a:p>
-            <a:r xmlns:a="http://schemas.openxmlformats.org/drawingml/2006/main">
+            <a:r>
               <a:rPr lang="en" sz="2800" dirty="0" smtClean="0">
                 <a:latin typeface="Segoe UI" panose="020B0502040204020203" pitchFamily="34" charset="0"/>
                 <a:cs typeface="Segoe UI" panose="020B0502040204020203" pitchFamily="34" charset="0"/>
               </a:rPr>
               <a:t>Invoke </a:t>
             </a:r>
-            <a:r xmlns:a="http://schemas.openxmlformats.org/drawingml/2006/main">
+            <a:r>
               <a:rPr lang="en" sz="2800" dirty="0" err="1" smtClean="0">
                 <a:latin typeface="Segoe UI" panose="020B0502040204020203" pitchFamily="34" charset="0"/>
                 <a:cs typeface="Segoe UI" panose="020B0502040204020203" pitchFamily="34" charset="0"/>
               </a:rPr>
               <a:t>functions</a:t>
             </a:r>
-            <a:endParaRPr xmlns:a="http://schemas.openxmlformats.org/drawingml/2006/main" lang="en-US" sz="2800" dirty="0">
+            <a:endParaRPr lang="en-US" sz="2800" dirty="0">
               <a:latin typeface="Segoe UI" panose="020B0502040204020203" pitchFamily="34" charset="0"/>
               <a:cs typeface="Segoe UI" panose="020B0502040204020203" pitchFamily="34" charset="0"/>
             </a:endParaRPr>
@@ -3558,7 +3558,7 @@
           </a:bodyPr>
           <a:lstStyle/>
           <a:p>
-            <a:pPr xmlns:a="http://schemas.openxmlformats.org/drawingml/2006/main" marL="0" marR="0" lvl="0" indent="0" algn="l" defTabSz="914400" rtl="0" eaLnBrk="0" fontAlgn="base" latinLnBrk="0" hangingPunct="0">
+            <a:pPr marL="0" marR="0" lvl="0" indent="0" algn="l" defTabSz="914400" rtl="0" eaLnBrk="0" fontAlgn="base" latinLnBrk="0" hangingPunct="0">
               <a:lnSpc>
                 <a:spcPct val="100000"/>
               </a:lnSpc>
@@ -3574,7 +3574,7 @@
               <a:buNone/>
               <a:tabLst/>
             </a:pPr>
-            <a:r xmlns:a="http://schemas.openxmlformats.org/drawingml/2006/main">
+            <a:r>
               <a:rPr kumimoji="0" lang="en" altLang="en-US" sz="1800" b="0" i="0" u="none" strike="noStrike" cap="none" normalizeH="0" baseline="0" smtClean="0">
                 <a:ln>
                   <a:noFill/>
@@ -3643,14 +3643,14 @@
                     <a:bodyPr/>
                     <a:lstStyle/>
                     <a:p>
-                      <a:pPr xmlns:a="http://schemas.openxmlformats.org/drawingml/2006/main" algn="l" fontAlgn="b"/>
-                      <a:r xmlns:a="http://schemas.openxmlformats.org/drawingml/2006/main">
+                      <a:pPr algn="l" fontAlgn="b"/>
+                      <a:r>
                         <a:rPr lang="en" sz="2800" u="none" strike="noStrike" dirty="0" err="1">
                           <a:effectLst/>
                         </a:rPr>
                         <a:t>SalesID</a:t>
                       </a:r>
-                      <a:endParaRPr xmlns:a="http://schemas.openxmlformats.org/drawingml/2006/main" lang="en-US" sz="2800" b="0" i="0" u="none" strike="noStrike" dirty="0">
+                      <a:endParaRPr lang="en-US" sz="2800" b="0" i="0" u="none" strike="noStrike" dirty="0">
                         <a:solidFill>
                           <a:srgbClr val="000000"/>
                         </a:solidFill>
@@ -3666,14 +3666,14 @@
                     <a:bodyPr/>
                     <a:lstStyle/>
                     <a:p>
-                      <a:pPr xmlns:a="http://schemas.openxmlformats.org/drawingml/2006/main" algn="l" fontAlgn="b"/>
-                      <a:r xmlns:a="http://schemas.openxmlformats.org/drawingml/2006/main">
+                      <a:pPr algn="l" fontAlgn="b"/>
+                      <a:r>
                         <a:rPr lang="en" sz="2800" u="none" strike="noStrike">
                           <a:effectLst/>
                         </a:rPr>
                         <a:t>Customer Name</a:t>
                       </a:r>
-                      <a:endParaRPr xmlns:a="http://schemas.openxmlformats.org/drawingml/2006/main" lang="en-US" sz="2800" b="0" i="0" u="none" strike="noStrike">
+                      <a:endParaRPr lang="en-US" sz="2800" b="0" i="0" u="none" strike="noStrike">
                         <a:solidFill>
                           <a:srgbClr val="000000"/>
                         </a:solidFill>
@@ -3689,14 +3689,14 @@
                     <a:bodyPr/>
                     <a:lstStyle/>
                     <a:p>
-                      <a:pPr xmlns:a="http://schemas.openxmlformats.org/drawingml/2006/main" algn="l" fontAlgn="b"/>
-                      <a:r xmlns:a="http://schemas.openxmlformats.org/drawingml/2006/main">
+                      <a:pPr algn="l" fontAlgn="b"/>
+                      <a:r>
                         <a:rPr lang="en" sz="2800" u="none" strike="noStrike">
                           <a:effectLst/>
                         </a:rPr>
                         <a:t>Total Sales</a:t>
                       </a:r>
-                      <a:endParaRPr xmlns:a="http://schemas.openxmlformats.org/drawingml/2006/main" lang="en-US" sz="2800" b="0" i="0" u="none" strike="noStrike">
+                      <a:endParaRPr lang="en-US" sz="2800" b="0" i="0" u="none" strike="noStrike">
                         <a:solidFill>
                           <a:srgbClr val="000000"/>
                         </a:solidFill>
@@ -3719,14 +3719,14 @@
                     <a:bodyPr/>
                     <a:lstStyle/>
                     <a:p>
-                      <a:pPr xmlns:a="http://schemas.openxmlformats.org/drawingml/2006/main" algn="r" fontAlgn="b"/>
-                      <a:r xmlns:a="http://schemas.openxmlformats.org/drawingml/2006/main">
+                      <a:pPr algn="r" fontAlgn="b"/>
+                      <a:r>
                         <a:rPr lang="en" sz="2800" u="none" strike="noStrike" dirty="0">
                           <a:effectLst/>
                         </a:rPr>
                         <a:t>1</a:t>
                       </a:r>
-                      <a:endParaRPr xmlns:a="http://schemas.openxmlformats.org/drawingml/2006/main" lang="en-US" sz="2800" b="0" i="0" u="none" strike="noStrike" dirty="0">
+                      <a:endParaRPr lang="en-US" sz="2800" b="0" i="0" u="none" strike="noStrike" dirty="0">
                         <a:solidFill>
                           <a:srgbClr val="000000"/>
                         </a:solidFill>
@@ -3742,20 +3742,20 @@
                     <a:bodyPr/>
                     <a:lstStyle/>
                     <a:p>
-                      <a:pPr xmlns:a="http://schemas.openxmlformats.org/drawingml/2006/main" algn="l" fontAlgn="b"/>
-                      <a:r xmlns:a="http://schemas.openxmlformats.org/drawingml/2006/main">
+                      <a:pPr algn="l" fontAlgn="b"/>
+                      <a:r>
                         <a:rPr lang="en" sz="2800" u="none" strike="noStrike" dirty="0" err="1">
                           <a:effectLst/>
                         </a:rPr>
                         <a:t>John </a:t>
                       </a:r>
-                      <a:r xmlns:a="http://schemas.openxmlformats.org/drawingml/2006/main">
+                      <a:r>
                         <a:rPr lang="en" sz="2800" u="none" strike="noStrike" dirty="0">
                           <a:effectLst/>
                         </a:rPr>
                         <a:t>Doe</a:t>
                       </a:r>
-                      <a:endParaRPr xmlns:a="http://schemas.openxmlformats.org/drawingml/2006/main" lang="en-US" sz="2800" b="0" i="0" u="none" strike="noStrike" dirty="0">
+                      <a:endParaRPr lang="en-US" sz="2800" b="0" i="0" u="none" strike="noStrike" dirty="0">
                         <a:solidFill>
                           <a:srgbClr val="000000"/>
                         </a:solidFill>
@@ -3771,14 +3771,14 @@
                     <a:bodyPr/>
                     <a:lstStyle/>
                     <a:p>
-                      <a:pPr xmlns:a="http://schemas.openxmlformats.org/drawingml/2006/main" algn="r" fontAlgn="b"/>
-                      <a:r xmlns:a="http://schemas.openxmlformats.org/drawingml/2006/main">
+                      <a:pPr algn="r" fontAlgn="b"/>
+                      <a:r>
                         <a:rPr lang="en" sz="2800" u="none" strike="noStrike">
                           <a:effectLst/>
                         </a:rPr>
                         <a:t>1000</a:t>
                       </a:r>
-                      <a:endParaRPr xmlns:a="http://schemas.openxmlformats.org/drawingml/2006/main" lang="en-US" sz="2800" b="0" i="0" u="none" strike="noStrike">
+                      <a:endParaRPr lang="en-US" sz="2800" b="0" i="0" u="none" strike="noStrike">
                         <a:solidFill>
                           <a:srgbClr val="000000"/>
                         </a:solidFill>
@@ -3801,14 +3801,14 @@
                     <a:bodyPr/>
                     <a:lstStyle/>
                     <a:p>
-                      <a:pPr xmlns:a="http://schemas.openxmlformats.org/drawingml/2006/main" algn="r" fontAlgn="b"/>
-                      <a:r xmlns:a="http://schemas.openxmlformats.org/drawingml/2006/main">
+                      <a:pPr algn="r" fontAlgn="b"/>
+                      <a:r>
                         <a:rPr lang="en" sz="2800" u="none" strike="noStrike">
                           <a:effectLst/>
                         </a:rPr>
                         <a:t>2</a:t>
                       </a:r>
-                      <a:endParaRPr xmlns:a="http://schemas.openxmlformats.org/drawingml/2006/main" lang="en-US" sz="2800" b="0" i="0" u="none" strike="noStrike">
+                      <a:endParaRPr lang="en-US" sz="2800" b="0" i="0" u="none" strike="noStrike">
                         <a:solidFill>
                           <a:srgbClr val="000000"/>
                         </a:solidFill>
@@ -3824,14 +3824,14 @@
                     <a:bodyPr/>
                     <a:lstStyle/>
                     <a:p>
-                      <a:pPr xmlns:a="http://schemas.openxmlformats.org/drawingml/2006/main" algn="l" fontAlgn="b"/>
-                      <a:r xmlns:a="http://schemas.openxmlformats.org/drawingml/2006/main">
+                      <a:pPr algn="l" fontAlgn="b"/>
+                      <a:r>
                         <a:rPr lang="en" sz="2800" u="none" strike="noStrike" dirty="0">
                           <a:effectLst/>
                         </a:rPr>
                         <a:t>Jane Smith</a:t>
                       </a:r>
-                      <a:endParaRPr xmlns:a="http://schemas.openxmlformats.org/drawingml/2006/main" lang="en-US" sz="2800" b="0" i="0" u="none" strike="noStrike" dirty="0">
+                      <a:endParaRPr lang="en-US" sz="2800" b="0" i="0" u="none" strike="noStrike" dirty="0">
                         <a:solidFill>
                           <a:srgbClr val="000000"/>
                         </a:solidFill>
@@ -3847,14 +3847,14 @@
                     <a:bodyPr/>
                     <a:lstStyle/>
                     <a:p>
-                      <a:pPr xmlns:a="http://schemas.openxmlformats.org/drawingml/2006/main" algn="r" fontAlgn="b"/>
-                      <a:r xmlns:a="http://schemas.openxmlformats.org/drawingml/2006/main">
+                      <a:pPr algn="r" fontAlgn="b"/>
+                      <a:r>
                         <a:rPr lang="en" sz="2800" u="none" strike="noStrike" dirty="0">
                           <a:effectLst/>
                         </a:rPr>
                         <a:t>2000</a:t>
                       </a:r>
-                      <a:endParaRPr xmlns:a="http://schemas.openxmlformats.org/drawingml/2006/main" lang="en-US" sz="2800" b="0" i="0" u="none" strike="noStrike" dirty="0">
+                      <a:endParaRPr lang="en-US" sz="2800" b="0" i="0" u="none" strike="noStrike" dirty="0">
                         <a:solidFill>
                           <a:srgbClr val="000000"/>
                         </a:solidFill>
@@ -3877,14 +3877,14 @@
                     <a:bodyPr/>
                     <a:lstStyle/>
                     <a:p>
-                      <a:pPr xmlns:a="http://schemas.openxmlformats.org/drawingml/2006/main" algn="r" fontAlgn="b"/>
-                      <a:r xmlns:a="http://schemas.openxmlformats.org/drawingml/2006/main">
+                      <a:pPr algn="r" fontAlgn="b"/>
+                      <a:r>
                         <a:rPr lang="en" sz="2800" u="none" strike="noStrike">
                           <a:effectLst/>
                         </a:rPr>
                         <a:t>3</a:t>
                       </a:r>
-                      <a:endParaRPr xmlns:a="http://schemas.openxmlformats.org/drawingml/2006/main" lang="en-US" sz="2800" b="0" i="0" u="none" strike="noStrike">
+                      <a:endParaRPr lang="en-US" sz="2800" b="0" i="0" u="none" strike="noStrike">
                         <a:solidFill>
                           <a:srgbClr val="000000"/>
                         </a:solidFill>
@@ -3900,14 +3900,14 @@
                     <a:bodyPr/>
                     <a:lstStyle/>
                     <a:p>
-                      <a:pPr xmlns:a="http://schemas.openxmlformats.org/drawingml/2006/main" algn="l" fontAlgn="b"/>
-                      <a:r xmlns:a="http://schemas.openxmlformats.org/drawingml/2006/main">
+                      <a:pPr algn="l" fontAlgn="b"/>
+                      <a:r>
                         <a:rPr lang="en" sz="2800" u="none" strike="noStrike" dirty="0">
                           <a:effectLst/>
                         </a:rPr>
                         <a:t>Bob Johnson</a:t>
                       </a:r>
-                      <a:endParaRPr xmlns:a="http://schemas.openxmlformats.org/drawingml/2006/main" lang="en-US" sz="2800" b="0" i="0" u="none" strike="noStrike" dirty="0">
+                      <a:endParaRPr lang="en-US" sz="2800" b="0" i="0" u="none" strike="noStrike" dirty="0">
                         <a:solidFill>
                           <a:srgbClr val="000000"/>
                         </a:solidFill>
@@ -3923,14 +3923,14 @@
                     <a:bodyPr/>
                     <a:lstStyle/>
                     <a:p>
-                      <a:pPr xmlns:a="http://schemas.openxmlformats.org/drawingml/2006/main" algn="r" fontAlgn="b"/>
-                      <a:r xmlns:a="http://schemas.openxmlformats.org/drawingml/2006/main">
+                      <a:pPr algn="r" fontAlgn="b"/>
+                      <a:r>
                         <a:rPr lang="en" sz="2800" u="none" strike="noStrike" dirty="0">
                           <a:effectLst/>
                         </a:rPr>
                         <a:t>1500</a:t>
                       </a:r>
-                      <a:endParaRPr xmlns:a="http://schemas.openxmlformats.org/drawingml/2006/main" lang="en-US" sz="2800" b="0" i="0" u="none" strike="noStrike" dirty="0">
+                      <a:endParaRPr lang="en-US" sz="2800" b="0" i="0" u="none" strike="noStrike" dirty="0">
                         <a:solidFill>
                           <a:srgbClr val="000000"/>
                         </a:solidFill>
@@ -4003,21 +4003,14 @@
           </a:bodyPr>
           <a:lstStyle/>
           <a:p>
-            <a:r xmlns:a="http://schemas.openxmlformats.org/drawingml/2006/main">
+            <a:r>
               <a:rPr lang="en" sz="2800" dirty="0" smtClean="0">
                 <a:latin typeface="Segoe UI" panose="020B0502040204020203" pitchFamily="34" charset="0"/>
                 <a:cs typeface="Segoe UI" panose="020B0502040204020203" pitchFamily="34" charset="0"/>
               </a:rPr>
-              <a:t>Invoke </a:t>
-            </a:r>
-            <a:r xmlns:a="http://schemas.openxmlformats.org/drawingml/2006/main">
-              <a:rPr lang="en" sz="2800" dirty="0" smtClean="0">
-                <a:latin typeface="Segoe UI" panose="020B0502040204020203" pitchFamily="34" charset="0"/>
-                <a:cs typeface="Segoe UI" panose="020B0502040204020203" pitchFamily="34" charset="0"/>
-              </a:rPr>
-              <a:t>functions</a:t>
-            </a:r>
-            <a:endParaRPr xmlns:a="http://schemas.openxmlformats.org/drawingml/2006/main" lang="fr-FR" sz="2800" dirty="0">
+              <a:t>Invoke functions</a:t>
+            </a:r>
+            <a:endParaRPr lang="fr-FR" sz="2800" dirty="0">
               <a:latin typeface="Segoe UI" panose="020B0502040204020203" pitchFamily="34" charset="0"/>
               <a:cs typeface="Segoe UI" panose="020B0502040204020203" pitchFamily="34" charset="0"/>
             </a:endParaRPr>
@@ -4112,7 +4105,7 @@
             </a:endParaRPr>
           </a:p>
           <a:p>
-            <a:pPr xmlns:a="http://schemas.openxmlformats.org/drawingml/2006/main" marL="342900" marR="0" lvl="0" indent="-342900" algn="l" defTabSz="914400" rtl="0" eaLnBrk="0" fontAlgn="base" latinLnBrk="0" hangingPunct="0">
+            <a:pPr marL="342900" marR="0" lvl="0" indent="-342900" algn="l" defTabSz="914400" rtl="0" eaLnBrk="0" fontAlgn="base" latinLnBrk="0" hangingPunct="0">
               <a:lnSpc>
                 <a:spcPct val="100000"/>
               </a:lnSpc>
@@ -4128,7 +4121,7 @@
               <a:buAutoNum type="arabicPeriod"/>
               <a:tabLst/>
             </a:pPr>
-            <a:r xmlns:a="http://schemas.openxmlformats.org/drawingml/2006/main">
+            <a:r>
               <a:rPr kumimoji="0" lang="en" altLang="en-US" b="0" i="0" u="none" strike="noStrike" cap="none" normalizeH="0" baseline="0" dirty="0" err="1" smtClean="0">
                 <a:ln>
                   <a:noFill/>
@@ -4142,7 +4135,7 @@
               </a:rPr>
               <a:t>In </a:t>
             </a:r>
-            <a:r xmlns:a="http://schemas.openxmlformats.org/drawingml/2006/main">
+            <a:r>
               <a:rPr kumimoji="0" lang="en" altLang="en-US" b="0" i="0" u="none" strike="noStrike" cap="none" normalizeH="0" baseline="0" dirty="0" smtClean="0">
                 <a:ln>
                   <a:noFill/>
@@ -4156,7 +4149,7 @@
               </a:rPr>
               <a:t>Power Query, </a:t>
             </a:r>
-            <a:r xmlns:a="http://schemas.openxmlformats.org/drawingml/2006/main">
+            <a:r>
               <a:rPr kumimoji="0" lang="en" altLang="en-US" b="0" i="0" u="none" strike="noStrike" cap="none" normalizeH="0" baseline="0" dirty="0" err="1" smtClean="0">
                 <a:ln>
                   <a:noFill/>
@@ -4170,7 +4163,7 @@
               </a:rPr>
               <a:t>go to</a:t>
             </a:r>
-            <a:r xmlns:a="http://schemas.openxmlformats.org/drawingml/2006/main">
+            <a:r>
               <a:rPr kumimoji="0" lang="en" altLang="en-US" b="0" i="0" u="none" strike="noStrike" cap="none" normalizeH="0" baseline="0" dirty="0" smtClean="0">
                 <a:ln>
                   <a:noFill/>
@@ -4184,7 +4177,7 @@
               </a:rPr>
               <a:t> </a:t>
             </a:r>
-            <a:r xmlns:a="http://schemas.openxmlformats.org/drawingml/2006/main">
+            <a:r>
               <a:rPr kumimoji="0" lang="en" altLang="en-US" b="0" i="0" u="none" strike="noStrike" cap="none" normalizeH="0" baseline="0" dirty="0" err="1" smtClean="0">
                 <a:ln>
                   <a:noFill/>
@@ -4198,7 +4191,7 @@
               </a:rPr>
               <a:t>In</a:t>
             </a:r>
-            <a:r xmlns:a="http://schemas.openxmlformats.org/drawingml/2006/main">
+            <a:r>
               <a:rPr kumimoji="0" lang="en" altLang="en-US" b="0" i="0" u="none" strike="noStrike" cap="none" normalizeH="0" baseline="0" dirty="0" smtClean="0">
                 <a:ln>
                   <a:noFill/>
@@ -4212,7 +4205,7 @@
               </a:rPr>
               <a:t> </a:t>
             </a:r>
-            <a:r xmlns:a="http://schemas.openxmlformats.org/drawingml/2006/main">
+            <a:r>
               <a:rPr kumimoji="0" lang="en" altLang="en-US" b="1" i="0" u="none" strike="noStrike" cap="none" normalizeH="0" baseline="0" dirty="0" err="1" smtClean="0">
                 <a:ln>
                   <a:noFill/>
@@ -4226,7 +4219,7 @@
               </a:rPr>
               <a:t>Home </a:t>
             </a:r>
-            <a:r xmlns:a="http://schemas.openxmlformats.org/drawingml/2006/main">
+            <a:r>
               <a:rPr kumimoji="0" lang="en" altLang="en-US" b="0" i="0" u="none" strike="noStrike" cap="none" normalizeH="0" baseline="0" dirty="0" smtClean="0">
                 <a:ln>
                   <a:noFill/>
@@ -4240,7 +4233,7 @@
               </a:rPr>
               <a:t>→ </a:t>
             </a:r>
-            <a:r xmlns:a="http://schemas.openxmlformats.org/drawingml/2006/main">
+            <a:r>
               <a:rPr kumimoji="0" lang="en" altLang="en-US" b="1" i="0" u="none" strike="noStrike" cap="none" normalizeH="0" baseline="0" dirty="0" smtClean="0">
                 <a:ln>
                   <a:noFill/>
@@ -4254,7 +4247,7 @@
               </a:rPr>
               <a:t>New Source </a:t>
             </a:r>
-            <a:r xmlns:a="http://schemas.openxmlformats.org/drawingml/2006/main">
+            <a:r>
               <a:rPr kumimoji="0" lang="en" altLang="en-US" b="0" i="0" u="none" strike="noStrike" cap="none" normalizeH="0" baseline="0" dirty="0" smtClean="0">
                 <a:ln>
                   <a:noFill/>
@@ -4268,7 +4261,7 @@
               </a:rPr>
               <a:t>→ </a:t>
             </a:r>
-            <a:r xmlns:a="http://schemas.openxmlformats.org/drawingml/2006/main">
+            <a:r>
               <a:rPr kumimoji="0" lang="en" altLang="en-US" b="1" i="0" u="none" strike="noStrike" cap="none" normalizeH="0" baseline="0" dirty="0" smtClean="0">
                 <a:ln>
                   <a:noFill/>
@@ -4282,7 +4275,7 @@
               </a:rPr>
               <a:t>Empty </a:t>
             </a:r>
-            <a:r xmlns:a="http://schemas.openxmlformats.org/drawingml/2006/main">
+            <a:r>
               <a:rPr kumimoji="0" lang="en" altLang="en-US" b="1" i="0" u="none" strike="noStrike" cap="none" normalizeH="0" baseline="0" dirty="0" err="1" smtClean="0">
                 <a:ln>
                   <a:noFill/>
@@ -4296,7 +4289,7 @@
               </a:rPr>
               <a:t>Query </a:t>
             </a:r>
-            <a:r xmlns:a="http://schemas.openxmlformats.org/drawingml/2006/main">
+            <a:r>
               <a:rPr kumimoji="0" lang="en" altLang="en-US" b="0" i="0" u="none" strike="noStrike" cap="none" normalizeH="0" baseline="0" dirty="0" smtClean="0">
                 <a:ln>
                   <a:noFill/>
@@ -4312,7 +4305,7 @@
             </a:r>
           </a:p>
           <a:p>
-            <a:pPr xmlns:a="http://schemas.openxmlformats.org/drawingml/2006/main" marL="342900" marR="0" lvl="0" indent="-342900" algn="l" defTabSz="914400" rtl="0" eaLnBrk="0" fontAlgn="base" latinLnBrk="0" hangingPunct="0">
+            <a:pPr marL="342900" marR="0" lvl="0" indent="-342900" algn="l" defTabSz="914400" rtl="0" eaLnBrk="0" fontAlgn="base" latinLnBrk="0" hangingPunct="0">
               <a:lnSpc>
                 <a:spcPct val="100000"/>
               </a:lnSpc>
@@ -4328,7 +4321,7 @@
               <a:buAutoNum type="arabicPeriod"/>
               <a:tabLst/>
             </a:pPr>
-            <a:r xmlns:a="http://schemas.openxmlformats.org/drawingml/2006/main">
+            <a:r>
               <a:rPr kumimoji="0" lang="en" altLang="en-US" b="0" i="0" u="none" strike="noStrike" cap="none" normalizeH="0" baseline="0" dirty="0" err="1" smtClean="0">
                 <a:ln>
                   <a:noFill/>
@@ -4342,7 +4335,7 @@
               </a:rPr>
               <a:t>Rename </a:t>
             </a:r>
-            <a:r xmlns:a="http://schemas.openxmlformats.org/drawingml/2006/main">
+            <a:r>
               <a:rPr kumimoji="0" lang="en" altLang="en-US" b="0" i="0" u="none" strike="noStrike" cap="none" normalizeH="0" baseline="0" dirty="0" smtClean="0">
                 <a:ln>
                   <a:noFill/>
@@ -4356,7 +4349,7 @@
               </a:rPr>
               <a:t>the </a:t>
             </a:r>
-            <a:r xmlns:a="http://schemas.openxmlformats.org/drawingml/2006/main">
+            <a:r>
               <a:rPr kumimoji="0" lang="en" altLang="en-US" b="0" i="0" u="none" strike="noStrike" cap="none" normalizeH="0" baseline="0" dirty="0" err="1" smtClean="0">
                 <a:ln>
                   <a:noFill/>
@@ -4370,7 +4363,7 @@
               </a:rPr>
               <a:t>query</a:t>
             </a:r>
-            <a:r xmlns:a="http://schemas.openxmlformats.org/drawingml/2006/main">
+            <a:r>
               <a:rPr kumimoji="0" lang="en" altLang="en-US" b="0" i="0" u="none" strike="noStrike" cap="none" normalizeH="0" baseline="0" dirty="0" smtClean="0">
                 <a:ln>
                   <a:noFill/>
@@ -4384,7 +4377,7 @@
               </a:rPr>
               <a:t> </a:t>
             </a:r>
-            <a:r xmlns:a="http://schemas.openxmlformats.org/drawingml/2006/main">
+            <a:r>
               <a:rPr kumimoji="0" lang="en" altLang="en-US" b="0" i="0" u="none" strike="noStrike" cap="none" normalizeH="0" baseline="0" dirty="0" err="1" smtClean="0">
                 <a:ln>
                   <a:noFill/>
@@ -4398,7 +4391,7 @@
               </a:rPr>
               <a:t>in</a:t>
             </a:r>
-            <a:r xmlns:a="http://schemas.openxmlformats.org/drawingml/2006/main">
+            <a:r>
               <a:rPr kumimoji="0" lang="en" altLang="en-US" b="0" i="0" u="none" strike="noStrike" cap="none" normalizeH="0" baseline="0" dirty="0" smtClean="0">
                 <a:ln>
                   <a:noFill/>
@@ -4412,7 +4405,7 @@
               </a:rPr>
               <a:t> </a:t>
             </a:r>
-            <a:r xmlns:a="http://schemas.openxmlformats.org/drawingml/2006/main">
+            <a:r>
               <a:rPr kumimoji="0" lang="en" altLang="en-US" b="1" i="0" u="none" strike="noStrike" cap="none" normalizeH="0" baseline="0" dirty="0" err="1" smtClean="0">
                 <a:ln>
                   <a:noFill/>
@@ -4426,7 +4419,7 @@
               </a:rPr>
               <a:t>CalculateTax </a:t>
             </a:r>
-            <a:r xmlns:a="http://schemas.openxmlformats.org/drawingml/2006/main">
+            <a:r>
               <a:rPr kumimoji="0" lang="en" altLang="en-US" b="0" i="0" u="none" strike="noStrike" cap="none" normalizeH="0" baseline="0" dirty="0" smtClean="0">
                 <a:ln>
                   <a:noFill/>
@@ -4440,7 +4433,7 @@
               </a:rPr>
               <a:t>( </a:t>
             </a:r>
-            <a:r xmlns:a="http://schemas.openxmlformats.org/drawingml/2006/main">
+            <a:r>
               <a:rPr kumimoji="0" lang="en" altLang="en-US" b="0" i="0" u="none" strike="noStrike" cap="none" normalizeH="0" baseline="0" dirty="0" err="1" smtClean="0">
                 <a:ln>
                   <a:noFill/>
@@ -4454,7 +4447,7 @@
               </a:rPr>
               <a:t>in </a:t>
             </a:r>
-            <a:r xmlns:a="http://schemas.openxmlformats.org/drawingml/2006/main">
+            <a:r>
               <a:rPr kumimoji="0" lang="en" altLang="en-US" b="0" i="0" u="none" strike="noStrike" cap="none" normalizeH="0" baseline="0" dirty="0" smtClean="0">
                 <a:ln>
                   <a:noFill/>
@@ -4466,9 +4459,23 @@
                 <a:latin typeface="Segoe UI" panose="020B0502040204020203" pitchFamily="34" charset="0"/>
                 <a:cs typeface="Segoe UI" panose="020B0502040204020203" pitchFamily="34" charset="0"/>
               </a:rPr>
-              <a:t>the </a:t>
-            </a:r>
-            <a:r xmlns:a="http://schemas.openxmlformats.org/drawingml/2006/main">
+              <a:t>the right </a:t>
+            </a:r>
+            <a:r>
+              <a:rPr kumimoji="0" lang="en" altLang="en-US" b="0" i="0" u="none" strike="noStrike" cap="none" normalizeH="0" baseline="0" dirty="0" err="1" smtClean="0">
+                <a:ln>
+                  <a:noFill/>
+                </a:ln>
+                <a:solidFill>
+                  <a:schemeClr val="tx1"/>
+                </a:solidFill>
+                <a:effectLst/>
+                <a:latin typeface="Segoe UI" panose="020B0502040204020203" pitchFamily="34" charset="0"/>
+                <a:cs typeface="Segoe UI" panose="020B0502040204020203" pitchFamily="34" charset="0"/>
+              </a:rPr>
+              <a:t>panel </a:t>
+            </a:r>
+            <a:r>
               <a:rPr kumimoji="0" lang="en" altLang="en-US" b="0" i="0" u="none" strike="noStrike" cap="none" normalizeH="0" baseline="0" dirty="0" smtClean="0">
                 <a:ln>
                   <a:noFill/>
@@ -4480,9 +4487,9 @@
                 <a:latin typeface="Segoe UI" panose="020B0502040204020203" pitchFamily="34" charset="0"/>
                 <a:cs typeface="Segoe UI" panose="020B0502040204020203" pitchFamily="34" charset="0"/>
               </a:rPr>
-              <a:t>right </a:t>
-            </a:r>
-            <a:r xmlns:a="http://schemas.openxmlformats.org/drawingml/2006/main">
+              <a:t>) </a:t>
+            </a:r>
+            <a:r>
               <a:rPr kumimoji="0" lang="en" altLang="en-US" b="0" i="0" u="none" strike="noStrike" cap="none" normalizeH="0" baseline="0" dirty="0" err="1" smtClean="0">
                 <a:ln>
                   <a:noFill/>
@@ -4494,39 +4501,11 @@
                 <a:latin typeface="Segoe UI" panose="020B0502040204020203" pitchFamily="34" charset="0"/>
                 <a:cs typeface="Segoe UI" panose="020B0502040204020203" pitchFamily="34" charset="0"/>
               </a:rPr>
-              <a:t>panel </a:t>
-            </a:r>
-            <a:r xmlns:a="http://schemas.openxmlformats.org/drawingml/2006/main">
-              <a:rPr kumimoji="0" lang="en" altLang="en-US" b="0" i="0" u="none" strike="noStrike" cap="none" normalizeH="0" baseline="0" dirty="0" smtClean="0">
-                <a:ln>
-                  <a:noFill/>
-                </a:ln>
-                <a:solidFill>
-                  <a:schemeClr val="tx1"/>
-                </a:solidFill>
-                <a:effectLst/>
-                <a:latin typeface="Segoe UI" panose="020B0502040204020203" pitchFamily="34" charset="0"/>
-                <a:cs typeface="Segoe UI" panose="020B0502040204020203" pitchFamily="34" charset="0"/>
-              </a:rPr>
-              <a:t>) </a:t>
-            </a:r>
-            <a:r xmlns:a="http://schemas.openxmlformats.org/drawingml/2006/main">
-              <a:rPr kumimoji="0" lang="en" altLang="en-US" b="0" i="0" u="none" strike="noStrike" cap="none" normalizeH="0" baseline="0" dirty="0" err="1" smtClean="0">
-                <a:ln>
-                  <a:noFill/>
-                </a:ln>
-                <a:solidFill>
-                  <a:schemeClr val="tx1"/>
-                </a:solidFill>
-                <a:effectLst/>
-                <a:latin typeface="Segoe UI" panose="020B0502040204020203" pitchFamily="34" charset="0"/>
-                <a:cs typeface="Segoe UI" panose="020B0502040204020203" pitchFamily="34" charset="0"/>
-              </a:rPr>
               <a:t>.</a:t>
             </a:r>
           </a:p>
           <a:p>
-            <a:pPr xmlns:a="http://schemas.openxmlformats.org/drawingml/2006/main" marL="342900" marR="0" lvl="0" indent="-342900" algn="l" defTabSz="914400" rtl="0" eaLnBrk="0" fontAlgn="base" latinLnBrk="0" hangingPunct="0">
+            <a:pPr marL="342900" marR="0" lvl="0" indent="-342900" algn="l" defTabSz="914400" rtl="0" eaLnBrk="0" fontAlgn="base" latinLnBrk="0" hangingPunct="0">
               <a:lnSpc>
                 <a:spcPct val="100000"/>
               </a:lnSpc>
@@ -4542,7 +4521,7 @@
               <a:buAutoNum type="arabicPeriod"/>
               <a:tabLst/>
             </a:pPr>
-            <a:r xmlns:a="http://schemas.openxmlformats.org/drawingml/2006/main">
+            <a:r>
               <a:rPr kumimoji="0" lang="en" altLang="en-US" b="0" i="0" u="none" strike="noStrike" cap="none" normalizeH="0" baseline="0" dirty="0" err="1" smtClean="0">
                 <a:ln>
                   <a:noFill/>
@@ -4556,7 +4535,7 @@
               </a:rPr>
               <a:t>Open</a:t>
             </a:r>
-            <a:r xmlns:a="http://schemas.openxmlformats.org/drawingml/2006/main">
+            <a:r>
               <a:rPr kumimoji="0" lang="en" altLang="en-US" b="0" i="0" u="none" strike="noStrike" cap="none" normalizeH="0" baseline="0" dirty="0" smtClean="0">
                 <a:ln>
                   <a:noFill/>
@@ -4570,7 +4549,7 @@
               </a:rPr>
               <a:t> </a:t>
             </a:r>
-            <a:r xmlns:a="http://schemas.openxmlformats.org/drawingml/2006/main">
+            <a:r>
               <a:rPr kumimoji="0" lang="en" altLang="en-US" b="1" i="0" u="none" strike="noStrike" cap="none" normalizeH="0" baseline="0" dirty="0" err="1" smtClean="0">
                 <a:ln>
                   <a:noFill/>
@@ -4584,7 +4563,7 @@
               </a:rPr>
               <a:t>the Editor</a:t>
             </a:r>
-            <a:r xmlns:a="http://schemas.openxmlformats.org/drawingml/2006/main">
+            <a:r>
               <a:rPr kumimoji="0" lang="en" altLang="en-US" b="1" i="0" u="none" strike="noStrike" cap="none" normalizeH="0" baseline="0" dirty="0" smtClean="0">
                 <a:ln>
                   <a:noFill/>
@@ -4598,7 +4577,7 @@
               </a:rPr>
               <a:t> </a:t>
             </a:r>
-            <a:r xmlns:a="http://schemas.openxmlformats.org/drawingml/2006/main">
+            <a:r>
               <a:rPr kumimoji="0" lang="en" altLang="en-US" b="1" i="0" u="none" strike="noStrike" cap="none" normalizeH="0" baseline="0" dirty="0" err="1" smtClean="0">
                 <a:ln>
                   <a:noFill/>
@@ -4612,7 +4591,7 @@
               </a:rPr>
               <a:t>advanced </a:t>
             </a:r>
-            <a:r xmlns:a="http://schemas.openxmlformats.org/drawingml/2006/main">
+            <a:r>
               <a:rPr kumimoji="0" lang="en" altLang="en-US" b="0" i="0" u="none" strike="noStrike" cap="none" normalizeH="0" baseline="0" dirty="0" smtClean="0">
                 <a:ln>
                   <a:noFill/>
@@ -4626,7 +4605,7 @@
               </a:rPr>
               <a:t>( </a:t>
             </a:r>
-            <a:r xmlns:a="http://schemas.openxmlformats.org/drawingml/2006/main">
+            <a:r>
               <a:rPr kumimoji="0" lang="en" altLang="en-US" b="1" i="0" u="none" strike="noStrike" cap="none" normalizeH="0" baseline="0" dirty="0" err="1" smtClean="0">
                 <a:ln>
                   <a:noFill/>
@@ -4640,7 +4619,7 @@
               </a:rPr>
               <a:t>Home </a:t>
             </a:r>
-            <a:r xmlns:a="http://schemas.openxmlformats.org/drawingml/2006/main">
+            <a:r>
               <a:rPr kumimoji="0" lang="en" altLang="en-US" b="0" i="0" u="none" strike="noStrike" cap="none" normalizeH="0" baseline="0" dirty="0" smtClean="0">
                 <a:ln>
                   <a:noFill/>
@@ -4654,7 +4633,7 @@
               </a:rPr>
               <a:t>→ </a:t>
             </a:r>
-            <a:r xmlns:a="http://schemas.openxmlformats.org/drawingml/2006/main">
+            <a:r>
               <a:rPr kumimoji="0" lang="en" altLang="en-US" b="1" i="0" u="none" strike="noStrike" cap="none" normalizeH="0" baseline="0" dirty="0" err="1" smtClean="0">
                 <a:ln>
                   <a:noFill/>
@@ -4668,7 +4647,7 @@
               </a:rPr>
               <a:t>Editor</a:t>
             </a:r>
-            <a:r xmlns:a="http://schemas.openxmlformats.org/drawingml/2006/main">
+            <a:r>
               <a:rPr kumimoji="0" lang="en" altLang="en-US" b="1" i="0" u="none" strike="noStrike" cap="none" normalizeH="0" baseline="0" dirty="0" smtClean="0">
                 <a:ln>
                   <a:noFill/>
@@ -4682,7 +4661,7 @@
               </a:rPr>
               <a:t> </a:t>
             </a:r>
-            <a:r xmlns:a="http://schemas.openxmlformats.org/drawingml/2006/main">
+            <a:r>
               <a:rPr kumimoji="0" lang="en" altLang="en-US" b="1" i="0" u="none" strike="noStrike" cap="none" normalizeH="0" baseline="0" dirty="0" err="1" smtClean="0">
                 <a:ln>
                   <a:noFill/>
@@ -4696,7 +4675,7 @@
               </a:rPr>
               <a:t>advance </a:t>
             </a:r>
-            <a:r xmlns:a="http://schemas.openxmlformats.org/drawingml/2006/main">
+            <a:r>
               <a:rPr kumimoji="0" lang="en" altLang="en-US" b="0" i="0" u="none" strike="noStrike" cap="none" normalizeH="0" baseline="0" dirty="0" smtClean="0">
                 <a:ln>
                   <a:noFill/>
@@ -4712,7 +4691,7 @@
             </a:r>
           </a:p>
           <a:p>
-            <a:pPr xmlns:a="http://schemas.openxmlformats.org/drawingml/2006/main" marL="342900" marR="0" lvl="0" indent="-342900" algn="l" defTabSz="914400" rtl="0" eaLnBrk="0" fontAlgn="base" latinLnBrk="0" hangingPunct="0">
+            <a:pPr marL="342900" marR="0" lvl="0" indent="-342900" algn="l" defTabSz="914400" rtl="0" eaLnBrk="0" fontAlgn="base" latinLnBrk="0" hangingPunct="0">
               <a:lnSpc>
                 <a:spcPct val="100000"/>
               </a:lnSpc>
@@ -4728,7 +4707,7 @@
               <a:buAutoNum type="arabicPeriod"/>
               <a:tabLst/>
             </a:pPr>
-            <a:r xmlns:a="http://schemas.openxmlformats.org/drawingml/2006/main">
+            <a:r>
               <a:rPr kumimoji="0" lang="en" altLang="en-US" b="0" i="0" u="none" strike="noStrike" cap="none" normalizeH="0" baseline="0" dirty="0" err="1" smtClean="0">
                 <a:ln>
                   <a:noFill/>
@@ -4742,7 +4721,7 @@
               </a:rPr>
               <a:t>Replace </a:t>
             </a:r>
-            <a:r xmlns:a="http://schemas.openxmlformats.org/drawingml/2006/main">
+            <a:r>
               <a:rPr kumimoji="0" lang="en" altLang="en-US" b="0" i="0" u="none" strike="noStrike" cap="none" normalizeH="0" baseline="0" dirty="0" smtClean="0">
                 <a:ln>
                   <a:noFill/>
@@ -4780,7 +4759,7 @@
           </a:bodyPr>
           <a:lstStyle/>
           <a:p>
-            <a:r xmlns:a="http://schemas.openxmlformats.org/drawingml/2006/main">
+            <a:r>
               <a:rPr lang="en" dirty="0">
                 <a:latin typeface="Segoe UI" panose="020B0502040204020203" pitchFamily="34" charset="0"/>
                 <a:cs typeface="Segoe UI" panose="020B0502040204020203" pitchFamily="34" charset="0"/>
@@ -4789,7 +4768,7 @@
             </a:r>
           </a:p>
           <a:p>
-            <a:r xmlns:a="http://schemas.openxmlformats.org/drawingml/2006/main">
+            <a:r>
               <a:rPr lang="en" dirty="0">
                 <a:latin typeface="Segoe UI" panose="020B0502040204020203" pitchFamily="34" charset="0"/>
                 <a:cs typeface="Segoe UI" panose="020B0502040204020203" pitchFamily="34" charset="0"/>
@@ -4798,21 +4777,21 @@
             </a:r>
           </a:p>
           <a:p>
-            <a:r xmlns:a="http://schemas.openxmlformats.org/drawingml/2006/main">
+            <a:r>
               <a:rPr lang="en" dirty="0">
                 <a:latin typeface="Segoe UI" panose="020B0502040204020203" pitchFamily="34" charset="0"/>
                 <a:cs typeface="Segoe UI" panose="020B0502040204020203" pitchFamily="34" charset="0"/>
               </a:rPr>
               <a:t>    </a:t>
             </a:r>
-            <a:r xmlns:a="http://schemas.openxmlformats.org/drawingml/2006/main">
+            <a:r>
               <a:rPr lang="en" dirty="0" err="1">
                 <a:latin typeface="Segoe UI" panose="020B0502040204020203" pitchFamily="34" charset="0"/>
                 <a:cs typeface="Segoe UI" panose="020B0502040204020203" pitchFamily="34" charset="0"/>
               </a:rPr>
               <a:t>TaxRate </a:t>
             </a:r>
-            <a:r xmlns:a="http://schemas.openxmlformats.org/drawingml/2006/main">
+            <a:r>
               <a:rPr lang="en" dirty="0">
                 <a:latin typeface="Segoe UI" panose="020B0502040204020203" pitchFamily="34" charset="0"/>
                 <a:cs typeface="Segoe UI" panose="020B0502040204020203" pitchFamily="34" charset="0"/>
@@ -4821,41 +4800,41 @@
             </a:r>
           </a:p>
           <a:p>
-            <a:r xmlns:a="http://schemas.openxmlformats.org/drawingml/2006/main">
+            <a:r>
               <a:rPr lang="en" dirty="0">
                 <a:latin typeface="Segoe UI" panose="020B0502040204020203" pitchFamily="34" charset="0"/>
                 <a:cs typeface="Segoe UI" panose="020B0502040204020203" pitchFamily="34" charset="0"/>
               </a:rPr>
               <a:t>    </a:t>
             </a:r>
-            <a:r xmlns:a="http://schemas.openxmlformats.org/drawingml/2006/main">
+            <a:r>
               <a:rPr lang="en" dirty="0" err="1">
                 <a:latin typeface="Segoe UI" panose="020B0502040204020203" pitchFamily="34" charset="0"/>
                 <a:cs typeface="Segoe UI" panose="020B0502040204020203" pitchFamily="34" charset="0"/>
               </a:rPr>
               <a:t>TaxAmount </a:t>
             </a:r>
-            <a:r xmlns:a="http://schemas.openxmlformats.org/drawingml/2006/main">
+            <a:r>
               <a:rPr lang="en" dirty="0">
                 <a:latin typeface="Segoe UI" panose="020B0502040204020203" pitchFamily="34" charset="0"/>
                 <a:cs typeface="Segoe UI" panose="020B0502040204020203" pitchFamily="34" charset="0"/>
               </a:rPr>
               <a:t>= Total * </a:t>
             </a:r>
-            <a:r xmlns:a="http://schemas.openxmlformats.org/drawingml/2006/main">
+            <a:r>
               <a:rPr lang="en" dirty="0" err="1">
                 <a:latin typeface="Segoe UI" panose="020B0502040204020203" pitchFamily="34" charset="0"/>
                 <a:cs typeface="Segoe UI" panose="020B0502040204020203" pitchFamily="34" charset="0"/>
               </a:rPr>
               <a:t>TaxRate</a:t>
             </a:r>
-            <a:endParaRPr xmlns:a="http://schemas.openxmlformats.org/drawingml/2006/main" lang="en-US" dirty="0">
+            <a:endParaRPr lang="en-US" dirty="0">
               <a:latin typeface="Segoe UI" panose="020B0502040204020203" pitchFamily="34" charset="0"/>
               <a:cs typeface="Segoe UI" panose="020B0502040204020203" pitchFamily="34" charset="0"/>
             </a:endParaRPr>
           </a:p>
           <a:p>
-            <a:r xmlns:a="http://schemas.openxmlformats.org/drawingml/2006/main">
+            <a:r>
               <a:rPr lang="en" dirty="0">
                 <a:latin typeface="Segoe UI" panose="020B0502040204020203" pitchFamily="34" charset="0"/>
                 <a:cs typeface="Segoe UI" panose="020B0502040204020203" pitchFamily="34" charset="0"/>
@@ -4864,21 +4843,21 @@
             </a:r>
           </a:p>
           <a:p>
-            <a:r xmlns:a="http://schemas.openxmlformats.org/drawingml/2006/main">
+            <a:r>
               <a:rPr lang="en" dirty="0">
                 <a:latin typeface="Segoe UI" panose="020B0502040204020203" pitchFamily="34" charset="0"/>
                 <a:cs typeface="Segoe UI" panose="020B0502040204020203" pitchFamily="34" charset="0"/>
               </a:rPr>
               <a:t>    </a:t>
             </a:r>
-            <a:r xmlns:a="http://schemas.openxmlformats.org/drawingml/2006/main">
+            <a:r>
               <a:rPr lang="en" dirty="0" err="1">
                 <a:latin typeface="Segoe UI" panose="020B0502040204020203" pitchFamily="34" charset="0"/>
                 <a:cs typeface="Segoe UI" panose="020B0502040204020203" pitchFamily="34" charset="0"/>
               </a:rPr>
               <a:t>TaxAmount</a:t>
             </a:r>
-            <a:endParaRPr xmlns:a="http://schemas.openxmlformats.org/drawingml/2006/main" lang="en-US" dirty="0">
+            <a:endParaRPr lang="en-US" dirty="0">
               <a:latin typeface="Segoe UI" panose="020B0502040204020203" pitchFamily="34" charset="0"/>
               <a:cs typeface="Segoe UI" panose="020B0502040204020203" pitchFamily="34" charset="0"/>
             </a:endParaRPr>
@@ -4937,21 +4916,14 @@
           </a:bodyPr>
           <a:lstStyle/>
           <a:p>
-            <a:r xmlns:a="http://schemas.openxmlformats.org/drawingml/2006/main">
+            <a:r>
               <a:rPr lang="en" sz="2800" dirty="0" smtClean="0">
                 <a:latin typeface="Segoe UI" panose="020B0502040204020203" pitchFamily="34" charset="0"/>
                 <a:cs typeface="Segoe UI" panose="020B0502040204020203" pitchFamily="34" charset="0"/>
               </a:rPr>
-              <a:t>Invoke </a:t>
-            </a:r>
-            <a:r xmlns:a="http://schemas.openxmlformats.org/drawingml/2006/main">
-              <a:rPr lang="en" sz="2800" dirty="0" smtClean="0">
-                <a:latin typeface="Segoe UI" panose="020B0502040204020203" pitchFamily="34" charset="0"/>
-                <a:cs typeface="Segoe UI" panose="020B0502040204020203" pitchFamily="34" charset="0"/>
-              </a:rPr>
-              <a:t>functions</a:t>
-            </a:r>
-            <a:endParaRPr xmlns:a="http://schemas.openxmlformats.org/drawingml/2006/main" lang="fr-FR" sz="2800" dirty="0">
+              <a:t>Invoke functions</a:t>
+            </a:r>
+            <a:endParaRPr lang="fr-FR" sz="2800" dirty="0">
               <a:latin typeface="Segoe UI" panose="020B0502040204020203" pitchFamily="34" charset="0"/>
               <a:cs typeface="Segoe UI" panose="020B0502040204020203" pitchFamily="34" charset="0"/>
             </a:endParaRPr>
@@ -5013,25 +4985,25 @@
           </a:bodyPr>
           <a:lstStyle/>
           <a:p>
-            <a:pPr xmlns:a="http://schemas.openxmlformats.org/drawingml/2006/main">
+            <a:pPr>
               <a:buFont typeface="+mj-lt"/>
               <a:buAutoNum type="arabicPeriod" startAt="5"/>
             </a:pPr>
-            <a:r xmlns:a="http://schemas.openxmlformats.org/drawingml/2006/main">
+            <a:r>
               <a:rPr lang="en" dirty="0">
                 <a:latin typeface="Segoe UI" panose="020B0502040204020203" pitchFamily="34" charset="0"/>
                 <a:cs typeface="Segoe UI" panose="020B0502040204020203" pitchFamily="34" charset="0"/>
               </a:rPr>
               <a:t>Click </a:t>
             </a:r>
-            <a:r xmlns:a="http://schemas.openxmlformats.org/drawingml/2006/main">
+            <a:r>
               <a:rPr lang="en" b="1" dirty="0">
                 <a:latin typeface="Segoe UI" panose="020B0502040204020203" pitchFamily="34" charset="0"/>
                 <a:cs typeface="Segoe UI" panose="020B0502040204020203" pitchFamily="34" charset="0"/>
               </a:rPr>
               <a:t>OK </a:t>
             </a:r>
-            <a:r xmlns:a="http://schemas.openxmlformats.org/drawingml/2006/main">
+            <a:r>
               <a:rPr lang="en" dirty="0">
                 <a:latin typeface="Segoe UI" panose="020B0502040204020203" pitchFamily="34" charset="0"/>
                 <a:cs typeface="Segoe UI" panose="020B0502040204020203" pitchFamily="34" charset="0"/>
@@ -5040,40 +5012,26 @@
             </a:r>
           </a:p>
           <a:p>
-            <a:r xmlns:a="http://schemas.openxmlformats.org/drawingml/2006/main">
+            <a:r>
               <a:rPr lang="en" dirty="0">
                 <a:latin typeface="Segoe UI" panose="020B0502040204020203" pitchFamily="34" charset="0"/>
                 <a:cs typeface="Segoe UI" panose="020B0502040204020203" pitchFamily="34" charset="0"/>
               </a:rPr>
               <a:t>This function takes a </a:t>
             </a:r>
-            <a:r xmlns:a="http://schemas.openxmlformats.org/drawingml/2006/main">
+            <a:r>
               <a:rPr lang="en" b="1" dirty="0">
                 <a:latin typeface="Segoe UI" panose="020B0502040204020203" pitchFamily="34" charset="0"/>
                 <a:cs typeface="Segoe UI" panose="020B0502040204020203" pitchFamily="34" charset="0"/>
               </a:rPr>
-              <a:t>Total Sales value and applies a </a:t>
-            </a:r>
-            <a:r xmlns:a="http://schemas.openxmlformats.org/drawingml/2006/main">
-              <a:rPr lang="en" b="1" dirty="0">
-                <a:latin typeface="Segoe UI" panose="020B0502040204020203" pitchFamily="34" charset="0"/>
-                <a:cs typeface="Segoe UI" panose="020B0502040204020203" pitchFamily="34" charset="0"/>
-              </a:rPr>
-              <a:t>15% </a:t>
-            </a:r>
-            <a:r xmlns:a="http://schemas.openxmlformats.org/drawingml/2006/main">
+              <a:t>Total Sales value and applies a 15% </a:t>
+            </a:r>
+            <a:r>
               <a:rPr lang="en" dirty="0">
                 <a:latin typeface="Segoe UI" panose="020B0502040204020203" pitchFamily="34" charset="0"/>
                 <a:cs typeface="Segoe UI" panose="020B0502040204020203" pitchFamily="34" charset="0"/>
               </a:rPr>
-              <a:t>tax </a:t>
-            </a:r>
-            <a:r xmlns:a="http://schemas.openxmlformats.org/drawingml/2006/main">
-              <a:rPr lang="en" dirty="0">
-                <a:latin typeface="Segoe UI" panose="020B0502040204020203" pitchFamily="34" charset="0"/>
-                <a:cs typeface="Segoe UI" panose="020B0502040204020203" pitchFamily="34" charset="0"/>
-              </a:rPr>
-              <a:t>.</a:t>
+              <a:t>tax .</a:t>
             </a:r>
           </a:p>
         </p:txBody>
@@ -5130,21 +5088,14 @@
           </a:bodyPr>
           <a:lstStyle/>
           <a:p>
-            <a:r xmlns:a="http://schemas.openxmlformats.org/drawingml/2006/main">
+            <a:r>
               <a:rPr lang="en" sz="2800" dirty="0" smtClean="0">
                 <a:latin typeface="Segoe UI" panose="020B0502040204020203" pitchFamily="34" charset="0"/>
                 <a:cs typeface="Segoe UI" panose="020B0502040204020203" pitchFamily="34" charset="0"/>
               </a:rPr>
-              <a:t>Invoke </a:t>
-            </a:r>
-            <a:r xmlns:a="http://schemas.openxmlformats.org/drawingml/2006/main">
-              <a:rPr lang="en" sz="2800" dirty="0" smtClean="0">
-                <a:latin typeface="Segoe UI" panose="020B0502040204020203" pitchFamily="34" charset="0"/>
-                <a:cs typeface="Segoe UI" panose="020B0502040204020203" pitchFamily="34" charset="0"/>
-              </a:rPr>
-              <a:t>functions</a:t>
-            </a:r>
-            <a:endParaRPr xmlns:a="http://schemas.openxmlformats.org/drawingml/2006/main" lang="fr-FR" sz="2800" dirty="0">
+              <a:t>Invoke functions</a:t>
+            </a:r>
+            <a:endParaRPr lang="fr-FR" sz="2800" dirty="0">
               <a:latin typeface="Segoe UI" panose="020B0502040204020203" pitchFamily="34" charset="0"/>
               <a:cs typeface="Segoe UI" panose="020B0502040204020203" pitchFamily="34" charset="0"/>
             </a:endParaRPr>
@@ -5239,7 +5190,7 @@
             </a:endParaRPr>
           </a:p>
           <a:p>
-            <a:pPr xmlns:a="http://schemas.openxmlformats.org/drawingml/2006/main" marL="342900" marR="0" lvl="0" indent="-342900" algn="l" defTabSz="914400" rtl="0" eaLnBrk="0" fontAlgn="base" latinLnBrk="0" hangingPunct="0">
+            <a:pPr marL="342900" marR="0" lvl="0" indent="-342900" algn="l" defTabSz="914400" rtl="0" eaLnBrk="0" fontAlgn="base" latinLnBrk="0" hangingPunct="0">
               <a:lnSpc>
                 <a:spcPct val="100000"/>
               </a:lnSpc>
@@ -5255,14 +5206,14 @@
               <a:buAutoNum type="arabicPeriod"/>
               <a:tabLst/>
             </a:pPr>
-            <a:r xmlns:a="http://schemas.openxmlformats.org/drawingml/2006/main">
+            <a:r>
               <a:rPr lang="en" altLang="en-US" dirty="0" err="1" smtClean="0">
                 <a:latin typeface="Segoe UI" panose="020B0502040204020203" pitchFamily="34" charset="0"/>
                 <a:cs typeface="Segoe UI" panose="020B0502040204020203" pitchFamily="34" charset="0"/>
               </a:rPr>
               <a:t>Select </a:t>
             </a:r>
-            <a:r xmlns:a="http://schemas.openxmlformats.org/drawingml/2006/main">
+            <a:r>
               <a:rPr kumimoji="0" lang="en" altLang="en-US" b="0" i="0" u="none" strike="noStrike" cap="none" normalizeH="0" baseline="0" dirty="0" err="1" smtClean="0">
                 <a:ln>
                   <a:noFill/>
@@ -5276,7 +5227,7 @@
               </a:rPr>
               <a:t>the </a:t>
             </a:r>
-            <a:r xmlns:a="http://schemas.openxmlformats.org/drawingml/2006/main">
+            <a:r>
               <a:rPr kumimoji="0" lang="en" altLang="en-US" b="0" i="0" u="none" strike="noStrike" cap="none" normalizeH="0" baseline="0" dirty="0" smtClean="0">
                 <a:ln>
                   <a:noFill/>
@@ -5290,7 +5241,7 @@
               </a:rPr>
               <a:t>table </a:t>
             </a:r>
-            <a:r xmlns:a="http://schemas.openxmlformats.org/drawingml/2006/main">
+            <a:r>
               <a:rPr kumimoji="0" lang="en" altLang="en-US" b="0" i="0" u="none" strike="noStrike" cap="none" normalizeH="0" baseline="0" dirty="0" err="1" smtClean="0">
                 <a:ln>
                   <a:noFill/>
@@ -5304,7 +5255,7 @@
               </a:rPr>
               <a:t>containing</a:t>
             </a:r>
-            <a:r xmlns:a="http://schemas.openxmlformats.org/drawingml/2006/main">
+            <a:r>
               <a:rPr kumimoji="0" lang="en" altLang="en-US" b="0" i="0" u="none" strike="noStrike" cap="none" normalizeH="0" baseline="0" dirty="0" smtClean="0">
                 <a:ln>
                   <a:noFill/>
@@ -5318,7 +5269,7 @@
               </a:rPr>
               <a:t> </a:t>
             </a:r>
-            <a:r xmlns:a="http://schemas.openxmlformats.org/drawingml/2006/main">
+            <a:r>
               <a:rPr kumimoji="0" lang="en" altLang="en-US" b="1" i="0" u="none" strike="noStrike" cap="none" normalizeH="0" baseline="0" dirty="0" err="1" smtClean="0">
                 <a:ln>
                   <a:noFill/>
@@ -5332,7 +5283,7 @@
               </a:rPr>
               <a:t>SalesID </a:t>
             </a:r>
-            <a:r xmlns:a="http://schemas.openxmlformats.org/drawingml/2006/main">
+            <a:r>
               <a:rPr kumimoji="0" lang="en" altLang="en-US" b="1" i="0" u="none" strike="noStrike" cap="none" normalizeH="0" baseline="0" dirty="0" smtClean="0">
                 <a:ln>
                   <a:noFill/>
@@ -5346,7 +5297,7 @@
               </a:rPr>
               <a:t>, Customer Name, Total Sales </a:t>
             </a:r>
-            <a:r xmlns:a="http://schemas.openxmlformats.org/drawingml/2006/main">
+            <a:r>
               <a:rPr kumimoji="0" lang="en" altLang="en-US" b="0" i="0" u="none" strike="noStrike" cap="none" normalizeH="0" baseline="0" dirty="0" smtClean="0">
                 <a:ln>
                   <a:noFill/>
@@ -5362,7 +5313,7 @@
             </a:r>
           </a:p>
           <a:p>
-            <a:pPr xmlns:a="http://schemas.openxmlformats.org/drawingml/2006/main" marL="342900" marR="0" lvl="0" indent="-342900" algn="l" defTabSz="914400" rtl="0" eaLnBrk="0" fontAlgn="base" latinLnBrk="0" hangingPunct="0">
+            <a:pPr marL="342900" marR="0" lvl="0" indent="-342900" algn="l" defTabSz="914400" rtl="0" eaLnBrk="0" fontAlgn="base" latinLnBrk="0" hangingPunct="0">
               <a:lnSpc>
                 <a:spcPct val="100000"/>
               </a:lnSpc>
@@ -5378,7 +5329,7 @@
               <a:buAutoNum type="arabicPeriod"/>
               <a:tabLst/>
             </a:pPr>
-            <a:r xmlns:a="http://schemas.openxmlformats.org/drawingml/2006/main">
+            <a:r>
               <a:rPr kumimoji="0" lang="en" altLang="en-US" b="0" i="0" u="none" strike="noStrike" cap="none" normalizeH="0" baseline="0" dirty="0" smtClean="0">
                 <a:ln>
                   <a:noFill/>
@@ -5392,7 +5343,7 @@
               </a:rPr>
               <a:t>Click </a:t>
             </a:r>
-            <a:r xmlns:a="http://schemas.openxmlformats.org/drawingml/2006/main">
+            <a:r>
               <a:rPr kumimoji="0" lang="en" altLang="en-US" b="1" i="0" u="none" strike="noStrike" cap="none" normalizeH="0" baseline="0" dirty="0" err="1" smtClean="0">
                 <a:ln>
                   <a:noFill/>
@@ -5406,7 +5357,7 @@
               </a:rPr>
               <a:t>Add</a:t>
             </a:r>
-            <a:r xmlns:a="http://schemas.openxmlformats.org/drawingml/2006/main">
+            <a:r>
               <a:rPr kumimoji="0" lang="en" altLang="en-US" b="1" i="0" u="none" strike="noStrike" cap="none" normalizeH="0" baseline="0" dirty="0" smtClean="0">
                 <a:ln>
                   <a:noFill/>
@@ -5420,7 +5371,7 @@
               </a:rPr>
               <a:t> </a:t>
             </a:r>
-            <a:r xmlns:a="http://schemas.openxmlformats.org/drawingml/2006/main">
+            <a:r>
               <a:rPr kumimoji="0" lang="en" altLang="en-US" b="1" i="0" u="none" strike="noStrike" cap="none" normalizeH="0" baseline="0" dirty="0" err="1" smtClean="0">
                 <a:ln>
                   <a:noFill/>
@@ -5434,7 +5385,7 @@
               </a:rPr>
               <a:t>a</a:t>
             </a:r>
-            <a:r xmlns:a="http://schemas.openxmlformats.org/drawingml/2006/main">
+            <a:r>
               <a:rPr kumimoji="0" lang="en" altLang="en-US" b="1" i="0" u="none" strike="noStrike" cap="none" normalizeH="0" baseline="0" dirty="0" smtClean="0">
                 <a:ln>
                   <a:noFill/>
@@ -5448,7 +5399,7 @@
               </a:rPr>
               <a:t> </a:t>
             </a:r>
-            <a:r xmlns:a="http://schemas.openxmlformats.org/drawingml/2006/main">
+            <a:r>
               <a:rPr kumimoji="0" lang="en" altLang="en-US" b="1" i="0" u="none" strike="noStrike" cap="none" normalizeH="0" baseline="0" dirty="0" err="1" smtClean="0">
                 <a:ln>
                   <a:noFill/>
@@ -5462,7 +5413,7 @@
               </a:rPr>
               <a:t>column </a:t>
             </a:r>
-            <a:r xmlns:a="http://schemas.openxmlformats.org/drawingml/2006/main">
+            <a:r>
               <a:rPr kumimoji="0" lang="en" altLang="en-US" b="0" i="0" u="none" strike="noStrike" cap="none" normalizeH="0" baseline="0" dirty="0" smtClean="0">
                 <a:ln>
                   <a:noFill/>
@@ -5476,7 +5427,7 @@
               </a:rPr>
               <a:t>→ </a:t>
             </a:r>
-            <a:r xmlns:a="http://schemas.openxmlformats.org/drawingml/2006/main">
+            <a:r>
               <a:rPr kumimoji="0" lang="en" altLang="en-US" b="1" i="0" u="none" strike="noStrike" cap="none" normalizeH="0" baseline="0" dirty="0" err="1" smtClean="0">
                 <a:ln>
                   <a:noFill/>
@@ -5490,7 +5441,7 @@
               </a:rPr>
               <a:t>Column</a:t>
             </a:r>
-            <a:r xmlns:a="http://schemas.openxmlformats.org/drawingml/2006/main">
+            <a:r>
               <a:rPr kumimoji="0" lang="en" altLang="en-US" b="1" i="0" u="none" strike="noStrike" cap="none" normalizeH="0" baseline="0" dirty="0" smtClean="0">
                 <a:ln>
                   <a:noFill/>
@@ -5504,7 +5455,7 @@
               </a:rPr>
               <a:t> </a:t>
             </a:r>
-            <a:r xmlns:a="http://schemas.openxmlformats.org/drawingml/2006/main">
+            <a:r>
               <a:rPr kumimoji="0" lang="en" altLang="en-US" b="1" i="0" u="none" strike="noStrike" cap="none" normalizeH="0" baseline="0" dirty="0" err="1" smtClean="0">
                 <a:ln>
                   <a:noFill/>
@@ -5518,7 +5469,7 @@
               </a:rPr>
               <a:t>personalized </a:t>
             </a:r>
-            <a:r xmlns:a="http://schemas.openxmlformats.org/drawingml/2006/main">
+            <a:r>
               <a:rPr kumimoji="0" lang="en" altLang="en-US" b="0" i="0" u="none" strike="noStrike" cap="none" normalizeH="0" baseline="0" dirty="0" smtClean="0">
                 <a:ln>
                   <a:noFill/>
@@ -5534,7 +5485,7 @@
             </a:r>
           </a:p>
           <a:p>
-            <a:pPr xmlns:a="http://schemas.openxmlformats.org/drawingml/2006/main" marL="342900" marR="0" lvl="0" indent="-342900" algn="l" defTabSz="914400" rtl="0" eaLnBrk="0" fontAlgn="base" latinLnBrk="0" hangingPunct="0">
+            <a:pPr marL="342900" marR="0" lvl="0" indent="-342900" algn="l" defTabSz="914400" rtl="0" eaLnBrk="0" fontAlgn="base" latinLnBrk="0" hangingPunct="0">
               <a:lnSpc>
                 <a:spcPct val="100000"/>
               </a:lnSpc>
@@ -5550,7 +5501,7 @@
               <a:buAutoNum type="arabicPeriod"/>
               <a:tabLst/>
             </a:pPr>
-            <a:r xmlns:a="http://schemas.openxmlformats.org/drawingml/2006/main">
+            <a:r>
               <a:rPr kumimoji="0" lang="en" altLang="en-US" b="0" i="0" u="none" strike="noStrike" cap="none" normalizeH="0" baseline="0" dirty="0" err="1" smtClean="0">
                 <a:ln>
                   <a:noFill/>
@@ -5564,7 +5515,7 @@
               </a:rPr>
               <a:t>In </a:t>
             </a:r>
-            <a:r xmlns:a="http://schemas.openxmlformats.org/drawingml/2006/main">
+            <a:r>
               <a:rPr kumimoji="0" lang="en" altLang="en-US" b="0" i="0" u="none" strike="noStrike" cap="none" normalizeH="0" baseline="0" dirty="0" smtClean="0">
                 <a:ln>
                   <a:noFill/>
@@ -5578,7 +5529,7 @@
               </a:rPr>
               <a:t>the </a:t>
             </a:r>
-            <a:r xmlns:a="http://schemas.openxmlformats.org/drawingml/2006/main">
+            <a:r>
               <a:rPr kumimoji="0" lang="en" altLang="en-US" b="1" i="0" u="none" strike="noStrike" cap="none" normalizeH="0" baseline="0" dirty="0" err="1" smtClean="0">
                 <a:ln>
                   <a:noFill/>
@@ -5592,7 +5543,7 @@
               </a:rPr>
               <a:t>Add </a:t>
             </a:r>
-            <a:r xmlns:a="http://schemas.openxmlformats.org/drawingml/2006/main">
+            <a:r>
               <a:rPr kumimoji="0" lang="en" altLang="en-US" b="0" i="0" u="none" strike="noStrike" cap="none" normalizeH="0" baseline="0" dirty="0" smtClean="0">
                 <a:ln>
                   <a:noFill/>
@@ -5606,7 +5557,7 @@
               </a:rPr>
               <a:t>dialog </a:t>
             </a:r>
-            <a:r xmlns:a="http://schemas.openxmlformats.org/drawingml/2006/main">
+            <a:r>
               <a:rPr kumimoji="0" lang="en" altLang="en-US" b="0" i="0" u="none" strike="noStrike" cap="none" normalizeH="0" baseline="0" dirty="0" err="1" smtClean="0">
                 <a:ln>
                   <a:noFill/>
@@ -5620,7 +5571,7 @@
               </a:rPr>
               <a:t>box</a:t>
             </a:r>
-            <a:r xmlns:a="http://schemas.openxmlformats.org/drawingml/2006/main">
+            <a:r>
               <a:rPr kumimoji="0" lang="en" altLang="en-US" b="1" i="0" u="none" strike="noStrike" cap="none" normalizeH="0" baseline="0" dirty="0" smtClean="0">
                 <a:ln>
                   <a:noFill/>
@@ -5634,7 +5585,7 @@
               </a:rPr>
               <a:t> </a:t>
             </a:r>
-            <a:r xmlns:a="http://schemas.openxmlformats.org/drawingml/2006/main">
+            <a:r>
               <a:rPr kumimoji="0" lang="en" altLang="en-US" b="1" i="0" u="none" strike="noStrike" cap="none" normalizeH="0" baseline="0" dirty="0" err="1" smtClean="0">
                 <a:ln>
                   <a:noFill/>
@@ -5648,7 +5599,7 @@
               </a:rPr>
               <a:t>a</a:t>
             </a:r>
-            <a:r xmlns:a="http://schemas.openxmlformats.org/drawingml/2006/main">
+            <a:r>
               <a:rPr kumimoji="0" lang="en" altLang="en-US" b="1" i="0" u="none" strike="noStrike" cap="none" normalizeH="0" baseline="0" dirty="0" smtClean="0">
                 <a:ln>
                   <a:noFill/>
@@ -5662,7 +5613,7 @@
               </a:rPr>
               <a:t> </a:t>
             </a:r>
-            <a:r xmlns:a="http://schemas.openxmlformats.org/drawingml/2006/main">
+            <a:r>
               <a:rPr kumimoji="0" lang="en" altLang="en-US" b="1" i="0" u="none" strike="noStrike" cap="none" normalizeH="0" baseline="0" dirty="0" err="1" smtClean="0">
                 <a:ln>
                   <a:noFill/>
@@ -5676,7 +5627,7 @@
               </a:rPr>
               <a:t>column</a:t>
             </a:r>
-            <a:r xmlns:a="http://schemas.openxmlformats.org/drawingml/2006/main">
+            <a:r>
               <a:rPr kumimoji="0" lang="en" altLang="en-US" b="1" i="0" u="none" strike="noStrike" cap="none" normalizeH="0" baseline="0" dirty="0" smtClean="0">
                 <a:ln>
                   <a:noFill/>
@@ -5690,7 +5641,7 @@
               </a:rPr>
               <a:t> </a:t>
             </a:r>
-            <a:r xmlns:a="http://schemas.openxmlformats.org/drawingml/2006/main">
+            <a:r>
               <a:rPr kumimoji="0" lang="en" altLang="en-US" b="1" i="0" u="none" strike="noStrike" cap="none" normalizeH="0" baseline="0" dirty="0" err="1" smtClean="0">
                 <a:ln>
                   <a:noFill/>
@@ -5704,7 +5655,7 @@
               </a:rPr>
               <a:t>personalized </a:t>
             </a:r>
-            <a:r xmlns:a="http://schemas.openxmlformats.org/drawingml/2006/main">
+            <a:r>
               <a:rPr kumimoji="0" lang="en" altLang="en-US" b="0" i="0" u="none" strike="noStrike" cap="none" normalizeH="0" baseline="0" dirty="0" smtClean="0">
                 <a:ln>
                   <a:noFill/>
@@ -5720,7 +5671,7 @@
             </a:r>
           </a:p>
           <a:p>
-            <a:pPr xmlns:a="http://schemas.openxmlformats.org/drawingml/2006/main" marL="342900" marR="0" lvl="0" indent="-342900" algn="l" defTabSz="914400" rtl="0" eaLnBrk="0" fontAlgn="base" latinLnBrk="0" hangingPunct="0">
+            <a:pPr marL="342900" marR="0" lvl="0" indent="-342900" algn="l" defTabSz="914400" rtl="0" eaLnBrk="0" fontAlgn="base" latinLnBrk="0" hangingPunct="0">
               <a:lnSpc>
                 <a:spcPct val="100000"/>
               </a:lnSpc>
@@ -5736,7 +5687,7 @@
               <a:buAutoNum type="arabicPeriod"/>
               <a:tabLst/>
             </a:pPr>
-            <a:r xmlns:a="http://schemas.openxmlformats.org/drawingml/2006/main">
+            <a:r>
               <a:rPr kumimoji="0" lang="en" altLang="en-US" b="0" i="0" u="none" strike="noStrike" cap="none" normalizeH="0" baseline="0" dirty="0" smtClean="0">
                 <a:ln>
                   <a:noFill/>
@@ -5750,7 +5701,7 @@
               </a:rPr>
               <a:t>Give </a:t>
             </a:r>
-            <a:r xmlns:a="http://schemas.openxmlformats.org/drawingml/2006/main">
+            <a:r>
               <a:rPr kumimoji="0" lang="en" altLang="en-US" b="0" i="0" u="none" strike="noStrike" cap="none" normalizeH="0" baseline="0" dirty="0" err="1" smtClean="0">
                 <a:ln>
                   <a:noFill/>
@@ -5764,7 +5715,7 @@
               </a:rPr>
               <a:t>it </a:t>
             </a:r>
-            <a:r xmlns:a="http://schemas.openxmlformats.org/drawingml/2006/main">
+            <a:r>
               <a:rPr kumimoji="0" lang="en" altLang="en-US" b="0" i="0" u="none" strike="noStrike" cap="none" normalizeH="0" baseline="0" dirty="0" smtClean="0">
                 <a:ln>
                   <a:noFill/>
@@ -5778,7 +5729,7 @@
               </a:rPr>
               <a:t>a name, for </a:t>
             </a:r>
-            <a:r xmlns:a="http://schemas.openxmlformats.org/drawingml/2006/main">
+            <a:r>
               <a:rPr kumimoji="0" lang="en" altLang="en-US" b="0" i="0" u="none" strike="noStrike" cap="none" normalizeH="0" baseline="0" dirty="0" err="1" smtClean="0">
                 <a:ln>
                   <a:noFill/>
@@ -5792,7 +5743,7 @@
               </a:rPr>
               <a:t>example</a:t>
             </a:r>
-            <a:r xmlns:a="http://schemas.openxmlformats.org/drawingml/2006/main">
+            <a:r>
               <a:rPr kumimoji="0" lang="en" altLang="en-US" b="0" i="0" u="none" strike="noStrike" cap="none" normalizeH="0" baseline="0" dirty="0" smtClean="0">
                 <a:ln>
                   <a:noFill/>
@@ -5806,7 +5757,7 @@
               </a:rPr>
               <a:t> </a:t>
             </a:r>
-            <a:r xmlns:a="http://schemas.openxmlformats.org/drawingml/2006/main">
+            <a:r>
               <a:rPr kumimoji="0" lang="en" altLang="en-US" b="1" i="0" u="none" strike="noStrike" cap="none" normalizeH="0" baseline="0" dirty="0" smtClean="0">
                 <a:ln>
                   <a:noFill/>
@@ -5820,7 +5771,7 @@
               </a:rPr>
               <a:t>Sales Tax </a:t>
             </a:r>
-            <a:r xmlns:a="http://schemas.openxmlformats.org/drawingml/2006/main">
+            <a:r>
               <a:rPr kumimoji="0" lang="en" altLang="en-US" b="0" i="0" u="none" strike="noStrike" cap="none" normalizeH="0" baseline="0" dirty="0" smtClean="0">
                 <a:ln>
                   <a:noFill/>
@@ -5836,7 +5787,7 @@
             </a:r>
           </a:p>
           <a:p>
-            <a:pPr xmlns:a="http://schemas.openxmlformats.org/drawingml/2006/main" marL="342900" marR="0" lvl="0" indent="-342900" algn="l" defTabSz="914400" rtl="0" eaLnBrk="0" fontAlgn="base" latinLnBrk="0" hangingPunct="0">
+            <a:pPr marL="342900" marR="0" lvl="0" indent="-342900" algn="l" defTabSz="914400" rtl="0" eaLnBrk="0" fontAlgn="base" latinLnBrk="0" hangingPunct="0">
               <a:lnSpc>
                 <a:spcPct val="100000"/>
               </a:lnSpc>
@@ -5852,7 +5803,7 @@
               <a:buAutoNum type="arabicPeriod"/>
               <a:tabLst/>
             </a:pPr>
-            <a:r xmlns:a="http://schemas.openxmlformats.org/drawingml/2006/main">
+            <a:r>
               <a:rPr kumimoji="0" lang="en" altLang="en-US" b="0" i="0" u="none" strike="noStrike" cap="none" normalizeH="0" baseline="0" dirty="0" err="1" smtClean="0">
                 <a:ln>
                   <a:noFill/>
@@ -5866,7 +5817,7 @@
               </a:rPr>
               <a:t>Use </a:t>
             </a:r>
-            <a:r xmlns:a="http://schemas.openxmlformats.org/drawingml/2006/main">
+            <a:r>
               <a:rPr kumimoji="0" lang="en" altLang="en-US" b="0" i="0" u="none" strike="noStrike" cap="none" normalizeH="0" baseline="0" dirty="0" smtClean="0">
                 <a:ln>
                   <a:noFill/>
@@ -5880,7 +5831,7 @@
               </a:rPr>
               <a:t>the </a:t>
             </a:r>
-            <a:r xmlns:a="http://schemas.openxmlformats.org/drawingml/2006/main">
+            <a:r>
               <a:rPr kumimoji="0" lang="en" altLang="en-US" b="0" i="0" u="none" strike="noStrike" cap="none" normalizeH="0" baseline="0" dirty="0" err="1" smtClean="0">
                 <a:ln>
                   <a:noFill/>
@@ -5894,7 +5845,7 @@
               </a:rPr>
               <a:t>function</a:t>
             </a:r>
-            <a:r xmlns:a="http://schemas.openxmlformats.org/drawingml/2006/main">
+            <a:r>
               <a:rPr kumimoji="0" lang="en" altLang="en-US" b="0" i="0" u="none" strike="noStrike" cap="none" normalizeH="0" baseline="0" dirty="0" smtClean="0">
                 <a:ln>
                   <a:noFill/>
@@ -5908,7 +5859,7 @@
               </a:rPr>
               <a:t> </a:t>
             </a:r>
-            <a:r xmlns:a="http://schemas.openxmlformats.org/drawingml/2006/main">
+            <a:r>
               <a:rPr kumimoji="0" lang="en" altLang="en-US" b="1" i="0" u="none" strike="noStrike" cap="none" normalizeH="0" baseline="0" dirty="0" err="1" smtClean="0">
                 <a:ln>
                   <a:noFill/>
@@ -5922,7 +5873,7 @@
               </a:rPr>
               <a:t>CalculateTax </a:t>
             </a:r>
-            <a:r xmlns:a="http://schemas.openxmlformats.org/drawingml/2006/main">
+            <a:r>
               <a:rPr kumimoji="0" lang="en" altLang="en-US" b="0" i="0" u="none" strike="noStrike" cap="none" normalizeH="0" baseline="0" dirty="0" smtClean="0">
                 <a:ln>
                   <a:noFill/>
@@ -5936,7 +5887,7 @@
               </a:rPr>
               <a:t>and </a:t>
             </a:r>
-            <a:r xmlns:a="http://schemas.openxmlformats.org/drawingml/2006/main">
+            <a:r>
               <a:rPr kumimoji="0" lang="en" altLang="en-US" b="0" i="0" u="none" strike="noStrike" cap="none" normalizeH="0" baseline="0" dirty="0" err="1" smtClean="0">
                 <a:ln>
                   <a:noFill/>
@@ -5950,7 +5901,7 @@
               </a:rPr>
               <a:t>pass </a:t>
             </a:r>
-            <a:r xmlns:a="http://schemas.openxmlformats.org/drawingml/2006/main">
+            <a:r>
               <a:rPr kumimoji="0" lang="en" altLang="en-US" b="0" i="0" u="none" strike="noStrike" cap="none" normalizeH="0" baseline="0" dirty="0" smtClean="0">
                 <a:ln>
                   <a:noFill/>
@@ -5964,7 +5915,7 @@
               </a:rPr>
               <a:t>the </a:t>
             </a:r>
-            <a:r xmlns:a="http://schemas.openxmlformats.org/drawingml/2006/main">
+            <a:r>
               <a:rPr kumimoji="0" lang="en" altLang="en-US" b="0" i="0" u="none" strike="noStrike" cap="none" normalizeH="0" baseline="0" dirty="0" err="1" smtClean="0">
                 <a:ln>
                   <a:noFill/>
@@ -5978,7 +5929,7 @@
               </a:rPr>
               <a:t>column</a:t>
             </a:r>
-            <a:r xmlns:a="http://schemas.openxmlformats.org/drawingml/2006/main">
+            <a:r>
               <a:rPr kumimoji="0" lang="en" altLang="en-US" b="0" i="0" u="none" strike="noStrike" cap="none" normalizeH="0" baseline="0" dirty="0" smtClean="0">
                 <a:ln>
                   <a:noFill/>
@@ -5992,7 +5943,7 @@
               </a:rPr>
               <a:t> </a:t>
             </a:r>
-            <a:r xmlns:a="http://schemas.openxmlformats.org/drawingml/2006/main">
+            <a:r>
               <a:rPr kumimoji="0" lang="en" altLang="en-US" b="1" i="0" u="none" strike="noStrike" cap="none" normalizeH="0" baseline="0" dirty="0" smtClean="0">
                 <a:ln>
                   <a:noFill/>
@@ -6006,7 +5957,7 @@
               </a:rPr>
               <a:t>Total Sales</a:t>
             </a:r>
-            <a:r xmlns:a="http://schemas.openxmlformats.org/drawingml/2006/main">
+            <a:r>
               <a:rPr kumimoji="0" lang="en" altLang="en-US" b="0" i="0" u="none" strike="noStrike" cap="none" normalizeH="0" baseline="0" dirty="0" smtClean="0">
                 <a:ln>
                   <a:noFill/>
@@ -6020,7 +5971,7 @@
               </a:rPr>
               <a:t> </a:t>
             </a:r>
-            <a:r xmlns:a="http://schemas.openxmlformats.org/drawingml/2006/main">
+            <a:r>
               <a:rPr kumimoji="0" lang="en" altLang="en-US" b="0" i="0" u="none" strike="noStrike" cap="none" normalizeH="0" baseline="0" dirty="0" err="1" smtClean="0">
                 <a:ln>
                   <a:noFill/>
@@ -6034,7 +5985,7 @@
               </a:rPr>
               <a:t>as </a:t>
             </a:r>
-            <a:r xmlns:a="http://schemas.openxmlformats.org/drawingml/2006/main">
+            <a:r>
               <a:rPr kumimoji="0" lang="en" altLang="en-US" b="0" i="0" u="none" strike="noStrike" cap="none" normalizeH="0" baseline="0" dirty="0" smtClean="0">
                 <a:ln>
                   <a:noFill/>
@@ -6101,15 +6052,15 @@
           </a:bodyPr>
           <a:lstStyle/>
           <a:p>
-            <a:r xmlns:a="http://schemas.openxmlformats.org/drawingml/2006/main">
+            <a:r>
               <a:rPr lang="en" sz="2000" dirty="0"/>
               <a:t>= </a:t>
             </a:r>
-            <a:r xmlns:a="http://schemas.openxmlformats.org/drawingml/2006/main">
+            <a:r>
               <a:rPr lang="en" sz="2000" dirty="0" err="1"/>
               <a:t>CalculateTax </a:t>
             </a:r>
-            <a:r xmlns:a="http://schemas.openxmlformats.org/drawingml/2006/main">
+            <a:r>
               <a:rPr lang="en" sz="2000" dirty="0"/>
               <a:t>([Total Sales])</a:t>
             </a:r>
@@ -6175,7 +6126,7 @@
           </a:bodyPr>
           <a:lstStyle/>
           <a:p>
-            <a:pPr xmlns:a="http://schemas.openxmlformats.org/drawingml/2006/main" marR="0" lvl="0" algn="l" defTabSz="914400" rtl="0" eaLnBrk="0" fontAlgn="base" latinLnBrk="0" hangingPunct="0">
+            <a:pPr marR="0" lvl="0" algn="l" defTabSz="914400" rtl="0" eaLnBrk="0" fontAlgn="base" latinLnBrk="0" hangingPunct="0">
               <a:lnSpc>
                 <a:spcPct val="100000"/>
               </a:lnSpc>
@@ -6189,7 +6140,7 @@
               <a:buSzTx/>
               <a:tabLst/>
             </a:pPr>
-            <a:r xmlns:a="http://schemas.openxmlformats.org/drawingml/2006/main">
+            <a:r>
               <a:rPr kumimoji="0" lang="en" altLang="en-US" sz="1800" b="0" i="0" u="none" strike="noStrike" cap="none" normalizeH="0" baseline="0" dirty="0" smtClean="0">
                 <a:ln>
                   <a:noFill/>
@@ -6202,7 +6153,7 @@
               </a:rPr>
               <a:t>6.</a:t>
             </a:r>
-            <a:r xmlns:a="http://schemas.openxmlformats.org/drawingml/2006/main">
+            <a:r>
               <a:rPr kumimoji="0" lang="en" altLang="en-US" sz="1800" b="0" i="0" u="none" strike="noStrike" cap="none" normalizeH="0" dirty="0" smtClean="0">
                 <a:ln>
                   <a:noFill/>
@@ -6215,7 +6166,7 @@
               </a:rPr>
               <a:t> </a:t>
             </a:r>
-            <a:r xmlns:a="http://schemas.openxmlformats.org/drawingml/2006/main">
+            <a:r>
               <a:rPr kumimoji="0" lang="en" altLang="en-US" sz="1800" b="0" i="0" u="none" strike="noStrike" cap="none" normalizeH="0" baseline="0" dirty="0" err="1" smtClean="0">
                 <a:ln>
                   <a:noFill/>
@@ -6228,7 +6179,7 @@
               </a:rPr>
               <a:t>Add</a:t>
             </a:r>
-            <a:r xmlns:a="http://schemas.openxmlformats.org/drawingml/2006/main">
+            <a:r>
               <a:rPr kumimoji="0" lang="en" altLang="en-US" sz="1800" b="0" i="0" u="none" strike="noStrike" cap="none" normalizeH="0" baseline="0" dirty="0" smtClean="0">
                 <a:ln>
                   <a:noFill/>
@@ -6241,7 +6192,7 @@
               </a:rPr>
               <a:t> </a:t>
             </a:r>
-            <a:r xmlns:a="http://schemas.openxmlformats.org/drawingml/2006/main">
+            <a:r>
               <a:rPr kumimoji="0" lang="en" altLang="en-US" sz="1800" b="0" i="0" u="none" strike="noStrike" cap="none" normalizeH="0" baseline="0" dirty="0" err="1" smtClean="0">
                 <a:ln>
                   <a:noFill/>
@@ -6254,7 +6205,7 @@
               </a:rPr>
               <a:t>a</a:t>
             </a:r>
-            <a:r xmlns:a="http://schemas.openxmlformats.org/drawingml/2006/main">
+            <a:r>
               <a:rPr kumimoji="0" lang="en" altLang="en-US" sz="1800" b="0" i="0" u="none" strike="noStrike" cap="none" normalizeH="0" baseline="0" dirty="0" smtClean="0">
                 <a:ln>
                   <a:noFill/>
@@ -6267,7 +6218,7 @@
               </a:rPr>
               <a:t> </a:t>
             </a:r>
-            <a:r xmlns:a="http://schemas.openxmlformats.org/drawingml/2006/main">
+            <a:r>
               <a:rPr kumimoji="0" lang="en" altLang="en-US" sz="1800" b="1" i="0" u="none" strike="noStrike" cap="none" normalizeH="0" baseline="0" dirty="0" smtClean="0">
                 <a:ln>
                   <a:noFill/>
@@ -6280,7 +6231,7 @@
               </a:rPr>
               <a:t>new </a:t>
             </a:r>
-            <a:r xmlns:a="http://schemas.openxmlformats.org/drawingml/2006/main">
+            <a:r>
               <a:rPr kumimoji="0" lang="en" altLang="en-US" sz="1800" b="1" i="0" u="none" strike="noStrike" cap="none" normalizeH="0" baseline="0" dirty="0" err="1" smtClean="0">
                 <a:ln>
                   <a:noFill/>
@@ -6293,7 +6244,7 @@
               </a:rPr>
               <a:t>column</a:t>
             </a:r>
-            <a:r xmlns:a="http://schemas.openxmlformats.org/drawingml/2006/main">
+            <a:r>
               <a:rPr kumimoji="0" lang="en" altLang="en-US" sz="1800" b="1" i="0" u="none" strike="noStrike" cap="none" normalizeH="0" baseline="0" dirty="0" smtClean="0">
                 <a:ln>
                   <a:noFill/>
@@ -6306,7 +6257,7 @@
               </a:rPr>
               <a:t> </a:t>
             </a:r>
-            <a:r xmlns:a="http://schemas.openxmlformats.org/drawingml/2006/main">
+            <a:r>
               <a:rPr kumimoji="0" lang="en" altLang="en-US" sz="1800" b="1" i="0" u="none" strike="noStrike" cap="none" normalizeH="0" baseline="0" dirty="0" err="1" smtClean="0">
                 <a:ln>
                   <a:noFill/>
@@ -6319,7 +6270,7 @@
               </a:rPr>
               <a:t>personalized </a:t>
             </a:r>
-            <a:r xmlns:a="http://schemas.openxmlformats.org/drawingml/2006/main">
+            <a:r>
               <a:rPr kumimoji="0" lang="en" altLang="en-US" sz="1800" b="0" i="0" u="none" strike="noStrike" cap="none" normalizeH="0" baseline="0" dirty="0" smtClean="0">
                 <a:ln>
                   <a:noFill/>
@@ -6334,7 +6285,7 @@
             </a:r>
           </a:p>
           <a:p>
-            <a:pPr xmlns:a="http://schemas.openxmlformats.org/drawingml/2006/main" marR="0" lvl="0" algn="l" defTabSz="914400" rtl="0" eaLnBrk="0" fontAlgn="base" latinLnBrk="0" hangingPunct="0">
+            <a:pPr marR="0" lvl="0" algn="l" defTabSz="914400" rtl="0" eaLnBrk="0" fontAlgn="base" latinLnBrk="0" hangingPunct="0">
               <a:lnSpc>
                 <a:spcPct val="100000"/>
               </a:lnSpc>
@@ -6348,13 +6299,13 @@
               <a:buSzTx/>
               <a:tabLst/>
             </a:pPr>
-            <a:r xmlns:a="http://schemas.openxmlformats.org/drawingml/2006/main">
+            <a:r>
               <a:rPr lang="en" altLang="en-US" dirty="0" smtClean="0">
                 <a:latin typeface="Arial" panose="020B0604020202020204" pitchFamily="34" charset="0"/>
               </a:rPr>
               <a:t>7. </a:t>
             </a:r>
-            <a:r xmlns:a="http://schemas.openxmlformats.org/drawingml/2006/main">
+            <a:r>
               <a:rPr kumimoji="0" lang="en" altLang="en-US" sz="1800" b="0" i="0" u="none" strike="noStrike" cap="none" normalizeH="0" baseline="0" dirty="0" err="1" smtClean="0">
                 <a:ln>
                   <a:noFill/>
@@ -6367,7 +6318,7 @@
               </a:rPr>
               <a:t>Use</a:t>
             </a:r>
-            <a:r xmlns:a="http://schemas.openxmlformats.org/drawingml/2006/main">
+            <a:r>
               <a:rPr kumimoji="0" lang="en" altLang="en-US" sz="1800" b="0" i="0" u="none" strike="noStrike" cap="none" normalizeH="0" baseline="0" dirty="0" smtClean="0">
                 <a:ln>
                   <a:noFill/>
@@ -6380,7 +6331,7 @@
               </a:rPr>
               <a:t> </a:t>
             </a:r>
-            <a:r xmlns:a="http://schemas.openxmlformats.org/drawingml/2006/main">
+            <a:r>
               <a:rPr kumimoji="0" lang="en" altLang="en-US" sz="1800" b="0" i="0" u="none" strike="noStrike" cap="none" normalizeH="0" baseline="0" dirty="0" err="1" smtClean="0">
                 <a:ln>
                   <a:noFill/>
@@ -6393,7 +6344,7 @@
               </a:rPr>
               <a:t>this</a:t>
             </a:r>
-            <a:r xmlns:a="http://schemas.openxmlformats.org/drawingml/2006/main">
+            <a:r>
               <a:rPr kumimoji="0" lang="en" altLang="en-US" sz="1800" b="0" i="0" u="none" strike="noStrike" cap="none" normalizeH="0" baseline="0" dirty="0" smtClean="0">
                 <a:ln>
                   <a:noFill/>
@@ -6406,7 +6357,7 @@
               </a:rPr>
               <a:t> </a:t>
             </a:r>
-            <a:r xmlns:a="http://schemas.openxmlformats.org/drawingml/2006/main">
+            <a:r>
               <a:rPr kumimoji="0" lang="en" altLang="en-US" sz="1800" b="0" i="0" u="none" strike="noStrike" cap="none" normalizeH="0" baseline="0" dirty="0" err="1" smtClean="0">
                 <a:ln>
                   <a:noFill/>
@@ -6419,7 +6370,7 @@
               </a:rPr>
               <a:t>formula </a:t>
             </a:r>
-            <a:r xmlns:a="http://schemas.openxmlformats.org/drawingml/2006/main">
+            <a:r>
               <a:rPr kumimoji="0" lang="en" altLang="en-US" sz="1800" b="0" i="0" u="none" strike="noStrike" cap="none" normalizeH="0" baseline="0" dirty="0" smtClean="0">
                 <a:ln>
                   <a:noFill/>
@@ -6432,7 +6383,7 @@
               </a:rPr>
               <a:t>to </a:t>
             </a:r>
-            <a:r xmlns:a="http://schemas.openxmlformats.org/drawingml/2006/main">
+            <a:r>
               <a:rPr kumimoji="0" lang="en" altLang="en-US" sz="1800" b="0" i="0" u="none" strike="noStrike" cap="none" normalizeH="0" baseline="0" dirty="0" err="1" smtClean="0">
                 <a:ln>
                   <a:noFill/>
@@ -6445,7 +6396,7 @@
               </a:rPr>
               <a:t>add </a:t>
             </a:r>
-            <a:r xmlns:a="http://schemas.openxmlformats.org/drawingml/2006/main">
+            <a:r>
               <a:rPr kumimoji="0" lang="en" altLang="en-US" sz="1800" b="0" i="0" u="none" strike="noStrike" cap="none" normalizeH="0" baseline="0" dirty="0" smtClean="0">
                 <a:ln>
                   <a:noFill/>
@@ -6458,7 +6409,7 @@
               </a:rPr>
               <a:t>tax </a:t>
             </a:r>
-            <a:r xmlns:a="http://schemas.openxmlformats.org/drawingml/2006/main">
+            <a:r>
               <a:rPr kumimoji="0" lang="en" altLang="en-US" sz="1800" b="0" i="0" u="none" strike="noStrike" cap="none" normalizeH="0" baseline="0" dirty="0" err="1" smtClean="0">
                 <a:ln>
                   <a:noFill/>
@@ -6471,7 +6422,7 @@
               </a:rPr>
               <a:t>to </a:t>
             </a:r>
-            <a:r xmlns:a="http://schemas.openxmlformats.org/drawingml/2006/main">
+            <a:r>
               <a:rPr kumimoji="0" lang="en" altLang="en-US" sz="1800" b="0" i="0" u="none" strike="noStrike" cap="none" normalizeH="0" baseline="0" dirty="0" smtClean="0">
                 <a:ln>
                   <a:noFill/>
@@ -6508,7 +6459,7 @@
           </a:bodyPr>
           <a:lstStyle/>
           <a:p>
-            <a:r xmlns:a="http://schemas.openxmlformats.org/drawingml/2006/main">
+            <a:r>
               <a:rPr lang="en" sz="2000" dirty="0"/>
               <a:t>= [Total Sales] + [Sales Tax]</a:t>
             </a:r>
@@ -6536,28 +6487,28 @@
           </a:bodyPr>
           <a:lstStyle/>
           <a:p>
-            <a:r xmlns:a="http://schemas.openxmlformats.org/drawingml/2006/main">
+            <a:r>
               <a:rPr lang="en" dirty="0" smtClean="0">
                 <a:latin typeface="Segoe UI" panose="020B0502040204020203" pitchFamily="34" charset="0"/>
                 <a:cs typeface="Segoe UI" panose="020B0502040204020203" pitchFamily="34" charset="0"/>
               </a:rPr>
               <a:t>8. </a:t>
             </a:r>
-            <a:r xmlns:a="http://schemas.openxmlformats.org/drawingml/2006/main">
+            <a:r>
               <a:rPr lang="en" dirty="0">
                 <a:latin typeface="Segoe UI" panose="020B0502040204020203" pitchFamily="34" charset="0"/>
                 <a:cs typeface="Segoe UI" panose="020B0502040204020203" pitchFamily="34" charset="0"/>
               </a:rPr>
               <a:t>Click </a:t>
             </a:r>
-            <a:r xmlns:a="http://schemas.openxmlformats.org/drawingml/2006/main">
+            <a:r>
               <a:rPr lang="en" b="1" dirty="0">
                 <a:latin typeface="Segoe UI" panose="020B0502040204020203" pitchFamily="34" charset="0"/>
                 <a:cs typeface="Segoe UI" panose="020B0502040204020203" pitchFamily="34" charset="0"/>
               </a:rPr>
               <a:t>OK </a:t>
             </a:r>
-            <a:r xmlns:a="http://schemas.openxmlformats.org/drawingml/2006/main">
+            <a:r>
               <a:rPr lang="en" dirty="0">
                 <a:latin typeface="Segoe UI" panose="020B0502040204020203" pitchFamily="34" charset="0"/>
                 <a:cs typeface="Segoe UI" panose="020B0502040204020203" pitchFamily="34" charset="0"/>
@@ -6619,21 +6570,14 @@
           </a:bodyPr>
           <a:lstStyle/>
           <a:p>
-            <a:r xmlns:a="http://schemas.openxmlformats.org/drawingml/2006/main">
+            <a:r>
               <a:rPr lang="en" sz="2800" dirty="0" smtClean="0">
                 <a:latin typeface="Segoe UI" panose="020B0502040204020203" pitchFamily="34" charset="0"/>
                 <a:cs typeface="Segoe UI" panose="020B0502040204020203" pitchFamily="34" charset="0"/>
               </a:rPr>
-              <a:t>Invoke </a:t>
-            </a:r>
-            <a:r xmlns:a="http://schemas.openxmlformats.org/drawingml/2006/main">
-              <a:rPr lang="en" sz="2800" dirty="0" smtClean="0">
-                <a:latin typeface="Segoe UI" panose="020B0502040204020203" pitchFamily="34" charset="0"/>
-                <a:cs typeface="Segoe UI" panose="020B0502040204020203" pitchFamily="34" charset="0"/>
-              </a:rPr>
-              <a:t>functions</a:t>
-            </a:r>
-            <a:endParaRPr xmlns:a="http://schemas.openxmlformats.org/drawingml/2006/main" lang="fr-FR" sz="2800" dirty="0">
+              <a:t>Invoke functions</a:t>
+            </a:r>
+            <a:endParaRPr lang="fr-FR" sz="2800" dirty="0">
               <a:latin typeface="Segoe UI" panose="020B0502040204020203" pitchFamily="34" charset="0"/>
               <a:cs typeface="Segoe UI" panose="020B0502040204020203" pitchFamily="34" charset="0"/>
             </a:endParaRPr>
@@ -6707,14 +6651,14 @@
                     <a:bodyPr/>
                     <a:lstStyle/>
                     <a:p>
-                      <a:pPr xmlns:a="http://schemas.openxmlformats.org/drawingml/2006/main" algn="ctr" fontAlgn="ctr"/>
-                      <a:r xmlns:a="http://schemas.openxmlformats.org/drawingml/2006/main">
+                      <a:pPr algn="ctr" fontAlgn="ctr"/>
+                      <a:r>
                         <a:rPr lang="en" sz="2400" u="none" strike="noStrike">
                           <a:effectLst/>
                         </a:rPr>
                         <a:t>SalesID</a:t>
                       </a:r>
-                      <a:endParaRPr xmlns:a="http://schemas.openxmlformats.org/drawingml/2006/main" lang="en-US" sz="2400" b="1" i="0" u="none" strike="noStrike">
+                      <a:endParaRPr lang="en-US" sz="2400" b="1" i="0" u="none" strike="noStrike">
                         <a:solidFill>
                           <a:srgbClr val="000000"/>
                         </a:solidFill>
@@ -6730,14 +6674,14 @@
                     <a:bodyPr/>
                     <a:lstStyle/>
                     <a:p>
-                      <a:pPr xmlns:a="http://schemas.openxmlformats.org/drawingml/2006/main" algn="ctr" fontAlgn="ctr"/>
-                      <a:r xmlns:a="http://schemas.openxmlformats.org/drawingml/2006/main">
+                      <a:pPr algn="ctr" fontAlgn="ctr"/>
+                      <a:r>
                         <a:rPr lang="en" sz="2400" u="none" strike="noStrike">
                           <a:effectLst/>
                         </a:rPr>
                         <a:t>Customer Name</a:t>
                       </a:r>
-                      <a:endParaRPr xmlns:a="http://schemas.openxmlformats.org/drawingml/2006/main" lang="en-US" sz="2400" b="1" i="0" u="none" strike="noStrike">
+                      <a:endParaRPr lang="en-US" sz="2400" b="1" i="0" u="none" strike="noStrike">
                         <a:solidFill>
                           <a:srgbClr val="000000"/>
                         </a:solidFill>
@@ -6753,14 +6697,14 @@
                     <a:bodyPr/>
                     <a:lstStyle/>
                     <a:p>
-                      <a:pPr xmlns:a="http://schemas.openxmlformats.org/drawingml/2006/main" algn="ctr" fontAlgn="ctr"/>
-                      <a:r xmlns:a="http://schemas.openxmlformats.org/drawingml/2006/main">
+                      <a:pPr algn="ctr" fontAlgn="ctr"/>
+                      <a:r>
                         <a:rPr lang="en" sz="2400" u="none" strike="noStrike">
                           <a:effectLst/>
                         </a:rPr>
                         <a:t>Total Sales</a:t>
                       </a:r>
-                      <a:endParaRPr xmlns:a="http://schemas.openxmlformats.org/drawingml/2006/main" lang="en-US" sz="2400" b="1" i="0" u="none" strike="noStrike">
+                      <a:endParaRPr lang="en-US" sz="2400" b="1" i="0" u="none" strike="noStrike">
                         <a:solidFill>
                           <a:srgbClr val="000000"/>
                         </a:solidFill>
@@ -6776,14 +6720,14 @@
                     <a:bodyPr/>
                     <a:lstStyle/>
                     <a:p>
-                      <a:pPr xmlns:a="http://schemas.openxmlformats.org/drawingml/2006/main" algn="ctr" fontAlgn="ctr"/>
-                      <a:r xmlns:a="http://schemas.openxmlformats.org/drawingml/2006/main">
+                      <a:pPr algn="ctr" fontAlgn="ctr"/>
+                      <a:r>
                         <a:rPr lang="en" sz="2400" u="none" strike="noStrike">
                           <a:effectLst/>
                         </a:rPr>
                         <a:t>Sales Tax</a:t>
                       </a:r>
-                      <a:endParaRPr xmlns:a="http://schemas.openxmlformats.org/drawingml/2006/main" lang="en-US" sz="2400" b="1" i="0" u="none" strike="noStrike">
+                      <a:endParaRPr lang="en-US" sz="2400" b="1" i="0" u="none" strike="noStrike">
                         <a:solidFill>
                           <a:srgbClr val="000000"/>
                         </a:solidFill>
@@ -6799,14 +6743,14 @@
                     <a:bodyPr/>
                     <a:lstStyle/>
                     <a:p>
-                      <a:pPr xmlns:a="http://schemas.openxmlformats.org/drawingml/2006/main" algn="ctr" fontAlgn="ctr"/>
-                      <a:r xmlns:a="http://schemas.openxmlformats.org/drawingml/2006/main">
+                      <a:pPr algn="ctr" fontAlgn="ctr"/>
+                      <a:r>
                         <a:rPr lang="en" sz="2400" u="none" strike="noStrike">
                           <a:effectLst/>
                         </a:rPr>
                         <a:t>Total with Tax</a:t>
                       </a:r>
-                      <a:endParaRPr xmlns:a="http://schemas.openxmlformats.org/drawingml/2006/main" lang="en-US" sz="2400" b="1" i="0" u="none" strike="noStrike">
+                      <a:endParaRPr lang="en-US" sz="2400" b="1" i="0" u="none" strike="noStrike">
                         <a:solidFill>
                           <a:srgbClr val="000000"/>
                         </a:solidFill>
@@ -6829,14 +6773,14 @@
                     <a:bodyPr/>
                     <a:lstStyle/>
                     <a:p>
-                      <a:pPr xmlns:a="http://schemas.openxmlformats.org/drawingml/2006/main" algn="ctr" fontAlgn="ctr"/>
-                      <a:r xmlns:a="http://schemas.openxmlformats.org/drawingml/2006/main">
+                      <a:pPr algn="ctr" fontAlgn="ctr"/>
+                      <a:r>
                         <a:rPr lang="en" sz="2400" u="none" strike="noStrike">
                           <a:effectLst/>
                         </a:rPr>
                         <a:t>1</a:t>
                       </a:r>
-                      <a:endParaRPr xmlns:a="http://schemas.openxmlformats.org/drawingml/2006/main" lang="en-US" sz="2400" b="0" i="0" u="none" strike="noStrike">
+                      <a:endParaRPr lang="en-US" sz="2400" b="0" i="0" u="none" strike="noStrike">
                         <a:solidFill>
                           <a:srgbClr val="000000"/>
                         </a:solidFill>
@@ -6852,14 +6796,14 @@
                     <a:bodyPr/>
                     <a:lstStyle/>
                     <a:p>
-                      <a:pPr xmlns:a="http://schemas.openxmlformats.org/drawingml/2006/main" algn="ctr" fontAlgn="ctr"/>
-                      <a:r xmlns:a="http://schemas.openxmlformats.org/drawingml/2006/main">
+                      <a:pPr algn="ctr" fontAlgn="ctr"/>
+                      <a:r>
                         <a:rPr lang="en" sz="2400" u="none" strike="noStrike">
                           <a:effectLst/>
                         </a:rPr>
                         <a:t>John Doe</a:t>
                       </a:r>
-                      <a:endParaRPr xmlns:a="http://schemas.openxmlformats.org/drawingml/2006/main" lang="en-US" sz="2400" b="0" i="0" u="none" strike="noStrike">
+                      <a:endParaRPr lang="en-US" sz="2400" b="0" i="0" u="none" strike="noStrike">
                         <a:solidFill>
                           <a:srgbClr val="000000"/>
                         </a:solidFill>
@@ -6875,14 +6819,14 @@
                     <a:bodyPr/>
                     <a:lstStyle/>
                     <a:p>
-                      <a:pPr xmlns:a="http://schemas.openxmlformats.org/drawingml/2006/main" algn="ctr" fontAlgn="ctr"/>
-                      <a:r xmlns:a="http://schemas.openxmlformats.org/drawingml/2006/main">
+                      <a:pPr algn="ctr" fontAlgn="ctr"/>
+                      <a:r>
                         <a:rPr lang="en" sz="2400" u="none" strike="noStrike">
                           <a:effectLst/>
                         </a:rPr>
                         <a:t>1000</a:t>
                       </a:r>
-                      <a:endParaRPr xmlns:a="http://schemas.openxmlformats.org/drawingml/2006/main" lang="en-US" sz="2400" b="0" i="0" u="none" strike="noStrike">
+                      <a:endParaRPr lang="en-US" sz="2400" b="0" i="0" u="none" strike="noStrike">
                         <a:solidFill>
                           <a:srgbClr val="000000"/>
                         </a:solidFill>
@@ -6898,14 +6842,14 @@
                     <a:bodyPr/>
                     <a:lstStyle/>
                     <a:p>
-                      <a:pPr xmlns:a="http://schemas.openxmlformats.org/drawingml/2006/main" algn="ctr" fontAlgn="ctr"/>
-                      <a:r xmlns:a="http://schemas.openxmlformats.org/drawingml/2006/main">
+                      <a:pPr algn="ctr" fontAlgn="ctr"/>
+                      <a:r>
                         <a:rPr lang="en" sz="2400" u="none" strike="noStrike">
                           <a:effectLst/>
                         </a:rPr>
                         <a:t>150</a:t>
                       </a:r>
-                      <a:endParaRPr xmlns:a="http://schemas.openxmlformats.org/drawingml/2006/main" lang="en-US" sz="2400" b="0" i="0" u="none" strike="noStrike">
+                      <a:endParaRPr lang="en-US" sz="2400" b="0" i="0" u="none" strike="noStrike">
                         <a:solidFill>
                           <a:srgbClr val="000000"/>
                         </a:solidFill>
@@ -6921,14 +6865,14 @@
                     <a:bodyPr/>
                     <a:lstStyle/>
                     <a:p>
-                      <a:pPr xmlns:a="http://schemas.openxmlformats.org/drawingml/2006/main" algn="ctr" fontAlgn="ctr"/>
-                      <a:r xmlns:a="http://schemas.openxmlformats.org/drawingml/2006/main">
+                      <a:pPr algn="ctr" fontAlgn="ctr"/>
+                      <a:r>
                         <a:rPr lang="en" sz="2400" u="none" strike="noStrike">
                           <a:effectLst/>
                         </a:rPr>
                         <a:t>1150</a:t>
                       </a:r>
-                      <a:endParaRPr xmlns:a="http://schemas.openxmlformats.org/drawingml/2006/main" lang="en-US" sz="2400" b="0" i="0" u="none" strike="noStrike">
+                      <a:endParaRPr lang="en-US" sz="2400" b="0" i="0" u="none" strike="noStrike">
                         <a:solidFill>
                           <a:srgbClr val="000000"/>
                         </a:solidFill>
@@ -6951,14 +6895,14 @@
                     <a:bodyPr/>
                     <a:lstStyle/>
                     <a:p>
-                      <a:pPr xmlns:a="http://schemas.openxmlformats.org/drawingml/2006/main" algn="ctr" fontAlgn="ctr"/>
-                      <a:r xmlns:a="http://schemas.openxmlformats.org/drawingml/2006/main">
+                      <a:pPr algn="ctr" fontAlgn="ctr"/>
+                      <a:r>
                         <a:rPr lang="en" sz="2400" u="none" strike="noStrike">
                           <a:effectLst/>
                         </a:rPr>
                         <a:t>2</a:t>
                       </a:r>
-                      <a:endParaRPr xmlns:a="http://schemas.openxmlformats.org/drawingml/2006/main" lang="en-US" sz="2400" b="0" i="0" u="none" strike="noStrike">
+                      <a:endParaRPr lang="en-US" sz="2400" b="0" i="0" u="none" strike="noStrike">
                         <a:solidFill>
                           <a:srgbClr val="000000"/>
                         </a:solidFill>
@@ -6974,14 +6918,14 @@
                     <a:bodyPr/>
                     <a:lstStyle/>
                     <a:p>
-                      <a:pPr xmlns:a="http://schemas.openxmlformats.org/drawingml/2006/main" algn="ctr" fontAlgn="ctr"/>
-                      <a:r xmlns:a="http://schemas.openxmlformats.org/drawingml/2006/main">
+                      <a:pPr algn="ctr" fontAlgn="ctr"/>
+                      <a:r>
                         <a:rPr lang="en" sz="2400" u="none" strike="noStrike">
                           <a:effectLst/>
                         </a:rPr>
                         <a:t>Jane Smith</a:t>
                       </a:r>
-                      <a:endParaRPr xmlns:a="http://schemas.openxmlformats.org/drawingml/2006/main" lang="en-US" sz="2400" b="0" i="0" u="none" strike="noStrike">
+                      <a:endParaRPr lang="en-US" sz="2400" b="0" i="0" u="none" strike="noStrike">
                         <a:solidFill>
                           <a:srgbClr val="000000"/>
                         </a:solidFill>
@@ -6997,14 +6941,14 @@
                     <a:bodyPr/>
                     <a:lstStyle/>
                     <a:p>
-                      <a:pPr xmlns:a="http://schemas.openxmlformats.org/drawingml/2006/main" algn="ctr" fontAlgn="ctr"/>
-                      <a:r xmlns:a="http://schemas.openxmlformats.org/drawingml/2006/main">
+                      <a:pPr algn="ctr" fontAlgn="ctr"/>
+                      <a:r>
                         <a:rPr lang="en" sz="2400" u="none" strike="noStrike">
                           <a:effectLst/>
                         </a:rPr>
                         <a:t>2000</a:t>
                       </a:r>
-                      <a:endParaRPr xmlns:a="http://schemas.openxmlformats.org/drawingml/2006/main" lang="en-US" sz="2400" b="0" i="0" u="none" strike="noStrike">
+                      <a:endParaRPr lang="en-US" sz="2400" b="0" i="0" u="none" strike="noStrike">
                         <a:solidFill>
                           <a:srgbClr val="000000"/>
                         </a:solidFill>
@@ -7020,14 +6964,14 @@
                     <a:bodyPr/>
                     <a:lstStyle/>
                     <a:p>
-                      <a:pPr xmlns:a="http://schemas.openxmlformats.org/drawingml/2006/main" algn="ctr" fontAlgn="ctr"/>
-                      <a:r xmlns:a="http://schemas.openxmlformats.org/drawingml/2006/main">
+                      <a:pPr algn="ctr" fontAlgn="ctr"/>
+                      <a:r>
                         <a:rPr lang="en" sz="2400" u="none" strike="noStrike">
                           <a:effectLst/>
                         </a:rPr>
                         <a:t>300</a:t>
                       </a:r>
-                      <a:endParaRPr xmlns:a="http://schemas.openxmlformats.org/drawingml/2006/main" lang="en-US" sz="2400" b="0" i="0" u="none" strike="noStrike">
+                      <a:endParaRPr lang="en-US" sz="2400" b="0" i="0" u="none" strike="noStrike">
                         <a:solidFill>
                           <a:srgbClr val="000000"/>
                         </a:solidFill>
@@ -7043,14 +6987,14 @@
                     <a:bodyPr/>
                     <a:lstStyle/>
                     <a:p>
-                      <a:pPr xmlns:a="http://schemas.openxmlformats.org/drawingml/2006/main" algn="ctr" fontAlgn="ctr"/>
-                      <a:r xmlns:a="http://schemas.openxmlformats.org/drawingml/2006/main">
+                      <a:pPr algn="ctr" fontAlgn="ctr"/>
+                      <a:r>
                         <a:rPr lang="en" sz="2400" u="none" strike="noStrike">
                           <a:effectLst/>
                         </a:rPr>
                         <a:t>2300</a:t>
                       </a:r>
-                      <a:endParaRPr xmlns:a="http://schemas.openxmlformats.org/drawingml/2006/main" lang="en-US" sz="2400" b="0" i="0" u="none" strike="noStrike">
+                      <a:endParaRPr lang="en-US" sz="2400" b="0" i="0" u="none" strike="noStrike">
                         <a:solidFill>
                           <a:srgbClr val="000000"/>
                         </a:solidFill>
@@ -7073,14 +7017,14 @@
                     <a:bodyPr/>
                     <a:lstStyle/>
                     <a:p>
-                      <a:pPr xmlns:a="http://schemas.openxmlformats.org/drawingml/2006/main" algn="ctr" fontAlgn="ctr"/>
-                      <a:r xmlns:a="http://schemas.openxmlformats.org/drawingml/2006/main">
+                      <a:pPr algn="ctr" fontAlgn="ctr"/>
+                      <a:r>
                         <a:rPr lang="en" sz="2400" u="none" strike="noStrike">
                           <a:effectLst/>
                         </a:rPr>
                         <a:t>3</a:t>
                       </a:r>
-                      <a:endParaRPr xmlns:a="http://schemas.openxmlformats.org/drawingml/2006/main" lang="en-US" sz="2400" b="0" i="0" u="none" strike="noStrike">
+                      <a:endParaRPr lang="en-US" sz="2400" b="0" i="0" u="none" strike="noStrike">
                         <a:solidFill>
                           <a:srgbClr val="000000"/>
                         </a:solidFill>
@@ -7096,14 +7040,14 @@
                     <a:bodyPr/>
                     <a:lstStyle/>
                     <a:p>
-                      <a:pPr xmlns:a="http://schemas.openxmlformats.org/drawingml/2006/main" algn="ctr" fontAlgn="ctr"/>
-                      <a:r xmlns:a="http://schemas.openxmlformats.org/drawingml/2006/main">
+                      <a:pPr algn="ctr" fontAlgn="ctr"/>
+                      <a:r>
                         <a:rPr lang="en" sz="2400" u="none" strike="noStrike">
                           <a:effectLst/>
                         </a:rPr>
                         <a:t>Bob Johnson</a:t>
                       </a:r>
-                      <a:endParaRPr xmlns:a="http://schemas.openxmlformats.org/drawingml/2006/main" lang="en-US" sz="2400" b="0" i="0" u="none" strike="noStrike">
+                      <a:endParaRPr lang="en-US" sz="2400" b="0" i="0" u="none" strike="noStrike">
                         <a:solidFill>
                           <a:srgbClr val="000000"/>
                         </a:solidFill>
@@ -7119,14 +7063,14 @@
                     <a:bodyPr/>
                     <a:lstStyle/>
                     <a:p>
-                      <a:pPr xmlns:a="http://schemas.openxmlformats.org/drawingml/2006/main" algn="ctr" fontAlgn="ctr"/>
-                      <a:r xmlns:a="http://schemas.openxmlformats.org/drawingml/2006/main">
+                      <a:pPr algn="ctr" fontAlgn="ctr"/>
+                      <a:r>
                         <a:rPr lang="en" sz="2400" u="none" strike="noStrike">
                           <a:effectLst/>
                         </a:rPr>
                         <a:t>1500</a:t>
                       </a:r>
-                      <a:endParaRPr xmlns:a="http://schemas.openxmlformats.org/drawingml/2006/main" lang="en-US" sz="2400" b="0" i="0" u="none" strike="noStrike">
+                      <a:endParaRPr lang="en-US" sz="2400" b="0" i="0" u="none" strike="noStrike">
                         <a:solidFill>
                           <a:srgbClr val="000000"/>
                         </a:solidFill>
@@ -7142,14 +7086,14 @@
                     <a:bodyPr/>
                     <a:lstStyle/>
                     <a:p>
-                      <a:pPr xmlns:a="http://schemas.openxmlformats.org/drawingml/2006/main" algn="ctr" fontAlgn="ctr"/>
-                      <a:r xmlns:a="http://schemas.openxmlformats.org/drawingml/2006/main">
+                      <a:pPr algn="ctr" fontAlgn="ctr"/>
+                      <a:r>
                         <a:rPr lang="en" sz="2400" u="none" strike="noStrike">
                           <a:effectLst/>
                         </a:rPr>
                         <a:t>225</a:t>
                       </a:r>
-                      <a:endParaRPr xmlns:a="http://schemas.openxmlformats.org/drawingml/2006/main" lang="en-US" sz="2400" b="0" i="0" u="none" strike="noStrike">
+                      <a:endParaRPr lang="en-US" sz="2400" b="0" i="0" u="none" strike="noStrike">
                         <a:solidFill>
                           <a:srgbClr val="000000"/>
                         </a:solidFill>
@@ -7165,14 +7109,14 @@
                     <a:bodyPr/>
                     <a:lstStyle/>
                     <a:p>
-                      <a:pPr xmlns:a="http://schemas.openxmlformats.org/drawingml/2006/main" algn="ctr" fontAlgn="ctr"/>
-                      <a:r xmlns:a="http://schemas.openxmlformats.org/drawingml/2006/main">
+                      <a:pPr algn="ctr" fontAlgn="ctr"/>
+                      <a:r>
                         <a:rPr lang="en" sz="2400" u="none" strike="noStrike" dirty="0">
                           <a:effectLst/>
                         </a:rPr>
                         <a:t>1725</a:t>
                       </a:r>
-                      <a:endParaRPr xmlns:a="http://schemas.openxmlformats.org/drawingml/2006/main" lang="en-US" sz="2400" b="0" i="0" u="none" strike="noStrike" dirty="0">
+                      <a:endParaRPr lang="en-US" sz="2400" b="0" i="0" u="none" strike="noStrike" dirty="0">
                         <a:solidFill>
                           <a:srgbClr val="000000"/>
                         </a:solidFill>
@@ -7214,14 +7158,14 @@
           </a:bodyPr>
           <a:lstStyle/>
           <a:p>
-            <a:r xmlns:a="http://schemas.openxmlformats.org/drawingml/2006/main">
+            <a:r>
               <a:rPr lang="en" dirty="0" smtClean="0">
                 <a:latin typeface="Segoe UI" panose="020B0502040204020203" pitchFamily="34" charset="0"/>
                 <a:cs typeface="Segoe UI" panose="020B0502040204020203" pitchFamily="34" charset="0"/>
               </a:rPr>
               <a:t>The expected result</a:t>
             </a:r>
-            <a:endParaRPr xmlns:a="http://schemas.openxmlformats.org/drawingml/2006/main" lang="fr-FR" dirty="0">
+            <a:endParaRPr lang="fr-FR" dirty="0">
               <a:latin typeface="Segoe UI" panose="020B0502040204020203" pitchFamily="34" charset="0"/>
               <a:cs typeface="Segoe UI" panose="020B0502040204020203" pitchFamily="34" charset="0"/>
             </a:endParaRPr>
@@ -7313,8 +7257,8 @@
         </p:nvSpPr>
         <p:spPr>
           <a:xfrm>
-            <a:off x="4084981" y="2485566"/>
-            <a:ext cx="3456395" cy="1569660"/>
+            <a:off x="2978075" y="2485566"/>
+            <a:ext cx="6230360" cy="1569660"/>
           </a:xfrm>
           <a:prstGeom prst="rect">
             <a:avLst/>
@@ -7327,8 +7271,8 @@
           </a:bodyPr>
           <a:lstStyle/>
           <a:p>
-            <a:r xmlns:a="http://schemas.openxmlformats.org/drawingml/2006/main">
-              <a:rPr lang="en" sz="9600" b="1" dirty="0" smtClean="0">
+            <a:r>
+              <a:rPr lang="en-US" sz="9600" b="1" dirty="0" smtClean="0">
                 <a:solidFill>
                   <a:srgbClr val="7030A0"/>
                 </a:solidFill>
@@ -7336,9 +7280,9 @@
                 <a:ea typeface="Verdana" panose="020B0604030504040204" pitchFamily="34" charset="0"/>
                 <a:cs typeface="Segoe UI" panose="020B0502040204020203" pitchFamily="34" charset="0"/>
               </a:rPr>
-              <a:t>THANKS</a:t>
-            </a:r>
-            <a:endParaRPr xmlns:a="http://schemas.openxmlformats.org/drawingml/2006/main" lang="en-US" sz="9600" b="1" dirty="0">
+              <a:t>Thank you</a:t>
+            </a:r>
+            <a:endParaRPr lang="en-US" sz="9600" b="1" dirty="0">
               <a:solidFill>
                 <a:srgbClr val="7030A0"/>
               </a:solidFill>
@@ -7357,8 +7301,8 @@
         </p:nvSpPr>
         <p:spPr>
           <a:xfrm>
-            <a:off x="4014739" y="2410365"/>
-            <a:ext cx="3456395" cy="1569660"/>
+            <a:off x="2907833" y="2410365"/>
+            <a:ext cx="6230360" cy="1569660"/>
           </a:xfrm>
           <a:prstGeom prst="rect">
             <a:avLst/>
@@ -7371,8 +7315,8 @@
           </a:bodyPr>
           <a:lstStyle/>
           <a:p>
-            <a:r xmlns:a="http://schemas.openxmlformats.org/drawingml/2006/main">
-              <a:rPr lang="en" sz="9600" b="1" dirty="0" smtClean="0">
+            <a:r>
+              <a:rPr lang="en-US" sz="9600" b="1" dirty="0" smtClean="0">
                 <a:solidFill>
                   <a:schemeClr val="bg1"/>
                 </a:solidFill>
@@ -7380,9 +7324,9 @@
                 <a:ea typeface="Verdana" panose="020B0604030504040204" pitchFamily="34" charset="0"/>
                 <a:cs typeface="Segoe UI" panose="020B0502040204020203" pitchFamily="34" charset="0"/>
               </a:rPr>
-              <a:t>THANKS</a:t>
-            </a:r>
-            <a:endParaRPr xmlns:a="http://schemas.openxmlformats.org/drawingml/2006/main" lang="en-US" sz="9600" b="1" dirty="0">
+              <a:t>Thank you</a:t>
+            </a:r>
+            <a:endParaRPr lang="en-US" sz="9600" b="1" dirty="0">
               <a:solidFill>
                 <a:schemeClr val="bg1"/>
               </a:solidFill>

--- a/English/2.Preparing data/7.Invoke function.pptx
+++ b/English/2.Preparing data/7.Invoke function.pptx
@@ -203,7 +203,7 @@
           <a:p>
             <a:fld id="{056BA3B8-9F76-4D81-B71D-76CB85363062}" type="datetimeFigureOut">
               <a:rPr lang="en-US" smtClean="0"/>
-              <a:t>4/3/2025</a:t>
+              <a:t>4/8/2025</a:t>
             </a:fld>
             <a:endParaRPr lang="en-US"/>
           </a:p>
@@ -602,7 +602,7 @@
           <a:p>
             <a:fld id="{6F01DA4D-20EA-48D2-973C-0311EC3005D6}" type="datetimeFigureOut">
               <a:rPr lang="en-US" smtClean="0"/>
-              <a:t>4/3/2025</a:t>
+              <a:t>4/8/2025</a:t>
             </a:fld>
             <a:endParaRPr lang="en-US"/>
           </a:p>
@@ -772,7 +772,7 @@
           <a:p>
             <a:fld id="{6F01DA4D-20EA-48D2-973C-0311EC3005D6}" type="datetimeFigureOut">
               <a:rPr lang="en-US" smtClean="0"/>
-              <a:t>4/3/2025</a:t>
+              <a:t>4/8/2025</a:t>
             </a:fld>
             <a:endParaRPr lang="en-US"/>
           </a:p>
@@ -952,7 +952,7 @@
           <a:p>
             <a:fld id="{6F01DA4D-20EA-48D2-973C-0311EC3005D6}" type="datetimeFigureOut">
               <a:rPr lang="en-US" smtClean="0"/>
-              <a:t>4/3/2025</a:t>
+              <a:t>4/8/2025</a:t>
             </a:fld>
             <a:endParaRPr lang="en-US"/>
           </a:p>
@@ -1122,7 +1122,7 @@
           <a:p>
             <a:fld id="{6F01DA4D-20EA-48D2-973C-0311EC3005D6}" type="datetimeFigureOut">
               <a:rPr lang="en-US" smtClean="0"/>
-              <a:t>4/3/2025</a:t>
+              <a:t>4/8/2025</a:t>
             </a:fld>
             <a:endParaRPr lang="en-US"/>
           </a:p>
@@ -1368,7 +1368,7 @@
           <a:p>
             <a:fld id="{6F01DA4D-20EA-48D2-973C-0311EC3005D6}" type="datetimeFigureOut">
               <a:rPr lang="en-US" smtClean="0"/>
-              <a:t>4/3/2025</a:t>
+              <a:t>4/8/2025</a:t>
             </a:fld>
             <a:endParaRPr lang="en-US"/>
           </a:p>
@@ -1600,7 +1600,7 @@
           <a:p>
             <a:fld id="{6F01DA4D-20EA-48D2-973C-0311EC3005D6}" type="datetimeFigureOut">
               <a:rPr lang="en-US" smtClean="0"/>
-              <a:t>4/3/2025</a:t>
+              <a:t>4/8/2025</a:t>
             </a:fld>
             <a:endParaRPr lang="en-US"/>
           </a:p>
@@ -1967,7 +1967,7 @@
           <a:p>
             <a:fld id="{6F01DA4D-20EA-48D2-973C-0311EC3005D6}" type="datetimeFigureOut">
               <a:rPr lang="en-US" smtClean="0"/>
-              <a:t>4/3/2025</a:t>
+              <a:t>4/8/2025</a:t>
             </a:fld>
             <a:endParaRPr lang="en-US"/>
           </a:p>
@@ -2085,7 +2085,7 @@
           <a:p>
             <a:fld id="{6F01DA4D-20EA-48D2-973C-0311EC3005D6}" type="datetimeFigureOut">
               <a:rPr lang="en-US" smtClean="0"/>
-              <a:t>4/3/2025</a:t>
+              <a:t>4/8/2025</a:t>
             </a:fld>
             <a:endParaRPr lang="en-US"/>
           </a:p>
@@ -2180,7 +2180,7 @@
           <a:p>
             <a:fld id="{6F01DA4D-20EA-48D2-973C-0311EC3005D6}" type="datetimeFigureOut">
               <a:rPr lang="en-US" smtClean="0"/>
-              <a:t>4/3/2025</a:t>
+              <a:t>4/8/2025</a:t>
             </a:fld>
             <a:endParaRPr lang="en-US"/>
           </a:p>
@@ -2457,7 +2457,7 @@
           <a:p>
             <a:fld id="{6F01DA4D-20EA-48D2-973C-0311EC3005D6}" type="datetimeFigureOut">
               <a:rPr lang="en-US" smtClean="0"/>
-              <a:t>4/3/2025</a:t>
+              <a:t>4/8/2025</a:t>
             </a:fld>
             <a:endParaRPr lang="en-US"/>
           </a:p>
@@ -2710,7 +2710,7 @@
           <a:p>
             <a:fld id="{6F01DA4D-20EA-48D2-973C-0311EC3005D6}" type="datetimeFigureOut">
               <a:rPr lang="en-US" smtClean="0"/>
-              <a:t>4/3/2025</a:t>
+              <a:t>4/8/2025</a:t>
             </a:fld>
             <a:endParaRPr lang="en-US"/>
           </a:p>
@@ -2923,7 +2923,7 @@
           <a:p>
             <a:fld id="{6F01DA4D-20EA-48D2-973C-0311EC3005D6}" type="datetimeFigureOut">
               <a:rPr lang="en-US" smtClean="0"/>
-              <a:t>4/3/2025</a:t>
+              <a:t>4/8/2025</a:t>
             </a:fld>
             <a:endParaRPr lang="en-US"/>
           </a:p>
@@ -4028,7 +4028,7 @@
         <p:spPr bwMode="auto">
           <a:xfrm>
             <a:off x="770466" y="903869"/>
-            <a:ext cx="8285153" cy="1477328"/>
+            <a:ext cx="7128233" cy="1477328"/>
           </a:xfrm>
           <a:prstGeom prst="rect">
             <a:avLst/>
@@ -4105,7 +4105,7 @@
             </a:endParaRPr>
           </a:p>
           <a:p>
-            <a:pPr marL="342900" marR="0" lvl="0" indent="-342900" algn="l" defTabSz="914400" rtl="0" eaLnBrk="0" fontAlgn="base" latinLnBrk="0" hangingPunct="0">
+            <a:pPr marL="285750" marR="0" lvl="0" indent="-285750" algn="l" defTabSz="914400" rtl="0" eaLnBrk="0" fontAlgn="base" latinLnBrk="0" hangingPunct="0">
               <a:lnSpc>
                 <a:spcPct val="100000"/>
               </a:lnSpc>
@@ -4117,8 +4117,8 @@
               </a:spcAft>
               <a:buClrTx/>
               <a:buSzTx/>
-              <a:buFont typeface="+mj-lt"/>
-              <a:buAutoNum type="arabicPeriod"/>
+              <a:buFont typeface="Arial" panose="020B0604020202020204" pitchFamily="34" charset="0"/>
+              <a:buChar char="•"/>
               <a:tabLst/>
             </a:pPr>
             <a:r>
@@ -4305,7 +4305,7 @@
             </a:r>
           </a:p>
           <a:p>
-            <a:pPr marL="342900" marR="0" lvl="0" indent="-342900" algn="l" defTabSz="914400" rtl="0" eaLnBrk="0" fontAlgn="base" latinLnBrk="0" hangingPunct="0">
+            <a:pPr marL="285750" marR="0" lvl="0" indent="-285750" algn="l" defTabSz="914400" rtl="0" eaLnBrk="0" fontAlgn="base" latinLnBrk="0" hangingPunct="0">
               <a:lnSpc>
                 <a:spcPct val="100000"/>
               </a:lnSpc>
@@ -4317,8 +4317,8 @@
               </a:spcAft>
               <a:buClrTx/>
               <a:buSzTx/>
-              <a:buFont typeface="+mj-lt"/>
-              <a:buAutoNum type="arabicPeriod"/>
+              <a:buFont typeface="Arial" panose="020B0604020202020204" pitchFamily="34" charset="0"/>
+              <a:buChar char="•"/>
               <a:tabLst/>
             </a:pPr>
             <a:r>
@@ -4505,7 +4505,7 @@
             </a:r>
           </a:p>
           <a:p>
-            <a:pPr marL="342900" marR="0" lvl="0" indent="-342900" algn="l" defTabSz="914400" rtl="0" eaLnBrk="0" fontAlgn="base" latinLnBrk="0" hangingPunct="0">
+            <a:pPr marL="285750" marR="0" lvl="0" indent="-285750" algn="l" defTabSz="914400" rtl="0" eaLnBrk="0" fontAlgn="base" latinLnBrk="0" hangingPunct="0">
               <a:lnSpc>
                 <a:spcPct val="100000"/>
               </a:lnSpc>
@@ -4517,8 +4517,8 @@
               </a:spcAft>
               <a:buClrTx/>
               <a:buSzTx/>
-              <a:buFont typeface="+mj-lt"/>
-              <a:buAutoNum type="arabicPeriod"/>
+              <a:buFont typeface="Arial" panose="020B0604020202020204" pitchFamily="34" charset="0"/>
+              <a:buChar char="•"/>
               <a:tabLst/>
             </a:pPr>
             <a:r>
@@ -4691,7 +4691,7 @@
             </a:r>
           </a:p>
           <a:p>
-            <a:pPr marL="342900" marR="0" lvl="0" indent="-342900" algn="l" defTabSz="914400" rtl="0" eaLnBrk="0" fontAlgn="base" latinLnBrk="0" hangingPunct="0">
+            <a:pPr marL="285750" marR="0" lvl="0" indent="-285750" algn="l" defTabSz="914400" rtl="0" eaLnBrk="0" fontAlgn="base" latinLnBrk="0" hangingPunct="0">
               <a:lnSpc>
                 <a:spcPct val="100000"/>
               </a:lnSpc>
@@ -4703,8 +4703,8 @@
               </a:spcAft>
               <a:buClrTx/>
               <a:buSzTx/>
-              <a:buFont typeface="+mj-lt"/>
-              <a:buAutoNum type="arabicPeriod"/>
+              <a:buFont typeface="Arial" panose="020B0604020202020204" pitchFamily="34" charset="0"/>
+              <a:buChar char="•"/>
               <a:tabLst/>
             </a:pPr>
             <a:r>
@@ -4746,7 +4746,7 @@
         </p:nvSpPr>
         <p:spPr>
           <a:xfrm>
-            <a:off x="770466" y="2577237"/>
+            <a:off x="1306731" y="2597862"/>
             <a:ext cx="3530601" cy="1754326"/>
           </a:xfrm>
           <a:prstGeom prst="rect">
@@ -4764,7 +4764,21 @@
                 <a:latin typeface="Segoe UI" panose="020B0502040204020203" pitchFamily="34" charset="0"/>
                 <a:cs typeface="Segoe UI" panose="020B0502040204020203" pitchFamily="34" charset="0"/>
               </a:rPr>
-              <a:t>Total as number) as number =&gt;</a:t>
+              <a:t>Total </a:t>
+            </a:r>
+            <a:r>
+              <a:rPr lang="en" dirty="0" smtClean="0">
+                <a:latin typeface="Segoe UI" panose="020B0502040204020203" pitchFamily="34" charset="0"/>
+                <a:cs typeface="Segoe UI" panose="020B0502040204020203" pitchFamily="34" charset="0"/>
+              </a:rPr>
+              <a:t>as </a:t>
+            </a:r>
+            <a:r>
+              <a:rPr lang="en" dirty="0">
+                <a:latin typeface="Segoe UI" panose="020B0502040204020203" pitchFamily="34" charset="0"/>
+                <a:cs typeface="Segoe UI" panose="020B0502040204020203" pitchFamily="34" charset="0"/>
+              </a:rPr>
+              <a:t>number =&gt;</a:t>
             </a:r>
           </a:p>
           <a:p>
@@ -5113,7 +5127,7 @@
         <p:spPr bwMode="auto">
           <a:xfrm>
             <a:off x="423332" y="872404"/>
-            <a:ext cx="8902630" cy="2031325"/>
+            <a:ext cx="8615692" cy="2031325"/>
           </a:xfrm>
           <a:prstGeom prst="rect">
             <a:avLst/>
@@ -5190,7 +5204,7 @@
             </a:endParaRPr>
           </a:p>
           <a:p>
-            <a:pPr marL="342900" marR="0" lvl="0" indent="-342900" algn="l" defTabSz="914400" rtl="0" eaLnBrk="0" fontAlgn="base" latinLnBrk="0" hangingPunct="0">
+            <a:pPr marL="285750" marR="0" lvl="0" indent="-285750" algn="l" defTabSz="914400" rtl="0" eaLnBrk="0" fontAlgn="base" latinLnBrk="0" hangingPunct="0">
               <a:lnSpc>
                 <a:spcPct val="100000"/>
               </a:lnSpc>
@@ -5202,8 +5216,8 @@
               </a:spcAft>
               <a:buClrTx/>
               <a:buSzTx/>
-              <a:buFont typeface="+mj-lt"/>
-              <a:buAutoNum type="arabicPeriod"/>
+              <a:buFont typeface="Arial" panose="020B0604020202020204" pitchFamily="34" charset="0"/>
+              <a:buChar char="•"/>
               <a:tabLst/>
             </a:pPr>
             <a:r>
@@ -5313,7 +5327,7 @@
             </a:r>
           </a:p>
           <a:p>
-            <a:pPr marL="342900" marR="0" lvl="0" indent="-342900" algn="l" defTabSz="914400" rtl="0" eaLnBrk="0" fontAlgn="base" latinLnBrk="0" hangingPunct="0">
+            <a:pPr marL="285750" marR="0" lvl="0" indent="-285750" algn="l" defTabSz="914400" rtl="0" eaLnBrk="0" fontAlgn="base" latinLnBrk="0" hangingPunct="0">
               <a:lnSpc>
                 <a:spcPct val="100000"/>
               </a:lnSpc>
@@ -5325,8 +5339,8 @@
               </a:spcAft>
               <a:buClrTx/>
               <a:buSzTx/>
-              <a:buFont typeface="+mj-lt"/>
-              <a:buAutoNum type="arabicPeriod"/>
+              <a:buFont typeface="Arial" panose="020B0604020202020204" pitchFamily="34" charset="0"/>
+              <a:buChar char="•"/>
               <a:tabLst/>
             </a:pPr>
             <a:r>
@@ -5485,7 +5499,7 @@
             </a:r>
           </a:p>
           <a:p>
-            <a:pPr marL="342900" marR="0" lvl="0" indent="-342900" algn="l" defTabSz="914400" rtl="0" eaLnBrk="0" fontAlgn="base" latinLnBrk="0" hangingPunct="0">
+            <a:pPr marL="285750" marR="0" lvl="0" indent="-285750" algn="l" defTabSz="914400" rtl="0" eaLnBrk="0" fontAlgn="base" latinLnBrk="0" hangingPunct="0">
               <a:lnSpc>
                 <a:spcPct val="100000"/>
               </a:lnSpc>
@@ -5497,8 +5511,8 @@
               </a:spcAft>
               <a:buClrTx/>
               <a:buSzTx/>
-              <a:buFont typeface="+mj-lt"/>
-              <a:buAutoNum type="arabicPeriod"/>
+              <a:buFont typeface="Arial" panose="020B0604020202020204" pitchFamily="34" charset="0"/>
+              <a:buChar char="•"/>
               <a:tabLst/>
             </a:pPr>
             <a:r>
@@ -5671,7 +5685,7 @@
             </a:r>
           </a:p>
           <a:p>
-            <a:pPr marL="342900" marR="0" lvl="0" indent="-342900" algn="l" defTabSz="914400" rtl="0" eaLnBrk="0" fontAlgn="base" latinLnBrk="0" hangingPunct="0">
+            <a:pPr marL="285750" marR="0" lvl="0" indent="-285750" algn="l" defTabSz="914400" rtl="0" eaLnBrk="0" fontAlgn="base" latinLnBrk="0" hangingPunct="0">
               <a:lnSpc>
                 <a:spcPct val="100000"/>
               </a:lnSpc>
@@ -5683,8 +5697,8 @@
               </a:spcAft>
               <a:buClrTx/>
               <a:buSzTx/>
-              <a:buFont typeface="+mj-lt"/>
-              <a:buAutoNum type="arabicPeriod"/>
+              <a:buFont typeface="Arial" panose="020B0604020202020204" pitchFamily="34" charset="0"/>
+              <a:buChar char="•"/>
               <a:tabLst/>
             </a:pPr>
             <a:r>
@@ -5787,7 +5801,7 @@
             </a:r>
           </a:p>
           <a:p>
-            <a:pPr marL="342900" marR="0" lvl="0" indent="-342900" algn="l" defTabSz="914400" rtl="0" eaLnBrk="0" fontAlgn="base" latinLnBrk="0" hangingPunct="0">
+            <a:pPr marL="285750" marR="0" lvl="0" indent="-285750" algn="l" defTabSz="914400" rtl="0" eaLnBrk="0" fontAlgn="base" latinLnBrk="0" hangingPunct="0">
               <a:lnSpc>
                 <a:spcPct val="100000"/>
               </a:lnSpc>
@@ -5799,8 +5813,8 @@
               </a:spcAft>
               <a:buClrTx/>
               <a:buSzTx/>
-              <a:buFont typeface="+mj-lt"/>
-              <a:buAutoNum type="arabicPeriod"/>
+              <a:buFont typeface="Arial" panose="020B0604020202020204" pitchFamily="34" charset="0"/>
+              <a:buChar char="•"/>
               <a:tabLst/>
             </a:pPr>
             <a:r>
@@ -6078,7 +6092,7 @@
         <p:spPr bwMode="auto">
           <a:xfrm>
             <a:off x="423332" y="3509640"/>
-            <a:ext cx="6186309" cy="646331"/>
+            <a:ext cx="5269391" cy="646331"/>
           </a:xfrm>
           <a:prstGeom prst="rect">
             <a:avLst/>
@@ -6126,7 +6140,7 @@
           </a:bodyPr>
           <a:lstStyle/>
           <a:p>
-            <a:pPr marR="0" lvl="0" algn="l" defTabSz="914400" rtl="0" eaLnBrk="0" fontAlgn="base" latinLnBrk="0" hangingPunct="0">
+            <a:pPr marL="285750" marR="0" lvl="0" indent="-285750" algn="l" defTabSz="914400" rtl="0" eaLnBrk="0" fontAlgn="base" latinLnBrk="0" hangingPunct="0">
               <a:lnSpc>
                 <a:spcPct val="100000"/>
               </a:lnSpc>
@@ -6138,6 +6152,8 @@
               </a:spcAft>
               <a:buClrTx/>
               <a:buSzTx/>
+              <a:buFont typeface="Arial" panose="020B0604020202020204" pitchFamily="34" charset="0"/>
+              <a:buChar char="•"/>
               <a:tabLst/>
             </a:pPr>
             <a:r>
@@ -6285,7 +6301,7 @@
             </a:r>
           </a:p>
           <a:p>
-            <a:pPr marR="0" lvl="0" algn="l" defTabSz="914400" rtl="0" eaLnBrk="0" fontAlgn="base" latinLnBrk="0" hangingPunct="0">
+            <a:pPr marL="285750" marR="0" lvl="0" indent="-285750" algn="l" defTabSz="914400" rtl="0" eaLnBrk="0" fontAlgn="base" latinLnBrk="0" hangingPunct="0">
               <a:lnSpc>
                 <a:spcPct val="100000"/>
               </a:lnSpc>
@@ -6297,6 +6313,8 @@
               </a:spcAft>
               <a:buClrTx/>
               <a:buSzTx/>
+              <a:buFont typeface="Arial" panose="020B0604020202020204" pitchFamily="34" charset="0"/>
+              <a:buChar char="•"/>
               <a:tabLst/>
             </a:pPr>
             <a:r>
